--- a/doc/0.공용폴더/07 스토리보드/스토리보드 - 로그인관련.pptx
+++ b/doc/0.공용폴더/07 스토리보드/스토리보드 - 로그인관련.pptx
@@ -298,7 +298,7 @@
             <a:fld id="{4204022D-519A-4CD6-99D3-23FD7668B2FE}" type="datetimeFigureOut">
               <a:rPr lang="ko-KR" altLang="en-US" smtClean="0"/>
               <a:pPr/>
-              <a:t>2020-06-30</a:t>
+              <a:t>2020-07-01</a:t>
             </a:fld>
             <a:endParaRPr lang="ko-KR" altLang="en-US"/>
           </a:p>
@@ -465,7 +465,7 @@
             <a:fld id="{4204022D-519A-4CD6-99D3-23FD7668B2FE}" type="datetimeFigureOut">
               <a:rPr lang="ko-KR" altLang="en-US" smtClean="0"/>
               <a:pPr/>
-              <a:t>2020-06-30</a:t>
+              <a:t>2020-07-01</a:t>
             </a:fld>
             <a:endParaRPr lang="ko-KR" altLang="en-US"/>
           </a:p>
@@ -642,7 +642,7 @@
             <a:fld id="{4204022D-519A-4CD6-99D3-23FD7668B2FE}" type="datetimeFigureOut">
               <a:rPr lang="ko-KR" altLang="en-US" smtClean="0"/>
               <a:pPr/>
-              <a:t>2020-06-30</a:t>
+              <a:t>2020-07-01</a:t>
             </a:fld>
             <a:endParaRPr lang="ko-KR" altLang="en-US"/>
           </a:p>
@@ -809,7 +809,7 @@
             <a:fld id="{4204022D-519A-4CD6-99D3-23FD7668B2FE}" type="datetimeFigureOut">
               <a:rPr lang="ko-KR" altLang="en-US" smtClean="0"/>
               <a:pPr/>
-              <a:t>2020-06-30</a:t>
+              <a:t>2020-07-01</a:t>
             </a:fld>
             <a:endParaRPr lang="ko-KR" altLang="en-US"/>
           </a:p>
@@ -1052,7 +1052,7 @@
             <a:fld id="{4204022D-519A-4CD6-99D3-23FD7668B2FE}" type="datetimeFigureOut">
               <a:rPr lang="ko-KR" altLang="en-US" smtClean="0"/>
               <a:pPr/>
-              <a:t>2020-06-30</a:t>
+              <a:t>2020-07-01</a:t>
             </a:fld>
             <a:endParaRPr lang="ko-KR" altLang="en-US"/>
           </a:p>
@@ -1337,7 +1337,7 @@
             <a:fld id="{4204022D-519A-4CD6-99D3-23FD7668B2FE}" type="datetimeFigureOut">
               <a:rPr lang="ko-KR" altLang="en-US" smtClean="0"/>
               <a:pPr/>
-              <a:t>2020-06-30</a:t>
+              <a:t>2020-07-01</a:t>
             </a:fld>
             <a:endParaRPr lang="ko-KR" altLang="en-US"/>
           </a:p>
@@ -1756,7 +1756,7 @@
             <a:fld id="{4204022D-519A-4CD6-99D3-23FD7668B2FE}" type="datetimeFigureOut">
               <a:rPr lang="ko-KR" altLang="en-US" smtClean="0"/>
               <a:pPr/>
-              <a:t>2020-06-30</a:t>
+              <a:t>2020-07-01</a:t>
             </a:fld>
             <a:endParaRPr lang="ko-KR" altLang="en-US"/>
           </a:p>
@@ -1871,7 +1871,7 @@
             <a:fld id="{4204022D-519A-4CD6-99D3-23FD7668B2FE}" type="datetimeFigureOut">
               <a:rPr lang="ko-KR" altLang="en-US" smtClean="0"/>
               <a:pPr/>
-              <a:t>2020-06-30</a:t>
+              <a:t>2020-07-01</a:t>
             </a:fld>
             <a:endParaRPr lang="ko-KR" altLang="en-US"/>
           </a:p>
@@ -1963,7 +1963,7 @@
             <a:fld id="{4204022D-519A-4CD6-99D3-23FD7668B2FE}" type="datetimeFigureOut">
               <a:rPr lang="ko-KR" altLang="en-US" smtClean="0"/>
               <a:pPr/>
-              <a:t>2020-06-30</a:t>
+              <a:t>2020-07-01</a:t>
             </a:fld>
             <a:endParaRPr lang="ko-KR" altLang="en-US"/>
           </a:p>
@@ -2237,7 +2237,7 @@
             <a:fld id="{4204022D-519A-4CD6-99D3-23FD7668B2FE}" type="datetimeFigureOut">
               <a:rPr lang="ko-KR" altLang="en-US" smtClean="0"/>
               <a:pPr/>
-              <a:t>2020-06-30</a:t>
+              <a:t>2020-07-01</a:t>
             </a:fld>
             <a:endParaRPr lang="ko-KR" altLang="en-US"/>
           </a:p>
@@ -2487,7 +2487,7 @@
             <a:fld id="{4204022D-519A-4CD6-99D3-23FD7668B2FE}" type="datetimeFigureOut">
               <a:rPr lang="ko-KR" altLang="en-US" smtClean="0"/>
               <a:pPr/>
-              <a:t>2020-06-30</a:t>
+              <a:t>2020-07-01</a:t>
             </a:fld>
             <a:endParaRPr lang="ko-KR" altLang="en-US"/>
           </a:p>
@@ -2697,7 +2697,7 @@
             <a:fld id="{4204022D-519A-4CD6-99D3-23FD7668B2FE}" type="datetimeFigureOut">
               <a:rPr lang="ko-KR" altLang="en-US" smtClean="0"/>
               <a:pPr/>
-              <a:t>2020-06-30</a:t>
+              <a:t>2020-07-01</a:t>
             </a:fld>
             <a:endParaRPr lang="ko-KR" altLang="en-US"/>
           </a:p>
@@ -3077,7 +3077,7 @@
           <p:nvPr>
             <p:extLst>
               <p:ext uri="{D42A27DB-BD31-4B8C-83A1-F6EECF244321}">
-                <p14:modId xmlns="" xmlns:p14="http://schemas.microsoft.com/office/powerpoint/2010/main" val="1215295356"/>
+                <p14:modId xmlns:p14="http://schemas.microsoft.com/office/powerpoint/2010/main" xmlns="" val="1215295356"/>
               </p:ext>
             </p:extLst>
           </p:nvPr>
@@ -3096,7 +3096,7 @@
                 <a:gridCol w="6587921">
                   <a:extLst>
                     <a:ext uri="{9D8B030D-6E8A-4147-A177-3AD203B41FA5}">
-                      <a16:colId xmlns="" xmlns:a16="http://schemas.microsoft.com/office/drawing/2014/main" val="20000"/>
+                      <a16:colId xmlns:a16="http://schemas.microsoft.com/office/drawing/2014/main" xmlns="" val="20000"/>
                     </a:ext>
                   </a:extLst>
                 </a:gridCol>
@@ -3253,7 +3253,7 @@
                 </a:tc>
                 <a:extLst>
                   <a:ext uri="{0D108BD9-81ED-4DB2-BD59-A6C34878D82A}">
-                    <a16:rowId xmlns="" xmlns:a16="http://schemas.microsoft.com/office/drawing/2014/main" val="10000"/>
+                    <a16:rowId xmlns:a16="http://schemas.microsoft.com/office/drawing/2014/main" xmlns="" val="10000"/>
                   </a:ext>
                 </a:extLst>
               </a:tr>
@@ -3394,7 +3394,7 @@
           <p:nvPr>
             <p:extLst>
               <p:ext uri="{D42A27DB-BD31-4B8C-83A1-F6EECF244321}">
-                <p14:modId xmlns="" xmlns:p14="http://schemas.microsoft.com/office/powerpoint/2010/main" val="1215295356"/>
+                <p14:modId xmlns:p14="http://schemas.microsoft.com/office/powerpoint/2010/main" xmlns="" val="1215295356"/>
               </p:ext>
             </p:extLst>
           </p:nvPr>
@@ -3413,42 +3413,42 @@
                 <a:gridCol w="1380432">
                   <a:extLst>
                     <a:ext uri="{9D8B030D-6E8A-4147-A177-3AD203B41FA5}">
-                      <a16:colId xmlns="" xmlns:a16="http://schemas.microsoft.com/office/drawing/2014/main" val="20000"/>
+                      <a16:colId xmlns:a16="http://schemas.microsoft.com/office/drawing/2014/main" xmlns="" val="20000"/>
                     </a:ext>
                   </a:extLst>
                 </a:gridCol>
                 <a:gridCol w="2195892">
                   <a:extLst>
                     <a:ext uri="{9D8B030D-6E8A-4147-A177-3AD203B41FA5}">
-                      <a16:colId xmlns="" xmlns:a16="http://schemas.microsoft.com/office/drawing/2014/main" val="20001"/>
+                      <a16:colId xmlns:a16="http://schemas.microsoft.com/office/drawing/2014/main" xmlns="" val="20001"/>
                     </a:ext>
                   </a:extLst>
                 </a:gridCol>
                 <a:gridCol w="1086007">
                   <a:extLst>
                     <a:ext uri="{9D8B030D-6E8A-4147-A177-3AD203B41FA5}">
-                      <a16:colId xmlns="" xmlns:a16="http://schemas.microsoft.com/office/drawing/2014/main" val="20002"/>
+                      <a16:colId xmlns:a16="http://schemas.microsoft.com/office/drawing/2014/main" xmlns="" val="20002"/>
                     </a:ext>
                   </a:extLst>
                 </a:gridCol>
                 <a:gridCol w="1927970">
                   <a:extLst>
                     <a:ext uri="{9D8B030D-6E8A-4147-A177-3AD203B41FA5}">
-                      <a16:colId xmlns="" xmlns:a16="http://schemas.microsoft.com/office/drawing/2014/main" val="20003"/>
+                      <a16:colId xmlns:a16="http://schemas.microsoft.com/office/drawing/2014/main" xmlns="" val="20003"/>
                     </a:ext>
                   </a:extLst>
                 </a:gridCol>
                 <a:gridCol w="1233488">
                   <a:extLst>
                     <a:ext uri="{9D8B030D-6E8A-4147-A177-3AD203B41FA5}">
-                      <a16:colId xmlns="" xmlns:a16="http://schemas.microsoft.com/office/drawing/2014/main" val="20004"/>
+                      <a16:colId xmlns:a16="http://schemas.microsoft.com/office/drawing/2014/main" xmlns="" val="20004"/>
                     </a:ext>
                   </a:extLst>
                 </a:gridCol>
                 <a:gridCol w="971549">
                   <a:extLst>
                     <a:ext uri="{9D8B030D-6E8A-4147-A177-3AD203B41FA5}">
-                      <a16:colId xmlns="" xmlns:a16="http://schemas.microsoft.com/office/drawing/2014/main" val="20006"/>
+                      <a16:colId xmlns:a16="http://schemas.microsoft.com/office/drawing/2014/main" xmlns="" val="20006"/>
                     </a:ext>
                   </a:extLst>
                 </a:gridCol>
@@ -3892,7 +3892,7 @@
                 </a:tc>
                 <a:extLst>
                   <a:ext uri="{0D108BD9-81ED-4DB2-BD59-A6C34878D82A}">
-                    <a16:rowId xmlns="" xmlns:a16="http://schemas.microsoft.com/office/drawing/2014/main" val="10000"/>
+                    <a16:rowId xmlns:a16="http://schemas.microsoft.com/office/drawing/2014/main" xmlns="" val="10000"/>
                   </a:ext>
                 </a:extLst>
               </a:tr>
@@ -5364,7 +5364,7 @@
           <p:nvPr>
             <p:extLst>
               <p:ext uri="{D42A27DB-BD31-4B8C-83A1-F6EECF244321}">
-                <p14:modId xmlns="" xmlns:p14="http://schemas.microsoft.com/office/powerpoint/2010/main" val="2445248753"/>
+                <p14:modId xmlns:p14="http://schemas.microsoft.com/office/powerpoint/2010/main" xmlns="" val="2445248753"/>
               </p:ext>
             </p:extLst>
           </p:nvPr>
@@ -5383,7 +5383,7 @@
                 <a:gridCol w="6587921">
                   <a:extLst>
                     <a:ext uri="{9D8B030D-6E8A-4147-A177-3AD203B41FA5}">
-                      <a16:colId xmlns="" xmlns:a16="http://schemas.microsoft.com/office/drawing/2014/main" val="20000"/>
+                      <a16:colId xmlns:a16="http://schemas.microsoft.com/office/drawing/2014/main" xmlns="" val="20000"/>
                     </a:ext>
                   </a:extLst>
                 </a:gridCol>
@@ -5540,7 +5540,7 @@
                 </a:tc>
                 <a:extLst>
                   <a:ext uri="{0D108BD9-81ED-4DB2-BD59-A6C34878D82A}">
-                    <a16:rowId xmlns="" xmlns:a16="http://schemas.microsoft.com/office/drawing/2014/main" val="10000"/>
+                    <a16:rowId xmlns:a16="http://schemas.microsoft.com/office/drawing/2014/main" xmlns="" val="10000"/>
                   </a:ext>
                 </a:extLst>
               </a:tr>
@@ -5681,7 +5681,7 @@
           <p:nvPr>
             <p:extLst>
               <p:ext uri="{D42A27DB-BD31-4B8C-83A1-F6EECF244321}">
-                <p14:modId xmlns="" xmlns:p14="http://schemas.microsoft.com/office/powerpoint/2010/main" val="1790057861"/>
+                <p14:modId xmlns:p14="http://schemas.microsoft.com/office/powerpoint/2010/main" xmlns="" val="1790057861"/>
               </p:ext>
             </p:extLst>
           </p:nvPr>
@@ -5700,42 +5700,42 @@
                 <a:gridCol w="1380432">
                   <a:extLst>
                     <a:ext uri="{9D8B030D-6E8A-4147-A177-3AD203B41FA5}">
-                      <a16:colId xmlns="" xmlns:a16="http://schemas.microsoft.com/office/drawing/2014/main" val="20000"/>
+                      <a16:colId xmlns:a16="http://schemas.microsoft.com/office/drawing/2014/main" xmlns="" val="20000"/>
                     </a:ext>
                   </a:extLst>
                 </a:gridCol>
                 <a:gridCol w="2195892">
                   <a:extLst>
                     <a:ext uri="{9D8B030D-6E8A-4147-A177-3AD203B41FA5}">
-                      <a16:colId xmlns="" xmlns:a16="http://schemas.microsoft.com/office/drawing/2014/main" val="20001"/>
+                      <a16:colId xmlns:a16="http://schemas.microsoft.com/office/drawing/2014/main" xmlns="" val="20001"/>
                     </a:ext>
                   </a:extLst>
                 </a:gridCol>
                 <a:gridCol w="1086007">
                   <a:extLst>
                     <a:ext uri="{9D8B030D-6E8A-4147-A177-3AD203B41FA5}">
-                      <a16:colId xmlns="" xmlns:a16="http://schemas.microsoft.com/office/drawing/2014/main" val="20002"/>
+                      <a16:colId xmlns:a16="http://schemas.microsoft.com/office/drawing/2014/main" xmlns="" val="20002"/>
                     </a:ext>
                   </a:extLst>
                 </a:gridCol>
                 <a:gridCol w="1927970">
                   <a:extLst>
                     <a:ext uri="{9D8B030D-6E8A-4147-A177-3AD203B41FA5}">
-                      <a16:colId xmlns="" xmlns:a16="http://schemas.microsoft.com/office/drawing/2014/main" val="20003"/>
+                      <a16:colId xmlns:a16="http://schemas.microsoft.com/office/drawing/2014/main" xmlns="" val="20003"/>
                     </a:ext>
                   </a:extLst>
                 </a:gridCol>
                 <a:gridCol w="1233488">
                   <a:extLst>
                     <a:ext uri="{9D8B030D-6E8A-4147-A177-3AD203B41FA5}">
-                      <a16:colId xmlns="" xmlns:a16="http://schemas.microsoft.com/office/drawing/2014/main" val="20004"/>
+                      <a16:colId xmlns:a16="http://schemas.microsoft.com/office/drawing/2014/main" xmlns="" val="20004"/>
                     </a:ext>
                   </a:extLst>
                 </a:gridCol>
                 <a:gridCol w="971549">
                   <a:extLst>
                     <a:ext uri="{9D8B030D-6E8A-4147-A177-3AD203B41FA5}">
-                      <a16:colId xmlns="" xmlns:a16="http://schemas.microsoft.com/office/drawing/2014/main" val="20006"/>
+                      <a16:colId xmlns:a16="http://schemas.microsoft.com/office/drawing/2014/main" xmlns="" val="20006"/>
                     </a:ext>
                   </a:extLst>
                 </a:gridCol>
@@ -6149,7 +6149,7 @@
                 </a:tc>
                 <a:extLst>
                   <a:ext uri="{0D108BD9-81ED-4DB2-BD59-A6C34878D82A}">
-                    <a16:rowId xmlns="" xmlns:a16="http://schemas.microsoft.com/office/drawing/2014/main" val="10000"/>
+                    <a16:rowId xmlns:a16="http://schemas.microsoft.com/office/drawing/2014/main" xmlns="" val="10000"/>
                   </a:ext>
                 </a:extLst>
               </a:tr>
@@ -6166,7 +6166,7 @@
           <p:nvPr>
             <p:extLst>
               <p:ext uri="{D42A27DB-BD31-4B8C-83A1-F6EECF244321}">
-                <p14:modId xmlns="" xmlns:p14="http://schemas.microsoft.com/office/powerpoint/2010/main" val="101464881"/>
+                <p14:modId xmlns:p14="http://schemas.microsoft.com/office/powerpoint/2010/main" xmlns="" val="101464881"/>
               </p:ext>
             </p:extLst>
           </p:nvPr>
@@ -6363,7 +6363,7 @@
           <a:blip r:embed="rId2">
             <a:extLst>
               <a:ext uri="{28A0092B-C50C-407E-A947-70E740481C1C}">
-                <a14:useLocalDpi xmlns="" xmlns:a14="http://schemas.microsoft.com/office/drawing/2010/main" val="0"/>
+                <a14:useLocalDpi xmlns:a14="http://schemas.microsoft.com/office/drawing/2010/main" xmlns="" val="0"/>
               </a:ext>
             </a:extLst>
           </a:blip>
@@ -6387,14 +6387,14 @@
           <a:effectLst/>
           <a:extLst>
             <a:ext uri="{909E8E84-426E-40DD-AFC4-6F175D3DCCD1}">
-              <a14:hiddenFill xmlns="" xmlns:a14="http://schemas.microsoft.com/office/drawing/2010/main">
+              <a14:hiddenFill xmlns:a14="http://schemas.microsoft.com/office/drawing/2010/main" xmlns="">
                 <a:solidFill>
                   <a:schemeClr val="accent1"/>
                 </a:solidFill>
               </a14:hiddenFill>
             </a:ext>
             <a:ext uri="{91240B29-F687-4F45-9708-019B960494DF}">
-              <a14:hiddenLine xmlns="" xmlns:a14="http://schemas.microsoft.com/office/drawing/2010/main" w="9525">
+              <a14:hiddenLine xmlns:a14="http://schemas.microsoft.com/office/drawing/2010/main" xmlns="" w="9525">
                 <a:solidFill>
                   <a:schemeClr val="tx1"/>
                 </a:solidFill>
@@ -6404,7 +6404,7 @@
               </a14:hiddenLine>
             </a:ext>
             <a:ext uri="{AF507438-7753-43E0-B8FC-AC1667EBCBE1}">
-              <a14:hiddenEffects xmlns="" xmlns:a14="http://schemas.microsoft.com/office/drawing/2010/main">
+              <a14:hiddenEffects xmlns:a14="http://schemas.microsoft.com/office/drawing/2010/main" xmlns="">
                 <a:effectLst>
                   <a:outerShdw dist="35921" dir="2700000" algn="ctr" rotWithShape="0">
                     <a:schemeClr val="bg2"/>
@@ -6834,7 +6834,7 @@
     </p:spTree>
     <p:extLst>
       <p:ext uri="{BB962C8B-B14F-4D97-AF65-F5344CB8AC3E}">
-        <p14:creationId xmlns="" xmlns:p14="http://schemas.microsoft.com/office/powerpoint/2010/main" val="789187421"/>
+        <p14:creationId xmlns:p14="http://schemas.microsoft.com/office/powerpoint/2010/main" xmlns="" val="789187421"/>
       </p:ext>
     </p:extLst>
   </p:cSld>
@@ -6929,7 +6929,7 @@
           <p:nvPr>
             <p:extLst>
               <p:ext uri="{D42A27DB-BD31-4B8C-83A1-F6EECF244321}">
-                <p14:modId xmlns="" xmlns:p14="http://schemas.microsoft.com/office/powerpoint/2010/main" val="2445248753"/>
+                <p14:modId xmlns:p14="http://schemas.microsoft.com/office/powerpoint/2010/main" xmlns="" val="2445248753"/>
               </p:ext>
             </p:extLst>
           </p:nvPr>
@@ -6948,7 +6948,7 @@
                 <a:gridCol w="6587921">
                   <a:extLst>
                     <a:ext uri="{9D8B030D-6E8A-4147-A177-3AD203B41FA5}">
-                      <a16:colId xmlns="" xmlns:a16="http://schemas.microsoft.com/office/drawing/2014/main" val="20000"/>
+                      <a16:colId xmlns:a16="http://schemas.microsoft.com/office/drawing/2014/main" xmlns="" val="20000"/>
                     </a:ext>
                   </a:extLst>
                 </a:gridCol>
@@ -7105,7 +7105,7 @@
                 </a:tc>
                 <a:extLst>
                   <a:ext uri="{0D108BD9-81ED-4DB2-BD59-A6C34878D82A}">
-                    <a16:rowId xmlns="" xmlns:a16="http://schemas.microsoft.com/office/drawing/2014/main" val="10000"/>
+                    <a16:rowId xmlns:a16="http://schemas.microsoft.com/office/drawing/2014/main" xmlns="" val="10000"/>
                   </a:ext>
                 </a:extLst>
               </a:tr>
@@ -7246,7 +7246,7 @@
           <p:nvPr>
             <p:extLst>
               <p:ext uri="{D42A27DB-BD31-4B8C-83A1-F6EECF244321}">
-                <p14:modId xmlns="" xmlns:p14="http://schemas.microsoft.com/office/powerpoint/2010/main" val="1790057861"/>
+                <p14:modId xmlns:p14="http://schemas.microsoft.com/office/powerpoint/2010/main" xmlns="" val="1790057861"/>
               </p:ext>
             </p:extLst>
           </p:nvPr>
@@ -7265,42 +7265,42 @@
                 <a:gridCol w="1380432">
                   <a:extLst>
                     <a:ext uri="{9D8B030D-6E8A-4147-A177-3AD203B41FA5}">
-                      <a16:colId xmlns="" xmlns:a16="http://schemas.microsoft.com/office/drawing/2014/main" val="20000"/>
+                      <a16:colId xmlns:a16="http://schemas.microsoft.com/office/drawing/2014/main" xmlns="" val="20000"/>
                     </a:ext>
                   </a:extLst>
                 </a:gridCol>
                 <a:gridCol w="2195892">
                   <a:extLst>
                     <a:ext uri="{9D8B030D-6E8A-4147-A177-3AD203B41FA5}">
-                      <a16:colId xmlns="" xmlns:a16="http://schemas.microsoft.com/office/drawing/2014/main" val="20001"/>
+                      <a16:colId xmlns:a16="http://schemas.microsoft.com/office/drawing/2014/main" xmlns="" val="20001"/>
                     </a:ext>
                   </a:extLst>
                 </a:gridCol>
                 <a:gridCol w="1086007">
                   <a:extLst>
                     <a:ext uri="{9D8B030D-6E8A-4147-A177-3AD203B41FA5}">
-                      <a16:colId xmlns="" xmlns:a16="http://schemas.microsoft.com/office/drawing/2014/main" val="20002"/>
+                      <a16:colId xmlns:a16="http://schemas.microsoft.com/office/drawing/2014/main" xmlns="" val="20002"/>
                     </a:ext>
                   </a:extLst>
                 </a:gridCol>
                 <a:gridCol w="1927970">
                   <a:extLst>
                     <a:ext uri="{9D8B030D-6E8A-4147-A177-3AD203B41FA5}">
-                      <a16:colId xmlns="" xmlns:a16="http://schemas.microsoft.com/office/drawing/2014/main" val="20003"/>
+                      <a16:colId xmlns:a16="http://schemas.microsoft.com/office/drawing/2014/main" xmlns="" val="20003"/>
                     </a:ext>
                   </a:extLst>
                 </a:gridCol>
                 <a:gridCol w="1233488">
                   <a:extLst>
                     <a:ext uri="{9D8B030D-6E8A-4147-A177-3AD203B41FA5}">
-                      <a16:colId xmlns="" xmlns:a16="http://schemas.microsoft.com/office/drawing/2014/main" val="20004"/>
+                      <a16:colId xmlns:a16="http://schemas.microsoft.com/office/drawing/2014/main" xmlns="" val="20004"/>
                     </a:ext>
                   </a:extLst>
                 </a:gridCol>
                 <a:gridCol w="971549">
                   <a:extLst>
                     <a:ext uri="{9D8B030D-6E8A-4147-A177-3AD203B41FA5}">
-                      <a16:colId xmlns="" xmlns:a16="http://schemas.microsoft.com/office/drawing/2014/main" val="20006"/>
+                      <a16:colId xmlns:a16="http://schemas.microsoft.com/office/drawing/2014/main" xmlns="" val="20006"/>
                     </a:ext>
                   </a:extLst>
                 </a:gridCol>
@@ -7724,7 +7724,7 @@
                 </a:tc>
                 <a:extLst>
                   <a:ext uri="{0D108BD9-81ED-4DB2-BD59-A6C34878D82A}">
-                    <a16:rowId xmlns="" xmlns:a16="http://schemas.microsoft.com/office/drawing/2014/main" val="10000"/>
+                    <a16:rowId xmlns:a16="http://schemas.microsoft.com/office/drawing/2014/main" xmlns="" val="10000"/>
                   </a:ext>
                 </a:extLst>
               </a:tr>
@@ -7741,7 +7741,7 @@
           <p:nvPr>
             <p:extLst>
               <p:ext uri="{D42A27DB-BD31-4B8C-83A1-F6EECF244321}">
-                <p14:modId xmlns="" xmlns:p14="http://schemas.microsoft.com/office/powerpoint/2010/main" val="101464881"/>
+                <p14:modId xmlns:p14="http://schemas.microsoft.com/office/powerpoint/2010/main" xmlns="" val="101464881"/>
               </p:ext>
             </p:extLst>
           </p:nvPr>
@@ -8052,11 +8052,7 @@
             <a:pPr marL="228600" indent="-228600"/>
             <a:r>
               <a:rPr lang="en-US" altLang="ko-KR" sz="900" dirty="0" smtClean="0"/>
-              <a:t> </a:t>
-            </a:r>
-            <a:r>
-              <a:rPr lang="en-US" altLang="ko-KR" sz="900" dirty="0" smtClean="0"/>
-              <a:t>     </a:t>
+              <a:t>      </a:t>
             </a:r>
             <a:r>
               <a:rPr lang="ko-KR" altLang="en-US" sz="900" dirty="0" smtClean="0"/>
@@ -8066,7 +8062,6 @@
               <a:rPr lang="en-US" altLang="ko-KR" sz="900" dirty="0" smtClean="0"/>
               <a:t>. </a:t>
             </a:r>
-            <a:endParaRPr lang="en-US" altLang="ko-KR" sz="900" dirty="0" smtClean="0"/>
           </a:p>
           <a:p>
             <a:r>
@@ -8129,11 +8124,7 @@
             <a:pPr marL="228600" indent="-228600"/>
             <a:r>
               <a:rPr lang="en-US" altLang="ko-KR" sz="900" dirty="0" smtClean="0"/>
-              <a:t> </a:t>
-            </a:r>
-            <a:r>
-              <a:rPr lang="en-US" altLang="ko-KR" sz="900" dirty="0" smtClean="0"/>
-              <a:t>     </a:t>
+              <a:t>      </a:t>
             </a:r>
             <a:r>
               <a:rPr lang="ko-KR" altLang="en-US" sz="900" dirty="0" smtClean="0"/>
@@ -8157,11 +8148,7 @@
             <a:pPr marL="228600" indent="-228600"/>
             <a:r>
               <a:rPr lang="en-US" altLang="ko-KR" sz="900" dirty="0" smtClean="0"/>
-              <a:t>	</a:t>
-            </a:r>
-            <a:r>
-              <a:rPr lang="en-US" altLang="ko-KR" sz="900" dirty="0" smtClean="0"/>
-              <a:t>“</a:t>
+              <a:t>	“</a:t>
             </a:r>
             <a:r>
               <a:rPr lang="ko-KR" altLang="en-US" sz="900" dirty="0" smtClean="0"/>
@@ -8206,11 +8193,7 @@
             <a:pPr marL="228600" indent="-228600"/>
             <a:r>
               <a:rPr lang="en-US" altLang="ko-KR" sz="900" dirty="0" smtClean="0"/>
-              <a:t> </a:t>
-            </a:r>
-            <a:r>
-              <a:rPr lang="en-US" altLang="ko-KR" sz="900" dirty="0" smtClean="0"/>
-              <a:t>     </a:t>
+              <a:t>      </a:t>
             </a:r>
             <a:r>
               <a:rPr lang="ko-KR" altLang="en-US" sz="900" dirty="0" smtClean="0"/>
@@ -8243,11 +8226,7 @@
             <a:pPr marL="228600" indent="-228600"/>
             <a:r>
               <a:rPr lang="en-US" altLang="ko-KR" sz="900" dirty="0" smtClean="0"/>
-              <a:t> </a:t>
-            </a:r>
-            <a:r>
-              <a:rPr lang="en-US" altLang="ko-KR" sz="900" dirty="0" smtClean="0"/>
-              <a:t>	</a:t>
+              <a:t> 	</a:t>
             </a:r>
             <a:r>
               <a:rPr lang="ko-KR" altLang="en-US" sz="900" dirty="0" smtClean="0"/>
@@ -8271,11 +8250,7 @@
             <a:pPr marL="228600" indent="-228600"/>
             <a:r>
               <a:rPr lang="en-US" altLang="ko-KR" sz="900" dirty="0" smtClean="0"/>
-              <a:t> </a:t>
-            </a:r>
-            <a:r>
-              <a:rPr lang="en-US" altLang="ko-KR" sz="900" dirty="0" smtClean="0"/>
-              <a:t>      “</a:t>
+              <a:t>       “</a:t>
             </a:r>
             <a:r>
               <a:rPr lang="ko-KR" altLang="en-US" sz="900" dirty="0" smtClean="0"/>
@@ -8298,11 +8273,7 @@
             <a:pPr marL="228600" indent="-228600"/>
             <a:r>
               <a:rPr lang="en-US" altLang="ko-KR" sz="900" dirty="0" smtClean="0"/>
-              <a:t> </a:t>
-            </a:r>
-            <a:r>
-              <a:rPr lang="en-US" altLang="ko-KR" sz="900" dirty="0" smtClean="0"/>
-              <a:t>       </a:t>
+              <a:t>        </a:t>
             </a:r>
             <a:r>
               <a:rPr lang="ko-KR" altLang="en-US" sz="900" dirty="0" smtClean="0"/>
@@ -8318,34 +8289,14 @@
             </a:r>
             <a:r>
               <a:rPr lang="ko-KR" altLang="en-US" sz="800" dirty="0" smtClean="0"/>
-              <a:t>버튼을 </a:t>
-            </a:r>
+              <a:t>버튼을 누르면 입력된 내용을 통해</a:t>
+            </a:r>
+          </a:p>
+          <a:p>
+            <a:pPr marL="228600" indent="-228600"/>
             <a:r>
               <a:rPr lang="ko-KR" altLang="en-US" sz="800" dirty="0" smtClean="0"/>
-              <a:t>누르면 </a:t>
-            </a:r>
-            <a:r>
-              <a:rPr lang="ko-KR" altLang="en-US" sz="800" dirty="0" smtClean="0"/>
-              <a:t>입력된 </a:t>
-            </a:r>
-            <a:r>
-              <a:rPr lang="ko-KR" altLang="en-US" sz="800" dirty="0" smtClean="0"/>
-              <a:t>내용을 통해</a:t>
-            </a:r>
-          </a:p>
-          <a:p>
-            <a:pPr marL="228600" indent="-228600"/>
-            <a:r>
-              <a:rPr lang="ko-KR" altLang="en-US" sz="800" dirty="0" smtClean="0"/>
-              <a:t>	</a:t>
-            </a:r>
-            <a:r>
-              <a:rPr lang="ko-KR" altLang="en-US" sz="800" dirty="0" smtClean="0"/>
-              <a:t>가입 </a:t>
-            </a:r>
-            <a:r>
-              <a:rPr lang="ko-KR" altLang="en-US" sz="800" dirty="0" smtClean="0"/>
-              <a:t>가능 여부를 확인하고</a:t>
+              <a:t>	가입 가능 여부를 확인하고</a:t>
             </a:r>
             <a:r>
               <a:rPr lang="en-US" altLang="ko-KR" sz="800" dirty="0" smtClean="0"/>
@@ -8360,17 +8311,12 @@
             </a:r>
             <a:r>
               <a:rPr lang="ko-KR" altLang="en-US" sz="800" dirty="0" smtClean="0"/>
-              <a:t>가능 </a:t>
-            </a:r>
-            <a:r>
-              <a:rPr lang="ko-KR" altLang="en-US" sz="800" dirty="0" smtClean="0"/>
-              <a:t>시 가입되며</a:t>
+              <a:t>가능 시 가입되며</a:t>
             </a:r>
             <a:r>
               <a:rPr lang="en-US" altLang="ko-KR" sz="800" dirty="0" smtClean="0"/>
               <a:t>, </a:t>
             </a:r>
-            <a:endParaRPr lang="en-US" altLang="ko-KR" sz="800" dirty="0" smtClean="0"/>
           </a:p>
           <a:p>
             <a:pPr marL="228600" indent="-228600"/>
@@ -8380,15 +8326,7 @@
             </a:r>
             <a:r>
               <a:rPr lang="ko-KR" altLang="en-US" sz="800" dirty="0" smtClean="0"/>
-              <a:t>가입 </a:t>
-            </a:r>
-            <a:r>
-              <a:rPr lang="ko-KR" altLang="en-US" sz="800" dirty="0" smtClean="0"/>
-              <a:t>후 회원가입 완료 </a:t>
-            </a:r>
-            <a:r>
-              <a:rPr lang="ko-KR" altLang="en-US" sz="800" dirty="0" smtClean="0"/>
-              <a:t>페이지로 </a:t>
+              <a:t>가입 후 회원가입 완료 페이지로 </a:t>
             </a:r>
             <a:endParaRPr lang="en-US" altLang="ko-KR" sz="800" dirty="0" smtClean="0"/>
           </a:p>
@@ -8396,17 +8334,12 @@
             <a:pPr marL="228600" indent="-228600"/>
             <a:r>
               <a:rPr lang="en-US" altLang="ko-KR" sz="800" dirty="0" smtClean="0"/>
-              <a:t> </a:t>
-            </a:r>
-            <a:r>
-              <a:rPr lang="en-US" altLang="ko-KR" sz="800" dirty="0" smtClean="0"/>
-              <a:t>      </a:t>
+              <a:t>       </a:t>
             </a:r>
             <a:r>
               <a:rPr lang="ko-KR" altLang="en-US" sz="800" dirty="0" smtClean="0"/>
               <a:t>이동</a:t>
             </a:r>
-            <a:endParaRPr lang="ko-KR" altLang="en-US" sz="800" dirty="0" smtClean="0"/>
           </a:p>
           <a:p>
             <a:pPr marL="228600" indent="-228600"/>
@@ -8554,7 +8487,7 @@
           <a:blip r:embed="rId2">
             <a:extLst>
               <a:ext uri="{28A0092B-C50C-407E-A947-70E740481C1C}">
-                <a14:useLocalDpi xmlns:a14="http://schemas.microsoft.com/office/drawing/2010/main" xmlns="" val="0"/>
+                <a14:useLocalDpi xmlns="" xmlns:a14="http://schemas.microsoft.com/office/drawing/2010/main" val="0"/>
               </a:ext>
             </a:extLst>
           </a:blip>
@@ -8578,14 +8511,14 @@
           <a:effectLst/>
           <a:extLst>
             <a:ext uri="{909E8E84-426E-40DD-AFC4-6F175D3DCCD1}">
-              <a14:hiddenFill xmlns:a14="http://schemas.microsoft.com/office/drawing/2010/main" xmlns="">
+              <a14:hiddenFill xmlns="" xmlns:a14="http://schemas.microsoft.com/office/drawing/2010/main">
                 <a:solidFill>
                   <a:schemeClr val="accent1"/>
                 </a:solidFill>
               </a14:hiddenFill>
             </a:ext>
             <a:ext uri="{91240B29-F687-4F45-9708-019B960494DF}">
-              <a14:hiddenLine xmlns:a14="http://schemas.microsoft.com/office/drawing/2010/main" xmlns="" w="9525">
+              <a14:hiddenLine xmlns="" xmlns:a14="http://schemas.microsoft.com/office/drawing/2010/main" w="9525">
                 <a:solidFill>
                   <a:schemeClr val="tx1"/>
                 </a:solidFill>
@@ -8595,7 +8528,7 @@
               </a14:hiddenLine>
             </a:ext>
             <a:ext uri="{AF507438-7753-43E0-B8FC-AC1667EBCBE1}">
-              <a14:hiddenEffects xmlns:a14="http://schemas.microsoft.com/office/drawing/2010/main" xmlns="">
+              <a14:hiddenEffects xmlns="" xmlns:a14="http://schemas.microsoft.com/office/drawing/2010/main">
                 <a:effectLst>
                   <a:outerShdw dist="35921" dir="2700000" algn="ctr" rotWithShape="0">
                     <a:schemeClr val="bg2"/>
@@ -9465,11 +9398,6 @@
               </a:rPr>
               <a:t>: </a:t>
             </a:r>
-            <a:endParaRPr lang="en-US" altLang="ko-KR" sz="1000" dirty="0" smtClean="0">
-              <a:solidFill>
-                <a:schemeClr val="tx1"/>
-              </a:solidFill>
-            </a:endParaRPr>
           </a:p>
           <a:p>
             <a:r>
@@ -9647,15 +9575,7 @@
                   <a:prstClr val="black"/>
                 </a:solidFill>
               </a:rPr>
-              <a:t> </a:t>
-            </a:r>
-            <a:r>
-              <a:rPr lang="en-US" altLang="ko-KR" sz="1000" dirty="0" smtClean="0">
-                <a:solidFill>
-                  <a:prstClr val="black"/>
-                </a:solidFill>
-              </a:rPr>
-              <a:t>joinProc</a:t>
+              <a:t> joinProc</a:t>
             </a:r>
             <a:endParaRPr lang="en-US" altLang="ko-KR" sz="1000" dirty="0" smtClean="0">
               <a:solidFill>
@@ -9871,7 +9791,7 @@
     </p:spTree>
     <p:extLst>
       <p:ext uri="{BB962C8B-B14F-4D97-AF65-F5344CB8AC3E}">
-        <p14:creationId xmlns="" xmlns:p14="http://schemas.microsoft.com/office/powerpoint/2010/main" val="789187421"/>
+        <p14:creationId xmlns:p14="http://schemas.microsoft.com/office/powerpoint/2010/main" xmlns="" val="789187421"/>
       </p:ext>
     </p:extLst>
   </p:cSld>
@@ -9915,7 +9835,7 @@
           <p:nvPr>
             <p:extLst>
               <p:ext uri="{D42A27DB-BD31-4B8C-83A1-F6EECF244321}">
-                <p14:modId xmlns="" xmlns:p14="http://schemas.microsoft.com/office/powerpoint/2010/main" val="2445248753"/>
+                <p14:modId xmlns:p14="http://schemas.microsoft.com/office/powerpoint/2010/main" xmlns="" val="2445248753"/>
               </p:ext>
             </p:extLst>
           </p:nvPr>
@@ -9934,7 +9854,7 @@
                 <a:gridCol w="6587921">
                   <a:extLst>
                     <a:ext uri="{9D8B030D-6E8A-4147-A177-3AD203B41FA5}">
-                      <a16:colId xmlns="" xmlns:a16="http://schemas.microsoft.com/office/drawing/2014/main" val="20000"/>
+                      <a16:colId xmlns:a16="http://schemas.microsoft.com/office/drawing/2014/main" xmlns="" val="20000"/>
                     </a:ext>
                   </a:extLst>
                 </a:gridCol>
@@ -10091,7 +10011,7 @@
                 </a:tc>
                 <a:extLst>
                   <a:ext uri="{0D108BD9-81ED-4DB2-BD59-A6C34878D82A}">
-                    <a16:rowId xmlns="" xmlns:a16="http://schemas.microsoft.com/office/drawing/2014/main" val="10000"/>
+                    <a16:rowId xmlns:a16="http://schemas.microsoft.com/office/drawing/2014/main" xmlns="" val="10000"/>
                   </a:ext>
                 </a:extLst>
               </a:tr>
@@ -10232,7 +10152,7 @@
           <p:nvPr>
             <p:extLst>
               <p:ext uri="{D42A27DB-BD31-4B8C-83A1-F6EECF244321}">
-                <p14:modId xmlns="" xmlns:p14="http://schemas.microsoft.com/office/powerpoint/2010/main" val="1790057861"/>
+                <p14:modId xmlns:p14="http://schemas.microsoft.com/office/powerpoint/2010/main" xmlns="" val="1790057861"/>
               </p:ext>
             </p:extLst>
           </p:nvPr>
@@ -10251,42 +10171,42 @@
                 <a:gridCol w="1380432">
                   <a:extLst>
                     <a:ext uri="{9D8B030D-6E8A-4147-A177-3AD203B41FA5}">
-                      <a16:colId xmlns="" xmlns:a16="http://schemas.microsoft.com/office/drawing/2014/main" val="20000"/>
+                      <a16:colId xmlns:a16="http://schemas.microsoft.com/office/drawing/2014/main" xmlns="" val="20000"/>
                     </a:ext>
                   </a:extLst>
                 </a:gridCol>
                 <a:gridCol w="2195892">
                   <a:extLst>
                     <a:ext uri="{9D8B030D-6E8A-4147-A177-3AD203B41FA5}">
-                      <a16:colId xmlns="" xmlns:a16="http://schemas.microsoft.com/office/drawing/2014/main" val="20001"/>
+                      <a16:colId xmlns:a16="http://schemas.microsoft.com/office/drawing/2014/main" xmlns="" val="20001"/>
                     </a:ext>
                   </a:extLst>
                 </a:gridCol>
                 <a:gridCol w="1086007">
                   <a:extLst>
                     <a:ext uri="{9D8B030D-6E8A-4147-A177-3AD203B41FA5}">
-                      <a16:colId xmlns="" xmlns:a16="http://schemas.microsoft.com/office/drawing/2014/main" val="20002"/>
+                      <a16:colId xmlns:a16="http://schemas.microsoft.com/office/drawing/2014/main" xmlns="" val="20002"/>
                     </a:ext>
                   </a:extLst>
                 </a:gridCol>
                 <a:gridCol w="1927970">
                   <a:extLst>
                     <a:ext uri="{9D8B030D-6E8A-4147-A177-3AD203B41FA5}">
-                      <a16:colId xmlns="" xmlns:a16="http://schemas.microsoft.com/office/drawing/2014/main" val="20003"/>
+                      <a16:colId xmlns:a16="http://schemas.microsoft.com/office/drawing/2014/main" xmlns="" val="20003"/>
                     </a:ext>
                   </a:extLst>
                 </a:gridCol>
                 <a:gridCol w="1233488">
                   <a:extLst>
                     <a:ext uri="{9D8B030D-6E8A-4147-A177-3AD203B41FA5}">
-                      <a16:colId xmlns="" xmlns:a16="http://schemas.microsoft.com/office/drawing/2014/main" val="20004"/>
+                      <a16:colId xmlns:a16="http://schemas.microsoft.com/office/drawing/2014/main" xmlns="" val="20004"/>
                     </a:ext>
                   </a:extLst>
                 </a:gridCol>
                 <a:gridCol w="971549">
                   <a:extLst>
                     <a:ext uri="{9D8B030D-6E8A-4147-A177-3AD203B41FA5}">
-                      <a16:colId xmlns="" xmlns:a16="http://schemas.microsoft.com/office/drawing/2014/main" val="20006"/>
+                      <a16:colId xmlns:a16="http://schemas.microsoft.com/office/drawing/2014/main" xmlns="" val="20006"/>
                     </a:ext>
                   </a:extLst>
                 </a:gridCol>
@@ -10717,7 +10637,7 @@
                 </a:tc>
                 <a:extLst>
                   <a:ext uri="{0D108BD9-81ED-4DB2-BD59-A6C34878D82A}">
-                    <a16:rowId xmlns="" xmlns:a16="http://schemas.microsoft.com/office/drawing/2014/main" val="10000"/>
+                    <a16:rowId xmlns:a16="http://schemas.microsoft.com/office/drawing/2014/main" xmlns="" val="10000"/>
                   </a:ext>
                 </a:extLst>
               </a:tr>
@@ -10734,7 +10654,7 @@
           <p:nvPr>
             <p:extLst>
               <p:ext uri="{D42A27DB-BD31-4B8C-83A1-F6EECF244321}">
-                <p14:modId xmlns="" xmlns:p14="http://schemas.microsoft.com/office/powerpoint/2010/main" val="101464881"/>
+                <p14:modId xmlns:p14="http://schemas.microsoft.com/office/powerpoint/2010/main" xmlns="" val="101464881"/>
               </p:ext>
             </p:extLst>
           </p:nvPr>
@@ -10922,7 +10842,7 @@
           <a:blip r:embed="rId2">
             <a:extLst>
               <a:ext uri="{28A0092B-C50C-407E-A947-70E740481C1C}">
-                <a14:useLocalDpi xmlns="" xmlns:a14="http://schemas.microsoft.com/office/drawing/2010/main" val="0"/>
+                <a14:useLocalDpi xmlns:a14="http://schemas.microsoft.com/office/drawing/2010/main" xmlns="" val="0"/>
               </a:ext>
             </a:extLst>
           </a:blip>
@@ -10946,14 +10866,14 @@
           <a:effectLst/>
           <a:extLst>
             <a:ext uri="{909E8E84-426E-40DD-AFC4-6F175D3DCCD1}">
-              <a14:hiddenFill xmlns="" xmlns:a14="http://schemas.microsoft.com/office/drawing/2010/main">
+              <a14:hiddenFill xmlns:a14="http://schemas.microsoft.com/office/drawing/2010/main" xmlns="">
                 <a:solidFill>
                   <a:schemeClr val="accent1"/>
                 </a:solidFill>
               </a14:hiddenFill>
             </a:ext>
             <a:ext uri="{91240B29-F687-4F45-9708-019B960494DF}">
-              <a14:hiddenLine xmlns="" xmlns:a14="http://schemas.microsoft.com/office/drawing/2010/main" w="9525">
+              <a14:hiddenLine xmlns:a14="http://schemas.microsoft.com/office/drawing/2010/main" xmlns="" w="9525">
                 <a:solidFill>
                   <a:schemeClr val="tx1"/>
                 </a:solidFill>
@@ -10963,7 +10883,7 @@
               </a14:hiddenLine>
             </a:ext>
             <a:ext uri="{AF507438-7753-43E0-B8FC-AC1667EBCBE1}">
-              <a14:hiddenEffects xmlns="" xmlns:a14="http://schemas.microsoft.com/office/drawing/2010/main">
+              <a14:hiddenEffects xmlns:a14="http://schemas.microsoft.com/office/drawing/2010/main" xmlns="">
                 <a:effectLst>
                   <a:outerShdw dist="35921" dir="2700000" algn="ctr" rotWithShape="0">
                     <a:schemeClr val="bg2"/>
@@ -11197,7 +11117,7 @@
     </p:spTree>
     <p:extLst>
       <p:ext uri="{BB962C8B-B14F-4D97-AF65-F5344CB8AC3E}">
-        <p14:creationId xmlns="" xmlns:p14="http://schemas.microsoft.com/office/powerpoint/2010/main" val="789187421"/>
+        <p14:creationId xmlns:p14="http://schemas.microsoft.com/office/powerpoint/2010/main" xmlns="" val="789187421"/>
       </p:ext>
     </p:extLst>
   </p:cSld>
@@ -11241,7 +11161,7 @@
           <p:nvPr>
             <p:extLst>
               <p:ext uri="{D42A27DB-BD31-4B8C-83A1-F6EECF244321}">
-                <p14:modId xmlns="" xmlns:p14="http://schemas.microsoft.com/office/powerpoint/2010/main" val="2445248753"/>
+                <p14:modId xmlns:p14="http://schemas.microsoft.com/office/powerpoint/2010/main" xmlns="" val="2445248753"/>
               </p:ext>
             </p:extLst>
           </p:nvPr>
@@ -11260,7 +11180,7 @@
                 <a:gridCol w="6587921">
                   <a:extLst>
                     <a:ext uri="{9D8B030D-6E8A-4147-A177-3AD203B41FA5}">
-                      <a16:colId xmlns="" xmlns:a16="http://schemas.microsoft.com/office/drawing/2014/main" val="20000"/>
+                      <a16:colId xmlns:a16="http://schemas.microsoft.com/office/drawing/2014/main" xmlns="" val="20000"/>
                     </a:ext>
                   </a:extLst>
                 </a:gridCol>
@@ -11417,7 +11337,7 @@
                 </a:tc>
                 <a:extLst>
                   <a:ext uri="{0D108BD9-81ED-4DB2-BD59-A6C34878D82A}">
-                    <a16:rowId xmlns="" xmlns:a16="http://schemas.microsoft.com/office/drawing/2014/main" val="10000"/>
+                    <a16:rowId xmlns:a16="http://schemas.microsoft.com/office/drawing/2014/main" xmlns="" val="10000"/>
                   </a:ext>
                 </a:extLst>
               </a:tr>
@@ -11558,7 +11478,7 @@
           <p:nvPr>
             <p:extLst>
               <p:ext uri="{D42A27DB-BD31-4B8C-83A1-F6EECF244321}">
-                <p14:modId xmlns="" xmlns:p14="http://schemas.microsoft.com/office/powerpoint/2010/main" val="1790057861"/>
+                <p14:modId xmlns:p14="http://schemas.microsoft.com/office/powerpoint/2010/main" xmlns="" val="1790057861"/>
               </p:ext>
             </p:extLst>
           </p:nvPr>
@@ -11577,42 +11497,42 @@
                 <a:gridCol w="1380432">
                   <a:extLst>
                     <a:ext uri="{9D8B030D-6E8A-4147-A177-3AD203B41FA5}">
-                      <a16:colId xmlns="" xmlns:a16="http://schemas.microsoft.com/office/drawing/2014/main" val="20000"/>
+                      <a16:colId xmlns:a16="http://schemas.microsoft.com/office/drawing/2014/main" xmlns="" val="20000"/>
                     </a:ext>
                   </a:extLst>
                 </a:gridCol>
                 <a:gridCol w="2195892">
                   <a:extLst>
                     <a:ext uri="{9D8B030D-6E8A-4147-A177-3AD203B41FA5}">
-                      <a16:colId xmlns="" xmlns:a16="http://schemas.microsoft.com/office/drawing/2014/main" val="20001"/>
+                      <a16:colId xmlns:a16="http://schemas.microsoft.com/office/drawing/2014/main" xmlns="" val="20001"/>
                     </a:ext>
                   </a:extLst>
                 </a:gridCol>
                 <a:gridCol w="1086007">
                   <a:extLst>
                     <a:ext uri="{9D8B030D-6E8A-4147-A177-3AD203B41FA5}">
-                      <a16:colId xmlns="" xmlns:a16="http://schemas.microsoft.com/office/drawing/2014/main" val="20002"/>
+                      <a16:colId xmlns:a16="http://schemas.microsoft.com/office/drawing/2014/main" xmlns="" val="20002"/>
                     </a:ext>
                   </a:extLst>
                 </a:gridCol>
                 <a:gridCol w="1927970">
                   <a:extLst>
                     <a:ext uri="{9D8B030D-6E8A-4147-A177-3AD203B41FA5}">
-                      <a16:colId xmlns="" xmlns:a16="http://schemas.microsoft.com/office/drawing/2014/main" val="20003"/>
+                      <a16:colId xmlns:a16="http://schemas.microsoft.com/office/drawing/2014/main" xmlns="" val="20003"/>
                     </a:ext>
                   </a:extLst>
                 </a:gridCol>
                 <a:gridCol w="1233488">
                   <a:extLst>
                     <a:ext uri="{9D8B030D-6E8A-4147-A177-3AD203B41FA5}">
-                      <a16:colId xmlns="" xmlns:a16="http://schemas.microsoft.com/office/drawing/2014/main" val="20004"/>
+                      <a16:colId xmlns:a16="http://schemas.microsoft.com/office/drawing/2014/main" xmlns="" val="20004"/>
                     </a:ext>
                   </a:extLst>
                 </a:gridCol>
                 <a:gridCol w="971549">
                   <a:extLst>
                     <a:ext uri="{9D8B030D-6E8A-4147-A177-3AD203B41FA5}">
-                      <a16:colId xmlns="" xmlns:a16="http://schemas.microsoft.com/office/drawing/2014/main" val="20006"/>
+                      <a16:colId xmlns:a16="http://schemas.microsoft.com/office/drawing/2014/main" xmlns="" val="20006"/>
                     </a:ext>
                   </a:extLst>
                 </a:gridCol>
@@ -12043,7 +11963,7 @@
                 </a:tc>
                 <a:extLst>
                   <a:ext uri="{0D108BD9-81ED-4DB2-BD59-A6C34878D82A}">
-                    <a16:rowId xmlns="" xmlns:a16="http://schemas.microsoft.com/office/drawing/2014/main" val="10000"/>
+                    <a16:rowId xmlns:a16="http://schemas.microsoft.com/office/drawing/2014/main" xmlns="" val="10000"/>
                   </a:ext>
                 </a:extLst>
               </a:tr>
@@ -12060,7 +11980,7 @@
           <p:nvPr>
             <p:extLst>
               <p:ext uri="{D42A27DB-BD31-4B8C-83A1-F6EECF244321}">
-                <p14:modId xmlns="" xmlns:p14="http://schemas.microsoft.com/office/powerpoint/2010/main" val="101464881"/>
+                <p14:modId xmlns:p14="http://schemas.microsoft.com/office/powerpoint/2010/main" xmlns="" val="101464881"/>
               </p:ext>
             </p:extLst>
           </p:nvPr>
@@ -12244,7 +12164,7 @@
           <a:blip r:embed="rId2">
             <a:extLst>
               <a:ext uri="{28A0092B-C50C-407E-A947-70E740481C1C}">
-                <a14:useLocalDpi xmlns="" xmlns:a14="http://schemas.microsoft.com/office/drawing/2010/main" val="0"/>
+                <a14:useLocalDpi xmlns:a14="http://schemas.microsoft.com/office/drawing/2010/main" xmlns="" val="0"/>
               </a:ext>
             </a:extLst>
           </a:blip>
@@ -12268,14 +12188,14 @@
           <a:effectLst/>
           <a:extLst>
             <a:ext uri="{909E8E84-426E-40DD-AFC4-6F175D3DCCD1}">
-              <a14:hiddenFill xmlns="" xmlns:a14="http://schemas.microsoft.com/office/drawing/2010/main">
+              <a14:hiddenFill xmlns:a14="http://schemas.microsoft.com/office/drawing/2010/main" xmlns="">
                 <a:solidFill>
                   <a:schemeClr val="accent1"/>
                 </a:solidFill>
               </a14:hiddenFill>
             </a:ext>
             <a:ext uri="{91240B29-F687-4F45-9708-019B960494DF}">
-              <a14:hiddenLine xmlns="" xmlns:a14="http://schemas.microsoft.com/office/drawing/2010/main" w="9525">
+              <a14:hiddenLine xmlns:a14="http://schemas.microsoft.com/office/drawing/2010/main" xmlns="" w="9525">
                 <a:solidFill>
                   <a:schemeClr val="tx1"/>
                 </a:solidFill>
@@ -12285,7 +12205,7 @@
               </a14:hiddenLine>
             </a:ext>
             <a:ext uri="{AF507438-7753-43E0-B8FC-AC1667EBCBE1}">
-              <a14:hiddenEffects xmlns="" xmlns:a14="http://schemas.microsoft.com/office/drawing/2010/main">
+              <a14:hiddenEffects xmlns:a14="http://schemas.microsoft.com/office/drawing/2010/main" xmlns="">
                 <a:effectLst>
                   <a:outerShdw dist="35921" dir="2700000" algn="ctr" rotWithShape="0">
                     <a:schemeClr val="bg2"/>
@@ -12357,11 +12277,7 @@
             <a:pPr marL="228600" indent="-228600"/>
             <a:r>
               <a:rPr lang="en-US" altLang="ko-KR" sz="900" dirty="0" smtClean="0"/>
-              <a:t> </a:t>
-            </a:r>
-            <a:r>
-              <a:rPr lang="en-US" altLang="ko-KR" sz="900" dirty="0" smtClean="0"/>
-              <a:t>   </a:t>
+              <a:t>    </a:t>
             </a:r>
             <a:r>
               <a:rPr lang="ko-KR" altLang="en-US" sz="900" dirty="0" smtClean="0"/>
@@ -12373,11 +12289,7 @@
             <a:pPr marL="228600" indent="-228600"/>
             <a:r>
               <a:rPr lang="en-US" altLang="ko-KR" sz="900" dirty="0" smtClean="0"/>
-              <a:t> </a:t>
-            </a:r>
-            <a:r>
-              <a:rPr lang="en-US" altLang="ko-KR" sz="900" dirty="0" smtClean="0"/>
-              <a:t>    </a:t>
+              <a:t>     </a:t>
             </a:r>
             <a:r>
               <a:rPr lang="ko-KR" altLang="en-US" sz="900" dirty="0" smtClean="0"/>
@@ -12405,11 +12317,7 @@
             <a:pPr marL="228600" indent="-228600"/>
             <a:r>
               <a:rPr lang="en-US" altLang="ko-KR" sz="900" dirty="0" smtClean="0"/>
-              <a:t> </a:t>
-            </a:r>
-            <a:r>
-              <a:rPr lang="en-US" altLang="ko-KR" sz="900" dirty="0" smtClean="0"/>
-              <a:t>    </a:t>
+              <a:t>     </a:t>
             </a:r>
             <a:r>
               <a:rPr lang="ko-KR" altLang="en-US" sz="900" dirty="0" smtClean="0"/>
@@ -12421,11 +12329,7 @@
             <a:pPr marL="228600" indent="-228600"/>
             <a:r>
               <a:rPr lang="en-US" altLang="ko-KR" sz="900" dirty="0" smtClean="0"/>
-              <a:t> </a:t>
-            </a:r>
-            <a:r>
-              <a:rPr lang="en-US" altLang="ko-KR" sz="900" dirty="0" smtClean="0"/>
-              <a:t>    </a:t>
+              <a:t>     </a:t>
             </a:r>
             <a:r>
               <a:rPr lang="ko-KR" altLang="en-US" sz="900" dirty="0" smtClean="0"/>
@@ -12437,11 +12341,7 @@
             <a:pPr marL="228600" indent="-228600"/>
             <a:r>
               <a:rPr lang="en-US" altLang="ko-KR" sz="900" dirty="0" smtClean="0"/>
-              <a:t> </a:t>
-            </a:r>
-            <a:r>
-              <a:rPr lang="en-US" altLang="ko-KR" sz="900" dirty="0" smtClean="0"/>
-              <a:t>    </a:t>
+              <a:t>     </a:t>
             </a:r>
             <a:r>
               <a:rPr lang="ko-KR" altLang="en-US" sz="900" dirty="0" smtClean="0"/>
@@ -12894,11 +12794,6 @@
               </a:rPr>
               <a:t>=mid </a:t>
             </a:r>
-            <a:endParaRPr lang="en-US" altLang="ko-KR" sz="1000" dirty="0" smtClean="0">
-              <a:solidFill>
-                <a:schemeClr val="tx1"/>
-              </a:solidFill>
-            </a:endParaRPr>
           </a:p>
           <a:p>
             <a:r>
@@ -12915,15 +12810,7 @@
                   <a:schemeClr val="tx1"/>
                 </a:solidFill>
               </a:rPr>
-              <a:t>=</a:t>
-            </a:r>
-            <a:r>
-              <a:rPr lang="en-US" altLang="ko-KR" sz="1000" dirty="0" smtClean="0">
-                <a:solidFill>
-                  <a:schemeClr val="tx1"/>
-                </a:solidFill>
-              </a:rPr>
-              <a:t>mpw</a:t>
+              <a:t>=mpw</a:t>
             </a:r>
           </a:p>
           <a:p>
@@ -13224,11 +13111,6 @@
               </a:rPr>
               <a:t>)</a:t>
             </a:r>
-            <a:endParaRPr lang="en-US" altLang="ko-KR" sz="1000" dirty="0" smtClean="0">
-              <a:solidFill>
-                <a:schemeClr val="tx1"/>
-              </a:solidFill>
-            </a:endParaRPr>
           </a:p>
         </p:txBody>
       </p:sp>
@@ -13419,7 +13301,7 @@
     </p:spTree>
     <p:extLst>
       <p:ext uri="{BB962C8B-B14F-4D97-AF65-F5344CB8AC3E}">
-        <p14:creationId xmlns="" xmlns:p14="http://schemas.microsoft.com/office/powerpoint/2010/main" val="789187421"/>
+        <p14:creationId xmlns:p14="http://schemas.microsoft.com/office/powerpoint/2010/main" xmlns="" val="789187421"/>
       </p:ext>
     </p:extLst>
   </p:cSld>
@@ -13463,7 +13345,7 @@
           <p:nvPr>
             <p:extLst>
               <p:ext uri="{D42A27DB-BD31-4B8C-83A1-F6EECF244321}">
-                <p14:modId xmlns="" xmlns:p14="http://schemas.microsoft.com/office/powerpoint/2010/main" val="2445248753"/>
+                <p14:modId xmlns:p14="http://schemas.microsoft.com/office/powerpoint/2010/main" xmlns="" val="2445248753"/>
               </p:ext>
             </p:extLst>
           </p:nvPr>
@@ -13482,7 +13364,7 @@
                 <a:gridCol w="6587921">
                   <a:extLst>
                     <a:ext uri="{9D8B030D-6E8A-4147-A177-3AD203B41FA5}">
-                      <a16:colId xmlns="" xmlns:a16="http://schemas.microsoft.com/office/drawing/2014/main" val="20000"/>
+                      <a16:colId xmlns:a16="http://schemas.microsoft.com/office/drawing/2014/main" xmlns="" val="20000"/>
                     </a:ext>
                   </a:extLst>
                 </a:gridCol>
@@ -13639,7 +13521,7 @@
                 </a:tc>
                 <a:extLst>
                   <a:ext uri="{0D108BD9-81ED-4DB2-BD59-A6C34878D82A}">
-                    <a16:rowId xmlns="" xmlns:a16="http://schemas.microsoft.com/office/drawing/2014/main" val="10000"/>
+                    <a16:rowId xmlns:a16="http://schemas.microsoft.com/office/drawing/2014/main" xmlns="" val="10000"/>
                   </a:ext>
                 </a:extLst>
               </a:tr>
@@ -13780,7 +13662,7 @@
           <p:nvPr>
             <p:extLst>
               <p:ext uri="{D42A27DB-BD31-4B8C-83A1-F6EECF244321}">
-                <p14:modId xmlns="" xmlns:p14="http://schemas.microsoft.com/office/powerpoint/2010/main" val="1790057861"/>
+                <p14:modId xmlns:p14="http://schemas.microsoft.com/office/powerpoint/2010/main" xmlns="" val="1790057861"/>
               </p:ext>
             </p:extLst>
           </p:nvPr>
@@ -13799,42 +13681,42 @@
                 <a:gridCol w="1380432">
                   <a:extLst>
                     <a:ext uri="{9D8B030D-6E8A-4147-A177-3AD203B41FA5}">
-                      <a16:colId xmlns="" xmlns:a16="http://schemas.microsoft.com/office/drawing/2014/main" val="20000"/>
+                      <a16:colId xmlns:a16="http://schemas.microsoft.com/office/drawing/2014/main" xmlns="" val="20000"/>
                     </a:ext>
                   </a:extLst>
                 </a:gridCol>
                 <a:gridCol w="2195892">
                   <a:extLst>
                     <a:ext uri="{9D8B030D-6E8A-4147-A177-3AD203B41FA5}">
-                      <a16:colId xmlns="" xmlns:a16="http://schemas.microsoft.com/office/drawing/2014/main" val="20001"/>
+                      <a16:colId xmlns:a16="http://schemas.microsoft.com/office/drawing/2014/main" xmlns="" val="20001"/>
                     </a:ext>
                   </a:extLst>
                 </a:gridCol>
                 <a:gridCol w="1086007">
                   <a:extLst>
                     <a:ext uri="{9D8B030D-6E8A-4147-A177-3AD203B41FA5}">
-                      <a16:colId xmlns="" xmlns:a16="http://schemas.microsoft.com/office/drawing/2014/main" val="20002"/>
+                      <a16:colId xmlns:a16="http://schemas.microsoft.com/office/drawing/2014/main" xmlns="" val="20002"/>
                     </a:ext>
                   </a:extLst>
                 </a:gridCol>
                 <a:gridCol w="1927970">
                   <a:extLst>
                     <a:ext uri="{9D8B030D-6E8A-4147-A177-3AD203B41FA5}">
-                      <a16:colId xmlns="" xmlns:a16="http://schemas.microsoft.com/office/drawing/2014/main" val="20003"/>
+                      <a16:colId xmlns:a16="http://schemas.microsoft.com/office/drawing/2014/main" xmlns="" val="20003"/>
                     </a:ext>
                   </a:extLst>
                 </a:gridCol>
                 <a:gridCol w="1233488">
                   <a:extLst>
                     <a:ext uri="{9D8B030D-6E8A-4147-A177-3AD203B41FA5}">
-                      <a16:colId xmlns="" xmlns:a16="http://schemas.microsoft.com/office/drawing/2014/main" val="20004"/>
+                      <a16:colId xmlns:a16="http://schemas.microsoft.com/office/drawing/2014/main" xmlns="" val="20004"/>
                     </a:ext>
                   </a:extLst>
                 </a:gridCol>
                 <a:gridCol w="971549">
                   <a:extLst>
                     <a:ext uri="{9D8B030D-6E8A-4147-A177-3AD203B41FA5}">
-                      <a16:colId xmlns="" xmlns:a16="http://schemas.microsoft.com/office/drawing/2014/main" val="20006"/>
+                      <a16:colId xmlns:a16="http://schemas.microsoft.com/office/drawing/2014/main" xmlns="" val="20006"/>
                     </a:ext>
                   </a:extLst>
                 </a:gridCol>
@@ -14265,7 +14147,7 @@
                 </a:tc>
                 <a:extLst>
                   <a:ext uri="{0D108BD9-81ED-4DB2-BD59-A6C34878D82A}">
-                    <a16:rowId xmlns="" xmlns:a16="http://schemas.microsoft.com/office/drawing/2014/main" val="10000"/>
+                    <a16:rowId xmlns:a16="http://schemas.microsoft.com/office/drawing/2014/main" xmlns="" val="10000"/>
                   </a:ext>
                 </a:extLst>
               </a:tr>
@@ -14282,7 +14164,7 @@
           <p:nvPr>
             <p:extLst>
               <p:ext uri="{D42A27DB-BD31-4B8C-83A1-F6EECF244321}">
-                <p14:modId xmlns="" xmlns:p14="http://schemas.microsoft.com/office/powerpoint/2010/main" val="101464881"/>
+                <p14:modId xmlns:p14="http://schemas.microsoft.com/office/powerpoint/2010/main" xmlns="" val="101464881"/>
               </p:ext>
             </p:extLst>
           </p:nvPr>
@@ -14502,7 +14384,7 @@
           <a:blip r:embed="rId2">
             <a:extLst>
               <a:ext uri="{28A0092B-C50C-407E-A947-70E740481C1C}">
-                <a14:useLocalDpi xmlns="" xmlns:a14="http://schemas.microsoft.com/office/drawing/2010/main" val="0"/>
+                <a14:useLocalDpi xmlns:a14="http://schemas.microsoft.com/office/drawing/2010/main" xmlns="" val="0"/>
               </a:ext>
             </a:extLst>
           </a:blip>
@@ -14526,14 +14408,14 @@
           <a:effectLst/>
           <a:extLst>
             <a:ext uri="{909E8E84-426E-40DD-AFC4-6F175D3DCCD1}">
-              <a14:hiddenFill xmlns="" xmlns:a14="http://schemas.microsoft.com/office/drawing/2010/main">
+              <a14:hiddenFill xmlns:a14="http://schemas.microsoft.com/office/drawing/2010/main" xmlns="">
                 <a:solidFill>
                   <a:schemeClr val="accent1"/>
                 </a:solidFill>
               </a14:hiddenFill>
             </a:ext>
             <a:ext uri="{91240B29-F687-4F45-9708-019B960494DF}">
-              <a14:hiddenLine xmlns="" xmlns:a14="http://schemas.microsoft.com/office/drawing/2010/main" w="9525">
+              <a14:hiddenLine xmlns:a14="http://schemas.microsoft.com/office/drawing/2010/main" xmlns="" w="9525">
                 <a:solidFill>
                   <a:schemeClr val="tx1"/>
                 </a:solidFill>
@@ -14543,7 +14425,7 @@
               </a14:hiddenLine>
             </a:ext>
             <a:ext uri="{AF507438-7753-43E0-B8FC-AC1667EBCBE1}">
-              <a14:hiddenEffects xmlns="" xmlns:a14="http://schemas.microsoft.com/office/drawing/2010/main">
+              <a14:hiddenEffects xmlns:a14="http://schemas.microsoft.com/office/drawing/2010/main" xmlns="">
                 <a:effectLst>
                   <a:outerShdw dist="35921" dir="2700000" algn="ctr" rotWithShape="0">
                     <a:schemeClr val="bg2"/>
@@ -14771,11 +14653,7 @@
             <a:pPr marL="228600" indent="-228600"/>
             <a:r>
               <a:rPr lang="en-US" altLang="ko-KR" sz="900" dirty="0" smtClean="0"/>
-              <a:t>3-A</a:t>
-            </a:r>
-            <a:r>
-              <a:rPr lang="en-US" altLang="ko-KR" sz="900" dirty="0" smtClean="0"/>
-              <a:t>. </a:t>
+              <a:t>3-A. </a:t>
             </a:r>
             <a:r>
               <a:rPr lang="ko-KR" altLang="en-US" sz="900" dirty="0" smtClean="0"/>
@@ -14814,11 +14692,7 @@
             </a:r>
             <a:r>
               <a:rPr lang="ko-KR" altLang="en-US" sz="900" dirty="0" smtClean="0"/>
-              <a:t>라는 메세지가 </a:t>
-            </a:r>
-            <a:r>
-              <a:rPr lang="ko-KR" altLang="en-US" sz="900" dirty="0" smtClean="0"/>
-              <a:t>뜬다</a:t>
+              <a:t>라는 메세지가 뜬다</a:t>
             </a:r>
             <a:endParaRPr lang="en-US" altLang="ko-KR" sz="900" dirty="0" smtClean="0"/>
           </a:p>
@@ -14838,11 +14712,7 @@
             <a:pPr marL="228600" indent="-228600"/>
             <a:r>
               <a:rPr lang="en-US" altLang="ko-KR" sz="900" dirty="0" smtClean="0"/>
-              <a:t> </a:t>
-            </a:r>
-            <a:r>
-              <a:rPr lang="en-US" altLang="ko-KR" sz="900" dirty="0" smtClean="0"/>
-              <a:t>  </a:t>
+              <a:t>   </a:t>
             </a:r>
             <a:r>
               <a:rPr lang="ko-KR" altLang="en-US" sz="900" dirty="0" smtClean="0"/>
@@ -15483,11 +15353,6 @@
               </a:rPr>
               <a:t>: </a:t>
             </a:r>
-            <a:endParaRPr lang="en-US" altLang="ko-KR" sz="1000" dirty="0" smtClean="0">
-              <a:solidFill>
-                <a:schemeClr val="tx1"/>
-              </a:solidFill>
-            </a:endParaRPr>
           </a:p>
           <a:p>
             <a:r>
@@ -15818,7 +15683,7 @@
     </p:spTree>
     <p:extLst>
       <p:ext uri="{BB962C8B-B14F-4D97-AF65-F5344CB8AC3E}">
-        <p14:creationId xmlns="" xmlns:p14="http://schemas.microsoft.com/office/powerpoint/2010/main" val="789187421"/>
+        <p14:creationId xmlns:p14="http://schemas.microsoft.com/office/powerpoint/2010/main" xmlns="" val="789187421"/>
       </p:ext>
     </p:extLst>
   </p:cSld>
@@ -15862,7 +15727,7 @@
           <p:nvPr>
             <p:extLst>
               <p:ext uri="{D42A27DB-BD31-4B8C-83A1-F6EECF244321}">
-                <p14:modId xmlns="" xmlns:p14="http://schemas.microsoft.com/office/powerpoint/2010/main" val="2445248753"/>
+                <p14:modId xmlns:p14="http://schemas.microsoft.com/office/powerpoint/2010/main" xmlns="" val="2445248753"/>
               </p:ext>
             </p:extLst>
           </p:nvPr>
@@ -15881,7 +15746,7 @@
                 <a:gridCol w="6587921">
                   <a:extLst>
                     <a:ext uri="{9D8B030D-6E8A-4147-A177-3AD203B41FA5}">
-                      <a16:colId xmlns="" xmlns:a16="http://schemas.microsoft.com/office/drawing/2014/main" val="20000"/>
+                      <a16:colId xmlns:a16="http://schemas.microsoft.com/office/drawing/2014/main" xmlns="" val="20000"/>
                     </a:ext>
                   </a:extLst>
                 </a:gridCol>
@@ -16038,7 +15903,7 @@
                 </a:tc>
                 <a:extLst>
                   <a:ext uri="{0D108BD9-81ED-4DB2-BD59-A6C34878D82A}">
-                    <a16:rowId xmlns="" xmlns:a16="http://schemas.microsoft.com/office/drawing/2014/main" val="10000"/>
+                    <a16:rowId xmlns:a16="http://schemas.microsoft.com/office/drawing/2014/main" xmlns="" val="10000"/>
                   </a:ext>
                 </a:extLst>
               </a:tr>
@@ -16179,7 +16044,7 @@
           <p:nvPr>
             <p:extLst>
               <p:ext uri="{D42A27DB-BD31-4B8C-83A1-F6EECF244321}">
-                <p14:modId xmlns="" xmlns:p14="http://schemas.microsoft.com/office/powerpoint/2010/main" val="1790057861"/>
+                <p14:modId xmlns:p14="http://schemas.microsoft.com/office/powerpoint/2010/main" xmlns="" val="1790057861"/>
               </p:ext>
             </p:extLst>
           </p:nvPr>
@@ -16198,42 +16063,42 @@
                 <a:gridCol w="1380432">
                   <a:extLst>
                     <a:ext uri="{9D8B030D-6E8A-4147-A177-3AD203B41FA5}">
-                      <a16:colId xmlns="" xmlns:a16="http://schemas.microsoft.com/office/drawing/2014/main" val="20000"/>
+                      <a16:colId xmlns:a16="http://schemas.microsoft.com/office/drawing/2014/main" xmlns="" val="20000"/>
                     </a:ext>
                   </a:extLst>
                 </a:gridCol>
                 <a:gridCol w="2195892">
                   <a:extLst>
                     <a:ext uri="{9D8B030D-6E8A-4147-A177-3AD203B41FA5}">
-                      <a16:colId xmlns="" xmlns:a16="http://schemas.microsoft.com/office/drawing/2014/main" val="20001"/>
+                      <a16:colId xmlns:a16="http://schemas.microsoft.com/office/drawing/2014/main" xmlns="" val="20001"/>
                     </a:ext>
                   </a:extLst>
                 </a:gridCol>
                 <a:gridCol w="1086007">
                   <a:extLst>
                     <a:ext uri="{9D8B030D-6E8A-4147-A177-3AD203B41FA5}">
-                      <a16:colId xmlns="" xmlns:a16="http://schemas.microsoft.com/office/drawing/2014/main" val="20002"/>
+                      <a16:colId xmlns:a16="http://schemas.microsoft.com/office/drawing/2014/main" xmlns="" val="20002"/>
                     </a:ext>
                   </a:extLst>
                 </a:gridCol>
                 <a:gridCol w="1927970">
                   <a:extLst>
                     <a:ext uri="{9D8B030D-6E8A-4147-A177-3AD203B41FA5}">
-                      <a16:colId xmlns="" xmlns:a16="http://schemas.microsoft.com/office/drawing/2014/main" val="20003"/>
+                      <a16:colId xmlns:a16="http://schemas.microsoft.com/office/drawing/2014/main" xmlns="" val="20003"/>
                     </a:ext>
                   </a:extLst>
                 </a:gridCol>
                 <a:gridCol w="1233488">
                   <a:extLst>
                     <a:ext uri="{9D8B030D-6E8A-4147-A177-3AD203B41FA5}">
-                      <a16:colId xmlns="" xmlns:a16="http://schemas.microsoft.com/office/drawing/2014/main" val="20004"/>
+                      <a16:colId xmlns:a16="http://schemas.microsoft.com/office/drawing/2014/main" xmlns="" val="20004"/>
                     </a:ext>
                   </a:extLst>
                 </a:gridCol>
                 <a:gridCol w="971549">
                   <a:extLst>
                     <a:ext uri="{9D8B030D-6E8A-4147-A177-3AD203B41FA5}">
-                      <a16:colId xmlns="" xmlns:a16="http://schemas.microsoft.com/office/drawing/2014/main" val="20006"/>
+                      <a16:colId xmlns:a16="http://schemas.microsoft.com/office/drawing/2014/main" xmlns="" val="20006"/>
                     </a:ext>
                   </a:extLst>
                 </a:gridCol>
@@ -16664,7 +16529,7 @@
                 </a:tc>
                 <a:extLst>
                   <a:ext uri="{0D108BD9-81ED-4DB2-BD59-A6C34878D82A}">
-                    <a16:rowId xmlns="" xmlns:a16="http://schemas.microsoft.com/office/drawing/2014/main" val="10000"/>
+                    <a16:rowId xmlns:a16="http://schemas.microsoft.com/office/drawing/2014/main" xmlns="" val="10000"/>
                   </a:ext>
                 </a:extLst>
               </a:tr>
@@ -16681,7 +16546,7 @@
           <p:nvPr>
             <p:extLst>
               <p:ext uri="{D42A27DB-BD31-4B8C-83A1-F6EECF244321}">
-                <p14:modId xmlns="" xmlns:p14="http://schemas.microsoft.com/office/powerpoint/2010/main" val="101464881"/>
+                <p14:modId xmlns:p14="http://schemas.microsoft.com/office/powerpoint/2010/main" xmlns="" val="101464881"/>
               </p:ext>
             </p:extLst>
           </p:nvPr>
@@ -16874,7 +16739,7 @@
           <a:blip r:embed="rId2">
             <a:extLst>
               <a:ext uri="{28A0092B-C50C-407E-A947-70E740481C1C}">
-                <a14:useLocalDpi xmlns="" xmlns:a14="http://schemas.microsoft.com/office/drawing/2010/main" val="0"/>
+                <a14:useLocalDpi xmlns:a14="http://schemas.microsoft.com/office/drawing/2010/main" xmlns="" val="0"/>
               </a:ext>
             </a:extLst>
           </a:blip>
@@ -16898,14 +16763,14 @@
           <a:effectLst/>
           <a:extLst>
             <a:ext uri="{909E8E84-426E-40DD-AFC4-6F175D3DCCD1}">
-              <a14:hiddenFill xmlns="" xmlns:a14="http://schemas.microsoft.com/office/drawing/2010/main">
+              <a14:hiddenFill xmlns:a14="http://schemas.microsoft.com/office/drawing/2010/main" xmlns="">
                 <a:solidFill>
                   <a:schemeClr val="accent1"/>
                 </a:solidFill>
               </a14:hiddenFill>
             </a:ext>
             <a:ext uri="{91240B29-F687-4F45-9708-019B960494DF}">
-              <a14:hiddenLine xmlns="" xmlns:a14="http://schemas.microsoft.com/office/drawing/2010/main" w="9525">
+              <a14:hiddenLine xmlns:a14="http://schemas.microsoft.com/office/drawing/2010/main" xmlns="" w="9525">
                 <a:solidFill>
                   <a:schemeClr val="tx1"/>
                 </a:solidFill>
@@ -16915,7 +16780,7 @@
               </a14:hiddenLine>
             </a:ext>
             <a:ext uri="{AF507438-7753-43E0-B8FC-AC1667EBCBE1}">
-              <a14:hiddenEffects xmlns="" xmlns:a14="http://schemas.microsoft.com/office/drawing/2010/main">
+              <a14:hiddenEffects xmlns:a14="http://schemas.microsoft.com/office/drawing/2010/main" xmlns="">
                 <a:effectLst>
                   <a:outerShdw dist="35921" dir="2700000" algn="ctr" rotWithShape="0">
                     <a:schemeClr val="bg2"/>
@@ -17355,11 +17220,6 @@
               </a:rPr>
               <a:t>)</a:t>
             </a:r>
-            <a:endParaRPr lang="en-US" altLang="ko-KR" sz="1000" dirty="0" smtClean="0">
-              <a:solidFill>
-                <a:schemeClr val="tx1"/>
-              </a:solidFill>
-            </a:endParaRPr>
           </a:p>
         </p:txBody>
       </p:sp>
@@ -17402,7 +17262,7 @@
     </p:spTree>
     <p:extLst>
       <p:ext uri="{BB962C8B-B14F-4D97-AF65-F5344CB8AC3E}">
-        <p14:creationId xmlns="" xmlns:p14="http://schemas.microsoft.com/office/powerpoint/2010/main" val="789187421"/>
+        <p14:creationId xmlns:p14="http://schemas.microsoft.com/office/powerpoint/2010/main" xmlns="" val="789187421"/>
       </p:ext>
     </p:extLst>
   </p:cSld>
@@ -17446,7 +17306,7 @@
           <p:nvPr>
             <p:extLst>
               <p:ext uri="{D42A27DB-BD31-4B8C-83A1-F6EECF244321}">
-                <p14:modId xmlns="" xmlns:p14="http://schemas.microsoft.com/office/powerpoint/2010/main" val="2445248753"/>
+                <p14:modId xmlns:p14="http://schemas.microsoft.com/office/powerpoint/2010/main" xmlns="" val="2445248753"/>
               </p:ext>
             </p:extLst>
           </p:nvPr>
@@ -17465,7 +17325,7 @@
                 <a:gridCol w="6587921">
                   <a:extLst>
                     <a:ext uri="{9D8B030D-6E8A-4147-A177-3AD203B41FA5}">
-                      <a16:colId xmlns="" xmlns:a16="http://schemas.microsoft.com/office/drawing/2014/main" val="20000"/>
+                      <a16:colId xmlns:a16="http://schemas.microsoft.com/office/drawing/2014/main" xmlns="" val="20000"/>
                     </a:ext>
                   </a:extLst>
                 </a:gridCol>
@@ -17622,7 +17482,7 @@
                 </a:tc>
                 <a:extLst>
                   <a:ext uri="{0D108BD9-81ED-4DB2-BD59-A6C34878D82A}">
-                    <a16:rowId xmlns="" xmlns:a16="http://schemas.microsoft.com/office/drawing/2014/main" val="10000"/>
+                    <a16:rowId xmlns:a16="http://schemas.microsoft.com/office/drawing/2014/main" xmlns="" val="10000"/>
                   </a:ext>
                 </a:extLst>
               </a:tr>
@@ -17763,7 +17623,7 @@
           <p:nvPr>
             <p:extLst>
               <p:ext uri="{D42A27DB-BD31-4B8C-83A1-F6EECF244321}">
-                <p14:modId xmlns="" xmlns:p14="http://schemas.microsoft.com/office/powerpoint/2010/main" val="1790057861"/>
+                <p14:modId xmlns:p14="http://schemas.microsoft.com/office/powerpoint/2010/main" xmlns="" val="1790057861"/>
               </p:ext>
             </p:extLst>
           </p:nvPr>
@@ -17782,42 +17642,42 @@
                 <a:gridCol w="1380432">
                   <a:extLst>
                     <a:ext uri="{9D8B030D-6E8A-4147-A177-3AD203B41FA5}">
-                      <a16:colId xmlns="" xmlns:a16="http://schemas.microsoft.com/office/drawing/2014/main" val="20000"/>
+                      <a16:colId xmlns:a16="http://schemas.microsoft.com/office/drawing/2014/main" xmlns="" val="20000"/>
                     </a:ext>
                   </a:extLst>
                 </a:gridCol>
                 <a:gridCol w="2195892">
                   <a:extLst>
                     <a:ext uri="{9D8B030D-6E8A-4147-A177-3AD203B41FA5}">
-                      <a16:colId xmlns="" xmlns:a16="http://schemas.microsoft.com/office/drawing/2014/main" val="20001"/>
+                      <a16:colId xmlns:a16="http://schemas.microsoft.com/office/drawing/2014/main" xmlns="" val="20001"/>
                     </a:ext>
                   </a:extLst>
                 </a:gridCol>
                 <a:gridCol w="1086007">
                   <a:extLst>
                     <a:ext uri="{9D8B030D-6E8A-4147-A177-3AD203B41FA5}">
-                      <a16:colId xmlns="" xmlns:a16="http://schemas.microsoft.com/office/drawing/2014/main" val="20002"/>
+                      <a16:colId xmlns:a16="http://schemas.microsoft.com/office/drawing/2014/main" xmlns="" val="20002"/>
                     </a:ext>
                   </a:extLst>
                 </a:gridCol>
                 <a:gridCol w="1927970">
                   <a:extLst>
                     <a:ext uri="{9D8B030D-6E8A-4147-A177-3AD203B41FA5}">
-                      <a16:colId xmlns="" xmlns:a16="http://schemas.microsoft.com/office/drawing/2014/main" val="20003"/>
+                      <a16:colId xmlns:a16="http://schemas.microsoft.com/office/drawing/2014/main" xmlns="" val="20003"/>
                     </a:ext>
                   </a:extLst>
                 </a:gridCol>
                 <a:gridCol w="1233488">
                   <a:extLst>
                     <a:ext uri="{9D8B030D-6E8A-4147-A177-3AD203B41FA5}">
-                      <a16:colId xmlns="" xmlns:a16="http://schemas.microsoft.com/office/drawing/2014/main" val="20004"/>
+                      <a16:colId xmlns:a16="http://schemas.microsoft.com/office/drawing/2014/main" xmlns="" val="20004"/>
                     </a:ext>
                   </a:extLst>
                 </a:gridCol>
                 <a:gridCol w="971549">
                   <a:extLst>
                     <a:ext uri="{9D8B030D-6E8A-4147-A177-3AD203B41FA5}">
-                      <a16:colId xmlns="" xmlns:a16="http://schemas.microsoft.com/office/drawing/2014/main" val="20006"/>
+                      <a16:colId xmlns:a16="http://schemas.microsoft.com/office/drawing/2014/main" xmlns="" val="20006"/>
                     </a:ext>
                   </a:extLst>
                 </a:gridCol>
@@ -18248,7 +18108,7 @@
                 </a:tc>
                 <a:extLst>
                   <a:ext uri="{0D108BD9-81ED-4DB2-BD59-A6C34878D82A}">
-                    <a16:rowId xmlns="" xmlns:a16="http://schemas.microsoft.com/office/drawing/2014/main" val="10000"/>
+                    <a16:rowId xmlns:a16="http://schemas.microsoft.com/office/drawing/2014/main" xmlns="" val="10000"/>
                   </a:ext>
                 </a:extLst>
               </a:tr>
@@ -18265,7 +18125,7 @@
           <p:nvPr>
             <p:extLst>
               <p:ext uri="{D42A27DB-BD31-4B8C-83A1-F6EECF244321}">
-                <p14:modId xmlns="" xmlns:p14="http://schemas.microsoft.com/office/powerpoint/2010/main" val="101464881"/>
+                <p14:modId xmlns:p14="http://schemas.microsoft.com/office/powerpoint/2010/main" xmlns="" val="101464881"/>
               </p:ext>
             </p:extLst>
           </p:nvPr>
@@ -18485,7 +18345,7 @@
           <a:blip r:embed="rId2">
             <a:extLst>
               <a:ext uri="{28A0092B-C50C-407E-A947-70E740481C1C}">
-                <a14:useLocalDpi xmlns="" xmlns:a14="http://schemas.microsoft.com/office/drawing/2010/main" val="0"/>
+                <a14:useLocalDpi xmlns:a14="http://schemas.microsoft.com/office/drawing/2010/main" xmlns="" val="0"/>
               </a:ext>
             </a:extLst>
           </a:blip>
@@ -18509,14 +18369,14 @@
           <a:effectLst/>
           <a:extLst>
             <a:ext uri="{909E8E84-426E-40DD-AFC4-6F175D3DCCD1}">
-              <a14:hiddenFill xmlns="" xmlns:a14="http://schemas.microsoft.com/office/drawing/2010/main">
+              <a14:hiddenFill xmlns:a14="http://schemas.microsoft.com/office/drawing/2010/main" xmlns="">
                 <a:solidFill>
                   <a:schemeClr val="accent1"/>
                 </a:solidFill>
               </a14:hiddenFill>
             </a:ext>
             <a:ext uri="{91240B29-F687-4F45-9708-019B960494DF}">
-              <a14:hiddenLine xmlns="" xmlns:a14="http://schemas.microsoft.com/office/drawing/2010/main" w="9525">
+              <a14:hiddenLine xmlns:a14="http://schemas.microsoft.com/office/drawing/2010/main" xmlns="" w="9525">
                 <a:solidFill>
                   <a:schemeClr val="tx1"/>
                 </a:solidFill>
@@ -18526,7 +18386,7 @@
               </a14:hiddenLine>
             </a:ext>
             <a:ext uri="{AF507438-7753-43E0-B8FC-AC1667EBCBE1}">
-              <a14:hiddenEffects xmlns="" xmlns:a14="http://schemas.microsoft.com/office/drawing/2010/main">
+              <a14:hiddenEffects xmlns:a14="http://schemas.microsoft.com/office/drawing/2010/main" xmlns="">
                 <a:effectLst>
                   <a:outerShdw dist="35921" dir="2700000" algn="ctr" rotWithShape="0">
                     <a:schemeClr val="bg2"/>
@@ -19044,11 +18904,6 @@
               </a:rPr>
               <a:t>: </a:t>
             </a:r>
-            <a:endParaRPr lang="en-US" altLang="ko-KR" sz="1000" dirty="0" smtClean="0">
-              <a:solidFill>
-                <a:schemeClr val="tx1"/>
-              </a:solidFill>
-            </a:endParaRPr>
           </a:p>
           <a:p>
             <a:r>
@@ -19372,15 +19227,7 @@
             </a:pPr>
             <a:r>
               <a:rPr lang="ko-KR" altLang="en-US" sz="900" dirty="0" smtClean="0"/>
-              <a:t>양식에 맞춰 아이디</a:t>
-            </a:r>
-            <a:r>
-              <a:rPr lang="ko-KR" altLang="en-US" sz="900" dirty="0" smtClean="0"/>
-              <a:t>와</a:t>
-            </a:r>
-            <a:r>
-              <a:rPr lang="ko-KR" altLang="en-US" sz="900" dirty="0" smtClean="0"/>
-              <a:t> 이메일을 입력한다</a:t>
+              <a:t>양식에 맞춰 아이디와 이메일을 입력한다</a:t>
             </a:r>
             <a:endParaRPr lang="en-US" altLang="ko-KR" sz="900" dirty="0" smtClean="0"/>
           </a:p>
@@ -19477,11 +19324,7 @@
             <a:pPr marL="228600" indent="-228600"/>
             <a:r>
               <a:rPr lang="en-US" altLang="ko-KR" sz="900" dirty="0" smtClean="0"/>
-              <a:t>3-A</a:t>
-            </a:r>
-            <a:r>
-              <a:rPr lang="en-US" altLang="ko-KR" sz="900" dirty="0" smtClean="0"/>
-              <a:t>. </a:t>
+              <a:t>3-A. </a:t>
             </a:r>
             <a:r>
               <a:rPr lang="ko-KR" altLang="en-US" sz="900" dirty="0" smtClean="0"/>
@@ -19520,11 +19363,7 @@
             </a:r>
             <a:r>
               <a:rPr lang="ko-KR" altLang="en-US" sz="900" dirty="0" smtClean="0"/>
-              <a:t>라는 메세지가 </a:t>
-            </a:r>
-            <a:r>
-              <a:rPr lang="ko-KR" altLang="en-US" sz="900" dirty="0" smtClean="0"/>
-              <a:t>뜬다</a:t>
+              <a:t>라는 메세지가 뜬다</a:t>
             </a:r>
             <a:endParaRPr lang="en-US" altLang="ko-KR" sz="900" dirty="0" smtClean="0"/>
           </a:p>
@@ -19771,7 +19610,7 @@
     </p:spTree>
     <p:extLst>
       <p:ext uri="{BB962C8B-B14F-4D97-AF65-F5344CB8AC3E}">
-        <p14:creationId xmlns="" xmlns:p14="http://schemas.microsoft.com/office/powerpoint/2010/main" val="789187421"/>
+        <p14:creationId xmlns:p14="http://schemas.microsoft.com/office/powerpoint/2010/main" xmlns="" val="789187421"/>
       </p:ext>
     </p:extLst>
   </p:cSld>
@@ -19815,7 +19654,7 @@
           <p:nvPr>
             <p:extLst>
               <p:ext uri="{D42A27DB-BD31-4B8C-83A1-F6EECF244321}">
-                <p14:modId xmlns="" xmlns:p14="http://schemas.microsoft.com/office/powerpoint/2010/main" val="2445248753"/>
+                <p14:modId xmlns:p14="http://schemas.microsoft.com/office/powerpoint/2010/main" xmlns="" val="2445248753"/>
               </p:ext>
             </p:extLst>
           </p:nvPr>
@@ -19834,7 +19673,7 @@
                 <a:gridCol w="6587921">
                   <a:extLst>
                     <a:ext uri="{9D8B030D-6E8A-4147-A177-3AD203B41FA5}">
-                      <a16:colId xmlns="" xmlns:a16="http://schemas.microsoft.com/office/drawing/2014/main" val="20000"/>
+                      <a16:colId xmlns:a16="http://schemas.microsoft.com/office/drawing/2014/main" xmlns="" val="20000"/>
                     </a:ext>
                   </a:extLst>
                 </a:gridCol>
@@ -19991,7 +19830,7 @@
                 </a:tc>
                 <a:extLst>
                   <a:ext uri="{0D108BD9-81ED-4DB2-BD59-A6C34878D82A}">
-                    <a16:rowId xmlns="" xmlns:a16="http://schemas.microsoft.com/office/drawing/2014/main" val="10000"/>
+                    <a16:rowId xmlns:a16="http://schemas.microsoft.com/office/drawing/2014/main" xmlns="" val="10000"/>
                   </a:ext>
                 </a:extLst>
               </a:tr>
@@ -20132,7 +19971,7 @@
           <p:nvPr>
             <p:extLst>
               <p:ext uri="{D42A27DB-BD31-4B8C-83A1-F6EECF244321}">
-                <p14:modId xmlns="" xmlns:p14="http://schemas.microsoft.com/office/powerpoint/2010/main" val="1790057861"/>
+                <p14:modId xmlns:p14="http://schemas.microsoft.com/office/powerpoint/2010/main" xmlns="" val="1790057861"/>
               </p:ext>
             </p:extLst>
           </p:nvPr>
@@ -20151,42 +19990,42 @@
                 <a:gridCol w="1380432">
                   <a:extLst>
                     <a:ext uri="{9D8B030D-6E8A-4147-A177-3AD203B41FA5}">
-                      <a16:colId xmlns="" xmlns:a16="http://schemas.microsoft.com/office/drawing/2014/main" val="20000"/>
+                      <a16:colId xmlns:a16="http://schemas.microsoft.com/office/drawing/2014/main" xmlns="" val="20000"/>
                     </a:ext>
                   </a:extLst>
                 </a:gridCol>
                 <a:gridCol w="2195892">
                   <a:extLst>
                     <a:ext uri="{9D8B030D-6E8A-4147-A177-3AD203B41FA5}">
-                      <a16:colId xmlns="" xmlns:a16="http://schemas.microsoft.com/office/drawing/2014/main" val="20001"/>
+                      <a16:colId xmlns:a16="http://schemas.microsoft.com/office/drawing/2014/main" xmlns="" val="20001"/>
                     </a:ext>
                   </a:extLst>
                 </a:gridCol>
                 <a:gridCol w="1086007">
                   <a:extLst>
                     <a:ext uri="{9D8B030D-6E8A-4147-A177-3AD203B41FA5}">
-                      <a16:colId xmlns="" xmlns:a16="http://schemas.microsoft.com/office/drawing/2014/main" val="20002"/>
+                      <a16:colId xmlns:a16="http://schemas.microsoft.com/office/drawing/2014/main" xmlns="" val="20002"/>
                     </a:ext>
                   </a:extLst>
                 </a:gridCol>
                 <a:gridCol w="1927970">
                   <a:extLst>
                     <a:ext uri="{9D8B030D-6E8A-4147-A177-3AD203B41FA5}">
-                      <a16:colId xmlns="" xmlns:a16="http://schemas.microsoft.com/office/drawing/2014/main" val="20003"/>
+                      <a16:colId xmlns:a16="http://schemas.microsoft.com/office/drawing/2014/main" xmlns="" val="20003"/>
                     </a:ext>
                   </a:extLst>
                 </a:gridCol>
                 <a:gridCol w="1233488">
                   <a:extLst>
                     <a:ext uri="{9D8B030D-6E8A-4147-A177-3AD203B41FA5}">
-                      <a16:colId xmlns="" xmlns:a16="http://schemas.microsoft.com/office/drawing/2014/main" val="20004"/>
+                      <a16:colId xmlns:a16="http://schemas.microsoft.com/office/drawing/2014/main" xmlns="" val="20004"/>
                     </a:ext>
                   </a:extLst>
                 </a:gridCol>
                 <a:gridCol w="971549">
                   <a:extLst>
                     <a:ext uri="{9D8B030D-6E8A-4147-A177-3AD203B41FA5}">
-                      <a16:colId xmlns="" xmlns:a16="http://schemas.microsoft.com/office/drawing/2014/main" val="20006"/>
+                      <a16:colId xmlns:a16="http://schemas.microsoft.com/office/drawing/2014/main" xmlns="" val="20006"/>
                     </a:ext>
                   </a:extLst>
                 </a:gridCol>
@@ -20600,7 +20439,7 @@
                 </a:tc>
                 <a:extLst>
                   <a:ext uri="{0D108BD9-81ED-4DB2-BD59-A6C34878D82A}">
-                    <a16:rowId xmlns="" xmlns:a16="http://schemas.microsoft.com/office/drawing/2014/main" val="10000"/>
+                    <a16:rowId xmlns:a16="http://schemas.microsoft.com/office/drawing/2014/main" xmlns="" val="10000"/>
                   </a:ext>
                 </a:extLst>
               </a:tr>
@@ -20617,7 +20456,7 @@
           <p:nvPr>
             <p:extLst>
               <p:ext uri="{D42A27DB-BD31-4B8C-83A1-F6EECF244321}">
-                <p14:modId xmlns="" xmlns:p14="http://schemas.microsoft.com/office/powerpoint/2010/main" val="101464881"/>
+                <p14:modId xmlns:p14="http://schemas.microsoft.com/office/powerpoint/2010/main" xmlns="" val="101464881"/>
               </p:ext>
             </p:extLst>
           </p:nvPr>
@@ -20829,9 +20668,153 @@
           </a:graphicData>
         </a:graphic>
       </p:graphicFrame>
+      <p:sp>
+        <p:nvSpPr>
+          <p:cNvPr id="17" name="TextBox 16"/>
+          <p:cNvSpPr txBox="1"/>
+          <p:nvPr/>
+        </p:nvSpPr>
+        <p:spPr>
+          <a:xfrm>
+            <a:off x="6749508" y="928671"/>
+            <a:ext cx="2237330" cy="1754326"/>
+          </a:xfrm>
+          <a:prstGeom prst="rect">
+            <a:avLst/>
+          </a:prstGeom>
+        </p:spPr>
+        <p:txBody>
+          <a:bodyPr wrap="square" rtlCol="0">
+            <a:spAutoFit/>
+          </a:bodyPr>
+          <a:lstStyle/>
+          <a:p>
+            <a:pPr marL="228600" indent="-228600">
+              <a:buAutoNum type="arabicPeriod"/>
+            </a:pPr>
+            <a:r>
+              <a:rPr lang="ko-KR" altLang="en-US" sz="900" dirty="0" smtClean="0"/>
+              <a:t>양식에 맞춰 새 비밀번호와 </a:t>
+            </a:r>
+            <a:endParaRPr lang="en-US" altLang="ko-KR" sz="900" dirty="0" smtClean="0"/>
+          </a:p>
+          <a:p>
+            <a:pPr marL="228600" indent="-228600"/>
+            <a:r>
+              <a:rPr lang="en-US" altLang="ko-KR" sz="900" dirty="0" smtClean="0"/>
+              <a:t>	</a:t>
+            </a:r>
+            <a:r>
+              <a:rPr lang="ko-KR" altLang="en-US" sz="900" dirty="0" smtClean="0"/>
+              <a:t>새 비밀번호 확인을 입력한다</a:t>
+            </a:r>
+            <a:endParaRPr lang="en-US" altLang="ko-KR" sz="900" dirty="0" smtClean="0"/>
+          </a:p>
+          <a:p>
+            <a:pPr marL="228600" indent="-228600"/>
+            <a:r>
+              <a:rPr lang="en-US" altLang="ko-KR" sz="900" dirty="0" smtClean="0"/>
+              <a:t>2.    </a:t>
+            </a:r>
+            <a:r>
+              <a:rPr lang="ko-KR" altLang="en-US" sz="900" dirty="0" smtClean="0"/>
+              <a:t>버튼을 누르면 새 비밀번호와 새 비밀</a:t>
+            </a:r>
+            <a:r>
+              <a:rPr lang="en-US" altLang="ko-KR" sz="900" dirty="0" smtClean="0"/>
+              <a:t> </a:t>
+            </a:r>
+            <a:r>
+              <a:rPr lang="ko-KR" altLang="en-US" sz="900" dirty="0" smtClean="0"/>
+              <a:t>번호 확인 란의 두 입력값이 일치하는 지 확인한다 </a:t>
+            </a:r>
+            <a:endParaRPr lang="en-US" altLang="ko-KR" sz="900" dirty="0" smtClean="0"/>
+          </a:p>
+          <a:p>
+            <a:pPr marL="228600" indent="-228600"/>
+            <a:r>
+              <a:rPr lang="ko-KR" altLang="en-US" sz="900" dirty="0" smtClean="0"/>
+              <a:t>      두 </a:t>
+            </a:r>
+            <a:r>
+              <a:rPr lang="ko-KR" altLang="en-US" sz="900" dirty="0" smtClean="0"/>
+              <a:t>정보가 일치하지 않으면 </a:t>
+            </a:r>
+            <a:endParaRPr lang="en-US" altLang="ko-KR" sz="900" dirty="0" smtClean="0"/>
+          </a:p>
+          <a:p>
+            <a:pPr marL="228600" indent="-228600"/>
+            <a:r>
+              <a:rPr lang="en-US" altLang="ko-KR" sz="900" dirty="0" smtClean="0"/>
+              <a:t>	“</a:t>
+            </a:r>
+            <a:r>
+              <a:rPr lang="ko-KR" altLang="en-US" sz="900" dirty="0" smtClean="0"/>
+              <a:t>비밀번호가 일치하지 않습니다</a:t>
+            </a:r>
+            <a:r>
+              <a:rPr lang="en-US" altLang="ko-KR" sz="900" dirty="0" smtClean="0"/>
+              <a:t>”</a:t>
+            </a:r>
+          </a:p>
+          <a:p>
+            <a:pPr marL="228600" indent="-228600"/>
+            <a:r>
+              <a:rPr lang="en-US" altLang="ko-KR" sz="900" dirty="0" smtClean="0"/>
+              <a:t>	</a:t>
+            </a:r>
+            <a:r>
+              <a:rPr lang="ko-KR" altLang="en-US" sz="900" dirty="0" smtClean="0"/>
+              <a:t>라는 메세지가 </a:t>
+            </a:r>
+            <a:r>
+              <a:rPr lang="ko-KR" altLang="en-US" sz="900" dirty="0" smtClean="0"/>
+              <a:t> </a:t>
+            </a:r>
+            <a:r>
+              <a:rPr lang="ko-KR" altLang="en-US" sz="900" dirty="0" smtClean="0"/>
+              <a:t>옆에 </a:t>
+            </a:r>
+            <a:r>
+              <a:rPr lang="ko-KR" altLang="en-US" sz="900" dirty="0" smtClean="0"/>
+              <a:t>뜬다</a:t>
+            </a:r>
+            <a:endParaRPr lang="en-US" altLang="ko-KR" sz="900" dirty="0" smtClean="0"/>
+          </a:p>
+          <a:p>
+            <a:pPr marL="228600" indent="-228600">
+              <a:buAutoNum type="arabicPeriod" startAt="3"/>
+            </a:pPr>
+            <a:r>
+              <a:rPr lang="ko-KR" altLang="en-US" sz="900" dirty="0" smtClean="0"/>
+              <a:t>버튼을 누르면 비밀번호 변경 성공</a:t>
+            </a:r>
+            <a:endParaRPr lang="en-US" altLang="ko-KR" sz="900" dirty="0" smtClean="0"/>
+          </a:p>
+          <a:p>
+            <a:pPr marL="228600" indent="-228600"/>
+            <a:r>
+              <a:rPr lang="en-US" altLang="ko-KR" sz="900" dirty="0" smtClean="0"/>
+              <a:t>      </a:t>
+            </a:r>
+            <a:r>
+              <a:rPr lang="ko-KR" altLang="en-US" sz="900" dirty="0" smtClean="0"/>
+              <a:t>페이지로 이동한다</a:t>
+            </a:r>
+            <a:r>
+              <a:rPr lang="en-US" altLang="ko-KR" sz="900" dirty="0" smtClean="0"/>
+              <a:t>		</a:t>
+            </a:r>
+            <a:endParaRPr lang="ko-KR" altLang="en-US" sz="900" dirty="0" smtClean="0"/>
+          </a:p>
+          <a:p>
+            <a:endParaRPr lang="ko-KR" altLang="en-US" sz="900" dirty="0"/>
+          </a:p>
+        </p:txBody>
+      </p:sp>
       <p:pic>
         <p:nvPicPr>
-          <p:cNvPr id="6" name="Picture 2"/>
+          <p:cNvPr id="20" name="Picture 2"/>
           <p:cNvPicPr preferRelativeResize="0">
             <a:picLocks noChangeArrowheads="1"/>
           </p:cNvPicPr>
@@ -20841,7 +20824,7 @@
           <a:blip r:embed="rId2">
             <a:extLst>
               <a:ext uri="{28A0092B-C50C-407E-A947-70E740481C1C}">
-                <a14:useLocalDpi xmlns="" xmlns:a14="http://schemas.microsoft.com/office/drawing/2010/main" val="0"/>
+                <a14:useLocalDpi xmlns:a14="http://schemas.microsoft.com/office/drawing/2010/main" xmlns="" val="0"/>
               </a:ext>
             </a:extLst>
           </a:blip>
@@ -20865,14 +20848,14 @@
           <a:effectLst/>
           <a:extLst>
             <a:ext uri="{909E8E84-426E-40DD-AFC4-6F175D3DCCD1}">
-              <a14:hiddenFill xmlns="" xmlns:a14="http://schemas.microsoft.com/office/drawing/2010/main">
+              <a14:hiddenFill xmlns:a14="http://schemas.microsoft.com/office/drawing/2010/main" xmlns="">
                 <a:solidFill>
                   <a:schemeClr val="accent1"/>
                 </a:solidFill>
               </a14:hiddenFill>
             </a:ext>
             <a:ext uri="{91240B29-F687-4F45-9708-019B960494DF}">
-              <a14:hiddenLine xmlns="" xmlns:a14="http://schemas.microsoft.com/office/drawing/2010/main" w="9525">
+              <a14:hiddenLine xmlns:a14="http://schemas.microsoft.com/office/drawing/2010/main" xmlns="" w="9525">
                 <a:solidFill>
                   <a:schemeClr val="tx1"/>
                 </a:solidFill>
@@ -20882,7 +20865,7 @@
               </a14:hiddenLine>
             </a:ext>
             <a:ext uri="{AF507438-7753-43E0-B8FC-AC1667EBCBE1}">
-              <a14:hiddenEffects xmlns="" xmlns:a14="http://schemas.microsoft.com/office/drawing/2010/main">
+              <a14:hiddenEffects xmlns:a14="http://schemas.microsoft.com/office/drawing/2010/main" xmlns="">
                 <a:effectLst>
                   <a:outerShdw dist="35921" dir="2700000" algn="ctr" rotWithShape="0">
                     <a:schemeClr val="bg2"/>
@@ -20987,209 +20970,6 @@
           </a:p>
         </p:txBody>
       </p:sp>
-      <p:grpSp>
-        <p:nvGrpSpPr>
-          <p:cNvPr id="9" name="그룹 8"/>
-          <p:cNvGrpSpPr/>
-          <p:nvPr/>
-        </p:nvGrpSpPr>
-        <p:grpSpPr>
-          <a:xfrm>
-            <a:off x="285720" y="3714752"/>
-            <a:ext cx="1714512" cy="1323377"/>
-            <a:chOff x="285720" y="3000372"/>
-            <a:chExt cx="1714512" cy="1323377"/>
-          </a:xfrm>
-        </p:grpSpPr>
-        <p:grpSp>
-          <p:nvGrpSpPr>
-            <p:cNvPr id="10" name="그룹 19"/>
-            <p:cNvGrpSpPr/>
-            <p:nvPr/>
-          </p:nvGrpSpPr>
-          <p:grpSpPr>
-            <a:xfrm>
-              <a:off x="428596" y="3357562"/>
-              <a:ext cx="1514700" cy="966187"/>
-              <a:chOff x="428596" y="3357562"/>
-              <a:chExt cx="1514700" cy="966187"/>
-            </a:xfrm>
-          </p:grpSpPr>
-          <p:pic>
-            <p:nvPicPr>
-              <p:cNvPr id="13" name="Picture 7"/>
-              <p:cNvPicPr>
-                <a:picLocks noChangeAspect="1" noChangeArrowheads="1"/>
-              </p:cNvPicPr>
-              <p:nvPr/>
-            </p:nvPicPr>
-            <p:blipFill>
-              <a:blip r:embed="rId3" cstate="print"/>
-              <a:srcRect/>
-              <a:stretch>
-                <a:fillRect/>
-              </a:stretch>
-            </p:blipFill>
-            <p:spPr bwMode="auto">
-              <a:xfrm>
-                <a:off x="428596" y="3357562"/>
-                <a:ext cx="1514700" cy="966187"/>
-              </a:xfrm>
-              <a:prstGeom prst="rect">
-                <a:avLst/>
-              </a:prstGeom>
-              <a:noFill/>
-              <a:ln w="9525">
-                <a:solidFill>
-                  <a:schemeClr val="tx1"/>
-                </a:solidFill>
-                <a:miter lim="800000"/>
-                <a:headEnd/>
-                <a:tailEnd/>
-              </a:ln>
-              <a:effectLst/>
-            </p:spPr>
-          </p:pic>
-          <p:sp>
-            <p:nvSpPr>
-              <p:cNvPr id="14" name="직사각형 13"/>
-              <p:cNvSpPr/>
-              <p:nvPr/>
-            </p:nvSpPr>
-            <p:spPr>
-              <a:xfrm>
-                <a:off x="500034" y="3643314"/>
-                <a:ext cx="1357322" cy="214314"/>
-              </a:xfrm>
-              <a:prstGeom prst="rect">
-                <a:avLst/>
-              </a:prstGeom>
-              <a:solidFill>
-                <a:schemeClr val="bg1">
-                  <a:lumMod val="95000"/>
-                </a:schemeClr>
-              </a:solidFill>
-              <a:ln>
-                <a:noFill/>
-              </a:ln>
-            </p:spPr>
-            <p:style>
-              <a:lnRef idx="2">
-                <a:schemeClr val="accent1">
-                  <a:shade val="50000"/>
-                </a:schemeClr>
-              </a:lnRef>
-              <a:fillRef idx="1">
-                <a:schemeClr val="accent1"/>
-              </a:fillRef>
-              <a:effectRef idx="0">
-                <a:schemeClr val="accent1"/>
-              </a:effectRef>
-              <a:fontRef idx="minor">
-                <a:schemeClr val="lt1"/>
-              </a:fontRef>
-            </p:style>
-            <p:txBody>
-              <a:bodyPr rtlCol="0" anchor="ctr"/>
-              <a:lstStyle/>
-              <a:p>
-                <a:pPr algn="ctr"/>
-                <a:endParaRPr lang="ko-KR" altLang="en-US"/>
-              </a:p>
-            </p:txBody>
-          </p:sp>
-        </p:grpSp>
-        <p:sp>
-          <p:nvSpPr>
-            <p:cNvPr id="11" name="타원 10"/>
-            <p:cNvSpPr/>
-            <p:nvPr/>
-          </p:nvSpPr>
-          <p:spPr>
-            <a:xfrm>
-              <a:off x="285720" y="3000372"/>
-              <a:ext cx="339812" cy="453082"/>
-            </a:xfrm>
-            <a:prstGeom prst="ellipse">
-              <a:avLst/>
-            </a:prstGeom>
-          </p:spPr>
-          <p:style>
-            <a:lnRef idx="2">
-              <a:schemeClr val="accent5">
-                <a:shade val="50000"/>
-              </a:schemeClr>
-            </a:lnRef>
-            <a:fillRef idx="1">
-              <a:schemeClr val="accent5"/>
-            </a:fillRef>
-            <a:effectRef idx="0">
-              <a:schemeClr val="accent5"/>
-            </a:effectRef>
-            <a:fontRef idx="minor">
-              <a:schemeClr val="lt1"/>
-            </a:fontRef>
-          </p:style>
-          <p:txBody>
-            <a:bodyPr rtlCol="0" anchor="ctr"/>
-            <a:lstStyle/>
-            <a:p>
-              <a:pPr algn="ctr"/>
-              <a:r>
-                <a:rPr lang="en-US" altLang="ko-KR" dirty="0" smtClean="0"/>
-                <a:t>A</a:t>
-              </a:r>
-              <a:endParaRPr lang="ko-KR" altLang="en-US" dirty="0"/>
-            </a:p>
-          </p:txBody>
-        </p:sp>
-        <p:sp>
-          <p:nvSpPr>
-            <p:cNvPr id="12" name="TextBox 11"/>
-            <p:cNvSpPr txBox="1"/>
-            <p:nvPr/>
-          </p:nvSpPr>
-          <p:spPr>
-            <a:xfrm>
-              <a:off x="409732" y="3611407"/>
-              <a:ext cx="1590500" cy="246221"/>
-            </a:xfrm>
-            <a:prstGeom prst="rect">
-              <a:avLst/>
-            </a:prstGeom>
-            <a:noFill/>
-          </p:spPr>
-          <p:txBody>
-            <a:bodyPr wrap="none" rtlCol="0">
-              <a:spAutoFit/>
-            </a:bodyPr>
-            <a:lstStyle/>
-            <a:p>
-              <a:r>
-                <a:rPr lang="en-US" altLang="ko-KR" sz="1000" dirty="0" smtClean="0"/>
-                <a:t>“</a:t>
-              </a:r>
-              <a:r>
-                <a:rPr lang="ko-KR" altLang="en-US" sz="1000" dirty="0" smtClean="0"/>
-                <a:t>메시지 </a:t>
-              </a:r>
-              <a:r>
-                <a:rPr lang="en-US" altLang="ko-KR" sz="1000" dirty="0" smtClean="0"/>
-                <a:t>–</a:t>
-              </a:r>
-              <a:r>
-                <a:rPr lang="ko-KR" altLang="en-US" sz="1000" dirty="0" smtClean="0"/>
-                <a:t>화면설명 참조</a:t>
-              </a:r>
-              <a:r>
-                <a:rPr lang="en-US" altLang="ko-KR" sz="1000" dirty="0" smtClean="0"/>
-                <a:t>”</a:t>
-              </a:r>
-              <a:endParaRPr lang="ko-KR" altLang="en-US" sz="1000" dirty="0"/>
-            </a:p>
-          </p:txBody>
-        </p:sp>
-      </p:grpSp>
       <p:sp>
         <p:nvSpPr>
           <p:cNvPr id="15" name="타원 14"/>
@@ -21198,7 +20978,7 @@
         </p:nvSpPr>
         <p:spPr>
           <a:xfrm>
-            <a:off x="5500694" y="3071810"/>
+            <a:off x="5875262" y="3071810"/>
             <a:ext cx="339812" cy="453082"/>
           </a:xfrm>
           <a:prstGeom prst="ellipse">
@@ -21275,162 +21055,6 @@
               <a:t>3</a:t>
             </a:r>
             <a:endParaRPr lang="ko-KR" altLang="en-US" dirty="0"/>
-          </a:p>
-        </p:txBody>
-      </p:sp>
-      <p:sp>
-        <p:nvSpPr>
-          <p:cNvPr id="17" name="TextBox 16"/>
-          <p:cNvSpPr txBox="1"/>
-          <p:nvPr/>
-        </p:nvSpPr>
-        <p:spPr>
-          <a:xfrm>
-            <a:off x="6749508" y="928671"/>
-            <a:ext cx="2237330" cy="1754326"/>
-          </a:xfrm>
-          <a:prstGeom prst="rect">
-            <a:avLst/>
-          </a:prstGeom>
-        </p:spPr>
-        <p:txBody>
-          <a:bodyPr wrap="square" rtlCol="0">
-            <a:spAutoFit/>
-          </a:bodyPr>
-          <a:lstStyle/>
-          <a:p>
-            <a:pPr marL="228600" indent="-228600">
-              <a:buAutoNum type="arabicPeriod"/>
-            </a:pPr>
-            <a:r>
-              <a:rPr lang="ko-KR" altLang="en-US" sz="900" dirty="0" smtClean="0"/>
-              <a:t>양식에 맞춰 새 비밀번호와 </a:t>
-            </a:r>
-            <a:endParaRPr lang="en-US" altLang="ko-KR" sz="900" dirty="0" smtClean="0"/>
-          </a:p>
-          <a:p>
-            <a:pPr marL="228600" indent="-228600"/>
-            <a:r>
-              <a:rPr lang="en-US" altLang="ko-KR" sz="900" dirty="0" smtClean="0"/>
-              <a:t>	</a:t>
-            </a:r>
-            <a:r>
-              <a:rPr lang="ko-KR" altLang="en-US" sz="900" dirty="0" smtClean="0"/>
-              <a:t>새 비밀번호 확인을 입력한다</a:t>
-            </a:r>
-            <a:endParaRPr lang="en-US" altLang="ko-KR" sz="900" dirty="0" smtClean="0"/>
-          </a:p>
-          <a:p>
-            <a:pPr marL="228600" indent="-228600"/>
-            <a:r>
-              <a:rPr lang="en-US" altLang="ko-KR" sz="900" dirty="0" smtClean="0"/>
-              <a:t>2.    </a:t>
-            </a:r>
-            <a:r>
-              <a:rPr lang="ko-KR" altLang="en-US" sz="900" dirty="0" smtClean="0"/>
-              <a:t>버튼을 </a:t>
-            </a:r>
-            <a:r>
-              <a:rPr lang="ko-KR" altLang="en-US" sz="900" dirty="0" smtClean="0"/>
-              <a:t>누르면 </a:t>
-            </a:r>
-            <a:r>
-              <a:rPr lang="ko-KR" altLang="en-US" sz="900" dirty="0" smtClean="0"/>
-              <a:t>새 비밀번호와 새 비밀</a:t>
-            </a:r>
-            <a:r>
-              <a:rPr lang="en-US" altLang="ko-KR" sz="900" dirty="0" smtClean="0"/>
-              <a:t> </a:t>
-            </a:r>
-            <a:r>
-              <a:rPr lang="ko-KR" altLang="en-US" sz="900" dirty="0" smtClean="0"/>
-              <a:t>번호 </a:t>
-            </a:r>
-            <a:r>
-              <a:rPr lang="ko-KR" altLang="en-US" sz="900" dirty="0" smtClean="0"/>
-              <a:t>확인 란의 두 입력값이 일치하는 지 확인한다 </a:t>
-            </a:r>
-            <a:endParaRPr lang="en-US" altLang="ko-KR" sz="900" dirty="0" smtClean="0"/>
-          </a:p>
-          <a:p>
-            <a:pPr marL="228600" indent="-228600"/>
-            <a:r>
-              <a:rPr lang="en-US" altLang="ko-KR" sz="900" dirty="0" smtClean="0"/>
-              <a:t>2</a:t>
-            </a:r>
-            <a:r>
-              <a:rPr lang="en-US" altLang="ko-KR" sz="900" dirty="0" smtClean="0"/>
-              <a:t>-A. </a:t>
-            </a:r>
-            <a:r>
-              <a:rPr lang="ko-KR" altLang="en-US" sz="900" dirty="0" smtClean="0"/>
-              <a:t>두 정보가 일치하지 않으면 </a:t>
-            </a:r>
-            <a:endParaRPr lang="en-US" altLang="ko-KR" sz="900" dirty="0" smtClean="0"/>
-          </a:p>
-          <a:p>
-            <a:pPr marL="228600" indent="-228600"/>
-            <a:r>
-              <a:rPr lang="en-US" altLang="ko-KR" sz="900" dirty="0" smtClean="0"/>
-              <a:t>	</a:t>
-            </a:r>
-            <a:r>
-              <a:rPr lang="en-US" altLang="ko-KR" sz="900" dirty="0" smtClean="0"/>
-              <a:t>“</a:t>
-            </a:r>
-            <a:r>
-              <a:rPr lang="ko-KR" altLang="en-US" sz="900" dirty="0" smtClean="0"/>
-              <a:t>비밀번호가 일치하지 않습니다</a:t>
-            </a:r>
-            <a:r>
-              <a:rPr lang="en-US" altLang="ko-KR" sz="900" dirty="0" smtClean="0"/>
-              <a:t>”</a:t>
-            </a:r>
-          </a:p>
-          <a:p>
-            <a:pPr marL="228600" indent="-228600"/>
-            <a:r>
-              <a:rPr lang="en-US" altLang="ko-KR" sz="900" dirty="0" smtClean="0"/>
-              <a:t>	</a:t>
-            </a:r>
-            <a:r>
-              <a:rPr lang="ko-KR" altLang="en-US" sz="900" dirty="0" smtClean="0"/>
-              <a:t>라는 메세지가 뜬다</a:t>
-            </a:r>
-            <a:endParaRPr lang="en-US" altLang="ko-KR" sz="900" dirty="0" smtClean="0"/>
-          </a:p>
-          <a:p>
-            <a:pPr marL="228600" indent="-228600">
-              <a:buAutoNum type="arabicPeriod" startAt="3"/>
-            </a:pPr>
-            <a:r>
-              <a:rPr lang="ko-KR" altLang="en-US" sz="900" dirty="0" smtClean="0"/>
-              <a:t>버튼을 누르면 비밀번호 변경 성공</a:t>
-            </a:r>
-            <a:endParaRPr lang="en-US" altLang="ko-KR" sz="900" dirty="0" smtClean="0"/>
-          </a:p>
-          <a:p>
-            <a:pPr marL="228600" indent="-228600"/>
-            <a:r>
-              <a:rPr lang="en-US" altLang="ko-KR" sz="900" dirty="0" smtClean="0"/>
-              <a:t> </a:t>
-            </a:r>
-            <a:r>
-              <a:rPr lang="en-US" altLang="ko-KR" sz="900" dirty="0" smtClean="0"/>
-              <a:t>     </a:t>
-            </a:r>
-            <a:r>
-              <a:rPr lang="ko-KR" altLang="en-US" sz="900" dirty="0" smtClean="0"/>
-              <a:t>페이지로 이동한다</a:t>
-            </a:r>
-            <a:r>
-              <a:rPr lang="en-US" altLang="ko-KR" sz="900" dirty="0" smtClean="0"/>
-              <a:t>		</a:t>
-            </a:r>
-            <a:endParaRPr lang="ko-KR" altLang="en-US" sz="900" dirty="0" smtClean="0"/>
-          </a:p>
-          <a:p>
-            <a:endParaRPr lang="ko-KR" altLang="en-US" sz="900" dirty="0"/>
           </a:p>
         </p:txBody>
       </p:sp>
@@ -21618,7 +21242,7 @@
     </p:spTree>
     <p:extLst>
       <p:ext uri="{BB962C8B-B14F-4D97-AF65-F5344CB8AC3E}">
-        <p14:creationId xmlns="" xmlns:p14="http://schemas.microsoft.com/office/powerpoint/2010/main" val="789187421"/>
+        <p14:creationId xmlns:p14="http://schemas.microsoft.com/office/powerpoint/2010/main" xmlns="" val="789187421"/>
       </p:ext>
     </p:extLst>
   </p:cSld>

--- a/doc/0.공용폴더/07 스토리보드/스토리보드 - 로그인관련.pptx
+++ b/doc/0.공용폴더/07 스토리보드/스토리보드 - 로그인관련.pptx
@@ -5,16 +5,14 @@
     <p:sldMasterId id="2147483648" r:id="rId1"/>
   </p:sldMasterIdLst>
   <p:sldIdLst>
-    <p:sldId id="257" r:id="rId2"/>
-    <p:sldId id="266" r:id="rId3"/>
-    <p:sldId id="258" r:id="rId4"/>
-    <p:sldId id="259" r:id="rId5"/>
-    <p:sldId id="260" r:id="rId6"/>
-    <p:sldId id="261" r:id="rId7"/>
-    <p:sldId id="262" r:id="rId8"/>
-    <p:sldId id="263" r:id="rId9"/>
-    <p:sldId id="264" r:id="rId10"/>
-    <p:sldId id="265" r:id="rId11"/>
+    <p:sldId id="258" r:id="rId2"/>
+    <p:sldId id="259" r:id="rId3"/>
+    <p:sldId id="260" r:id="rId4"/>
+    <p:sldId id="261" r:id="rId5"/>
+    <p:sldId id="262" r:id="rId6"/>
+    <p:sldId id="263" r:id="rId7"/>
+    <p:sldId id="264" r:id="rId8"/>
+    <p:sldId id="265" r:id="rId9"/>
   </p:sldIdLst>
   <p:sldSz cx="9144000" cy="6858000" type="screen4x3"/>
   <p:notesSz cx="6858000" cy="9144000"/>
@@ -298,7 +296,7 @@
             <a:fld id="{4204022D-519A-4CD6-99D3-23FD7668B2FE}" type="datetimeFigureOut">
               <a:rPr lang="ko-KR" altLang="en-US" smtClean="0"/>
               <a:pPr/>
-              <a:t>2020-07-01</a:t>
+              <a:t>2020-07-03</a:t>
             </a:fld>
             <a:endParaRPr lang="ko-KR" altLang="en-US"/>
           </a:p>
@@ -465,7 +463,7 @@
             <a:fld id="{4204022D-519A-4CD6-99D3-23FD7668B2FE}" type="datetimeFigureOut">
               <a:rPr lang="ko-KR" altLang="en-US" smtClean="0"/>
               <a:pPr/>
-              <a:t>2020-07-01</a:t>
+              <a:t>2020-07-03</a:t>
             </a:fld>
             <a:endParaRPr lang="ko-KR" altLang="en-US"/>
           </a:p>
@@ -642,7 +640,7 @@
             <a:fld id="{4204022D-519A-4CD6-99D3-23FD7668B2FE}" type="datetimeFigureOut">
               <a:rPr lang="ko-KR" altLang="en-US" smtClean="0"/>
               <a:pPr/>
-              <a:t>2020-07-01</a:t>
+              <a:t>2020-07-03</a:t>
             </a:fld>
             <a:endParaRPr lang="ko-KR" altLang="en-US"/>
           </a:p>
@@ -809,7 +807,7 @@
             <a:fld id="{4204022D-519A-4CD6-99D3-23FD7668B2FE}" type="datetimeFigureOut">
               <a:rPr lang="ko-KR" altLang="en-US" smtClean="0"/>
               <a:pPr/>
-              <a:t>2020-07-01</a:t>
+              <a:t>2020-07-03</a:t>
             </a:fld>
             <a:endParaRPr lang="ko-KR" altLang="en-US"/>
           </a:p>
@@ -1052,7 +1050,7 @@
             <a:fld id="{4204022D-519A-4CD6-99D3-23FD7668B2FE}" type="datetimeFigureOut">
               <a:rPr lang="ko-KR" altLang="en-US" smtClean="0"/>
               <a:pPr/>
-              <a:t>2020-07-01</a:t>
+              <a:t>2020-07-03</a:t>
             </a:fld>
             <a:endParaRPr lang="ko-KR" altLang="en-US"/>
           </a:p>
@@ -1337,7 +1335,7 @@
             <a:fld id="{4204022D-519A-4CD6-99D3-23FD7668B2FE}" type="datetimeFigureOut">
               <a:rPr lang="ko-KR" altLang="en-US" smtClean="0"/>
               <a:pPr/>
-              <a:t>2020-07-01</a:t>
+              <a:t>2020-07-03</a:t>
             </a:fld>
             <a:endParaRPr lang="ko-KR" altLang="en-US"/>
           </a:p>
@@ -1756,7 +1754,7 @@
             <a:fld id="{4204022D-519A-4CD6-99D3-23FD7668B2FE}" type="datetimeFigureOut">
               <a:rPr lang="ko-KR" altLang="en-US" smtClean="0"/>
               <a:pPr/>
-              <a:t>2020-07-01</a:t>
+              <a:t>2020-07-03</a:t>
             </a:fld>
             <a:endParaRPr lang="ko-KR" altLang="en-US"/>
           </a:p>
@@ -1871,7 +1869,7 @@
             <a:fld id="{4204022D-519A-4CD6-99D3-23FD7668B2FE}" type="datetimeFigureOut">
               <a:rPr lang="ko-KR" altLang="en-US" smtClean="0"/>
               <a:pPr/>
-              <a:t>2020-07-01</a:t>
+              <a:t>2020-07-03</a:t>
             </a:fld>
             <a:endParaRPr lang="ko-KR" altLang="en-US"/>
           </a:p>
@@ -1963,7 +1961,7 @@
             <a:fld id="{4204022D-519A-4CD6-99D3-23FD7668B2FE}" type="datetimeFigureOut">
               <a:rPr lang="ko-KR" altLang="en-US" smtClean="0"/>
               <a:pPr/>
-              <a:t>2020-07-01</a:t>
+              <a:t>2020-07-03</a:t>
             </a:fld>
             <a:endParaRPr lang="ko-KR" altLang="en-US"/>
           </a:p>
@@ -2237,7 +2235,7 @@
             <a:fld id="{4204022D-519A-4CD6-99D3-23FD7668B2FE}" type="datetimeFigureOut">
               <a:rPr lang="ko-KR" altLang="en-US" smtClean="0"/>
               <a:pPr/>
-              <a:t>2020-07-01</a:t>
+              <a:t>2020-07-03</a:t>
             </a:fld>
             <a:endParaRPr lang="ko-KR" altLang="en-US"/>
           </a:p>
@@ -2487,7 +2485,7 @@
             <a:fld id="{4204022D-519A-4CD6-99D3-23FD7668B2FE}" type="datetimeFigureOut">
               <a:rPr lang="ko-KR" altLang="en-US" smtClean="0"/>
               <a:pPr/>
-              <a:t>2020-07-01</a:t>
+              <a:t>2020-07-03</a:t>
             </a:fld>
             <a:endParaRPr lang="ko-KR" altLang="en-US"/>
           </a:p>
@@ -2697,7 +2695,7 @@
             <a:fld id="{4204022D-519A-4CD6-99D3-23FD7668B2FE}" type="datetimeFigureOut">
               <a:rPr lang="ko-KR" altLang="en-US" smtClean="0"/>
               <a:pPr/>
-              <a:t>2020-07-01</a:t>
+              <a:t>2020-07-03</a:t>
             </a:fld>
             <a:endParaRPr lang="ko-KR" altLang="en-US"/>
           </a:p>
@@ -3077,7 +3075,7 @@
           <p:nvPr>
             <p:extLst>
               <p:ext uri="{D42A27DB-BD31-4B8C-83A1-F6EECF244321}">
-                <p14:modId xmlns:p14="http://schemas.microsoft.com/office/powerpoint/2010/main" xmlns="" val="1215295356"/>
+                <p14:modId xmlns:p14="http://schemas.microsoft.com/office/powerpoint/2010/main" val="2445248753"/>
               </p:ext>
             </p:extLst>
           </p:nvPr>
@@ -3096,7 +3094,7 @@
                 <a:gridCol w="6587921">
                   <a:extLst>
                     <a:ext uri="{9D8B030D-6E8A-4147-A177-3AD203B41FA5}">
-                      <a16:colId xmlns:a16="http://schemas.microsoft.com/office/drawing/2014/main" xmlns="" val="20000"/>
+                      <a16:colId xmlns="" xmlns:a16="http://schemas.microsoft.com/office/drawing/2014/main" val="20000"/>
                     </a:ext>
                   </a:extLst>
                 </a:gridCol>
@@ -3253,7 +3251,7 @@
                 </a:tc>
                 <a:extLst>
                   <a:ext uri="{0D108BD9-81ED-4DB2-BD59-A6C34878D82A}">
-                    <a16:rowId xmlns:a16="http://schemas.microsoft.com/office/drawing/2014/main" xmlns="" val="10000"/>
+                    <a16:rowId xmlns="" xmlns:a16="http://schemas.microsoft.com/office/drawing/2014/main" val="10000"/>
                   </a:ext>
                 </a:extLst>
               </a:tr>
@@ -3394,7 +3392,7 @@
           <p:nvPr>
             <p:extLst>
               <p:ext uri="{D42A27DB-BD31-4B8C-83A1-F6EECF244321}">
-                <p14:modId xmlns:p14="http://schemas.microsoft.com/office/powerpoint/2010/main" xmlns="" val="1215295356"/>
+                <p14:modId xmlns:p14="http://schemas.microsoft.com/office/powerpoint/2010/main" val="1790057861"/>
               </p:ext>
             </p:extLst>
           </p:nvPr>
@@ -3413,42 +3411,42 @@
                 <a:gridCol w="1380432">
                   <a:extLst>
                     <a:ext uri="{9D8B030D-6E8A-4147-A177-3AD203B41FA5}">
-                      <a16:colId xmlns:a16="http://schemas.microsoft.com/office/drawing/2014/main" xmlns="" val="20000"/>
+                      <a16:colId xmlns="" xmlns:a16="http://schemas.microsoft.com/office/drawing/2014/main" val="20000"/>
                     </a:ext>
                   </a:extLst>
                 </a:gridCol>
                 <a:gridCol w="2195892">
                   <a:extLst>
                     <a:ext uri="{9D8B030D-6E8A-4147-A177-3AD203B41FA5}">
-                      <a16:colId xmlns:a16="http://schemas.microsoft.com/office/drawing/2014/main" xmlns="" val="20001"/>
+                      <a16:colId xmlns="" xmlns:a16="http://schemas.microsoft.com/office/drawing/2014/main" val="20001"/>
                     </a:ext>
                   </a:extLst>
                 </a:gridCol>
                 <a:gridCol w="1086007">
                   <a:extLst>
                     <a:ext uri="{9D8B030D-6E8A-4147-A177-3AD203B41FA5}">
-                      <a16:colId xmlns:a16="http://schemas.microsoft.com/office/drawing/2014/main" xmlns="" val="20002"/>
+                      <a16:colId xmlns="" xmlns:a16="http://schemas.microsoft.com/office/drawing/2014/main" val="20002"/>
                     </a:ext>
                   </a:extLst>
                 </a:gridCol>
                 <a:gridCol w="1927970">
                   <a:extLst>
                     <a:ext uri="{9D8B030D-6E8A-4147-A177-3AD203B41FA5}">
-                      <a16:colId xmlns:a16="http://schemas.microsoft.com/office/drawing/2014/main" xmlns="" val="20003"/>
+                      <a16:colId xmlns="" xmlns:a16="http://schemas.microsoft.com/office/drawing/2014/main" val="20003"/>
                     </a:ext>
                   </a:extLst>
                 </a:gridCol>
                 <a:gridCol w="1233488">
                   <a:extLst>
                     <a:ext uri="{9D8B030D-6E8A-4147-A177-3AD203B41FA5}">
-                      <a16:colId xmlns:a16="http://schemas.microsoft.com/office/drawing/2014/main" xmlns="" val="20004"/>
+                      <a16:colId xmlns="" xmlns:a16="http://schemas.microsoft.com/office/drawing/2014/main" val="20004"/>
                     </a:ext>
                   </a:extLst>
                 </a:gridCol>
                 <a:gridCol w="971549">
                   <a:extLst>
                     <a:ext uri="{9D8B030D-6E8A-4147-A177-3AD203B41FA5}">
-                      <a16:colId xmlns:a16="http://schemas.microsoft.com/office/drawing/2014/main" xmlns="" val="20006"/>
+                      <a16:colId xmlns="" xmlns:a16="http://schemas.microsoft.com/office/drawing/2014/main" val="20006"/>
                     </a:ext>
                   </a:extLst>
                 </a:gridCol>
@@ -3541,7 +3539,7 @@
                           <a:latin typeface="+mn-ea"/>
                           <a:ea typeface="+mn-ea"/>
                         </a:rPr>
-                        <a:t>mediQ</a:t>
+                        <a:t>99s</a:t>
                       </a:r>
                       <a:endParaRPr lang="ko-KR" altLang="en-US" sz="1000" b="0" dirty="0">
                         <a:solidFill>
@@ -3672,16 +3670,6 @@
                         <a:defRPr lang="ko-KR" altLang="en-US"/>
                       </a:pPr>
                       <a:r>
-                        <a:rPr lang="en-US" altLang="ko-KR" sz="1000" b="0" dirty="0" smtClean="0">
-                          <a:solidFill>
-                            <a:schemeClr val="tx1"/>
-                          </a:solidFill>
-                          <a:latin typeface="+mn-ea"/>
-                          <a:ea typeface="+mn-ea"/>
-                        </a:rPr>
-                        <a:t>Q&amp;A </a:t>
-                      </a:r>
-                      <a:r>
                         <a:rPr lang="ko-KR" altLang="en-US" sz="1000" b="0" dirty="0" smtClean="0">
                           <a:solidFill>
                             <a:schemeClr val="tx1"/>
@@ -3689,17 +3677,7 @@
                           <a:latin typeface="+mn-ea"/>
                           <a:ea typeface="+mn-ea"/>
                         </a:rPr>
-                        <a:t>메인 페이지</a:t>
-                      </a:r>
-                      <a:r>
-                        <a:rPr lang="en-US" altLang="ko-KR" sz="1000" b="0" baseline="0" dirty="0" smtClean="0">
-                          <a:solidFill>
-                            <a:schemeClr val="tx1"/>
-                          </a:solidFill>
-                          <a:latin typeface="+mn-ea"/>
-                          <a:ea typeface="+mn-ea"/>
-                        </a:rPr>
-                        <a:t> </a:t>
+                        <a:t>회원가입</a:t>
                       </a:r>
                       <a:endParaRPr lang="ko-KR" altLang="en-US" sz="1000" b="0" dirty="0">
                         <a:solidFill>
@@ -3892,2264 +3870,7 @@
                 </a:tc>
                 <a:extLst>
                   <a:ext uri="{0D108BD9-81ED-4DB2-BD59-A6C34878D82A}">
-                    <a16:rowId xmlns:a16="http://schemas.microsoft.com/office/drawing/2014/main" xmlns="" val="10000"/>
-                  </a:ext>
-                </a:extLst>
-              </a:tr>
-            </a:tbl>
-          </a:graphicData>
-        </a:graphic>
-      </p:graphicFrame>
-      <p:sp>
-        <p:nvSpPr>
-          <p:cNvPr id="36" name="TextBox 35"/>
-          <p:cNvSpPr txBox="1"/>
-          <p:nvPr/>
-        </p:nvSpPr>
-        <p:spPr>
-          <a:xfrm>
-            <a:off x="6749508" y="928671"/>
-            <a:ext cx="2237330" cy="4185761"/>
-          </a:xfrm>
-          <a:prstGeom prst="rect">
-            <a:avLst/>
-          </a:prstGeom>
-        </p:spPr>
-        <p:txBody>
-          <a:bodyPr wrap="square" rtlCol="0">
-            <a:spAutoFit/>
-          </a:bodyPr>
-          <a:lstStyle/>
-          <a:p>
-            <a:r>
-              <a:rPr lang="en-US" altLang="ko-KR" sz="800" dirty="0" smtClean="0"/>
-              <a:t>1. Q&amp;A </a:t>
-            </a:r>
-            <a:r>
-              <a:rPr lang="ko-KR" altLang="en-US" sz="800" dirty="0" smtClean="0"/>
-              <a:t>게시판 검색을 위한 입력 창이다</a:t>
-            </a:r>
-            <a:endParaRPr lang="en-US" altLang="ko-KR" sz="800" dirty="0" smtClean="0"/>
-          </a:p>
-          <a:p>
-            <a:r>
-              <a:rPr lang="en-US" altLang="ko-KR" sz="800" dirty="0" smtClean="0"/>
-              <a:t>2. </a:t>
-            </a:r>
-            <a:r>
-              <a:rPr lang="ko-KR" altLang="en-US" sz="800" dirty="0" smtClean="0"/>
-              <a:t>질문 유형을 누르면 질문 유형에 있는 내용이  </a:t>
-            </a:r>
-            <a:endParaRPr lang="en-US" altLang="ko-KR" sz="800" dirty="0" smtClean="0"/>
-          </a:p>
-          <a:p>
-            <a:r>
-              <a:rPr lang="en-US" altLang="ko-KR" sz="800" dirty="0" smtClean="0"/>
-              <a:t>   </a:t>
-            </a:r>
-            <a:r>
-              <a:rPr lang="ko-KR" altLang="en-US" sz="800" dirty="0" smtClean="0"/>
-              <a:t>구성 되는 </a:t>
-            </a:r>
-            <a:r>
-              <a:rPr lang="en-US" altLang="ko-KR" sz="800" dirty="0" smtClean="0"/>
-              <a:t>2</a:t>
-            </a:r>
-            <a:r>
-              <a:rPr lang="ko-KR" altLang="en-US" sz="800" dirty="0" smtClean="0"/>
-              <a:t>뎁스 구조이다</a:t>
-            </a:r>
-            <a:endParaRPr lang="en-US" altLang="ko-KR" sz="800" dirty="0" smtClean="0"/>
-          </a:p>
-          <a:p>
-            <a:r>
-              <a:rPr lang="en-US" altLang="ko-KR" sz="800" dirty="0" smtClean="0"/>
-              <a:t>3. </a:t>
-            </a:r>
-            <a:r>
-              <a:rPr lang="ko-KR" altLang="en-US" sz="800" dirty="0" smtClean="0"/>
-              <a:t>클릭시 검색창에 입력된 내용을 조회하는       </a:t>
-            </a:r>
-            <a:endParaRPr lang="en-US" altLang="ko-KR" sz="800" dirty="0" smtClean="0"/>
-          </a:p>
-          <a:p>
-            <a:r>
-              <a:rPr lang="en-US" altLang="ko-KR" sz="800" dirty="0" smtClean="0"/>
-              <a:t>   </a:t>
-            </a:r>
-            <a:r>
-              <a:rPr lang="ko-KR" altLang="en-US" sz="800" dirty="0" smtClean="0"/>
-              <a:t>버튼이다</a:t>
-            </a:r>
-            <a:endParaRPr lang="en-US" altLang="ko-KR" sz="800" dirty="0" smtClean="0"/>
-          </a:p>
-          <a:p>
-            <a:r>
-              <a:rPr lang="en-US" altLang="ko-KR" sz="800" dirty="0" smtClean="0"/>
-              <a:t>4. </a:t>
-            </a:r>
-            <a:r>
-              <a:rPr lang="ko-KR" altLang="en-US" sz="800" dirty="0" smtClean="0"/>
-              <a:t>번호</a:t>
-            </a:r>
-            <a:r>
-              <a:rPr lang="en-US" altLang="ko-KR" sz="800" dirty="0" smtClean="0"/>
-              <a:t>, </a:t>
-            </a:r>
-            <a:r>
-              <a:rPr lang="ko-KR" altLang="en-US" sz="800" dirty="0" smtClean="0"/>
-              <a:t>제목</a:t>
-            </a:r>
-            <a:r>
-              <a:rPr lang="en-US" altLang="ko-KR" sz="800" dirty="0" smtClean="0"/>
-              <a:t>, </a:t>
-            </a:r>
-            <a:r>
-              <a:rPr lang="ko-KR" altLang="en-US" sz="800" dirty="0" smtClean="0"/>
-              <a:t>유형</a:t>
-            </a:r>
-            <a:r>
-              <a:rPr lang="en-US" altLang="ko-KR" sz="800" dirty="0" smtClean="0"/>
-              <a:t>, </a:t>
-            </a:r>
-            <a:r>
-              <a:rPr lang="ko-KR" altLang="en-US" sz="800" dirty="0" smtClean="0"/>
-              <a:t>공개여부</a:t>
-            </a:r>
-            <a:r>
-              <a:rPr lang="en-US" altLang="ko-KR" sz="800" dirty="0" smtClean="0"/>
-              <a:t>, </a:t>
-            </a:r>
-            <a:r>
-              <a:rPr lang="ko-KR" altLang="en-US" sz="800" dirty="0" smtClean="0"/>
-              <a:t>조회건수</a:t>
-            </a:r>
-            <a:r>
-              <a:rPr lang="en-US" altLang="ko-KR" sz="800" dirty="0" smtClean="0"/>
-              <a:t>, </a:t>
-            </a:r>
-            <a:r>
-              <a:rPr lang="ko-KR" altLang="en-US" sz="800" dirty="0" smtClean="0"/>
-              <a:t>작성자</a:t>
-            </a:r>
-            <a:r>
-              <a:rPr lang="en-US" altLang="ko-KR" sz="800" dirty="0" smtClean="0"/>
-              <a:t>, </a:t>
-            </a:r>
-          </a:p>
-          <a:p>
-            <a:r>
-              <a:rPr lang="en-US" altLang="ko-KR" sz="800" dirty="0" smtClean="0"/>
-              <a:t>   </a:t>
-            </a:r>
-            <a:r>
-              <a:rPr lang="ko-KR" altLang="en-US" sz="800" dirty="0" smtClean="0"/>
-              <a:t>등록일자</a:t>
-            </a:r>
-            <a:r>
-              <a:rPr lang="en-US" altLang="ko-KR" sz="800" dirty="0" smtClean="0"/>
-              <a:t>, </a:t>
-            </a:r>
-            <a:r>
-              <a:rPr lang="ko-KR" altLang="en-US" sz="800" dirty="0" smtClean="0"/>
-              <a:t>답변상태 순으로 게시 글에 관한 </a:t>
-            </a:r>
-            <a:endParaRPr lang="en-US" altLang="ko-KR" sz="800" dirty="0" smtClean="0"/>
-          </a:p>
-          <a:p>
-            <a:r>
-              <a:rPr lang="ko-KR" altLang="en-US" sz="800" dirty="0" smtClean="0"/>
-              <a:t>   정보가 나열 된다</a:t>
-            </a:r>
-            <a:endParaRPr lang="en-US" altLang="ko-KR" sz="800" dirty="0" smtClean="0"/>
-          </a:p>
-          <a:p>
-            <a:r>
-              <a:rPr lang="en-US" altLang="ko-KR" sz="800" dirty="0" smtClean="0"/>
-              <a:t>5. </a:t>
-            </a:r>
-            <a:r>
-              <a:rPr lang="ko-KR" altLang="en-US" sz="800" dirty="0" smtClean="0"/>
-              <a:t>제목 내용을 누르면 상세 조회 페이지로 </a:t>
-            </a:r>
-            <a:endParaRPr lang="en-US" altLang="ko-KR" sz="800" dirty="0" smtClean="0"/>
-          </a:p>
-          <a:p>
-            <a:r>
-              <a:rPr lang="en-US" altLang="ko-KR" sz="800" dirty="0" smtClean="0"/>
-              <a:t>   </a:t>
-            </a:r>
-            <a:r>
-              <a:rPr lang="ko-KR" altLang="en-US" sz="800" dirty="0" smtClean="0"/>
-              <a:t>이동한다</a:t>
-            </a:r>
-            <a:endParaRPr lang="en-US" altLang="ko-KR" sz="800" dirty="0" smtClean="0"/>
-          </a:p>
-          <a:p>
-            <a:r>
-              <a:rPr lang="en-US" altLang="ko-KR" sz="800" dirty="0" smtClean="0"/>
-              <a:t>   </a:t>
-            </a:r>
-            <a:r>
-              <a:rPr lang="ko-KR" altLang="en-US" sz="800" dirty="0" smtClean="0"/>
-              <a:t>비회원</a:t>
-            </a:r>
-            <a:r>
-              <a:rPr lang="en-US" altLang="ko-KR" sz="800" dirty="0" smtClean="0"/>
-              <a:t>, </a:t>
-            </a:r>
-            <a:r>
-              <a:rPr lang="ko-KR" altLang="en-US" sz="800" dirty="0" smtClean="0"/>
-              <a:t>본인이 쓴 글이 아닐 시</a:t>
-            </a:r>
-            <a:r>
-              <a:rPr lang="en-US" altLang="ko-KR" sz="800" dirty="0" smtClean="0"/>
-              <a:t> </a:t>
-            </a:r>
-          </a:p>
-          <a:p>
-            <a:r>
-              <a:rPr lang="en-US" altLang="ko-KR" sz="800" dirty="0" smtClean="0"/>
-              <a:t>   A </a:t>
-            </a:r>
-            <a:r>
-              <a:rPr lang="ko-KR" altLang="en-US" sz="800" dirty="0" smtClean="0"/>
-              <a:t>팝업 메세지가 뜬다</a:t>
-            </a:r>
-            <a:endParaRPr lang="en-US" altLang="ko-KR" sz="800" dirty="0" smtClean="0"/>
-          </a:p>
-          <a:p>
-            <a:r>
-              <a:rPr lang="en-US" altLang="ko-KR" sz="800" dirty="0" smtClean="0"/>
-              <a:t>6. </a:t>
-            </a:r>
-            <a:r>
-              <a:rPr lang="ko-KR" altLang="en-US" sz="800" dirty="0" smtClean="0"/>
-              <a:t>답변 내용을 누르면 상세 조회가 된다</a:t>
-            </a:r>
-            <a:endParaRPr lang="en-US" altLang="ko-KR" sz="800" dirty="0" smtClean="0"/>
-          </a:p>
-          <a:p>
-            <a:r>
-              <a:rPr lang="en-US" altLang="ko-KR" sz="800" dirty="0" smtClean="0"/>
-              <a:t>   </a:t>
-            </a:r>
-            <a:r>
-              <a:rPr lang="ko-KR" altLang="en-US" sz="800" dirty="0" smtClean="0"/>
-              <a:t>비회원</a:t>
-            </a:r>
-            <a:r>
-              <a:rPr lang="en-US" altLang="ko-KR" sz="800" dirty="0" smtClean="0"/>
-              <a:t>, </a:t>
-            </a:r>
-            <a:r>
-              <a:rPr lang="ko-KR" altLang="en-US" sz="800" dirty="0" smtClean="0"/>
-              <a:t>본인이 쓴 글이 아닐 시</a:t>
-            </a:r>
-            <a:r>
-              <a:rPr lang="en-US" altLang="ko-KR" sz="800" dirty="0" smtClean="0"/>
-              <a:t> </a:t>
-            </a:r>
-          </a:p>
-          <a:p>
-            <a:r>
-              <a:rPr lang="en-US" altLang="ko-KR" sz="800" dirty="0" smtClean="0"/>
-              <a:t>   A </a:t>
-            </a:r>
-            <a:r>
-              <a:rPr lang="ko-KR" altLang="en-US" sz="800" dirty="0" smtClean="0"/>
-              <a:t>팝업 메세지가 뜬다</a:t>
-            </a:r>
-            <a:endParaRPr lang="en-US" altLang="ko-KR" sz="800" dirty="0" smtClean="0"/>
-          </a:p>
-          <a:p>
-            <a:pPr marL="228600" indent="-228600"/>
-            <a:r>
-              <a:rPr lang="en-US" altLang="ko-KR" sz="800" dirty="0" smtClean="0"/>
-              <a:t>7. </a:t>
-            </a:r>
-            <a:r>
-              <a:rPr lang="ko-KR" altLang="en-US" sz="800" dirty="0" smtClean="0"/>
-              <a:t>관리자 만 삭제 버튼이 보이고</a:t>
-            </a:r>
-            <a:r>
-              <a:rPr lang="en-US" altLang="ko-KR" sz="800" dirty="0" smtClean="0"/>
-              <a:t>, </a:t>
-            </a:r>
-          </a:p>
-          <a:p>
-            <a:pPr marL="228600" indent="-228600"/>
-            <a:r>
-              <a:rPr lang="en-US" altLang="ko-KR" sz="800" dirty="0" smtClean="0"/>
-              <a:t>   </a:t>
-            </a:r>
-            <a:r>
-              <a:rPr lang="ko-KR" altLang="en-US" sz="800" dirty="0" smtClean="0"/>
-              <a:t>클릭시 답변이 삭제 된다</a:t>
-            </a:r>
-            <a:endParaRPr lang="en-US" altLang="ko-KR" sz="800" dirty="0" smtClean="0"/>
-          </a:p>
-          <a:p>
-            <a:r>
-              <a:rPr lang="en-US" altLang="ko-KR" sz="800" dirty="0" smtClean="0"/>
-              <a:t>8. </a:t>
-            </a:r>
-            <a:r>
-              <a:rPr lang="ko-KR" altLang="en-US" sz="800" dirty="0" smtClean="0"/>
-              <a:t>클릭시 게시물 입력페이지로 이동한다</a:t>
-            </a:r>
-            <a:endParaRPr lang="en-US" altLang="ko-KR" sz="800" dirty="0" smtClean="0"/>
-          </a:p>
-          <a:p>
-            <a:r>
-              <a:rPr lang="en-US" altLang="ko-KR" sz="800" dirty="0" smtClean="0"/>
-              <a:t>   </a:t>
-            </a:r>
-            <a:r>
-              <a:rPr lang="ko-KR" altLang="en-US" sz="800" dirty="0" smtClean="0"/>
-              <a:t>비회원은 </a:t>
-            </a:r>
-            <a:r>
-              <a:rPr lang="en-US" altLang="ko-KR" sz="800" dirty="0" smtClean="0"/>
-              <a:t>B </a:t>
-            </a:r>
-            <a:r>
-              <a:rPr lang="ko-KR" altLang="en-US" sz="800" dirty="0" smtClean="0"/>
-              <a:t>팝업 메세지가 뜬다</a:t>
-            </a:r>
-            <a:r>
-              <a:rPr lang="en-US" altLang="ko-KR" sz="800" dirty="0" smtClean="0"/>
-              <a:t>.</a:t>
-            </a:r>
-          </a:p>
-          <a:p>
-            <a:r>
-              <a:rPr lang="en-US" altLang="ko-KR" sz="800" dirty="0" smtClean="0"/>
-              <a:t>9. </a:t>
-            </a:r>
-            <a:r>
-              <a:rPr lang="ko-KR" altLang="en-US" sz="800" dirty="0" smtClean="0"/>
-              <a:t>일반게시글은 한페이지당 </a:t>
-            </a:r>
-            <a:r>
-              <a:rPr lang="en-US" altLang="ko-KR" sz="800" dirty="0" smtClean="0"/>
-              <a:t>10</a:t>
-            </a:r>
-            <a:r>
-              <a:rPr lang="ko-KR" altLang="en-US" sz="800" dirty="0" smtClean="0"/>
-              <a:t>개씩 작성되며    </a:t>
-            </a:r>
-            <a:endParaRPr lang="en-US" altLang="ko-KR" sz="800" dirty="0" smtClean="0"/>
-          </a:p>
-          <a:p>
-            <a:r>
-              <a:rPr lang="en-US" altLang="ko-KR" sz="800" dirty="0" smtClean="0"/>
-              <a:t>   </a:t>
-            </a:r>
-            <a:r>
-              <a:rPr lang="ko-KR" altLang="en-US" sz="800" dirty="0" smtClean="0"/>
-              <a:t>이를 초과시 다음 페이지에 작성된다</a:t>
-            </a:r>
-            <a:r>
-              <a:rPr lang="en-US" altLang="ko-KR" sz="800" dirty="0" smtClean="0"/>
-              <a:t>             </a:t>
-            </a:r>
-          </a:p>
-          <a:p>
-            <a:r>
-              <a:rPr lang="en-US" altLang="ko-KR" sz="800" dirty="0" smtClean="0"/>
-              <a:t>   </a:t>
-            </a:r>
-            <a:r>
-              <a:rPr lang="ko-KR" altLang="en-US" sz="800" dirty="0" smtClean="0"/>
-              <a:t>순서는 최신순으로 </a:t>
-            </a:r>
-            <a:r>
-              <a:rPr lang="en-US" altLang="ko-KR" sz="800" dirty="0" smtClean="0"/>
-              <a:t>1</a:t>
-            </a:r>
-            <a:r>
-              <a:rPr lang="ko-KR" altLang="en-US" sz="800" dirty="0" smtClean="0"/>
-              <a:t>페이지 상단에 배치된다</a:t>
-            </a:r>
-            <a:endParaRPr lang="en-US" altLang="ko-KR" sz="800" dirty="0" smtClean="0"/>
-          </a:p>
-          <a:p>
-            <a:r>
-              <a:rPr lang="en-US" altLang="ko-KR" sz="800" dirty="0" smtClean="0"/>
-              <a:t>10. </a:t>
-            </a:r>
-            <a:r>
-              <a:rPr lang="ko-KR" altLang="en-US" sz="800" dirty="0" smtClean="0"/>
-              <a:t>총 </a:t>
-            </a:r>
-            <a:r>
-              <a:rPr lang="en-US" altLang="ko-KR" sz="800" dirty="0" smtClean="0"/>
-              <a:t>10</a:t>
-            </a:r>
-            <a:r>
-              <a:rPr lang="ko-KR" altLang="en-US" sz="800" dirty="0" smtClean="0"/>
-              <a:t>개의 페이지 번호를 볼 수 있으며</a:t>
-            </a:r>
-            <a:endParaRPr lang="en-US" altLang="ko-KR" sz="800" dirty="0" smtClean="0"/>
-          </a:p>
-          <a:p>
-            <a:r>
-              <a:rPr lang="ko-KR" altLang="en-US" sz="800" dirty="0" smtClean="0"/>
-              <a:t>     현재 페이지는 파란색으로 표시된다</a:t>
-            </a:r>
-            <a:endParaRPr lang="en-US" altLang="ko-KR" sz="800" dirty="0" smtClean="0"/>
-          </a:p>
-          <a:p>
-            <a:r>
-              <a:rPr lang="ko-KR" altLang="en-US" sz="800" dirty="0" smtClean="0"/>
-              <a:t>     화살표를 누르면 다음 번호의 페이지를 </a:t>
-            </a:r>
-            <a:endParaRPr lang="en-US" altLang="ko-KR" sz="800" dirty="0" smtClean="0"/>
-          </a:p>
-          <a:p>
-            <a:r>
-              <a:rPr lang="en-US" altLang="ko-KR" sz="800" dirty="0" smtClean="0"/>
-              <a:t>     </a:t>
-            </a:r>
-            <a:r>
-              <a:rPr lang="ko-KR" altLang="en-US" sz="800" dirty="0" smtClean="0"/>
-              <a:t>볼 수 있고</a:t>
-            </a:r>
-            <a:r>
-              <a:rPr lang="en-US" altLang="ko-KR" sz="800" dirty="0" smtClean="0"/>
-              <a:t>, </a:t>
-            </a:r>
-            <a:r>
-              <a:rPr lang="ko-KR" altLang="en-US" sz="800" dirty="0" smtClean="0"/>
-              <a:t>번호를 누르면 해당 번호의 </a:t>
-            </a:r>
-            <a:endParaRPr lang="en-US" altLang="ko-KR" sz="800" dirty="0" smtClean="0"/>
-          </a:p>
-          <a:p>
-            <a:r>
-              <a:rPr lang="en-US" altLang="ko-KR" sz="800" dirty="0" smtClean="0"/>
-              <a:t>     </a:t>
-            </a:r>
-            <a:r>
-              <a:rPr lang="ko-KR" altLang="en-US" sz="800" dirty="0" smtClean="0"/>
-              <a:t>페이지를 볼 수 있다</a:t>
-            </a:r>
-          </a:p>
-          <a:p>
-            <a:endParaRPr lang="ko-KR" altLang="en-US" sz="900" dirty="0" smtClean="0"/>
-          </a:p>
-          <a:p>
-            <a:endParaRPr lang="ko-KR" altLang="en-US" sz="900" dirty="0"/>
-          </a:p>
-        </p:txBody>
-      </p:sp>
-      <p:pic>
-        <p:nvPicPr>
-          <p:cNvPr id="1026" name="Picture 2"/>
-          <p:cNvPicPr>
-            <a:picLocks noChangeAspect="1" noChangeArrowheads="1"/>
-          </p:cNvPicPr>
-          <p:nvPr/>
-        </p:nvPicPr>
-        <p:blipFill>
-          <a:blip r:embed="rId2" cstate="print"/>
-          <a:srcRect/>
-          <a:stretch>
-            <a:fillRect/>
-          </a:stretch>
-        </p:blipFill>
-        <p:spPr bwMode="auto">
-          <a:xfrm>
-            <a:off x="260748" y="933450"/>
-            <a:ext cx="5264944" cy="5619750"/>
-          </a:xfrm>
-          <a:prstGeom prst="rect">
-            <a:avLst/>
-          </a:prstGeom>
-          <a:noFill/>
-          <a:ln w="9525">
-            <a:noFill/>
-            <a:miter lim="800000"/>
-            <a:headEnd/>
-            <a:tailEnd/>
-          </a:ln>
-          <a:effectLst/>
-        </p:spPr>
-      </p:pic>
-      <p:sp>
-        <p:nvSpPr>
-          <p:cNvPr id="9" name="타원 8"/>
-          <p:cNvSpPr/>
-          <p:nvPr/>
-        </p:nvSpPr>
-        <p:spPr>
-          <a:xfrm>
-            <a:off x="367419" y="2526184"/>
-            <a:ext cx="339812" cy="453082"/>
-          </a:xfrm>
-          <a:prstGeom prst="ellipse">
-            <a:avLst/>
-          </a:prstGeom>
-        </p:spPr>
-        <p:style>
-          <a:lnRef idx="2">
-            <a:schemeClr val="accent5">
-              <a:shade val="50000"/>
-            </a:schemeClr>
-          </a:lnRef>
-          <a:fillRef idx="1">
-            <a:schemeClr val="accent5"/>
-          </a:fillRef>
-          <a:effectRef idx="0">
-            <a:schemeClr val="accent5"/>
-          </a:effectRef>
-          <a:fontRef idx="minor">
-            <a:schemeClr val="lt1"/>
-          </a:fontRef>
-        </p:style>
-        <p:txBody>
-          <a:bodyPr rtlCol="0" anchor="ctr"/>
-          <a:lstStyle/>
-          <a:p>
-            <a:pPr algn="ctr"/>
-            <a:r>
-              <a:rPr lang="en-US" altLang="ko-KR" dirty="0" smtClean="0"/>
-              <a:t>1</a:t>
-            </a:r>
-            <a:endParaRPr lang="ko-KR" altLang="en-US" dirty="0"/>
-          </a:p>
-        </p:txBody>
-      </p:sp>
-      <p:sp>
-        <p:nvSpPr>
-          <p:cNvPr id="11" name="타원 10"/>
-          <p:cNvSpPr/>
-          <p:nvPr/>
-        </p:nvSpPr>
-        <p:spPr>
-          <a:xfrm>
-            <a:off x="4353631" y="2526184"/>
-            <a:ext cx="339812" cy="453082"/>
-          </a:xfrm>
-          <a:prstGeom prst="ellipse">
-            <a:avLst/>
-          </a:prstGeom>
-        </p:spPr>
-        <p:style>
-          <a:lnRef idx="2">
-            <a:schemeClr val="accent5">
-              <a:shade val="50000"/>
-            </a:schemeClr>
-          </a:lnRef>
-          <a:fillRef idx="1">
-            <a:schemeClr val="accent5"/>
-          </a:fillRef>
-          <a:effectRef idx="0">
-            <a:schemeClr val="accent5"/>
-          </a:effectRef>
-          <a:fontRef idx="minor">
-            <a:schemeClr val="lt1"/>
-          </a:fontRef>
-        </p:style>
-        <p:txBody>
-          <a:bodyPr rtlCol="0" anchor="ctr"/>
-          <a:lstStyle/>
-          <a:p>
-            <a:pPr algn="ctr"/>
-            <a:r>
-              <a:rPr lang="en-US" altLang="ko-KR" dirty="0" smtClean="0"/>
-              <a:t>3</a:t>
-            </a:r>
-            <a:endParaRPr lang="ko-KR" altLang="en-US" dirty="0"/>
-          </a:p>
-        </p:txBody>
-      </p:sp>
-      <p:sp>
-        <p:nvSpPr>
-          <p:cNvPr id="12" name="타원 11"/>
-          <p:cNvSpPr/>
-          <p:nvPr/>
-        </p:nvSpPr>
-        <p:spPr>
-          <a:xfrm>
-            <a:off x="946063" y="3659659"/>
-            <a:ext cx="339812" cy="453082"/>
-          </a:xfrm>
-          <a:prstGeom prst="ellipse">
-            <a:avLst/>
-          </a:prstGeom>
-        </p:spPr>
-        <p:style>
-          <a:lnRef idx="2">
-            <a:schemeClr val="accent5">
-              <a:shade val="50000"/>
-            </a:schemeClr>
-          </a:lnRef>
-          <a:fillRef idx="1">
-            <a:schemeClr val="accent5"/>
-          </a:fillRef>
-          <a:effectRef idx="0">
-            <a:schemeClr val="accent5"/>
-          </a:effectRef>
-          <a:fontRef idx="minor">
-            <a:schemeClr val="lt1"/>
-          </a:fontRef>
-        </p:style>
-        <p:txBody>
-          <a:bodyPr rtlCol="0" anchor="ctr"/>
-          <a:lstStyle/>
-          <a:p>
-            <a:pPr algn="ctr"/>
-            <a:r>
-              <a:rPr lang="en-US" altLang="ko-KR" dirty="0" smtClean="0"/>
-              <a:t>5</a:t>
-            </a:r>
-            <a:endParaRPr lang="ko-KR" altLang="en-US" dirty="0"/>
-          </a:p>
-        </p:txBody>
-      </p:sp>
-      <p:sp>
-        <p:nvSpPr>
-          <p:cNvPr id="10" name="타원 9"/>
-          <p:cNvSpPr/>
-          <p:nvPr/>
-        </p:nvSpPr>
-        <p:spPr>
-          <a:xfrm>
-            <a:off x="3053469" y="2526184"/>
-            <a:ext cx="339812" cy="453082"/>
-          </a:xfrm>
-          <a:prstGeom prst="ellipse">
-            <a:avLst/>
-          </a:prstGeom>
-        </p:spPr>
-        <p:style>
-          <a:lnRef idx="2">
-            <a:schemeClr val="accent5">
-              <a:shade val="50000"/>
-            </a:schemeClr>
-          </a:lnRef>
-          <a:fillRef idx="1">
-            <a:schemeClr val="accent5"/>
-          </a:fillRef>
-          <a:effectRef idx="0">
-            <a:schemeClr val="accent5"/>
-          </a:effectRef>
-          <a:fontRef idx="minor">
-            <a:schemeClr val="lt1"/>
-          </a:fontRef>
-        </p:style>
-        <p:txBody>
-          <a:bodyPr rtlCol="0" anchor="ctr"/>
-          <a:lstStyle/>
-          <a:p>
-            <a:pPr algn="ctr"/>
-            <a:r>
-              <a:rPr lang="en-US" altLang="ko-KR" dirty="0" smtClean="0"/>
-              <a:t>2</a:t>
-            </a:r>
-            <a:endParaRPr lang="ko-KR" altLang="en-US" dirty="0"/>
-          </a:p>
-        </p:txBody>
-      </p:sp>
-      <p:sp>
-        <p:nvSpPr>
-          <p:cNvPr id="14" name="타원 13"/>
-          <p:cNvSpPr/>
-          <p:nvPr/>
-        </p:nvSpPr>
-        <p:spPr>
-          <a:xfrm>
-            <a:off x="367419" y="3402484"/>
-            <a:ext cx="339812" cy="453082"/>
-          </a:xfrm>
-          <a:prstGeom prst="ellipse">
-            <a:avLst/>
-          </a:prstGeom>
-        </p:spPr>
-        <p:style>
-          <a:lnRef idx="2">
-            <a:schemeClr val="accent5">
-              <a:shade val="50000"/>
-            </a:schemeClr>
-          </a:lnRef>
-          <a:fillRef idx="1">
-            <a:schemeClr val="accent5"/>
-          </a:fillRef>
-          <a:effectRef idx="0">
-            <a:schemeClr val="accent5"/>
-          </a:effectRef>
-          <a:fontRef idx="minor">
-            <a:schemeClr val="lt1"/>
-          </a:fontRef>
-        </p:style>
-        <p:txBody>
-          <a:bodyPr rtlCol="0" anchor="ctr"/>
-          <a:lstStyle/>
-          <a:p>
-            <a:pPr algn="ctr"/>
-            <a:r>
-              <a:rPr lang="en-US" altLang="ko-KR" dirty="0" smtClean="0"/>
-              <a:t>4</a:t>
-            </a:r>
-            <a:endParaRPr lang="ko-KR" altLang="en-US" dirty="0"/>
-          </a:p>
-        </p:txBody>
-      </p:sp>
-      <p:sp>
-        <p:nvSpPr>
-          <p:cNvPr id="15" name="타원 14"/>
-          <p:cNvSpPr/>
-          <p:nvPr/>
-        </p:nvSpPr>
-        <p:spPr>
-          <a:xfrm>
-            <a:off x="946063" y="4231159"/>
-            <a:ext cx="339812" cy="453082"/>
-          </a:xfrm>
-          <a:prstGeom prst="ellipse">
-            <a:avLst/>
-          </a:prstGeom>
-        </p:spPr>
-        <p:style>
-          <a:lnRef idx="2">
-            <a:schemeClr val="accent5">
-              <a:shade val="50000"/>
-            </a:schemeClr>
-          </a:lnRef>
-          <a:fillRef idx="1">
-            <a:schemeClr val="accent5"/>
-          </a:fillRef>
-          <a:effectRef idx="0">
-            <a:schemeClr val="accent5"/>
-          </a:effectRef>
-          <a:fontRef idx="minor">
-            <a:schemeClr val="lt1"/>
-          </a:fontRef>
-        </p:style>
-        <p:txBody>
-          <a:bodyPr rtlCol="0" anchor="ctr"/>
-          <a:lstStyle/>
-          <a:p>
-            <a:pPr algn="ctr"/>
-            <a:r>
-              <a:rPr lang="en-US" altLang="ko-KR" dirty="0" smtClean="0"/>
-              <a:t>6</a:t>
-            </a:r>
-            <a:endParaRPr lang="ko-KR" altLang="en-US" dirty="0"/>
-          </a:p>
-        </p:txBody>
-      </p:sp>
-      <p:sp>
-        <p:nvSpPr>
-          <p:cNvPr id="16" name="타원 15"/>
-          <p:cNvSpPr/>
-          <p:nvPr/>
-        </p:nvSpPr>
-        <p:spPr>
-          <a:xfrm>
-            <a:off x="4346341" y="4707409"/>
-            <a:ext cx="339812" cy="453082"/>
-          </a:xfrm>
-          <a:prstGeom prst="ellipse">
-            <a:avLst/>
-          </a:prstGeom>
-        </p:spPr>
-        <p:style>
-          <a:lnRef idx="2">
-            <a:schemeClr val="accent5">
-              <a:shade val="50000"/>
-            </a:schemeClr>
-          </a:lnRef>
-          <a:fillRef idx="1">
-            <a:schemeClr val="accent5"/>
-          </a:fillRef>
-          <a:effectRef idx="0">
-            <a:schemeClr val="accent5"/>
-          </a:effectRef>
-          <a:fontRef idx="minor">
-            <a:schemeClr val="lt1"/>
-          </a:fontRef>
-        </p:style>
-        <p:txBody>
-          <a:bodyPr rtlCol="0" anchor="ctr"/>
-          <a:lstStyle/>
-          <a:p>
-            <a:pPr algn="ctr"/>
-            <a:r>
-              <a:rPr lang="en-US" altLang="ko-KR" dirty="0" smtClean="0"/>
-              <a:t>7</a:t>
-            </a:r>
-            <a:endParaRPr lang="ko-KR" altLang="en-US" dirty="0"/>
-          </a:p>
-        </p:txBody>
-      </p:sp>
-      <p:sp>
-        <p:nvSpPr>
-          <p:cNvPr id="17" name="타원 16"/>
-          <p:cNvSpPr/>
-          <p:nvPr/>
-        </p:nvSpPr>
-        <p:spPr>
-          <a:xfrm>
-            <a:off x="4346341" y="5277086"/>
-            <a:ext cx="339812" cy="453082"/>
-          </a:xfrm>
-          <a:prstGeom prst="ellipse">
-            <a:avLst/>
-          </a:prstGeom>
-        </p:spPr>
-        <p:style>
-          <a:lnRef idx="2">
-            <a:schemeClr val="accent5">
-              <a:shade val="50000"/>
-            </a:schemeClr>
-          </a:lnRef>
-          <a:fillRef idx="1">
-            <a:schemeClr val="accent5"/>
-          </a:fillRef>
-          <a:effectRef idx="0">
-            <a:schemeClr val="accent5"/>
-          </a:effectRef>
-          <a:fontRef idx="minor">
-            <a:schemeClr val="lt1"/>
-          </a:fontRef>
-        </p:style>
-        <p:txBody>
-          <a:bodyPr rtlCol="0" anchor="ctr"/>
-          <a:lstStyle/>
-          <a:p>
-            <a:pPr algn="ctr"/>
-            <a:r>
-              <a:rPr lang="en-US" altLang="ko-KR" dirty="0" smtClean="0"/>
-              <a:t>8</a:t>
-            </a:r>
-            <a:endParaRPr lang="ko-KR" altLang="en-US" dirty="0"/>
-          </a:p>
-        </p:txBody>
-      </p:sp>
-      <p:sp>
-        <p:nvSpPr>
-          <p:cNvPr id="18" name="타원 17"/>
-          <p:cNvSpPr/>
-          <p:nvPr/>
-        </p:nvSpPr>
-        <p:spPr>
-          <a:xfrm>
-            <a:off x="367419" y="5231284"/>
-            <a:ext cx="339812" cy="453082"/>
-          </a:xfrm>
-          <a:prstGeom prst="ellipse">
-            <a:avLst/>
-          </a:prstGeom>
-        </p:spPr>
-        <p:style>
-          <a:lnRef idx="2">
-            <a:schemeClr val="accent5">
-              <a:shade val="50000"/>
-            </a:schemeClr>
-          </a:lnRef>
-          <a:fillRef idx="1">
-            <a:schemeClr val="accent5"/>
-          </a:fillRef>
-          <a:effectRef idx="0">
-            <a:schemeClr val="accent5"/>
-          </a:effectRef>
-          <a:fontRef idx="minor">
-            <a:schemeClr val="lt1"/>
-          </a:fontRef>
-        </p:style>
-        <p:txBody>
-          <a:bodyPr rtlCol="0" anchor="ctr"/>
-          <a:lstStyle/>
-          <a:p>
-            <a:pPr algn="ctr"/>
-            <a:r>
-              <a:rPr lang="en-US" altLang="ko-KR" dirty="0" smtClean="0"/>
-              <a:t>9</a:t>
-            </a:r>
-            <a:endParaRPr lang="ko-KR" altLang="en-US" dirty="0"/>
-          </a:p>
-        </p:txBody>
-      </p:sp>
-      <p:pic>
-        <p:nvPicPr>
-          <p:cNvPr id="1028" name="Picture 4"/>
-          <p:cNvPicPr>
-            <a:picLocks noChangeAspect="1" noChangeArrowheads="1"/>
-          </p:cNvPicPr>
-          <p:nvPr/>
-        </p:nvPicPr>
-        <p:blipFill>
-          <a:blip r:embed="rId3" cstate="print"/>
-          <a:srcRect/>
-          <a:stretch>
-            <a:fillRect/>
-          </a:stretch>
-        </p:blipFill>
-        <p:spPr bwMode="auto">
-          <a:xfrm>
-            <a:off x="5268516" y="2519364"/>
-            <a:ext cx="1423855" cy="1090612"/>
-          </a:xfrm>
-          <a:prstGeom prst="rect">
-            <a:avLst/>
-          </a:prstGeom>
-          <a:noFill/>
-          <a:ln w="9525">
-            <a:solidFill>
-              <a:schemeClr val="tx1"/>
-            </a:solidFill>
-            <a:miter lim="800000"/>
-            <a:headEnd/>
-            <a:tailEnd/>
-          </a:ln>
-          <a:effectLst/>
-        </p:spPr>
-      </p:pic>
-      <p:grpSp>
-        <p:nvGrpSpPr>
-          <p:cNvPr id="2" name="그룹 22"/>
-          <p:cNvGrpSpPr/>
-          <p:nvPr/>
-        </p:nvGrpSpPr>
-        <p:grpSpPr>
-          <a:xfrm>
-            <a:off x="1678783" y="5488459"/>
-            <a:ext cx="437940" cy="453082"/>
-            <a:chOff x="2238375" y="5488459"/>
-            <a:chExt cx="583920" cy="453082"/>
-          </a:xfrm>
-        </p:grpSpPr>
-        <p:sp>
-          <p:nvSpPr>
-            <p:cNvPr id="21" name="타원 20"/>
-            <p:cNvSpPr/>
-            <p:nvPr/>
-          </p:nvSpPr>
-          <p:spPr>
-            <a:xfrm>
-              <a:off x="2242492" y="5488459"/>
-              <a:ext cx="453082" cy="453082"/>
-            </a:xfrm>
-            <a:prstGeom prst="ellipse">
-              <a:avLst/>
-            </a:prstGeom>
-          </p:spPr>
-          <p:style>
-            <a:lnRef idx="2">
-              <a:schemeClr val="accent5">
-                <a:shade val="50000"/>
-              </a:schemeClr>
-            </a:lnRef>
-            <a:fillRef idx="1">
-              <a:schemeClr val="accent5"/>
-            </a:fillRef>
-            <a:effectRef idx="0">
-              <a:schemeClr val="accent5"/>
-            </a:effectRef>
-            <a:fontRef idx="minor">
-              <a:schemeClr val="lt1"/>
-            </a:fontRef>
-          </p:style>
-          <p:txBody>
-            <a:bodyPr rtlCol="0" anchor="ctr"/>
-            <a:lstStyle/>
-            <a:p>
-              <a:pPr algn="ctr"/>
-              <a:endParaRPr lang="ko-KR" altLang="en-US" dirty="0"/>
-            </a:p>
-          </p:txBody>
-        </p:sp>
-        <p:sp>
-          <p:nvSpPr>
-            <p:cNvPr id="22" name="TextBox 21"/>
-            <p:cNvSpPr txBox="1"/>
-            <p:nvPr/>
-          </p:nvSpPr>
-          <p:spPr>
-            <a:xfrm>
-              <a:off x="2238375" y="5534025"/>
-              <a:ext cx="583920" cy="369332"/>
-            </a:xfrm>
-            <a:prstGeom prst="rect">
-              <a:avLst/>
-            </a:prstGeom>
-            <a:noFill/>
-          </p:spPr>
-          <p:txBody>
-            <a:bodyPr wrap="none" rtlCol="0">
-              <a:spAutoFit/>
-            </a:bodyPr>
-            <a:lstStyle/>
-            <a:p>
-              <a:r>
-                <a:rPr lang="en-US" altLang="ko-KR" dirty="0" smtClean="0">
-                  <a:solidFill>
-                    <a:schemeClr val="bg1"/>
-                  </a:solidFill>
-                </a:rPr>
-                <a:t>10</a:t>
-              </a:r>
-              <a:endParaRPr lang="ko-KR" altLang="en-US" dirty="0">
-                <a:solidFill>
-                  <a:schemeClr val="bg1"/>
-                </a:solidFill>
-              </a:endParaRPr>
-            </a:p>
-          </p:txBody>
-        </p:sp>
-      </p:grpSp>
-      <p:pic>
-        <p:nvPicPr>
-          <p:cNvPr id="1031" name="Picture 7"/>
-          <p:cNvPicPr>
-            <a:picLocks noChangeAspect="1" noChangeArrowheads="1"/>
-          </p:cNvPicPr>
-          <p:nvPr/>
-        </p:nvPicPr>
-        <p:blipFill>
-          <a:blip r:embed="rId4" cstate="print"/>
-          <a:srcRect/>
-          <a:stretch>
-            <a:fillRect/>
-          </a:stretch>
-        </p:blipFill>
-        <p:spPr bwMode="auto">
-          <a:xfrm>
-            <a:off x="5232797" y="3848101"/>
-            <a:ext cx="1514700" cy="966187"/>
-          </a:xfrm>
-          <a:prstGeom prst="rect">
-            <a:avLst/>
-          </a:prstGeom>
-          <a:noFill/>
-          <a:ln w="9525">
-            <a:solidFill>
-              <a:schemeClr val="tx1"/>
-            </a:solidFill>
-            <a:miter lim="800000"/>
-            <a:headEnd/>
-            <a:tailEnd/>
-          </a:ln>
-          <a:effectLst/>
-        </p:spPr>
-      </p:pic>
-      <p:sp>
-        <p:nvSpPr>
-          <p:cNvPr id="25" name="타원 24"/>
-          <p:cNvSpPr/>
-          <p:nvPr/>
-        </p:nvSpPr>
-        <p:spPr>
-          <a:xfrm>
-            <a:off x="5218025" y="3669184"/>
-            <a:ext cx="339812" cy="453082"/>
-          </a:xfrm>
-          <a:prstGeom prst="ellipse">
-            <a:avLst/>
-          </a:prstGeom>
-        </p:spPr>
-        <p:style>
-          <a:lnRef idx="2">
-            <a:schemeClr val="accent5">
-              <a:shade val="50000"/>
-            </a:schemeClr>
-          </a:lnRef>
-          <a:fillRef idx="1">
-            <a:schemeClr val="accent5"/>
-          </a:fillRef>
-          <a:effectRef idx="0">
-            <a:schemeClr val="accent5"/>
-          </a:effectRef>
-          <a:fontRef idx="minor">
-            <a:schemeClr val="lt1"/>
-          </a:fontRef>
-        </p:style>
-        <p:txBody>
-          <a:bodyPr rtlCol="0" anchor="ctr"/>
-          <a:lstStyle/>
-          <a:p>
-            <a:pPr algn="ctr"/>
-            <a:r>
-              <a:rPr lang="en-US" altLang="ko-KR" dirty="0" smtClean="0"/>
-              <a:t>A</a:t>
-            </a:r>
-            <a:endParaRPr lang="ko-KR" altLang="en-US" dirty="0"/>
-          </a:p>
-        </p:txBody>
-      </p:sp>
-      <p:pic>
-        <p:nvPicPr>
-          <p:cNvPr id="2050" name="Picture 2"/>
-          <p:cNvPicPr>
-            <a:picLocks noChangeAspect="1" noChangeArrowheads="1"/>
-          </p:cNvPicPr>
-          <p:nvPr/>
-        </p:nvPicPr>
-        <p:blipFill>
-          <a:blip r:embed="rId5" cstate="print"/>
-          <a:srcRect/>
-          <a:stretch>
-            <a:fillRect/>
-          </a:stretch>
-        </p:blipFill>
-        <p:spPr bwMode="auto">
-          <a:xfrm>
-            <a:off x="5236369" y="5038725"/>
-            <a:ext cx="1514700" cy="927924"/>
-          </a:xfrm>
-          <a:prstGeom prst="rect">
-            <a:avLst/>
-          </a:prstGeom>
-          <a:noFill/>
-          <a:ln w="9525">
-            <a:solidFill>
-              <a:schemeClr val="tx1"/>
-            </a:solidFill>
-            <a:miter lim="800000"/>
-            <a:headEnd/>
-            <a:tailEnd/>
-          </a:ln>
-          <a:effectLst/>
-        </p:spPr>
-      </p:pic>
-      <p:sp>
-        <p:nvSpPr>
-          <p:cNvPr id="24" name="타원 23"/>
-          <p:cNvSpPr/>
-          <p:nvPr/>
-        </p:nvSpPr>
-        <p:spPr>
-          <a:xfrm>
-            <a:off x="5218025" y="4850284"/>
-            <a:ext cx="339812" cy="453082"/>
-          </a:xfrm>
-          <a:prstGeom prst="ellipse">
-            <a:avLst/>
-          </a:prstGeom>
-        </p:spPr>
-        <p:style>
-          <a:lnRef idx="2">
-            <a:schemeClr val="accent5">
-              <a:shade val="50000"/>
-            </a:schemeClr>
-          </a:lnRef>
-          <a:fillRef idx="1">
-            <a:schemeClr val="accent5"/>
-          </a:fillRef>
-          <a:effectRef idx="0">
-            <a:schemeClr val="accent5"/>
-          </a:effectRef>
-          <a:fontRef idx="minor">
-            <a:schemeClr val="lt1"/>
-          </a:fontRef>
-        </p:style>
-        <p:txBody>
-          <a:bodyPr rtlCol="0" anchor="ctr"/>
-          <a:lstStyle/>
-          <a:p>
-            <a:pPr algn="ctr"/>
-            <a:r>
-              <a:rPr lang="en-US" altLang="ko-KR" dirty="0" smtClean="0"/>
-              <a:t>B</a:t>
-            </a:r>
-            <a:endParaRPr lang="ko-KR" altLang="en-US" dirty="0"/>
-          </a:p>
-        </p:txBody>
-      </p:sp>
-      <p:graphicFrame>
-        <p:nvGraphicFramePr>
-          <p:cNvPr id="23" name="표 22"/>
-          <p:cNvGraphicFramePr>
-            <a:graphicFrameLocks noGrp="1"/>
-          </p:cNvGraphicFramePr>
-          <p:nvPr/>
-        </p:nvGraphicFramePr>
-        <p:xfrm>
-          <a:off x="6781801" y="4848252"/>
-          <a:ext cx="2158313" cy="2438400"/>
-        </p:xfrm>
-        <a:graphic>
-          <a:graphicData uri="http://schemas.openxmlformats.org/drawingml/2006/table">
-            <a:tbl>
-              <a:tblPr firstRow="1" bandRow="1">
-                <a:tableStyleId>{F5AB1C69-6EDB-4FF4-983F-18BD219EF322}</a:tableStyleId>
-              </a:tblPr>
-              <a:tblGrid>
-                <a:gridCol w="2158313"/>
-              </a:tblGrid>
-              <a:tr h="173567">
-                <a:tc>
-                  <a:txBody>
-                    <a:bodyPr/>
-                    <a:lstStyle/>
-                    <a:p>
-                      <a:pPr algn="ctr" latinLnBrk="1"/>
-                      <a:r>
-                        <a:rPr lang="ko-KR" altLang="en-US" sz="1200" dirty="0" smtClean="0"/>
-                        <a:t>경로</a:t>
-                      </a:r>
-                      <a:endParaRPr lang="ko-KR" altLang="en-US" sz="1200" dirty="0"/>
-                    </a:p>
-                  </a:txBody>
-                  <a:tcPr marL="68580" marR="68580"/>
-                </a:tc>
-              </a:tr>
-              <a:tr h="173567">
-                <a:tc>
-                  <a:txBody>
-                    <a:bodyPr/>
-                    <a:lstStyle/>
-                    <a:p>
-                      <a:pPr latinLnBrk="1"/>
-                      <a:r>
-                        <a:rPr lang="en-US" altLang="ko-KR" sz="1200" dirty="0" smtClean="0"/>
-                        <a:t>Request</a:t>
-                      </a:r>
-                      <a:endParaRPr lang="ko-KR" altLang="en-US" sz="1200" dirty="0"/>
-                    </a:p>
-                  </a:txBody>
-                  <a:tcPr marL="68580" marR="68580"/>
-                </a:tc>
-              </a:tr>
-              <a:tr h="250707">
-                <a:tc>
-                  <a:txBody>
-                    <a:bodyPr/>
-                    <a:lstStyle/>
-                    <a:p>
-                      <a:pPr marL="0" marR="0" indent="0" algn="l" defTabSz="914400" rtl="0" eaLnBrk="1" fontAlgn="auto" latinLnBrk="1" hangingPunct="1">
-                        <a:lnSpc>
-                          <a:spcPct val="100000"/>
-                        </a:lnSpc>
-                        <a:spcBef>
-                          <a:spcPts val="0"/>
-                        </a:spcBef>
-                        <a:spcAft>
-                          <a:spcPts val="0"/>
-                        </a:spcAft>
-                        <a:buClrTx/>
-                        <a:buSzTx/>
-                        <a:buFontTx/>
-                        <a:buNone/>
-                        <a:tabLst/>
-                        <a:defRPr/>
-                      </a:pPr>
-                      <a:r>
-                        <a:rPr lang="en-US" altLang="ko-KR" sz="1000" dirty="0" smtClean="0"/>
-                        <a:t>/</a:t>
-                      </a:r>
-                      <a:r>
-                        <a:rPr lang="en-US" altLang="ko-KR" sz="1000" dirty="0" err="1" smtClean="0"/>
-                        <a:t>qnalist.do</a:t>
-                      </a:r>
-                      <a:r>
-                        <a:rPr lang="en-US" altLang="ko-KR" sz="1000" dirty="0" smtClean="0"/>
-                        <a:t>, /</a:t>
-                      </a:r>
-                      <a:r>
-                        <a:rPr lang="en-US" altLang="ko-KR" sz="1000" dirty="0" err="1" smtClean="0"/>
-                        <a:t>qnasearch.do</a:t>
-                      </a:r>
-                      <a:r>
-                        <a:rPr lang="en-US" altLang="ko-KR" sz="1000" dirty="0" smtClean="0"/>
-                        <a:t>, /</a:t>
-                      </a:r>
-                      <a:r>
-                        <a:rPr lang="en-US" altLang="ko-KR" sz="1000" dirty="0" err="1" smtClean="0"/>
-                        <a:t>qnamanagedetail.do</a:t>
-                      </a:r>
-                      <a:endParaRPr lang="ko-KR" altLang="en-US" sz="1000" dirty="0"/>
-                    </a:p>
-                  </a:txBody>
-                  <a:tcPr marL="68580" marR="68580"/>
-                </a:tc>
-              </a:tr>
-              <a:tr h="173567">
-                <a:tc>
-                  <a:txBody>
-                    <a:bodyPr/>
-                    <a:lstStyle/>
-                    <a:p>
-                      <a:pPr latinLnBrk="1"/>
-                      <a:r>
-                        <a:rPr lang="en-US" altLang="ko-KR" sz="1200" dirty="0" smtClean="0"/>
-                        <a:t>Controller</a:t>
-                      </a:r>
-                      <a:endParaRPr lang="ko-KR" altLang="en-US" sz="1200" dirty="0"/>
-                    </a:p>
-                  </a:txBody>
-                  <a:tcPr marL="68580" marR="68580"/>
-                </a:tc>
-              </a:tr>
-              <a:tr h="443559">
-                <a:tc>
-                  <a:txBody>
-                    <a:bodyPr/>
-                    <a:lstStyle/>
-                    <a:p>
-                      <a:pPr marL="0" marR="0" indent="0" algn="l" defTabSz="914400" rtl="0" eaLnBrk="1" fontAlgn="auto" latinLnBrk="1" hangingPunct="1">
-                        <a:lnSpc>
-                          <a:spcPct val="100000"/>
-                        </a:lnSpc>
-                        <a:spcBef>
-                          <a:spcPts val="0"/>
-                        </a:spcBef>
-                        <a:spcAft>
-                          <a:spcPts val="0"/>
-                        </a:spcAft>
-                        <a:buClrTx/>
-                        <a:buSzTx/>
-                        <a:buFontTx/>
-                        <a:buNone/>
-                        <a:tabLst/>
-                        <a:defRPr/>
-                      </a:pPr>
-                      <a:r>
-                        <a:rPr lang="en-US" altLang="ko-KR" sz="1000" dirty="0" err="1" smtClean="0"/>
-                        <a:t>controller.QnalistController</a:t>
-                      </a:r>
-                      <a:r>
-                        <a:rPr lang="en-US" altLang="ko-KR" sz="1000" dirty="0" smtClean="0"/>
-                        <a:t> </a:t>
-                      </a:r>
-                    </a:p>
-                    <a:p>
-                      <a:pPr marL="0" marR="0" indent="0" algn="l" defTabSz="914400" rtl="0" eaLnBrk="1" fontAlgn="auto" latinLnBrk="1" hangingPunct="1">
-                        <a:lnSpc>
-                          <a:spcPct val="100000"/>
-                        </a:lnSpc>
-                        <a:spcBef>
-                          <a:spcPts val="0"/>
-                        </a:spcBef>
-                        <a:spcAft>
-                          <a:spcPts val="0"/>
-                        </a:spcAft>
-                        <a:buClrTx/>
-                        <a:buSzTx/>
-                        <a:buFontTx/>
-                        <a:buNone/>
-                        <a:tabLst/>
-                        <a:defRPr/>
-                      </a:pPr>
-                      <a:r>
-                        <a:rPr lang="en-US" altLang="ko-KR" sz="1000" dirty="0" err="1" smtClean="0"/>
-                        <a:t>controller.QnasearchController</a:t>
-                      </a:r>
-                      <a:endParaRPr lang="en-US" altLang="ko-KR" sz="1000" dirty="0" smtClean="0"/>
-                    </a:p>
-                    <a:p>
-                      <a:pPr marL="0" marR="0" indent="0" algn="l" defTabSz="914400" rtl="0" eaLnBrk="1" fontAlgn="auto" latinLnBrk="1" hangingPunct="1">
-                        <a:lnSpc>
-                          <a:spcPct val="100000"/>
-                        </a:lnSpc>
-                        <a:spcBef>
-                          <a:spcPts val="0"/>
-                        </a:spcBef>
-                        <a:spcAft>
-                          <a:spcPts val="0"/>
-                        </a:spcAft>
-                        <a:buClrTx/>
-                        <a:buSzTx/>
-                        <a:buFontTx/>
-                        <a:buNone/>
-                        <a:tabLst/>
-                        <a:defRPr/>
-                      </a:pPr>
-                      <a:r>
-                        <a:rPr lang="en-US" altLang="ko-KR" sz="1000" dirty="0" err="1" smtClean="0"/>
-                        <a:t>controller.QnamanagedetailController</a:t>
-                      </a:r>
-                      <a:endParaRPr lang="ko-KR" altLang="en-US" sz="1000" dirty="0"/>
-                    </a:p>
-                  </a:txBody>
-                  <a:tcPr marL="68580" marR="68580"/>
-                </a:tc>
-              </a:tr>
-              <a:tr h="173567">
-                <a:tc>
-                  <a:txBody>
-                    <a:bodyPr/>
-                    <a:lstStyle/>
-                    <a:p>
-                      <a:pPr latinLnBrk="1"/>
-                      <a:r>
-                        <a:rPr lang="en-US" altLang="ko-KR" sz="1200" dirty="0" smtClean="0"/>
-                        <a:t>View</a:t>
-                      </a:r>
-                      <a:endParaRPr lang="ko-KR" altLang="en-US" sz="1200" dirty="0"/>
-                    </a:p>
-                  </a:txBody>
-                  <a:tcPr marL="68580" marR="68580"/>
-                </a:tc>
-              </a:tr>
-              <a:tr h="154282">
-                <a:tc>
-                  <a:txBody>
-                    <a:bodyPr/>
-                    <a:lstStyle/>
-                    <a:p>
-                      <a:pPr latinLnBrk="1"/>
-                      <a:r>
-                        <a:rPr lang="en-US" altLang="ko-KR" sz="1000" dirty="0" smtClean="0"/>
-                        <a:t>/view/</a:t>
-                      </a:r>
-                      <a:r>
-                        <a:rPr lang="en-US" altLang="ko-KR" sz="1000" dirty="0" err="1" smtClean="0"/>
-                        <a:t>cs</a:t>
-                      </a:r>
-                      <a:r>
-                        <a:rPr lang="en-US" altLang="ko-KR" sz="1000" dirty="0" smtClean="0"/>
-                        <a:t>/</a:t>
-                      </a:r>
-                      <a:r>
-                        <a:rPr lang="en-US" altLang="ko-KR" sz="1000" dirty="0" err="1" smtClean="0"/>
-                        <a:t>qna</a:t>
-                      </a:r>
-                      <a:r>
-                        <a:rPr lang="en-US" altLang="ko-KR" sz="1000" dirty="0" smtClean="0"/>
-                        <a:t>/qnalist.jsp</a:t>
-                      </a:r>
-                      <a:endParaRPr lang="ko-KR" altLang="en-US" sz="1000" dirty="0"/>
-                    </a:p>
-                  </a:txBody>
-                  <a:tcPr marL="68580" marR="68580"/>
-                </a:tc>
-              </a:tr>
-            </a:tbl>
-          </a:graphicData>
-        </a:graphic>
-      </p:graphicFrame>
-    </p:spTree>
-  </p:cSld>
-  <p:clrMapOvr>
-    <a:masterClrMapping/>
-  </p:clrMapOvr>
-  <p:transition/>
-  <p:timing>
-    <p:tnLst>
-      <p:par>
-        <p:cTn id="1" dur="indefinite" restart="never" nodeType="tmRoot"/>
-      </p:par>
-    </p:tnLst>
-  </p:timing>
-</p:sld>
-</file>
-
-<file path=ppt/slides/slide10.xml><?xml version="1.0" encoding="utf-8"?>
-<p:sld xmlns:a="http://schemas.openxmlformats.org/drawingml/2006/main" xmlns:r="http://schemas.openxmlformats.org/officeDocument/2006/relationships" xmlns:p="http://schemas.openxmlformats.org/presentationml/2006/main">
-  <p:cSld>
-    <p:spTree>
-      <p:nvGrpSpPr>
-        <p:cNvPr id="1" name=""/>
-        <p:cNvGrpSpPr/>
-        <p:nvPr/>
-      </p:nvGrpSpPr>
-      <p:grpSpPr>
-        <a:xfrm>
-          <a:off x="0" y="0"/>
-          <a:ext cx="0" cy="0"/>
-          <a:chOff x="0" y="0"/>
-          <a:chExt cx="0" cy="0"/>
-        </a:xfrm>
-      </p:grpSpPr>
-      <p:graphicFrame>
-        <p:nvGraphicFramePr>
-          <p:cNvPr id="34" name="표 33"/>
-          <p:cNvGraphicFramePr>
-            <a:graphicFrameLocks noGrp="1"/>
-          </p:cNvGraphicFramePr>
-          <p:nvPr>
-            <p:extLst>
-              <p:ext uri="{D42A27DB-BD31-4B8C-83A1-F6EECF244321}">
-                <p14:modId xmlns:p14="http://schemas.microsoft.com/office/powerpoint/2010/main" xmlns="" val="2445248753"/>
-              </p:ext>
-            </p:extLst>
-          </p:nvPr>
-        </p:nvGraphicFramePr>
-        <p:xfrm>
-          <a:off x="177211" y="590532"/>
-          <a:ext cx="8795341" cy="6038869"/>
-        </p:xfrm>
-        <a:graphic>
-          <a:graphicData uri="http://schemas.openxmlformats.org/drawingml/2006/table">
-            <a:tbl>
-              <a:tblPr firstRow="1" bandRow="1">
-                <a:tableStyleId>{5C22544A-7EE6-4342-B048-85BDC9FD1C3A}</a:tableStyleId>
-              </a:tblPr>
-              <a:tblGrid>
-                <a:gridCol w="6587921">
-                  <a:extLst>
-                    <a:ext uri="{9D8B030D-6E8A-4147-A177-3AD203B41FA5}">
-                      <a16:colId xmlns:a16="http://schemas.microsoft.com/office/drawing/2014/main" xmlns="" val="20000"/>
-                    </a:ext>
-                  </a:extLst>
-                </a:gridCol>
-                <a:gridCol w="2207420"/>
-              </a:tblGrid>
-              <a:tr h="339580">
-                <a:tc>
-                  <a:txBody>
-                    <a:bodyPr/>
-                    <a:lstStyle/>
-                    <a:p>
-                      <a:pPr algn="ctr" latinLnBrk="1">
-                        <a:defRPr lang="ko-KR" altLang="en-US"/>
-                      </a:pPr>
-                      <a:r>
-                        <a:rPr lang="ko-KR" altLang="en-US" sz="1000" b="0" dirty="0" smtClean="0">
-                          <a:solidFill>
-                            <a:schemeClr val="tx1"/>
-                          </a:solidFill>
-                          <a:latin typeface="+mn-ea"/>
-                          <a:ea typeface="+mn-ea"/>
-                        </a:rPr>
-                        <a:t>화면 구성</a:t>
-                      </a:r>
-                      <a:endParaRPr lang="ko-KR" altLang="en-US" sz="1000" b="0" dirty="0">
-                        <a:solidFill>
-                          <a:schemeClr val="tx1"/>
-                        </a:solidFill>
-                        <a:latin typeface="+mn-ea"/>
-                        <a:ea typeface="+mn-ea"/>
-                      </a:endParaRPr>
-                    </a:p>
-                  </a:txBody>
-                  <a:tcPr anchor="ctr">
-                    <a:lnL w="12700" cap="flat" cmpd="sng" algn="ctr">
-                      <a:solidFill>
-                        <a:schemeClr val="bg1">
-                          <a:lumMod val="65000"/>
-                        </a:schemeClr>
-                      </a:solidFill>
-                      <a:prstDash val="solid"/>
-                      <a:round/>
-                    </a:lnL>
-                    <a:lnR w="12700" cap="flat" cmpd="sng" algn="ctr">
-                      <a:solidFill>
-                        <a:schemeClr val="bg1">
-                          <a:lumMod val="65000"/>
-                        </a:schemeClr>
-                      </a:solidFill>
-                      <a:prstDash val="solid"/>
-                      <a:round/>
-                      <a:headEnd type="none" w="med" len="med"/>
-                      <a:tailEnd type="none" w="med" len="med"/>
-                    </a:lnR>
-                    <a:lnT w="12700" cap="flat" cmpd="sng" algn="ctr">
-                      <a:solidFill>
-                        <a:schemeClr val="bg1">
-                          <a:lumMod val="65000"/>
-                        </a:schemeClr>
-                      </a:solidFill>
-                      <a:prstDash val="solid"/>
-                      <a:round/>
-                    </a:lnT>
-                    <a:lnB w="12700" cap="flat" cmpd="sng" algn="ctr">
-                      <a:solidFill>
-                        <a:schemeClr val="bg1">
-                          <a:lumMod val="65000"/>
-                        </a:schemeClr>
-                      </a:solidFill>
-                      <a:prstDash val="solid"/>
-                      <a:round/>
-                      <a:headEnd type="none" w="med" len="med"/>
-                      <a:tailEnd type="none" w="med" len="med"/>
-                    </a:lnB>
-                    <a:solidFill>
-                      <a:schemeClr val="bg1">
-                        <a:lumMod val="85000"/>
-                      </a:schemeClr>
-                    </a:solidFill>
-                  </a:tcPr>
-                </a:tc>
-                <a:tc>
-                  <a:txBody>
-                    <a:bodyPr/>
-                    <a:lstStyle/>
-                    <a:p>
-                      <a:pPr algn="ctr" latinLnBrk="1">
-                        <a:defRPr lang="ko-KR" altLang="en-US"/>
-                      </a:pPr>
-                      <a:r>
-                        <a:rPr lang="ko-KR" altLang="en-US" sz="1000" b="0" dirty="0" smtClean="0">
-                          <a:solidFill>
-                            <a:schemeClr val="tx1"/>
-                          </a:solidFill>
-                          <a:latin typeface="+mn-ea"/>
-                          <a:ea typeface="+mn-ea"/>
-                        </a:rPr>
-                        <a:t>화면 설명</a:t>
-                      </a:r>
-                      <a:endParaRPr lang="ko-KR" altLang="en-US" sz="1000" b="0" dirty="0">
-                        <a:solidFill>
-                          <a:schemeClr val="tx1"/>
-                        </a:solidFill>
-                        <a:latin typeface="+mn-ea"/>
-                        <a:ea typeface="+mn-ea"/>
-                      </a:endParaRPr>
-                    </a:p>
-                  </a:txBody>
-                  <a:tcPr anchor="ctr">
-                    <a:lnL w="12700" cap="flat" cmpd="sng" algn="ctr">
-                      <a:solidFill>
-                        <a:schemeClr val="bg1">
-                          <a:lumMod val="65000"/>
-                        </a:schemeClr>
-                      </a:solidFill>
-                      <a:prstDash val="solid"/>
-                      <a:round/>
-                    </a:lnL>
-                    <a:lnR w="12700" cap="flat" cmpd="sng" algn="ctr">
-                      <a:solidFill>
-                        <a:schemeClr val="bg1">
-                          <a:lumMod val="65000"/>
-                        </a:schemeClr>
-                      </a:solidFill>
-                      <a:prstDash val="solid"/>
-                      <a:round/>
-                    </a:lnR>
-                    <a:lnT w="12700" cap="flat" cmpd="sng" algn="ctr">
-                      <a:solidFill>
-                        <a:schemeClr val="bg1">
-                          <a:lumMod val="65000"/>
-                        </a:schemeClr>
-                      </a:solidFill>
-                      <a:prstDash val="solid"/>
-                      <a:round/>
-                    </a:lnT>
-                    <a:lnB w="12700" cap="flat" cmpd="sng" algn="ctr">
-                      <a:solidFill>
-                        <a:schemeClr val="bg1">
-                          <a:lumMod val="65000"/>
-                        </a:schemeClr>
-                      </a:solidFill>
-                      <a:prstDash val="solid"/>
-                      <a:round/>
-                      <a:headEnd type="none" w="med" len="med"/>
-                      <a:tailEnd type="none" w="med" len="med"/>
-                    </a:lnB>
-                    <a:solidFill>
-                      <a:schemeClr val="bg1">
-                        <a:lumMod val="85000"/>
-                      </a:schemeClr>
-                    </a:solidFill>
-                  </a:tcPr>
-                </a:tc>
-                <a:extLst>
-                  <a:ext uri="{0D108BD9-81ED-4DB2-BD59-A6C34878D82A}">
-                    <a16:rowId xmlns:a16="http://schemas.microsoft.com/office/drawing/2014/main" xmlns="" val="10000"/>
-                  </a:ext>
-                </a:extLst>
-              </a:tr>
-              <a:tr h="5699289">
-                <a:tc>
-                  <a:txBody>
-                    <a:bodyPr/>
-                    <a:lstStyle/>
-                    <a:p>
-                      <a:pPr algn="ctr" latinLnBrk="1">
-                        <a:defRPr lang="ko-KR" altLang="en-US"/>
-                      </a:pPr>
-                      <a:endParaRPr lang="ko-KR" altLang="en-US" sz="1000" b="0" dirty="0">
-                        <a:solidFill>
-                          <a:schemeClr val="tx1"/>
-                        </a:solidFill>
-                        <a:latin typeface="+mn-ea"/>
-                        <a:ea typeface="+mn-ea"/>
-                      </a:endParaRPr>
-                    </a:p>
-                  </a:txBody>
-                  <a:tcPr anchor="ctr">
-                    <a:lnL w="12700" cap="flat" cmpd="sng" algn="ctr">
-                      <a:solidFill>
-                        <a:schemeClr val="bg1">
-                          <a:lumMod val="65000"/>
-                        </a:schemeClr>
-                      </a:solidFill>
-                      <a:prstDash val="solid"/>
-                      <a:round/>
-                    </a:lnL>
-                    <a:lnR w="12700" cap="flat" cmpd="sng" algn="ctr">
-                      <a:solidFill>
-                        <a:schemeClr val="bg1">
-                          <a:lumMod val="65000"/>
-                        </a:schemeClr>
-                      </a:solidFill>
-                      <a:prstDash val="solid"/>
-                      <a:round/>
-                      <a:headEnd type="none" w="med" len="med"/>
-                      <a:tailEnd type="none" w="med" len="med"/>
-                    </a:lnR>
-                    <a:lnT w="12700" cap="flat" cmpd="sng" algn="ctr">
-                      <a:solidFill>
-                        <a:schemeClr val="bg1">
-                          <a:lumMod val="65000"/>
-                        </a:schemeClr>
-                      </a:solidFill>
-                      <a:prstDash val="solid"/>
-                      <a:round/>
-                    </a:lnT>
-                    <a:lnB w="12700" cap="flat" cmpd="sng" algn="ctr">
-                      <a:solidFill>
-                        <a:schemeClr val="bg1">
-                          <a:lumMod val="65000"/>
-                        </a:schemeClr>
-                      </a:solidFill>
-                      <a:prstDash val="solid"/>
-                      <a:round/>
-                      <a:headEnd type="none" w="med" len="med"/>
-                      <a:tailEnd type="none" w="med" len="med"/>
-                    </a:lnB>
-                    <a:noFill/>
-                  </a:tcPr>
-                </a:tc>
-                <a:tc>
-                  <a:txBody>
-                    <a:bodyPr/>
-                    <a:lstStyle/>
-                    <a:p>
-                      <a:pPr algn="ctr" latinLnBrk="1">
-                        <a:defRPr lang="ko-KR" altLang="en-US"/>
-                      </a:pPr>
-                      <a:endParaRPr lang="ko-KR" altLang="en-US" sz="1000" b="0" dirty="0">
-                        <a:solidFill>
-                          <a:schemeClr val="tx1"/>
-                        </a:solidFill>
-                        <a:latin typeface="+mn-ea"/>
-                        <a:ea typeface="+mn-ea"/>
-                      </a:endParaRPr>
-                    </a:p>
-                  </a:txBody>
-                  <a:tcPr anchor="ctr">
-                    <a:lnL w="12700" cap="flat" cmpd="sng" algn="ctr">
-                      <a:solidFill>
-                        <a:schemeClr val="bg1">
-                          <a:lumMod val="65000"/>
-                        </a:schemeClr>
-                      </a:solidFill>
-                      <a:prstDash val="solid"/>
-                      <a:round/>
-                      <a:headEnd type="none" w="med" len="med"/>
-                      <a:tailEnd type="none" w="med" len="med"/>
-                    </a:lnL>
-                    <a:lnR w="12700" cap="flat" cmpd="sng" algn="ctr">
-                      <a:solidFill>
-                        <a:schemeClr val="bg1">
-                          <a:lumMod val="65000"/>
-                        </a:schemeClr>
-                      </a:solidFill>
-                      <a:prstDash val="solid"/>
-                      <a:round/>
-                    </a:lnR>
-                    <a:lnT w="12700" cap="flat" cmpd="sng" algn="ctr">
-                      <a:solidFill>
-                        <a:schemeClr val="bg1">
-                          <a:lumMod val="65000"/>
-                        </a:schemeClr>
-                      </a:solidFill>
-                      <a:prstDash val="solid"/>
-                      <a:round/>
-                    </a:lnT>
-                    <a:lnB w="12700" cap="flat" cmpd="sng" algn="ctr">
-                      <a:solidFill>
-                        <a:schemeClr val="bg1">
-                          <a:lumMod val="65000"/>
-                        </a:schemeClr>
-                      </a:solidFill>
-                      <a:prstDash val="solid"/>
-                      <a:round/>
-                      <a:headEnd type="none" w="med" len="med"/>
-                      <a:tailEnd type="none" w="med" len="med"/>
-                    </a:lnB>
-                    <a:noFill/>
-                  </a:tcPr>
-                </a:tc>
-              </a:tr>
-            </a:tbl>
-          </a:graphicData>
-        </a:graphic>
-      </p:graphicFrame>
-      <p:graphicFrame>
-        <p:nvGraphicFramePr>
-          <p:cNvPr id="26" name="표 25"/>
-          <p:cNvGraphicFramePr>
-            <a:graphicFrameLocks noGrp="1"/>
-          </p:cNvGraphicFramePr>
-          <p:nvPr>
-            <p:extLst>
-              <p:ext uri="{D42A27DB-BD31-4B8C-83A1-F6EECF244321}">
-                <p14:modId xmlns:p14="http://schemas.microsoft.com/office/powerpoint/2010/main" xmlns="" val="1790057861"/>
-              </p:ext>
-            </p:extLst>
-          </p:nvPr>
-        </p:nvGraphicFramePr>
-        <p:xfrm>
-          <a:off x="177212" y="214290"/>
-          <a:ext cx="8795338" cy="370840"/>
-        </p:xfrm>
-        <a:graphic>
-          <a:graphicData uri="http://schemas.openxmlformats.org/drawingml/2006/table">
-            <a:tbl>
-              <a:tblPr firstRow="1" bandRow="1">
-                <a:tableStyleId>{5C22544A-7EE6-4342-B048-85BDC9FD1C3A}</a:tableStyleId>
-              </a:tblPr>
-              <a:tblGrid>
-                <a:gridCol w="1380432">
-                  <a:extLst>
-                    <a:ext uri="{9D8B030D-6E8A-4147-A177-3AD203B41FA5}">
-                      <a16:colId xmlns:a16="http://schemas.microsoft.com/office/drawing/2014/main" xmlns="" val="20000"/>
-                    </a:ext>
-                  </a:extLst>
-                </a:gridCol>
-                <a:gridCol w="2195892">
-                  <a:extLst>
-                    <a:ext uri="{9D8B030D-6E8A-4147-A177-3AD203B41FA5}">
-                      <a16:colId xmlns:a16="http://schemas.microsoft.com/office/drawing/2014/main" xmlns="" val="20001"/>
-                    </a:ext>
-                  </a:extLst>
-                </a:gridCol>
-                <a:gridCol w="1086007">
-                  <a:extLst>
-                    <a:ext uri="{9D8B030D-6E8A-4147-A177-3AD203B41FA5}">
-                      <a16:colId xmlns:a16="http://schemas.microsoft.com/office/drawing/2014/main" xmlns="" val="20002"/>
-                    </a:ext>
-                  </a:extLst>
-                </a:gridCol>
-                <a:gridCol w="1927970">
-                  <a:extLst>
-                    <a:ext uri="{9D8B030D-6E8A-4147-A177-3AD203B41FA5}">
-                      <a16:colId xmlns:a16="http://schemas.microsoft.com/office/drawing/2014/main" xmlns="" val="20003"/>
-                    </a:ext>
-                  </a:extLst>
-                </a:gridCol>
-                <a:gridCol w="1233488">
-                  <a:extLst>
-                    <a:ext uri="{9D8B030D-6E8A-4147-A177-3AD203B41FA5}">
-                      <a16:colId xmlns:a16="http://schemas.microsoft.com/office/drawing/2014/main" xmlns="" val="20004"/>
-                    </a:ext>
-                  </a:extLst>
-                </a:gridCol>
-                <a:gridCol w="971549">
-                  <a:extLst>
-                    <a:ext uri="{9D8B030D-6E8A-4147-A177-3AD203B41FA5}">
-                      <a16:colId xmlns:a16="http://schemas.microsoft.com/office/drawing/2014/main" xmlns="" val="20006"/>
-                    </a:ext>
-                  </a:extLst>
-                </a:gridCol>
-              </a:tblGrid>
-              <a:tr h="370840">
-                <a:tc>
-                  <a:txBody>
-                    <a:bodyPr/>
-                    <a:lstStyle/>
-                    <a:p>
-                      <a:pPr algn="ctr" latinLnBrk="1">
-                        <a:defRPr lang="ko-KR" altLang="en-US"/>
-                      </a:pPr>
-                      <a:r>
-                        <a:rPr lang="ko-KR" altLang="en-US" sz="1000" b="0" dirty="0" smtClean="0">
-                          <a:solidFill>
-                            <a:schemeClr val="tx1"/>
-                          </a:solidFill>
-                          <a:latin typeface="+mn-ea"/>
-                          <a:ea typeface="+mn-ea"/>
-                        </a:rPr>
-                        <a:t>프로젝트 명 </a:t>
-                      </a:r>
-                      <a:endParaRPr lang="ko-KR" altLang="en-US" sz="1000" b="0" dirty="0">
-                        <a:solidFill>
-                          <a:schemeClr val="tx1"/>
-                        </a:solidFill>
-                        <a:latin typeface="+mn-ea"/>
-                        <a:ea typeface="+mn-ea"/>
-                      </a:endParaRPr>
-                    </a:p>
-                  </a:txBody>
-                  <a:tcPr anchor="ctr">
-                    <a:lnL w="12700" cap="flat" cmpd="sng" algn="ctr">
-                      <a:solidFill>
-                        <a:schemeClr val="bg1">
-                          <a:lumMod val="65000"/>
-                        </a:schemeClr>
-                      </a:solidFill>
-                      <a:prstDash val="solid"/>
-                      <a:round/>
-                    </a:lnL>
-                    <a:lnR w="12700" cap="flat" cmpd="sng" algn="ctr">
-                      <a:solidFill>
-                        <a:schemeClr val="bg1">
-                          <a:lumMod val="65000"/>
-                        </a:schemeClr>
-                      </a:solidFill>
-                      <a:prstDash val="solid"/>
-                      <a:round/>
-                    </a:lnR>
-                    <a:lnT w="12700" cap="flat" cmpd="sng" algn="ctr">
-                      <a:solidFill>
-                        <a:schemeClr val="bg1">
-                          <a:lumMod val="65000"/>
-                        </a:schemeClr>
-                      </a:solidFill>
-                      <a:prstDash val="solid"/>
-                      <a:round/>
-                    </a:lnT>
-                    <a:lnB w="12700" cap="flat" cmpd="sng" algn="ctr">
-                      <a:solidFill>
-                        <a:schemeClr val="bg1">
-                          <a:lumMod val="65000"/>
-                        </a:schemeClr>
-                      </a:solidFill>
-                      <a:prstDash val="solid"/>
-                      <a:round/>
-                    </a:lnB>
-                    <a:solidFill>
-                      <a:schemeClr val="bg1">
-                        <a:lumMod val="85000"/>
-                      </a:schemeClr>
-                    </a:solidFill>
-                  </a:tcPr>
-                </a:tc>
-                <a:tc>
-                  <a:txBody>
-                    <a:bodyPr/>
-                    <a:lstStyle/>
-                    <a:p>
-                      <a:pPr latinLnBrk="1">
-                        <a:defRPr lang="ko-KR" altLang="en-US"/>
-                      </a:pPr>
-                      <a:r>
-                        <a:rPr lang="en-US" altLang="ko-KR" sz="1000" b="0" dirty="0" smtClean="0">
-                          <a:solidFill>
-                            <a:schemeClr val="tx1"/>
-                          </a:solidFill>
-                          <a:latin typeface="+mn-ea"/>
-                          <a:ea typeface="+mn-ea"/>
-                        </a:rPr>
-                        <a:t>99s</a:t>
-                      </a:r>
-                      <a:endParaRPr lang="ko-KR" altLang="en-US" sz="1000" b="0" dirty="0">
-                        <a:solidFill>
-                          <a:schemeClr val="tx1"/>
-                        </a:solidFill>
-                        <a:latin typeface="+mn-ea"/>
-                        <a:ea typeface="+mn-ea"/>
-                      </a:endParaRPr>
-                    </a:p>
-                  </a:txBody>
-                  <a:tcPr anchor="ctr">
-                    <a:lnL w="12700" cap="flat" cmpd="sng" algn="ctr">
-                      <a:solidFill>
-                        <a:schemeClr val="bg1">
-                          <a:lumMod val="65000"/>
-                        </a:schemeClr>
-                      </a:solidFill>
-                      <a:prstDash val="solid"/>
-                      <a:round/>
-                    </a:lnL>
-                    <a:lnR w="12700" cap="flat" cmpd="sng" algn="ctr">
-                      <a:solidFill>
-                        <a:schemeClr val="bg1">
-                          <a:lumMod val="65000"/>
-                        </a:schemeClr>
-                      </a:solidFill>
-                      <a:prstDash val="solid"/>
-                      <a:round/>
-                    </a:lnR>
-                    <a:lnT w="12700" cap="flat" cmpd="sng" algn="ctr">
-                      <a:solidFill>
-                        <a:schemeClr val="bg1">
-                          <a:lumMod val="65000"/>
-                        </a:schemeClr>
-                      </a:solidFill>
-                      <a:prstDash val="solid"/>
-                      <a:round/>
-                    </a:lnT>
-                    <a:lnB w="12700" cap="flat" cmpd="sng" algn="ctr">
-                      <a:solidFill>
-                        <a:schemeClr val="bg1">
-                          <a:lumMod val="65000"/>
-                        </a:schemeClr>
-                      </a:solidFill>
-                      <a:prstDash val="solid"/>
-                      <a:round/>
-                    </a:lnB>
-                    <a:noFill/>
-                  </a:tcPr>
-                </a:tc>
-                <a:tc>
-                  <a:txBody>
-                    <a:bodyPr/>
-                    <a:lstStyle/>
-                    <a:p>
-                      <a:pPr algn="ctr" latinLnBrk="1">
-                        <a:defRPr lang="ko-KR" altLang="en-US"/>
-                      </a:pPr>
-                      <a:r>
-                        <a:rPr lang="ko-KR" altLang="en-US" sz="1000" b="0" dirty="0" smtClean="0">
-                          <a:solidFill>
-                            <a:schemeClr val="tx1"/>
-                          </a:solidFill>
-                          <a:latin typeface="+mn-ea"/>
-                          <a:ea typeface="+mn-ea"/>
-                        </a:rPr>
-                        <a:t>페이지 명</a:t>
-                      </a:r>
-                      <a:endParaRPr lang="ko-KR" altLang="en-US" sz="1000" b="0" dirty="0">
-                        <a:solidFill>
-                          <a:schemeClr val="tx1"/>
-                        </a:solidFill>
-                        <a:latin typeface="+mn-ea"/>
-                        <a:ea typeface="+mn-ea"/>
-                      </a:endParaRPr>
-                    </a:p>
-                  </a:txBody>
-                  <a:tcPr anchor="ctr">
-                    <a:lnL w="12700" cap="flat" cmpd="sng" algn="ctr">
-                      <a:solidFill>
-                        <a:schemeClr val="bg1">
-                          <a:lumMod val="65000"/>
-                        </a:schemeClr>
-                      </a:solidFill>
-                      <a:prstDash val="solid"/>
-                      <a:round/>
-                    </a:lnL>
-                    <a:lnR w="12700" cap="flat" cmpd="sng" algn="ctr">
-                      <a:solidFill>
-                        <a:schemeClr val="bg1">
-                          <a:lumMod val="65000"/>
-                        </a:schemeClr>
-                      </a:solidFill>
-                      <a:prstDash val="solid"/>
-                      <a:round/>
-                    </a:lnR>
-                    <a:lnT w="12700" cap="flat" cmpd="sng" algn="ctr">
-                      <a:solidFill>
-                        <a:schemeClr val="bg1">
-                          <a:lumMod val="65000"/>
-                        </a:schemeClr>
-                      </a:solidFill>
-                      <a:prstDash val="solid"/>
-                      <a:round/>
-                    </a:lnT>
-                    <a:lnB w="12700" cap="flat" cmpd="sng" algn="ctr">
-                      <a:solidFill>
-                        <a:schemeClr val="bg1">
-                          <a:lumMod val="65000"/>
-                        </a:schemeClr>
-                      </a:solidFill>
-                      <a:prstDash val="solid"/>
-                      <a:round/>
-                    </a:lnB>
-                    <a:solidFill>
-                      <a:schemeClr val="bg1">
-                        <a:lumMod val="85000"/>
-                      </a:schemeClr>
-                    </a:solidFill>
-                  </a:tcPr>
-                </a:tc>
-                <a:tc>
-                  <a:txBody>
-                    <a:bodyPr/>
-                    <a:lstStyle/>
-                    <a:p>
-                      <a:pPr latinLnBrk="1">
-                        <a:defRPr lang="ko-KR" altLang="en-US"/>
-                      </a:pPr>
-                      <a:r>
-                        <a:rPr lang="ko-KR" altLang="en-US" sz="1000" b="0" dirty="0" smtClean="0">
-                          <a:solidFill>
-                            <a:schemeClr val="tx1"/>
-                          </a:solidFill>
-                          <a:latin typeface="+mn-ea"/>
-                          <a:ea typeface="+mn-ea"/>
-                        </a:rPr>
-                        <a:t>비밀번호 변경 성공</a:t>
-                      </a:r>
-                      <a:endParaRPr lang="ko-KR" altLang="en-US" sz="1000" b="0" dirty="0">
-                        <a:solidFill>
-                          <a:schemeClr val="tx1"/>
-                        </a:solidFill>
-                        <a:latin typeface="+mn-ea"/>
-                        <a:ea typeface="+mn-ea"/>
-                      </a:endParaRPr>
-                    </a:p>
-                  </a:txBody>
-                  <a:tcPr anchor="ctr">
-                    <a:lnL w="12700" cap="flat" cmpd="sng" algn="ctr">
-                      <a:solidFill>
-                        <a:schemeClr val="bg1">
-                          <a:lumMod val="65000"/>
-                        </a:schemeClr>
-                      </a:solidFill>
-                      <a:prstDash val="solid"/>
-                      <a:round/>
-                    </a:lnL>
-                    <a:lnR w="12700" cap="flat" cmpd="sng" algn="ctr">
-                      <a:solidFill>
-                        <a:schemeClr val="bg1">
-                          <a:lumMod val="65000"/>
-                        </a:schemeClr>
-                      </a:solidFill>
-                      <a:prstDash val="solid"/>
-                      <a:round/>
-                    </a:lnR>
-                    <a:lnT w="12700" cap="flat" cmpd="sng" algn="ctr">
-                      <a:solidFill>
-                        <a:schemeClr val="bg1">
-                          <a:lumMod val="65000"/>
-                        </a:schemeClr>
-                      </a:solidFill>
-                      <a:prstDash val="solid"/>
-                      <a:round/>
-                    </a:lnT>
-                    <a:lnB w="12700" cap="flat" cmpd="sng" algn="ctr">
-                      <a:solidFill>
-                        <a:schemeClr val="bg1">
-                          <a:lumMod val="65000"/>
-                        </a:schemeClr>
-                      </a:solidFill>
-                      <a:prstDash val="solid"/>
-                      <a:round/>
-                    </a:lnB>
-                    <a:noFill/>
-                  </a:tcPr>
-                </a:tc>
-                <a:tc>
-                  <a:txBody>
-                    <a:bodyPr/>
-                    <a:lstStyle/>
-                    <a:p>
-                      <a:pPr algn="ctr" latinLnBrk="1">
-                        <a:defRPr lang="ko-KR" altLang="en-US"/>
-                      </a:pPr>
-                      <a:r>
-                        <a:rPr lang="ko-KR" altLang="en-US" sz="1000" b="0" dirty="0" smtClean="0">
-                          <a:solidFill>
-                            <a:schemeClr val="tx1"/>
-                          </a:solidFill>
-                          <a:latin typeface="+mn-ea"/>
-                          <a:ea typeface="+mn-ea"/>
-                        </a:rPr>
-                        <a:t>작성자</a:t>
-                      </a:r>
-                      <a:endParaRPr lang="ko-KR" altLang="en-US" sz="1000" b="0" dirty="0">
-                        <a:solidFill>
-                          <a:schemeClr val="tx1"/>
-                        </a:solidFill>
-                        <a:latin typeface="+mn-ea"/>
-                        <a:ea typeface="+mn-ea"/>
-                      </a:endParaRPr>
-                    </a:p>
-                  </a:txBody>
-                  <a:tcPr anchor="ctr">
-                    <a:lnL w="12700" cap="flat" cmpd="sng" algn="ctr">
-                      <a:solidFill>
-                        <a:schemeClr val="bg1">
-                          <a:lumMod val="65000"/>
-                        </a:schemeClr>
-                      </a:solidFill>
-                      <a:prstDash val="solid"/>
-                      <a:round/>
-                    </a:lnL>
-                    <a:lnR w="12700" cap="flat" cmpd="sng" algn="ctr">
-                      <a:solidFill>
-                        <a:schemeClr val="bg1">
-                          <a:lumMod val="65000"/>
-                        </a:schemeClr>
-                      </a:solidFill>
-                      <a:prstDash val="solid"/>
-                      <a:round/>
-                    </a:lnR>
-                    <a:lnT w="12700" cap="flat" cmpd="sng" algn="ctr">
-                      <a:solidFill>
-                        <a:schemeClr val="bg1">
-                          <a:lumMod val="65000"/>
-                        </a:schemeClr>
-                      </a:solidFill>
-                      <a:prstDash val="solid"/>
-                      <a:round/>
-                    </a:lnT>
-                    <a:lnB w="12700" cap="flat" cmpd="sng" algn="ctr">
-                      <a:solidFill>
-                        <a:schemeClr val="bg1">
-                          <a:lumMod val="65000"/>
-                        </a:schemeClr>
-                      </a:solidFill>
-                      <a:prstDash val="solid"/>
-                      <a:round/>
-                    </a:lnB>
-                    <a:solidFill>
-                      <a:schemeClr val="bg1">
-                        <a:lumMod val="85000"/>
-                      </a:schemeClr>
-                    </a:solidFill>
-                  </a:tcPr>
-                </a:tc>
-                <a:tc>
-                  <a:txBody>
-                    <a:bodyPr/>
-                    <a:lstStyle/>
-                    <a:p>
-                      <a:pPr latinLnBrk="1">
-                        <a:defRPr lang="ko-KR" altLang="en-US"/>
-                      </a:pPr>
-                      <a:endParaRPr lang="ko-KR" altLang="en-US" sz="1000" b="0" dirty="0">
-                        <a:solidFill>
-                          <a:schemeClr val="tx1"/>
-                        </a:solidFill>
-                        <a:latin typeface="+mn-ea"/>
-                        <a:ea typeface="+mn-ea"/>
-                      </a:endParaRPr>
-                    </a:p>
-                  </a:txBody>
-                  <a:tcPr anchor="ctr">
-                    <a:lnL w="12700" cap="flat" cmpd="sng" algn="ctr">
-                      <a:solidFill>
-                        <a:schemeClr val="bg1">
-                          <a:lumMod val="65000"/>
-                        </a:schemeClr>
-                      </a:solidFill>
-                      <a:prstDash val="solid"/>
-                      <a:round/>
-                      <a:headEnd type="none" w="med" len="med"/>
-                      <a:tailEnd type="none" w="med" len="med"/>
-                    </a:lnL>
-                    <a:lnR w="12700" cap="flat" cmpd="sng" algn="ctr">
-                      <a:solidFill>
-                        <a:schemeClr val="bg1">
-                          <a:lumMod val="65000"/>
-                        </a:schemeClr>
-                      </a:solidFill>
-                      <a:prstDash val="solid"/>
-                      <a:round/>
-                    </a:lnR>
-                    <a:lnT w="12700" cap="flat" cmpd="sng" algn="ctr">
-                      <a:solidFill>
-                        <a:schemeClr val="bg1">
-                          <a:lumMod val="65000"/>
-                        </a:schemeClr>
-                      </a:solidFill>
-                      <a:prstDash val="solid"/>
-                      <a:round/>
-                    </a:lnT>
-                    <a:lnB w="12700" cap="flat" cmpd="sng" algn="ctr">
-                      <a:solidFill>
-                        <a:schemeClr val="bg1">
-                          <a:lumMod val="65000"/>
-                        </a:schemeClr>
-                      </a:solidFill>
-                      <a:prstDash val="solid"/>
-                      <a:round/>
-                    </a:lnB>
-                    <a:noFill/>
-                  </a:tcPr>
-                </a:tc>
-                <a:extLst>
-                  <a:ext uri="{0D108BD9-81ED-4DB2-BD59-A6C34878D82A}">
-                    <a16:rowId xmlns:a16="http://schemas.microsoft.com/office/drawing/2014/main" xmlns="" val="10000"/>
+                    <a16:rowId xmlns="" xmlns:a16="http://schemas.microsoft.com/office/drawing/2014/main" val="10000"/>
                   </a:ext>
                 </a:extLst>
               </a:tr>
@@ -6166,1588 +3887,13 @@
           <p:nvPr>
             <p:extLst>
               <p:ext uri="{D42A27DB-BD31-4B8C-83A1-F6EECF244321}">
-                <p14:modId xmlns:p14="http://schemas.microsoft.com/office/powerpoint/2010/main" xmlns="" val="101464881"/>
+                <p14:modId xmlns:p14="http://schemas.microsoft.com/office/powerpoint/2010/main" val="4241608848"/>
               </p:ext>
             </p:extLst>
           </p:nvPr>
         </p:nvGraphicFramePr>
         <p:xfrm>
-          <a:off x="6781801" y="4845390"/>
-          <a:ext cx="2158313" cy="1798320"/>
-        </p:xfrm>
-        <a:graphic>
-          <a:graphicData uri="http://schemas.openxmlformats.org/drawingml/2006/table">
-            <a:tbl>
-              <a:tblPr firstRow="1" bandRow="1">
-                <a:tableStyleId>{F5AB1C69-6EDB-4FF4-983F-18BD219EF322}</a:tableStyleId>
-              </a:tblPr>
-              <a:tblGrid>
-                <a:gridCol w="2158313"/>
-              </a:tblGrid>
-              <a:tr h="170543">
-                <a:tc>
-                  <a:txBody>
-                    <a:bodyPr/>
-                    <a:lstStyle/>
-                    <a:p>
-                      <a:pPr algn="ctr" latinLnBrk="1"/>
-                      <a:r>
-                        <a:rPr lang="ko-KR" altLang="en-US" sz="1200" dirty="0" smtClean="0"/>
-                        <a:t>경로</a:t>
-                      </a:r>
-                      <a:endParaRPr lang="ko-KR" altLang="en-US" sz="1200" dirty="0"/>
-                    </a:p>
-                  </a:txBody>
-                  <a:tcPr marL="68580" marR="68580"/>
-                </a:tc>
-              </a:tr>
-              <a:tr h="170543">
-                <a:tc>
-                  <a:txBody>
-                    <a:bodyPr/>
-                    <a:lstStyle/>
-                    <a:p>
-                      <a:pPr latinLnBrk="1"/>
-                      <a:r>
-                        <a:rPr lang="en-US" altLang="ko-KR" sz="1200" dirty="0" smtClean="0"/>
-                        <a:t>Request</a:t>
-                      </a:r>
-                      <a:endParaRPr lang="ko-KR" altLang="en-US" sz="1200" dirty="0"/>
-                    </a:p>
-                  </a:txBody>
-                  <a:tcPr marL="68580" marR="68580"/>
-                </a:tc>
-              </a:tr>
-              <a:tr h="170543">
-                <a:tc>
-                  <a:txBody>
-                    <a:bodyPr/>
-                    <a:lstStyle/>
-                    <a:p>
-                      <a:pPr marL="0" marR="0" indent="0" algn="l" defTabSz="914400" rtl="0" eaLnBrk="1" fontAlgn="auto" latinLnBrk="1" hangingPunct="1">
-                        <a:lnSpc>
-                          <a:spcPct val="100000"/>
-                        </a:lnSpc>
-                        <a:spcBef>
-                          <a:spcPts val="0"/>
-                        </a:spcBef>
-                        <a:spcAft>
-                          <a:spcPts val="0"/>
-                        </a:spcAft>
-                        <a:buClrTx/>
-                        <a:buSzTx/>
-                        <a:buFontTx/>
-                        <a:buNone/>
-                        <a:tabLst/>
-                        <a:defRPr/>
-                      </a:pPr>
-                      <a:r>
-                        <a:rPr lang="en-US" altLang="ko-KR" sz="1000" dirty="0" smtClean="0"/>
-                        <a:t>/</a:t>
-                      </a:r>
-                      <a:r>
-                        <a:rPr lang="en-US" altLang="ko-KR" sz="1000" dirty="0" smtClean="0">
-                          <a:solidFill>
-                            <a:schemeClr val="tx1"/>
-                          </a:solidFill>
-                        </a:rPr>
-                        <a:t>pwSuccess</a:t>
-                      </a:r>
-                      <a:endParaRPr lang="ko-KR" altLang="en-US" sz="1000" dirty="0"/>
-                    </a:p>
-                  </a:txBody>
-                  <a:tcPr marL="68580" marR="68580"/>
-                </a:tc>
-              </a:tr>
-              <a:tr h="170543">
-                <a:tc>
-                  <a:txBody>
-                    <a:bodyPr/>
-                    <a:lstStyle/>
-                    <a:p>
-                      <a:pPr latinLnBrk="1"/>
-                      <a:r>
-                        <a:rPr lang="en-US" altLang="ko-KR" sz="1200" dirty="0" smtClean="0"/>
-                        <a:t>Controller</a:t>
-                      </a:r>
-                      <a:endParaRPr lang="ko-KR" altLang="en-US" sz="1200" dirty="0"/>
-                    </a:p>
-                  </a:txBody>
-                  <a:tcPr marL="68580" marR="68580"/>
-                </a:tc>
-              </a:tr>
-              <a:tr h="170543">
-                <a:tc>
-                  <a:txBody>
-                    <a:bodyPr/>
-                    <a:lstStyle/>
-                    <a:p>
-                      <a:pPr marL="0" marR="0" indent="0" algn="l" defTabSz="914400" rtl="0" eaLnBrk="1" fontAlgn="auto" latinLnBrk="1" hangingPunct="1">
-                        <a:lnSpc>
-                          <a:spcPct val="100000"/>
-                        </a:lnSpc>
-                        <a:spcBef>
-                          <a:spcPts val="0"/>
-                        </a:spcBef>
-                        <a:spcAft>
-                          <a:spcPts val="0"/>
-                        </a:spcAft>
-                        <a:buClrTx/>
-                        <a:buSzTx/>
-                        <a:buFontTx/>
-                        <a:buNone/>
-                        <a:tabLst/>
-                        <a:defRPr/>
-                      </a:pPr>
-                      <a:r>
-                        <a:rPr lang="en-US" altLang="ko-KR" sz="1000" dirty="0" smtClean="0"/>
-                        <a:t>loginController</a:t>
-                      </a:r>
-                      <a:endParaRPr lang="ko-KR" altLang="en-US" sz="1000" dirty="0" smtClean="0"/>
-                    </a:p>
-                  </a:txBody>
-                  <a:tcPr marL="68580" marR="68580"/>
-                </a:tc>
-              </a:tr>
-              <a:tr h="170543">
-                <a:tc>
-                  <a:txBody>
-                    <a:bodyPr/>
-                    <a:lstStyle/>
-                    <a:p>
-                      <a:pPr latinLnBrk="1"/>
-                      <a:r>
-                        <a:rPr lang="en-US" altLang="ko-KR" sz="1000" dirty="0" smtClean="0"/>
-                        <a:t>View</a:t>
-                      </a:r>
-                      <a:endParaRPr lang="ko-KR" altLang="en-US" sz="1000" dirty="0"/>
-                    </a:p>
-                  </a:txBody>
-                  <a:tcPr marL="68580" marR="68580"/>
-                </a:tc>
-              </a:tr>
-              <a:tr h="170543">
-                <a:tc>
-                  <a:txBody>
-                    <a:bodyPr/>
-                    <a:lstStyle/>
-                    <a:p>
-                      <a:pPr latinLnBrk="1"/>
-                      <a:r>
-                        <a:rPr lang="en-US" altLang="ko-KR" sz="1000" dirty="0" smtClean="0">
-                          <a:solidFill>
-                            <a:schemeClr val="tx1"/>
-                          </a:solidFill>
-                        </a:rPr>
-                        <a:t>pwSuccess.jsp</a:t>
-                      </a:r>
-                      <a:endParaRPr lang="ko-KR" altLang="en-US" sz="1000" dirty="0"/>
-                    </a:p>
-                  </a:txBody>
-                  <a:tcPr marL="68580" marR="68580"/>
-                </a:tc>
-              </a:tr>
-            </a:tbl>
-          </a:graphicData>
-        </a:graphic>
-      </p:graphicFrame>
-      <p:pic>
-        <p:nvPicPr>
-          <p:cNvPr id="5" name="Picture 2"/>
-          <p:cNvPicPr preferRelativeResize="0">
-            <a:picLocks noChangeArrowheads="1"/>
-          </p:cNvPicPr>
-          <p:nvPr/>
-        </p:nvPicPr>
-        <p:blipFill>
-          <a:blip r:embed="rId2">
-            <a:extLst>
-              <a:ext uri="{28A0092B-C50C-407E-A947-70E740481C1C}">
-                <a14:useLocalDpi xmlns:a14="http://schemas.microsoft.com/office/drawing/2010/main" xmlns="" val="0"/>
-              </a:ext>
-            </a:extLst>
-          </a:blip>
-          <a:srcRect/>
-          <a:stretch>
-            <a:fillRect/>
-          </a:stretch>
-        </p:blipFill>
-        <p:spPr bwMode="auto">
-          <a:xfrm>
-            <a:off x="500400" y="1918800"/>
-            <a:ext cx="5878800" cy="3600000"/>
-          </a:xfrm>
-          <a:prstGeom prst="rect">
-            <a:avLst/>
-          </a:prstGeom>
-          <a:noFill/>
-          <a:ln>
-            <a:noFill/>
-          </a:ln>
-          <a:effectLst/>
-          <a:extLst>
-            <a:ext uri="{909E8E84-426E-40DD-AFC4-6F175D3DCCD1}">
-              <a14:hiddenFill xmlns:a14="http://schemas.microsoft.com/office/drawing/2010/main" xmlns="">
-                <a:solidFill>
-                  <a:schemeClr val="accent1"/>
-                </a:solidFill>
-              </a14:hiddenFill>
-            </a:ext>
-            <a:ext uri="{91240B29-F687-4F45-9708-019B960494DF}">
-              <a14:hiddenLine xmlns:a14="http://schemas.microsoft.com/office/drawing/2010/main" xmlns="" w="9525">
-                <a:solidFill>
-                  <a:schemeClr val="tx1"/>
-                </a:solidFill>
-                <a:miter lim="800000"/>
-                <a:headEnd/>
-                <a:tailEnd/>
-              </a14:hiddenLine>
-            </a:ext>
-            <a:ext uri="{AF507438-7753-43E0-B8FC-AC1667EBCBE1}">
-              <a14:hiddenEffects xmlns:a14="http://schemas.microsoft.com/office/drawing/2010/main" xmlns="">
-                <a:effectLst>
-                  <a:outerShdw dist="35921" dir="2700000" algn="ctr" rotWithShape="0">
-                    <a:schemeClr val="bg2"/>
-                  </a:outerShdw>
-                </a:effectLst>
-              </a14:hiddenEffects>
-            </a:ext>
-          </a:extLst>
-        </p:spPr>
-      </p:pic>
-      <p:sp>
-        <p:nvSpPr>
-          <p:cNvPr id="6" name="TextBox 5"/>
-          <p:cNvSpPr txBox="1"/>
-          <p:nvPr/>
-        </p:nvSpPr>
-        <p:spPr>
-          <a:xfrm>
-            <a:off x="6749508" y="928671"/>
-            <a:ext cx="2237330" cy="1200329"/>
-          </a:xfrm>
-          <a:prstGeom prst="rect">
-            <a:avLst/>
-          </a:prstGeom>
-        </p:spPr>
-        <p:txBody>
-          <a:bodyPr wrap="square" rtlCol="0">
-            <a:spAutoFit/>
-          </a:bodyPr>
-          <a:lstStyle/>
-          <a:p>
-            <a:pPr marL="228600" indent="-228600"/>
-            <a:r>
-              <a:rPr lang="ko-KR" altLang="en-US" sz="900" dirty="0" smtClean="0"/>
-              <a:t>비밀번호 완료 후 보여주는 페이지</a:t>
-            </a:r>
-            <a:endParaRPr lang="en-US" altLang="ko-KR" sz="900" dirty="0" smtClean="0"/>
-          </a:p>
-          <a:p>
-            <a:pPr marL="228600" indent="-228600"/>
-            <a:endParaRPr lang="en-US" altLang="ko-KR" sz="900" dirty="0" smtClean="0"/>
-          </a:p>
-          <a:p>
-            <a:pPr marL="228600" indent="-228600">
-              <a:buAutoNum type="arabicPeriod"/>
-            </a:pPr>
-            <a:r>
-              <a:rPr lang="ko-KR" altLang="en-US" sz="900" dirty="0" smtClean="0"/>
-              <a:t>버튼을 누르면 로그인 페이지로 이동</a:t>
-            </a:r>
-            <a:endParaRPr lang="en-US" altLang="ko-KR" sz="900" dirty="0" smtClean="0"/>
-          </a:p>
-          <a:p>
-            <a:pPr marL="228600" indent="-228600">
-              <a:buAutoNum type="arabicPeriod"/>
-            </a:pPr>
-            <a:r>
-              <a:rPr lang="ko-KR" altLang="en-US" sz="900" dirty="0" smtClean="0"/>
-              <a:t>버튼을 누르면 아이디 찾기 페이지로 이동</a:t>
-            </a:r>
-            <a:endParaRPr lang="en-US" altLang="ko-KR" sz="900" dirty="0" smtClean="0"/>
-          </a:p>
-          <a:p>
-            <a:pPr marL="228600" indent="-228600"/>
-            <a:r>
-              <a:rPr lang="en-US" altLang="ko-KR" sz="900" dirty="0" smtClean="0"/>
-              <a:t>		</a:t>
-            </a:r>
-            <a:endParaRPr lang="ko-KR" altLang="en-US" sz="900" dirty="0" smtClean="0"/>
-          </a:p>
-          <a:p>
-            <a:endParaRPr lang="ko-KR" altLang="en-US" sz="900" dirty="0"/>
-          </a:p>
-        </p:txBody>
-      </p:sp>
-      <p:sp>
-        <p:nvSpPr>
-          <p:cNvPr id="7" name="직사각형 6"/>
-          <p:cNvSpPr/>
-          <p:nvPr/>
-        </p:nvSpPr>
-        <p:spPr>
-          <a:xfrm>
-            <a:off x="714347" y="3786190"/>
-            <a:ext cx="1428760" cy="1214446"/>
-          </a:xfrm>
-          <a:prstGeom prst="rect">
-            <a:avLst/>
-          </a:prstGeom>
-          <a:solidFill>
-            <a:schemeClr val="bg1"/>
-          </a:solidFill>
-          <a:ln>
-            <a:solidFill>
-              <a:schemeClr val="tx2">
-                <a:lumMod val="60000"/>
-                <a:lumOff val="40000"/>
-              </a:schemeClr>
-            </a:solidFill>
-          </a:ln>
-        </p:spPr>
-        <p:style>
-          <a:lnRef idx="2">
-            <a:schemeClr val="accent1">
-              <a:shade val="50000"/>
-            </a:schemeClr>
-          </a:lnRef>
-          <a:fillRef idx="1">
-            <a:schemeClr val="accent1"/>
-          </a:fillRef>
-          <a:effectRef idx="0">
-            <a:schemeClr val="accent1"/>
-          </a:effectRef>
-          <a:fontRef idx="minor">
-            <a:schemeClr val="lt1"/>
-          </a:fontRef>
-        </p:style>
-        <p:txBody>
-          <a:bodyPr rtlCol="0" anchor="ctr"/>
-          <a:lstStyle/>
-          <a:p>
-            <a:r>
-              <a:rPr lang="en-US" altLang="ko-KR" sz="1000" dirty="0" smtClean="0">
-                <a:solidFill>
-                  <a:schemeClr val="tx1"/>
-                </a:solidFill>
-              </a:rPr>
-              <a:t>1.</a:t>
-            </a:r>
-            <a:r>
-              <a:rPr lang="ko-KR" altLang="en-US" sz="1000" dirty="0" smtClean="0">
-                <a:solidFill>
-                  <a:schemeClr val="tx1"/>
-                </a:solidFill>
-              </a:rPr>
-              <a:t>요청</a:t>
-            </a:r>
-            <a:r>
-              <a:rPr lang="en-US" altLang="ko-KR" sz="1000" dirty="0" smtClean="0">
-                <a:solidFill>
-                  <a:schemeClr val="tx1"/>
-                </a:solidFill>
-              </a:rPr>
-              <a:t>: /loginFrm</a:t>
-            </a:r>
-          </a:p>
-          <a:p>
-            <a:r>
-              <a:rPr lang="en-US" altLang="ko-KR" sz="1000" dirty="0" smtClean="0">
-                <a:solidFill>
-                  <a:schemeClr val="tx1"/>
-                </a:solidFill>
-              </a:rPr>
-              <a:t>2.View: loginFrm.jsp</a:t>
-            </a:r>
-          </a:p>
-        </p:txBody>
-      </p:sp>
-      <p:cxnSp>
-        <p:nvCxnSpPr>
-          <p:cNvPr id="8" name="직선 화살표 연결선 7"/>
-          <p:cNvCxnSpPr>
-            <a:stCxn id="7" idx="0"/>
-          </p:cNvCxnSpPr>
-          <p:nvPr/>
-        </p:nvCxnSpPr>
-        <p:spPr>
-          <a:xfrm rot="5400000" flipH="1" flipV="1">
-            <a:off x="1863469" y="3220800"/>
-            <a:ext cx="130648" cy="1000133"/>
-          </a:xfrm>
-          <a:prstGeom prst="straightConnector1">
-            <a:avLst/>
-          </a:prstGeom>
-          <a:ln>
-            <a:tailEnd type="arrow"/>
-          </a:ln>
-        </p:spPr>
-        <p:style>
-          <a:lnRef idx="1">
-            <a:schemeClr val="accent1"/>
-          </a:lnRef>
-          <a:fillRef idx="0">
-            <a:schemeClr val="accent1"/>
-          </a:fillRef>
-          <a:effectRef idx="0">
-            <a:schemeClr val="accent1"/>
-          </a:effectRef>
-          <a:fontRef idx="minor">
-            <a:schemeClr val="tx1"/>
-          </a:fontRef>
-        </p:style>
-      </p:cxnSp>
-      <p:sp>
-        <p:nvSpPr>
-          <p:cNvPr id="9" name="타원 8"/>
-          <p:cNvSpPr/>
-          <p:nvPr/>
-        </p:nvSpPr>
-        <p:spPr>
-          <a:xfrm>
-            <a:off x="2428860" y="3429000"/>
-            <a:ext cx="339812" cy="453082"/>
-          </a:xfrm>
-          <a:prstGeom prst="ellipse">
-            <a:avLst/>
-          </a:prstGeom>
-        </p:spPr>
-        <p:style>
-          <a:lnRef idx="2">
-            <a:schemeClr val="accent5">
-              <a:shade val="50000"/>
-            </a:schemeClr>
-          </a:lnRef>
-          <a:fillRef idx="1">
-            <a:schemeClr val="accent5"/>
-          </a:fillRef>
-          <a:effectRef idx="0">
-            <a:schemeClr val="accent5"/>
-          </a:effectRef>
-          <a:fontRef idx="minor">
-            <a:schemeClr val="lt1"/>
-          </a:fontRef>
-        </p:style>
-        <p:txBody>
-          <a:bodyPr rtlCol="0" anchor="ctr"/>
-          <a:lstStyle/>
-          <a:p>
-            <a:pPr algn="ctr"/>
-            <a:r>
-              <a:rPr lang="en-US" altLang="ko-KR" dirty="0" smtClean="0"/>
-              <a:t>1</a:t>
-            </a:r>
-            <a:endParaRPr lang="ko-KR" altLang="en-US" dirty="0"/>
-          </a:p>
-        </p:txBody>
-      </p:sp>
-      <p:sp>
-        <p:nvSpPr>
-          <p:cNvPr id="10" name="직사각형 9"/>
-          <p:cNvSpPr/>
-          <p:nvPr/>
-        </p:nvSpPr>
-        <p:spPr>
-          <a:xfrm>
-            <a:off x="714347" y="5286388"/>
-            <a:ext cx="1428760" cy="1214446"/>
-          </a:xfrm>
-          <a:prstGeom prst="rect">
-            <a:avLst/>
-          </a:prstGeom>
-          <a:solidFill>
-            <a:schemeClr val="bg1"/>
-          </a:solidFill>
-          <a:ln>
-            <a:solidFill>
-              <a:schemeClr val="tx2">
-                <a:lumMod val="60000"/>
-                <a:lumOff val="40000"/>
-              </a:schemeClr>
-            </a:solidFill>
-          </a:ln>
-        </p:spPr>
-        <p:style>
-          <a:lnRef idx="2">
-            <a:schemeClr val="accent1">
-              <a:shade val="50000"/>
-            </a:schemeClr>
-          </a:lnRef>
-          <a:fillRef idx="1">
-            <a:schemeClr val="accent1"/>
-          </a:fillRef>
-          <a:effectRef idx="0">
-            <a:schemeClr val="accent1"/>
-          </a:effectRef>
-          <a:fontRef idx="minor">
-            <a:schemeClr val="lt1"/>
-          </a:fontRef>
-        </p:style>
-        <p:txBody>
-          <a:bodyPr rtlCol="0" anchor="ctr"/>
-          <a:lstStyle/>
-          <a:p>
-            <a:r>
-              <a:rPr lang="en-US" altLang="ko-KR" sz="1000" dirty="0" smtClean="0">
-                <a:solidFill>
-                  <a:schemeClr val="tx1"/>
-                </a:solidFill>
-              </a:rPr>
-              <a:t>1.</a:t>
-            </a:r>
-            <a:r>
-              <a:rPr lang="ko-KR" altLang="en-US" sz="1000" dirty="0" smtClean="0">
-                <a:solidFill>
-                  <a:schemeClr val="tx1"/>
-                </a:solidFill>
-              </a:rPr>
-              <a:t>요청</a:t>
-            </a:r>
-            <a:r>
-              <a:rPr lang="en-US" altLang="ko-KR" sz="1000" dirty="0" smtClean="0">
-                <a:solidFill>
-                  <a:schemeClr val="tx1"/>
-                </a:solidFill>
-              </a:rPr>
-              <a:t>: /idFindFrm</a:t>
-            </a:r>
-          </a:p>
-          <a:p>
-            <a:r>
-              <a:rPr lang="en-US" altLang="ko-KR" sz="1000" dirty="0" smtClean="0">
-                <a:solidFill>
-                  <a:schemeClr val="tx1"/>
-                </a:solidFill>
-              </a:rPr>
-              <a:t>2.View: idFindFrm.jsp</a:t>
-            </a:r>
-          </a:p>
-          <a:p>
-            <a:r>
-              <a:rPr lang="en-US" altLang="ko-KR" sz="1000" dirty="0" smtClean="0">
-                <a:solidFill>
-                  <a:schemeClr val="tx1"/>
-                </a:solidFill>
-              </a:rPr>
-              <a:t>(</a:t>
-            </a:r>
-            <a:r>
-              <a:rPr lang="ko-KR" altLang="en-US" sz="1000" dirty="0" smtClean="0">
-                <a:solidFill>
-                  <a:schemeClr val="tx1"/>
-                </a:solidFill>
-              </a:rPr>
-              <a:t>새창으로 열기</a:t>
-            </a:r>
-            <a:r>
-              <a:rPr lang="en-US" altLang="ko-KR" sz="1000" dirty="0" smtClean="0">
-                <a:solidFill>
-                  <a:schemeClr val="tx1"/>
-                </a:solidFill>
-              </a:rPr>
-              <a:t>)</a:t>
-            </a:r>
-          </a:p>
-        </p:txBody>
-      </p:sp>
-      <p:cxnSp>
-        <p:nvCxnSpPr>
-          <p:cNvPr id="11" name="직선 화살표 연결선 10"/>
-          <p:cNvCxnSpPr>
-            <a:stCxn id="10" idx="0"/>
-            <a:endCxn id="12" idx="4"/>
-          </p:cNvCxnSpPr>
-          <p:nvPr/>
-        </p:nvCxnSpPr>
-        <p:spPr>
-          <a:xfrm rot="5400000" flipH="1" flipV="1">
-            <a:off x="1561626" y="4249249"/>
-            <a:ext cx="904240" cy="1170039"/>
-          </a:xfrm>
-          <a:prstGeom prst="straightConnector1">
-            <a:avLst/>
-          </a:prstGeom>
-          <a:ln>
-            <a:tailEnd type="arrow"/>
-          </a:ln>
-        </p:spPr>
-        <p:style>
-          <a:lnRef idx="1">
-            <a:schemeClr val="accent1"/>
-          </a:lnRef>
-          <a:fillRef idx="0">
-            <a:schemeClr val="accent1"/>
-          </a:fillRef>
-          <a:effectRef idx="0">
-            <a:schemeClr val="accent1"/>
-          </a:effectRef>
-          <a:fontRef idx="minor">
-            <a:schemeClr val="tx1"/>
-          </a:fontRef>
-        </p:style>
-      </p:cxnSp>
-      <p:sp>
-        <p:nvSpPr>
-          <p:cNvPr id="12" name="타원 11"/>
-          <p:cNvSpPr/>
-          <p:nvPr/>
-        </p:nvSpPr>
-        <p:spPr>
-          <a:xfrm>
-            <a:off x="2428860" y="3929066"/>
-            <a:ext cx="339812" cy="453082"/>
-          </a:xfrm>
-          <a:prstGeom prst="ellipse">
-            <a:avLst/>
-          </a:prstGeom>
-        </p:spPr>
-        <p:style>
-          <a:lnRef idx="2">
-            <a:schemeClr val="accent5">
-              <a:shade val="50000"/>
-            </a:schemeClr>
-          </a:lnRef>
-          <a:fillRef idx="1">
-            <a:schemeClr val="accent5"/>
-          </a:fillRef>
-          <a:effectRef idx="0">
-            <a:schemeClr val="accent5"/>
-          </a:effectRef>
-          <a:fontRef idx="minor">
-            <a:schemeClr val="lt1"/>
-          </a:fontRef>
-        </p:style>
-        <p:txBody>
-          <a:bodyPr rtlCol="0" anchor="ctr"/>
-          <a:lstStyle/>
-          <a:p>
-            <a:pPr algn="ctr"/>
-            <a:r>
-              <a:rPr lang="en-US" altLang="ko-KR" dirty="0" smtClean="0"/>
-              <a:t>2</a:t>
-            </a:r>
-            <a:endParaRPr lang="ko-KR" altLang="en-US" dirty="0"/>
-          </a:p>
-        </p:txBody>
-      </p:sp>
-    </p:spTree>
-    <p:extLst>
-      <p:ext uri="{BB962C8B-B14F-4D97-AF65-F5344CB8AC3E}">
-        <p14:creationId xmlns:p14="http://schemas.microsoft.com/office/powerpoint/2010/main" xmlns="" val="789187421"/>
-      </p:ext>
-    </p:extLst>
-  </p:cSld>
-  <p:clrMapOvr>
-    <a:masterClrMapping/>
-  </p:clrMapOvr>
-  <p:transition/>
-  <p:timing>
-    <p:tnLst>
-      <p:par>
-        <p:cTn id="1" dur="indefinite" restart="never" nodeType="tmRoot"/>
-      </p:par>
-    </p:tnLst>
-  </p:timing>
-</p:sld>
-</file>
-
-<file path=ppt/slides/slide2.xml><?xml version="1.0" encoding="utf-8"?>
-<p:sld xmlns:a="http://schemas.openxmlformats.org/drawingml/2006/main" xmlns:r="http://schemas.openxmlformats.org/officeDocument/2006/relationships" xmlns:p="http://schemas.openxmlformats.org/presentationml/2006/main">
-  <p:cSld>
-    <p:spTree>
-      <p:nvGrpSpPr>
-        <p:cNvPr id="1" name=""/>
-        <p:cNvGrpSpPr/>
-        <p:nvPr/>
-      </p:nvGrpSpPr>
-      <p:grpSpPr>
-        <a:xfrm>
-          <a:off x="0" y="0"/>
-          <a:ext cx="0" cy="0"/>
-          <a:chOff x="0" y="0"/>
-          <a:chExt cx="0" cy="0"/>
-        </a:xfrm>
-      </p:grpSpPr>
-      <p:pic>
-        <p:nvPicPr>
-          <p:cNvPr id="1026" name="Picture 2" descr="C:\Users\hong\Desktop\sb.png"/>
-          <p:cNvPicPr>
-            <a:picLocks noChangeAspect="1" noChangeArrowheads="1"/>
-          </p:cNvPicPr>
-          <p:nvPr/>
-        </p:nvPicPr>
-        <p:blipFill>
-          <a:blip r:embed="rId2"/>
-          <a:srcRect/>
-          <a:stretch>
-            <a:fillRect/>
-          </a:stretch>
-        </p:blipFill>
-        <p:spPr bwMode="auto">
-          <a:xfrm>
-            <a:off x="-442913" y="-319088"/>
-            <a:ext cx="10029826" cy="7496176"/>
-          </a:xfrm>
-          <a:prstGeom prst="rect">
-            <a:avLst/>
-          </a:prstGeom>
-          <a:noFill/>
-        </p:spPr>
-      </p:pic>
-    </p:spTree>
-  </p:cSld>
-  <p:clrMapOvr>
-    <a:masterClrMapping/>
-  </p:clrMapOvr>
-</p:sld>
-</file>
-
-<file path=ppt/slides/slide3.xml><?xml version="1.0" encoding="utf-8"?>
-<p:sld xmlns:a="http://schemas.openxmlformats.org/drawingml/2006/main" xmlns:r="http://schemas.openxmlformats.org/officeDocument/2006/relationships" xmlns:p="http://schemas.openxmlformats.org/presentationml/2006/main">
-  <p:cSld>
-    <p:spTree>
-      <p:nvGrpSpPr>
-        <p:cNvPr id="1" name=""/>
-        <p:cNvGrpSpPr/>
-        <p:nvPr/>
-      </p:nvGrpSpPr>
-      <p:grpSpPr>
-        <a:xfrm>
-          <a:off x="0" y="0"/>
-          <a:ext cx="0" cy="0"/>
-          <a:chOff x="0" y="0"/>
-          <a:chExt cx="0" cy="0"/>
-        </a:xfrm>
-      </p:grpSpPr>
-      <p:graphicFrame>
-        <p:nvGraphicFramePr>
-          <p:cNvPr id="34" name="표 33"/>
-          <p:cNvGraphicFramePr>
-            <a:graphicFrameLocks noGrp="1"/>
-          </p:cNvGraphicFramePr>
-          <p:nvPr>
-            <p:extLst>
-              <p:ext uri="{D42A27DB-BD31-4B8C-83A1-F6EECF244321}">
-                <p14:modId xmlns:p14="http://schemas.microsoft.com/office/powerpoint/2010/main" xmlns="" val="2445248753"/>
-              </p:ext>
-            </p:extLst>
-          </p:nvPr>
-        </p:nvGraphicFramePr>
-        <p:xfrm>
-          <a:off x="177211" y="590532"/>
-          <a:ext cx="8795341" cy="6038869"/>
-        </p:xfrm>
-        <a:graphic>
-          <a:graphicData uri="http://schemas.openxmlformats.org/drawingml/2006/table">
-            <a:tbl>
-              <a:tblPr firstRow="1" bandRow="1">
-                <a:tableStyleId>{5C22544A-7EE6-4342-B048-85BDC9FD1C3A}</a:tableStyleId>
-              </a:tblPr>
-              <a:tblGrid>
-                <a:gridCol w="6587921">
-                  <a:extLst>
-                    <a:ext uri="{9D8B030D-6E8A-4147-A177-3AD203B41FA5}">
-                      <a16:colId xmlns:a16="http://schemas.microsoft.com/office/drawing/2014/main" xmlns="" val="20000"/>
-                    </a:ext>
-                  </a:extLst>
-                </a:gridCol>
-                <a:gridCol w="2207420"/>
-              </a:tblGrid>
-              <a:tr h="339580">
-                <a:tc>
-                  <a:txBody>
-                    <a:bodyPr/>
-                    <a:lstStyle/>
-                    <a:p>
-                      <a:pPr algn="ctr" latinLnBrk="1">
-                        <a:defRPr lang="ko-KR" altLang="en-US"/>
-                      </a:pPr>
-                      <a:r>
-                        <a:rPr lang="ko-KR" altLang="en-US" sz="1000" b="0" dirty="0" smtClean="0">
-                          <a:solidFill>
-                            <a:schemeClr val="tx1"/>
-                          </a:solidFill>
-                          <a:latin typeface="+mn-ea"/>
-                          <a:ea typeface="+mn-ea"/>
-                        </a:rPr>
-                        <a:t>화면 구성</a:t>
-                      </a:r>
-                      <a:endParaRPr lang="ko-KR" altLang="en-US" sz="1000" b="0" dirty="0">
-                        <a:solidFill>
-                          <a:schemeClr val="tx1"/>
-                        </a:solidFill>
-                        <a:latin typeface="+mn-ea"/>
-                        <a:ea typeface="+mn-ea"/>
-                      </a:endParaRPr>
-                    </a:p>
-                  </a:txBody>
-                  <a:tcPr anchor="ctr">
-                    <a:lnL w="12700" cap="flat" cmpd="sng" algn="ctr">
-                      <a:solidFill>
-                        <a:schemeClr val="bg1">
-                          <a:lumMod val="65000"/>
-                        </a:schemeClr>
-                      </a:solidFill>
-                      <a:prstDash val="solid"/>
-                      <a:round/>
-                    </a:lnL>
-                    <a:lnR w="12700" cap="flat" cmpd="sng" algn="ctr">
-                      <a:solidFill>
-                        <a:schemeClr val="bg1">
-                          <a:lumMod val="65000"/>
-                        </a:schemeClr>
-                      </a:solidFill>
-                      <a:prstDash val="solid"/>
-                      <a:round/>
-                      <a:headEnd type="none" w="med" len="med"/>
-                      <a:tailEnd type="none" w="med" len="med"/>
-                    </a:lnR>
-                    <a:lnT w="12700" cap="flat" cmpd="sng" algn="ctr">
-                      <a:solidFill>
-                        <a:schemeClr val="bg1">
-                          <a:lumMod val="65000"/>
-                        </a:schemeClr>
-                      </a:solidFill>
-                      <a:prstDash val="solid"/>
-                      <a:round/>
-                    </a:lnT>
-                    <a:lnB w="12700" cap="flat" cmpd="sng" algn="ctr">
-                      <a:solidFill>
-                        <a:schemeClr val="bg1">
-                          <a:lumMod val="65000"/>
-                        </a:schemeClr>
-                      </a:solidFill>
-                      <a:prstDash val="solid"/>
-                      <a:round/>
-                      <a:headEnd type="none" w="med" len="med"/>
-                      <a:tailEnd type="none" w="med" len="med"/>
-                    </a:lnB>
-                    <a:solidFill>
-                      <a:schemeClr val="bg1">
-                        <a:lumMod val="85000"/>
-                      </a:schemeClr>
-                    </a:solidFill>
-                  </a:tcPr>
-                </a:tc>
-                <a:tc>
-                  <a:txBody>
-                    <a:bodyPr/>
-                    <a:lstStyle/>
-                    <a:p>
-                      <a:pPr algn="ctr" latinLnBrk="1">
-                        <a:defRPr lang="ko-KR" altLang="en-US"/>
-                      </a:pPr>
-                      <a:r>
-                        <a:rPr lang="ko-KR" altLang="en-US" sz="1000" b="0" dirty="0" smtClean="0">
-                          <a:solidFill>
-                            <a:schemeClr val="tx1"/>
-                          </a:solidFill>
-                          <a:latin typeface="+mn-ea"/>
-                          <a:ea typeface="+mn-ea"/>
-                        </a:rPr>
-                        <a:t>화면 설명</a:t>
-                      </a:r>
-                      <a:endParaRPr lang="ko-KR" altLang="en-US" sz="1000" b="0" dirty="0">
-                        <a:solidFill>
-                          <a:schemeClr val="tx1"/>
-                        </a:solidFill>
-                        <a:latin typeface="+mn-ea"/>
-                        <a:ea typeface="+mn-ea"/>
-                      </a:endParaRPr>
-                    </a:p>
-                  </a:txBody>
-                  <a:tcPr anchor="ctr">
-                    <a:lnL w="12700" cap="flat" cmpd="sng" algn="ctr">
-                      <a:solidFill>
-                        <a:schemeClr val="bg1">
-                          <a:lumMod val="65000"/>
-                        </a:schemeClr>
-                      </a:solidFill>
-                      <a:prstDash val="solid"/>
-                      <a:round/>
-                    </a:lnL>
-                    <a:lnR w="12700" cap="flat" cmpd="sng" algn="ctr">
-                      <a:solidFill>
-                        <a:schemeClr val="bg1">
-                          <a:lumMod val="65000"/>
-                        </a:schemeClr>
-                      </a:solidFill>
-                      <a:prstDash val="solid"/>
-                      <a:round/>
-                    </a:lnR>
-                    <a:lnT w="12700" cap="flat" cmpd="sng" algn="ctr">
-                      <a:solidFill>
-                        <a:schemeClr val="bg1">
-                          <a:lumMod val="65000"/>
-                        </a:schemeClr>
-                      </a:solidFill>
-                      <a:prstDash val="solid"/>
-                      <a:round/>
-                    </a:lnT>
-                    <a:lnB w="12700" cap="flat" cmpd="sng" algn="ctr">
-                      <a:solidFill>
-                        <a:schemeClr val="bg1">
-                          <a:lumMod val="65000"/>
-                        </a:schemeClr>
-                      </a:solidFill>
-                      <a:prstDash val="solid"/>
-                      <a:round/>
-                      <a:headEnd type="none" w="med" len="med"/>
-                      <a:tailEnd type="none" w="med" len="med"/>
-                    </a:lnB>
-                    <a:solidFill>
-                      <a:schemeClr val="bg1">
-                        <a:lumMod val="85000"/>
-                      </a:schemeClr>
-                    </a:solidFill>
-                  </a:tcPr>
-                </a:tc>
-                <a:extLst>
-                  <a:ext uri="{0D108BD9-81ED-4DB2-BD59-A6C34878D82A}">
-                    <a16:rowId xmlns:a16="http://schemas.microsoft.com/office/drawing/2014/main" xmlns="" val="10000"/>
-                  </a:ext>
-                </a:extLst>
-              </a:tr>
-              <a:tr h="5699289">
-                <a:tc>
-                  <a:txBody>
-                    <a:bodyPr/>
-                    <a:lstStyle/>
-                    <a:p>
-                      <a:pPr algn="ctr" latinLnBrk="1">
-                        <a:defRPr lang="ko-KR" altLang="en-US"/>
-                      </a:pPr>
-                      <a:endParaRPr lang="ko-KR" altLang="en-US" sz="1000" b="0" dirty="0">
-                        <a:solidFill>
-                          <a:schemeClr val="tx1"/>
-                        </a:solidFill>
-                        <a:latin typeface="+mn-ea"/>
-                        <a:ea typeface="+mn-ea"/>
-                      </a:endParaRPr>
-                    </a:p>
-                  </a:txBody>
-                  <a:tcPr anchor="ctr">
-                    <a:lnL w="12700" cap="flat" cmpd="sng" algn="ctr">
-                      <a:solidFill>
-                        <a:schemeClr val="bg1">
-                          <a:lumMod val="65000"/>
-                        </a:schemeClr>
-                      </a:solidFill>
-                      <a:prstDash val="solid"/>
-                      <a:round/>
-                    </a:lnL>
-                    <a:lnR w="12700" cap="flat" cmpd="sng" algn="ctr">
-                      <a:solidFill>
-                        <a:schemeClr val="bg1">
-                          <a:lumMod val="65000"/>
-                        </a:schemeClr>
-                      </a:solidFill>
-                      <a:prstDash val="solid"/>
-                      <a:round/>
-                      <a:headEnd type="none" w="med" len="med"/>
-                      <a:tailEnd type="none" w="med" len="med"/>
-                    </a:lnR>
-                    <a:lnT w="12700" cap="flat" cmpd="sng" algn="ctr">
-                      <a:solidFill>
-                        <a:schemeClr val="bg1">
-                          <a:lumMod val="65000"/>
-                        </a:schemeClr>
-                      </a:solidFill>
-                      <a:prstDash val="solid"/>
-                      <a:round/>
-                    </a:lnT>
-                    <a:lnB w="12700" cap="flat" cmpd="sng" algn="ctr">
-                      <a:solidFill>
-                        <a:schemeClr val="bg1">
-                          <a:lumMod val="65000"/>
-                        </a:schemeClr>
-                      </a:solidFill>
-                      <a:prstDash val="solid"/>
-                      <a:round/>
-                      <a:headEnd type="none" w="med" len="med"/>
-                      <a:tailEnd type="none" w="med" len="med"/>
-                    </a:lnB>
-                    <a:noFill/>
-                  </a:tcPr>
-                </a:tc>
-                <a:tc>
-                  <a:txBody>
-                    <a:bodyPr/>
-                    <a:lstStyle/>
-                    <a:p>
-                      <a:pPr algn="ctr" latinLnBrk="1">
-                        <a:defRPr lang="ko-KR" altLang="en-US"/>
-                      </a:pPr>
-                      <a:endParaRPr lang="ko-KR" altLang="en-US" sz="1000" b="0" dirty="0">
-                        <a:solidFill>
-                          <a:schemeClr val="tx1"/>
-                        </a:solidFill>
-                        <a:latin typeface="+mn-ea"/>
-                        <a:ea typeface="+mn-ea"/>
-                      </a:endParaRPr>
-                    </a:p>
-                  </a:txBody>
-                  <a:tcPr anchor="ctr">
-                    <a:lnL w="12700" cap="flat" cmpd="sng" algn="ctr">
-                      <a:solidFill>
-                        <a:schemeClr val="bg1">
-                          <a:lumMod val="65000"/>
-                        </a:schemeClr>
-                      </a:solidFill>
-                      <a:prstDash val="solid"/>
-                      <a:round/>
-                      <a:headEnd type="none" w="med" len="med"/>
-                      <a:tailEnd type="none" w="med" len="med"/>
-                    </a:lnL>
-                    <a:lnR w="12700" cap="flat" cmpd="sng" algn="ctr">
-                      <a:solidFill>
-                        <a:schemeClr val="bg1">
-                          <a:lumMod val="65000"/>
-                        </a:schemeClr>
-                      </a:solidFill>
-                      <a:prstDash val="solid"/>
-                      <a:round/>
-                    </a:lnR>
-                    <a:lnT w="12700" cap="flat" cmpd="sng" algn="ctr">
-                      <a:solidFill>
-                        <a:schemeClr val="bg1">
-                          <a:lumMod val="65000"/>
-                        </a:schemeClr>
-                      </a:solidFill>
-                      <a:prstDash val="solid"/>
-                      <a:round/>
-                    </a:lnT>
-                    <a:lnB w="12700" cap="flat" cmpd="sng" algn="ctr">
-                      <a:solidFill>
-                        <a:schemeClr val="bg1">
-                          <a:lumMod val="65000"/>
-                        </a:schemeClr>
-                      </a:solidFill>
-                      <a:prstDash val="solid"/>
-                      <a:round/>
-                      <a:headEnd type="none" w="med" len="med"/>
-                      <a:tailEnd type="none" w="med" len="med"/>
-                    </a:lnB>
-                    <a:noFill/>
-                  </a:tcPr>
-                </a:tc>
-              </a:tr>
-            </a:tbl>
-          </a:graphicData>
-        </a:graphic>
-      </p:graphicFrame>
-      <p:graphicFrame>
-        <p:nvGraphicFramePr>
-          <p:cNvPr id="26" name="표 25"/>
-          <p:cNvGraphicFramePr>
-            <a:graphicFrameLocks noGrp="1"/>
-          </p:cNvGraphicFramePr>
-          <p:nvPr>
-            <p:extLst>
-              <p:ext uri="{D42A27DB-BD31-4B8C-83A1-F6EECF244321}">
-                <p14:modId xmlns:p14="http://schemas.microsoft.com/office/powerpoint/2010/main" xmlns="" val="1790057861"/>
-              </p:ext>
-            </p:extLst>
-          </p:nvPr>
-        </p:nvGraphicFramePr>
-        <p:xfrm>
-          <a:off x="177212" y="214290"/>
-          <a:ext cx="8795338" cy="370840"/>
-        </p:xfrm>
-        <a:graphic>
-          <a:graphicData uri="http://schemas.openxmlformats.org/drawingml/2006/table">
-            <a:tbl>
-              <a:tblPr firstRow="1" bandRow="1">
-                <a:tableStyleId>{5C22544A-7EE6-4342-B048-85BDC9FD1C3A}</a:tableStyleId>
-              </a:tblPr>
-              <a:tblGrid>
-                <a:gridCol w="1380432">
-                  <a:extLst>
-                    <a:ext uri="{9D8B030D-6E8A-4147-A177-3AD203B41FA5}">
-                      <a16:colId xmlns:a16="http://schemas.microsoft.com/office/drawing/2014/main" xmlns="" val="20000"/>
-                    </a:ext>
-                  </a:extLst>
-                </a:gridCol>
-                <a:gridCol w="2195892">
-                  <a:extLst>
-                    <a:ext uri="{9D8B030D-6E8A-4147-A177-3AD203B41FA5}">
-                      <a16:colId xmlns:a16="http://schemas.microsoft.com/office/drawing/2014/main" xmlns="" val="20001"/>
-                    </a:ext>
-                  </a:extLst>
-                </a:gridCol>
-                <a:gridCol w="1086007">
-                  <a:extLst>
-                    <a:ext uri="{9D8B030D-6E8A-4147-A177-3AD203B41FA5}">
-                      <a16:colId xmlns:a16="http://schemas.microsoft.com/office/drawing/2014/main" xmlns="" val="20002"/>
-                    </a:ext>
-                  </a:extLst>
-                </a:gridCol>
-                <a:gridCol w="1927970">
-                  <a:extLst>
-                    <a:ext uri="{9D8B030D-6E8A-4147-A177-3AD203B41FA5}">
-                      <a16:colId xmlns:a16="http://schemas.microsoft.com/office/drawing/2014/main" xmlns="" val="20003"/>
-                    </a:ext>
-                  </a:extLst>
-                </a:gridCol>
-                <a:gridCol w="1233488">
-                  <a:extLst>
-                    <a:ext uri="{9D8B030D-6E8A-4147-A177-3AD203B41FA5}">
-                      <a16:colId xmlns:a16="http://schemas.microsoft.com/office/drawing/2014/main" xmlns="" val="20004"/>
-                    </a:ext>
-                  </a:extLst>
-                </a:gridCol>
-                <a:gridCol w="971549">
-                  <a:extLst>
-                    <a:ext uri="{9D8B030D-6E8A-4147-A177-3AD203B41FA5}">
-                      <a16:colId xmlns:a16="http://schemas.microsoft.com/office/drawing/2014/main" xmlns="" val="20006"/>
-                    </a:ext>
-                  </a:extLst>
-                </a:gridCol>
-              </a:tblGrid>
-              <a:tr h="370840">
-                <a:tc>
-                  <a:txBody>
-                    <a:bodyPr/>
-                    <a:lstStyle/>
-                    <a:p>
-                      <a:pPr algn="ctr" latinLnBrk="1">
-                        <a:defRPr lang="ko-KR" altLang="en-US"/>
-                      </a:pPr>
-                      <a:r>
-                        <a:rPr lang="ko-KR" altLang="en-US" sz="1000" b="0" dirty="0" smtClean="0">
-                          <a:solidFill>
-                            <a:schemeClr val="tx1"/>
-                          </a:solidFill>
-                          <a:latin typeface="+mn-ea"/>
-                          <a:ea typeface="+mn-ea"/>
-                        </a:rPr>
-                        <a:t>프로젝트 명 </a:t>
-                      </a:r>
-                      <a:endParaRPr lang="ko-KR" altLang="en-US" sz="1000" b="0" dirty="0">
-                        <a:solidFill>
-                          <a:schemeClr val="tx1"/>
-                        </a:solidFill>
-                        <a:latin typeface="+mn-ea"/>
-                        <a:ea typeface="+mn-ea"/>
-                      </a:endParaRPr>
-                    </a:p>
-                  </a:txBody>
-                  <a:tcPr anchor="ctr">
-                    <a:lnL w="12700" cap="flat" cmpd="sng" algn="ctr">
-                      <a:solidFill>
-                        <a:schemeClr val="bg1">
-                          <a:lumMod val="65000"/>
-                        </a:schemeClr>
-                      </a:solidFill>
-                      <a:prstDash val="solid"/>
-                      <a:round/>
-                    </a:lnL>
-                    <a:lnR w="12700" cap="flat" cmpd="sng" algn="ctr">
-                      <a:solidFill>
-                        <a:schemeClr val="bg1">
-                          <a:lumMod val="65000"/>
-                        </a:schemeClr>
-                      </a:solidFill>
-                      <a:prstDash val="solid"/>
-                      <a:round/>
-                    </a:lnR>
-                    <a:lnT w="12700" cap="flat" cmpd="sng" algn="ctr">
-                      <a:solidFill>
-                        <a:schemeClr val="bg1">
-                          <a:lumMod val="65000"/>
-                        </a:schemeClr>
-                      </a:solidFill>
-                      <a:prstDash val="solid"/>
-                      <a:round/>
-                    </a:lnT>
-                    <a:lnB w="12700" cap="flat" cmpd="sng" algn="ctr">
-                      <a:solidFill>
-                        <a:schemeClr val="bg1">
-                          <a:lumMod val="65000"/>
-                        </a:schemeClr>
-                      </a:solidFill>
-                      <a:prstDash val="solid"/>
-                      <a:round/>
-                    </a:lnB>
-                    <a:solidFill>
-                      <a:schemeClr val="bg1">
-                        <a:lumMod val="85000"/>
-                      </a:schemeClr>
-                    </a:solidFill>
-                  </a:tcPr>
-                </a:tc>
-                <a:tc>
-                  <a:txBody>
-                    <a:bodyPr/>
-                    <a:lstStyle/>
-                    <a:p>
-                      <a:pPr latinLnBrk="1">
-                        <a:defRPr lang="ko-KR" altLang="en-US"/>
-                      </a:pPr>
-                      <a:r>
-                        <a:rPr lang="en-US" altLang="ko-KR" sz="1000" b="0" dirty="0" smtClean="0">
-                          <a:solidFill>
-                            <a:schemeClr val="tx1"/>
-                          </a:solidFill>
-                          <a:latin typeface="+mn-ea"/>
-                          <a:ea typeface="+mn-ea"/>
-                        </a:rPr>
-                        <a:t>99s</a:t>
-                      </a:r>
-                      <a:endParaRPr lang="ko-KR" altLang="en-US" sz="1000" b="0" dirty="0">
-                        <a:solidFill>
-                          <a:schemeClr val="tx1"/>
-                        </a:solidFill>
-                        <a:latin typeface="+mn-ea"/>
-                        <a:ea typeface="+mn-ea"/>
-                      </a:endParaRPr>
-                    </a:p>
-                  </a:txBody>
-                  <a:tcPr anchor="ctr">
-                    <a:lnL w="12700" cap="flat" cmpd="sng" algn="ctr">
-                      <a:solidFill>
-                        <a:schemeClr val="bg1">
-                          <a:lumMod val="65000"/>
-                        </a:schemeClr>
-                      </a:solidFill>
-                      <a:prstDash val="solid"/>
-                      <a:round/>
-                    </a:lnL>
-                    <a:lnR w="12700" cap="flat" cmpd="sng" algn="ctr">
-                      <a:solidFill>
-                        <a:schemeClr val="bg1">
-                          <a:lumMod val="65000"/>
-                        </a:schemeClr>
-                      </a:solidFill>
-                      <a:prstDash val="solid"/>
-                      <a:round/>
-                    </a:lnR>
-                    <a:lnT w="12700" cap="flat" cmpd="sng" algn="ctr">
-                      <a:solidFill>
-                        <a:schemeClr val="bg1">
-                          <a:lumMod val="65000"/>
-                        </a:schemeClr>
-                      </a:solidFill>
-                      <a:prstDash val="solid"/>
-                      <a:round/>
-                    </a:lnT>
-                    <a:lnB w="12700" cap="flat" cmpd="sng" algn="ctr">
-                      <a:solidFill>
-                        <a:schemeClr val="bg1">
-                          <a:lumMod val="65000"/>
-                        </a:schemeClr>
-                      </a:solidFill>
-                      <a:prstDash val="solid"/>
-                      <a:round/>
-                    </a:lnB>
-                    <a:noFill/>
-                  </a:tcPr>
-                </a:tc>
-                <a:tc>
-                  <a:txBody>
-                    <a:bodyPr/>
-                    <a:lstStyle/>
-                    <a:p>
-                      <a:pPr algn="ctr" latinLnBrk="1">
-                        <a:defRPr lang="ko-KR" altLang="en-US"/>
-                      </a:pPr>
-                      <a:r>
-                        <a:rPr lang="ko-KR" altLang="en-US" sz="1000" b="0" dirty="0" smtClean="0">
-                          <a:solidFill>
-                            <a:schemeClr val="tx1"/>
-                          </a:solidFill>
-                          <a:latin typeface="+mn-ea"/>
-                          <a:ea typeface="+mn-ea"/>
-                        </a:rPr>
-                        <a:t>페이지 명</a:t>
-                      </a:r>
-                      <a:endParaRPr lang="ko-KR" altLang="en-US" sz="1000" b="0" dirty="0">
-                        <a:solidFill>
-                          <a:schemeClr val="tx1"/>
-                        </a:solidFill>
-                        <a:latin typeface="+mn-ea"/>
-                        <a:ea typeface="+mn-ea"/>
-                      </a:endParaRPr>
-                    </a:p>
-                  </a:txBody>
-                  <a:tcPr anchor="ctr">
-                    <a:lnL w="12700" cap="flat" cmpd="sng" algn="ctr">
-                      <a:solidFill>
-                        <a:schemeClr val="bg1">
-                          <a:lumMod val="65000"/>
-                        </a:schemeClr>
-                      </a:solidFill>
-                      <a:prstDash val="solid"/>
-                      <a:round/>
-                    </a:lnL>
-                    <a:lnR w="12700" cap="flat" cmpd="sng" algn="ctr">
-                      <a:solidFill>
-                        <a:schemeClr val="bg1">
-                          <a:lumMod val="65000"/>
-                        </a:schemeClr>
-                      </a:solidFill>
-                      <a:prstDash val="solid"/>
-                      <a:round/>
-                    </a:lnR>
-                    <a:lnT w="12700" cap="flat" cmpd="sng" algn="ctr">
-                      <a:solidFill>
-                        <a:schemeClr val="bg1">
-                          <a:lumMod val="65000"/>
-                        </a:schemeClr>
-                      </a:solidFill>
-                      <a:prstDash val="solid"/>
-                      <a:round/>
-                    </a:lnT>
-                    <a:lnB w="12700" cap="flat" cmpd="sng" algn="ctr">
-                      <a:solidFill>
-                        <a:schemeClr val="bg1">
-                          <a:lumMod val="65000"/>
-                        </a:schemeClr>
-                      </a:solidFill>
-                      <a:prstDash val="solid"/>
-                      <a:round/>
-                    </a:lnB>
-                    <a:solidFill>
-                      <a:schemeClr val="bg1">
-                        <a:lumMod val="85000"/>
-                      </a:schemeClr>
-                    </a:solidFill>
-                  </a:tcPr>
-                </a:tc>
-                <a:tc>
-                  <a:txBody>
-                    <a:bodyPr/>
-                    <a:lstStyle/>
-                    <a:p>
-                      <a:pPr latinLnBrk="1">
-                        <a:defRPr lang="ko-KR" altLang="en-US"/>
-                      </a:pPr>
-                      <a:r>
-                        <a:rPr lang="ko-KR" altLang="en-US" sz="1000" b="0" dirty="0" smtClean="0">
-                          <a:solidFill>
-                            <a:schemeClr val="tx1"/>
-                          </a:solidFill>
-                          <a:latin typeface="+mn-ea"/>
-                          <a:ea typeface="+mn-ea"/>
-                        </a:rPr>
-                        <a:t>회원가입</a:t>
-                      </a:r>
-                      <a:endParaRPr lang="ko-KR" altLang="en-US" sz="1000" b="0" dirty="0">
-                        <a:solidFill>
-                          <a:schemeClr val="tx1"/>
-                        </a:solidFill>
-                        <a:latin typeface="+mn-ea"/>
-                        <a:ea typeface="+mn-ea"/>
-                      </a:endParaRPr>
-                    </a:p>
-                  </a:txBody>
-                  <a:tcPr anchor="ctr">
-                    <a:lnL w="12700" cap="flat" cmpd="sng" algn="ctr">
-                      <a:solidFill>
-                        <a:schemeClr val="bg1">
-                          <a:lumMod val="65000"/>
-                        </a:schemeClr>
-                      </a:solidFill>
-                      <a:prstDash val="solid"/>
-                      <a:round/>
-                    </a:lnL>
-                    <a:lnR w="12700" cap="flat" cmpd="sng" algn="ctr">
-                      <a:solidFill>
-                        <a:schemeClr val="bg1">
-                          <a:lumMod val="65000"/>
-                        </a:schemeClr>
-                      </a:solidFill>
-                      <a:prstDash val="solid"/>
-                      <a:round/>
-                    </a:lnR>
-                    <a:lnT w="12700" cap="flat" cmpd="sng" algn="ctr">
-                      <a:solidFill>
-                        <a:schemeClr val="bg1">
-                          <a:lumMod val="65000"/>
-                        </a:schemeClr>
-                      </a:solidFill>
-                      <a:prstDash val="solid"/>
-                      <a:round/>
-                    </a:lnT>
-                    <a:lnB w="12700" cap="flat" cmpd="sng" algn="ctr">
-                      <a:solidFill>
-                        <a:schemeClr val="bg1">
-                          <a:lumMod val="65000"/>
-                        </a:schemeClr>
-                      </a:solidFill>
-                      <a:prstDash val="solid"/>
-                      <a:round/>
-                    </a:lnB>
-                    <a:noFill/>
-                  </a:tcPr>
-                </a:tc>
-                <a:tc>
-                  <a:txBody>
-                    <a:bodyPr/>
-                    <a:lstStyle/>
-                    <a:p>
-                      <a:pPr algn="ctr" latinLnBrk="1">
-                        <a:defRPr lang="ko-KR" altLang="en-US"/>
-                      </a:pPr>
-                      <a:r>
-                        <a:rPr lang="ko-KR" altLang="en-US" sz="1000" b="0" dirty="0" smtClean="0">
-                          <a:solidFill>
-                            <a:schemeClr val="tx1"/>
-                          </a:solidFill>
-                          <a:latin typeface="+mn-ea"/>
-                          <a:ea typeface="+mn-ea"/>
-                        </a:rPr>
-                        <a:t>작성자</a:t>
-                      </a:r>
-                      <a:endParaRPr lang="ko-KR" altLang="en-US" sz="1000" b="0" dirty="0">
-                        <a:solidFill>
-                          <a:schemeClr val="tx1"/>
-                        </a:solidFill>
-                        <a:latin typeface="+mn-ea"/>
-                        <a:ea typeface="+mn-ea"/>
-                      </a:endParaRPr>
-                    </a:p>
-                  </a:txBody>
-                  <a:tcPr anchor="ctr">
-                    <a:lnL w="12700" cap="flat" cmpd="sng" algn="ctr">
-                      <a:solidFill>
-                        <a:schemeClr val="bg1">
-                          <a:lumMod val="65000"/>
-                        </a:schemeClr>
-                      </a:solidFill>
-                      <a:prstDash val="solid"/>
-                      <a:round/>
-                    </a:lnL>
-                    <a:lnR w="12700" cap="flat" cmpd="sng" algn="ctr">
-                      <a:solidFill>
-                        <a:schemeClr val="bg1">
-                          <a:lumMod val="65000"/>
-                        </a:schemeClr>
-                      </a:solidFill>
-                      <a:prstDash val="solid"/>
-                      <a:round/>
-                    </a:lnR>
-                    <a:lnT w="12700" cap="flat" cmpd="sng" algn="ctr">
-                      <a:solidFill>
-                        <a:schemeClr val="bg1">
-                          <a:lumMod val="65000"/>
-                        </a:schemeClr>
-                      </a:solidFill>
-                      <a:prstDash val="solid"/>
-                      <a:round/>
-                    </a:lnT>
-                    <a:lnB w="12700" cap="flat" cmpd="sng" algn="ctr">
-                      <a:solidFill>
-                        <a:schemeClr val="bg1">
-                          <a:lumMod val="65000"/>
-                        </a:schemeClr>
-                      </a:solidFill>
-                      <a:prstDash val="solid"/>
-                      <a:round/>
-                    </a:lnB>
-                    <a:solidFill>
-                      <a:schemeClr val="bg1">
-                        <a:lumMod val="85000"/>
-                      </a:schemeClr>
-                    </a:solidFill>
-                  </a:tcPr>
-                </a:tc>
-                <a:tc>
-                  <a:txBody>
-                    <a:bodyPr/>
-                    <a:lstStyle/>
-                    <a:p>
-                      <a:pPr latinLnBrk="1">
-                        <a:defRPr lang="ko-KR" altLang="en-US"/>
-                      </a:pPr>
-                      <a:r>
-                        <a:rPr lang="ko-KR" altLang="en-US" sz="1000" b="0" dirty="0" smtClean="0">
-                          <a:solidFill>
-                            <a:schemeClr val="tx1"/>
-                          </a:solidFill>
-                          <a:latin typeface="+mn-ea"/>
-                          <a:ea typeface="+mn-ea"/>
-                        </a:rPr>
-                        <a:t>김아리</a:t>
-                      </a:r>
-                      <a:endParaRPr lang="ko-KR" altLang="en-US" sz="1000" b="0" dirty="0">
-                        <a:solidFill>
-                          <a:schemeClr val="tx1"/>
-                        </a:solidFill>
-                        <a:latin typeface="+mn-ea"/>
-                        <a:ea typeface="+mn-ea"/>
-                      </a:endParaRPr>
-                    </a:p>
-                  </a:txBody>
-                  <a:tcPr anchor="ctr">
-                    <a:lnL w="12700" cap="flat" cmpd="sng" algn="ctr">
-                      <a:solidFill>
-                        <a:schemeClr val="bg1">
-                          <a:lumMod val="65000"/>
-                        </a:schemeClr>
-                      </a:solidFill>
-                      <a:prstDash val="solid"/>
-                      <a:round/>
-                      <a:headEnd type="none" w="med" len="med"/>
-                      <a:tailEnd type="none" w="med" len="med"/>
-                    </a:lnL>
-                    <a:lnR w="12700" cap="flat" cmpd="sng" algn="ctr">
-                      <a:solidFill>
-                        <a:schemeClr val="bg1">
-                          <a:lumMod val="65000"/>
-                        </a:schemeClr>
-                      </a:solidFill>
-                      <a:prstDash val="solid"/>
-                      <a:round/>
-                    </a:lnR>
-                    <a:lnT w="12700" cap="flat" cmpd="sng" algn="ctr">
-                      <a:solidFill>
-                        <a:schemeClr val="bg1">
-                          <a:lumMod val="65000"/>
-                        </a:schemeClr>
-                      </a:solidFill>
-                      <a:prstDash val="solid"/>
-                      <a:round/>
-                    </a:lnT>
-                    <a:lnB w="12700" cap="flat" cmpd="sng" algn="ctr">
-                      <a:solidFill>
-                        <a:schemeClr val="bg1">
-                          <a:lumMod val="65000"/>
-                        </a:schemeClr>
-                      </a:solidFill>
-                      <a:prstDash val="solid"/>
-                      <a:round/>
-                    </a:lnB>
-                    <a:noFill/>
-                  </a:tcPr>
-                </a:tc>
-                <a:extLst>
-                  <a:ext uri="{0D108BD9-81ED-4DB2-BD59-A6C34878D82A}">
-                    <a16:rowId xmlns:a16="http://schemas.microsoft.com/office/drawing/2014/main" xmlns="" val="10000"/>
-                  </a:ext>
-                </a:extLst>
-              </a:tr>
-            </a:tbl>
-          </a:graphicData>
-        </a:graphic>
-      </p:graphicFrame>
-      <p:graphicFrame>
-        <p:nvGraphicFramePr>
-          <p:cNvPr id="23" name="표 22"/>
-          <p:cNvGraphicFramePr>
-            <a:graphicFrameLocks noGrp="1"/>
-          </p:cNvGraphicFramePr>
-          <p:nvPr>
-            <p:extLst>
-              <p:ext uri="{D42A27DB-BD31-4B8C-83A1-F6EECF244321}">
-                <p14:modId xmlns:p14="http://schemas.microsoft.com/office/powerpoint/2010/main" xmlns="" val="101464881"/>
-              </p:ext>
-            </p:extLst>
-          </p:nvPr>
-        </p:nvGraphicFramePr>
-        <p:xfrm>
-          <a:off x="6786578" y="4692990"/>
+          <a:off x="6786578" y="4869160"/>
           <a:ext cx="2158313" cy="1950720"/>
         </p:xfrm>
         <a:graphic>
@@ -7945,7 +4091,7 @@
         <p:spPr>
           <a:xfrm>
             <a:off x="6749508" y="928671"/>
-            <a:ext cx="2237330" cy="4278094"/>
+            <a:ext cx="2237330" cy="4416594"/>
           </a:xfrm>
           <a:prstGeom prst="rect">
             <a:avLst/>
@@ -8116,19 +4262,11 @@
             </a:pPr>
             <a:r>
               <a:rPr lang="ko-KR" altLang="en-US" sz="900" dirty="0" smtClean="0"/>
-              <a:t>버튼을 누르면 비밀번호와 비밀</a:t>
-            </a:r>
-            <a:endParaRPr lang="en-US" altLang="ko-KR" sz="900" dirty="0" smtClean="0"/>
-          </a:p>
-          <a:p>
-            <a:pPr marL="228600" indent="-228600"/>
-            <a:r>
-              <a:rPr lang="en-US" altLang="ko-KR" sz="900" dirty="0" smtClean="0"/>
-              <a:t>      </a:t>
+              <a:t>비밀번호를 입력하면 비밀번호와 비밀번호 </a:t>
             </a:r>
             <a:r>
               <a:rPr lang="ko-KR" altLang="en-US" sz="900" dirty="0" smtClean="0"/>
-              <a:t>번호 확인 란의 두 입력값이 일치하는 지 확인한다 </a:t>
+              <a:t>확인 란의 두 입력값이 일치하는 지 확인한다 </a:t>
             </a:r>
             <a:endParaRPr lang="en-US" altLang="ko-KR" sz="900" dirty="0" smtClean="0"/>
           </a:p>
@@ -8185,19 +4323,39 @@
             </a:pPr>
             <a:r>
               <a:rPr lang="ko-KR" altLang="en-US" sz="900" dirty="0" smtClean="0"/>
-              <a:t>버튼을 누르면 이메일 주소로 </a:t>
-            </a:r>
-            <a:endParaRPr lang="en-US" altLang="ko-KR" sz="900" dirty="0" smtClean="0"/>
-          </a:p>
-          <a:p>
-            <a:pPr marL="228600" indent="-228600"/>
-            <a:r>
-              <a:rPr lang="en-US" altLang="ko-KR" sz="900" dirty="0" smtClean="0"/>
-              <a:t>      </a:t>
+              <a:t>버튼을 누르면 </a:t>
             </a:r>
             <a:r>
               <a:rPr lang="ko-KR" altLang="en-US" sz="900" dirty="0" smtClean="0"/>
-              <a:t>인증번호가 발송 된다</a:t>
+              <a:t> </a:t>
+            </a:r>
+            <a:r>
+              <a:rPr lang="ko-KR" altLang="en-US" sz="900" dirty="0" err="1" smtClean="0"/>
+              <a:t>이메일</a:t>
+            </a:r>
+            <a:r>
+              <a:rPr lang="ko-KR" altLang="en-US" sz="900" dirty="0" smtClean="0"/>
+              <a:t> 중복을 확인 후 </a:t>
+            </a:r>
+            <a:r>
+              <a:rPr lang="ko-KR" altLang="en-US" sz="900" dirty="0" err="1" smtClean="0"/>
+              <a:t>이메일</a:t>
+            </a:r>
+            <a:r>
+              <a:rPr lang="ko-KR" altLang="en-US" sz="900" dirty="0" smtClean="0"/>
+              <a:t> </a:t>
+            </a:r>
+            <a:r>
+              <a:rPr lang="ko-KR" altLang="en-US" sz="900" dirty="0" smtClean="0"/>
+              <a:t>주소로 </a:t>
+            </a:r>
+            <a:r>
+              <a:rPr lang="ko-KR" altLang="en-US" sz="900" dirty="0" smtClean="0"/>
+              <a:t>인증번호가 </a:t>
+            </a:r>
+            <a:r>
+              <a:rPr lang="ko-KR" altLang="en-US" sz="900" dirty="0" smtClean="0"/>
+              <a:t>발송 된다</a:t>
             </a:r>
             <a:r>
               <a:rPr lang="en-US" altLang="ko-KR" sz="900" dirty="0" smtClean="0"/>
@@ -8487,7 +4645,7 @@
           <a:blip r:embed="rId2">
             <a:extLst>
               <a:ext uri="{28A0092B-C50C-407E-A947-70E740481C1C}">
-                <a14:useLocalDpi xmlns="" xmlns:a14="http://schemas.microsoft.com/office/drawing/2010/main" val="0"/>
+                <a14:useLocalDpi xmlns:a14="http://schemas.microsoft.com/office/drawing/2010/main" val="0"/>
               </a:ext>
             </a:extLst>
           </a:blip>
@@ -8511,14 +4669,14 @@
           <a:effectLst/>
           <a:extLst>
             <a:ext uri="{909E8E84-426E-40DD-AFC4-6F175D3DCCD1}">
-              <a14:hiddenFill xmlns="" xmlns:a14="http://schemas.microsoft.com/office/drawing/2010/main">
+              <a14:hiddenFill xmlns:a14="http://schemas.microsoft.com/office/drawing/2010/main">
                 <a:solidFill>
                   <a:schemeClr val="accent1"/>
                 </a:solidFill>
               </a14:hiddenFill>
             </a:ext>
             <a:ext uri="{91240B29-F687-4F45-9708-019B960494DF}">
-              <a14:hiddenLine xmlns="" xmlns:a14="http://schemas.microsoft.com/office/drawing/2010/main" w="9525">
+              <a14:hiddenLine xmlns:a14="http://schemas.microsoft.com/office/drawing/2010/main" w="9525">
                 <a:solidFill>
                   <a:schemeClr val="tx1"/>
                 </a:solidFill>
@@ -8528,7 +4686,7 @@
               </a14:hiddenLine>
             </a:ext>
             <a:ext uri="{AF507438-7753-43E0-B8FC-AC1667EBCBE1}">
-              <a14:hiddenEffects xmlns="" xmlns:a14="http://schemas.microsoft.com/office/drawing/2010/main">
+              <a14:hiddenEffects xmlns:a14="http://schemas.microsoft.com/office/drawing/2010/main">
                 <a:effectLst>
                   <a:outerShdw dist="35921" dir="2700000" algn="ctr" rotWithShape="0">
                     <a:schemeClr val="bg2"/>
@@ -9791,7 +5949,7 @@
     </p:spTree>
     <p:extLst>
       <p:ext uri="{BB962C8B-B14F-4D97-AF65-F5344CB8AC3E}">
-        <p14:creationId xmlns:p14="http://schemas.microsoft.com/office/powerpoint/2010/main" xmlns="" val="789187421"/>
+        <p14:creationId xmlns:p14="http://schemas.microsoft.com/office/powerpoint/2010/main" val="789187421"/>
       </p:ext>
     </p:extLst>
   </p:cSld>
@@ -9809,7 +5967,7 @@
 </p:sld>
 </file>
 
-<file path=ppt/slides/slide4.xml><?xml version="1.0" encoding="utf-8"?>
+<file path=ppt/slides/slide2.xml><?xml version="1.0" encoding="utf-8"?>
 <p:sld xmlns:a="http://schemas.openxmlformats.org/drawingml/2006/main" xmlns:r="http://schemas.openxmlformats.org/officeDocument/2006/relationships" xmlns:p="http://schemas.openxmlformats.org/presentationml/2006/main">
   <p:cSld>
     <p:spTree>
@@ -9835,7 +5993,7 @@
           <p:nvPr>
             <p:extLst>
               <p:ext uri="{D42A27DB-BD31-4B8C-83A1-F6EECF244321}">
-                <p14:modId xmlns:p14="http://schemas.microsoft.com/office/powerpoint/2010/main" xmlns="" val="2445248753"/>
+                <p14:modId xmlns:p14="http://schemas.microsoft.com/office/powerpoint/2010/main" val="2445248753"/>
               </p:ext>
             </p:extLst>
           </p:nvPr>
@@ -9854,7 +6012,7 @@
                 <a:gridCol w="6587921">
                   <a:extLst>
                     <a:ext uri="{9D8B030D-6E8A-4147-A177-3AD203B41FA5}">
-                      <a16:colId xmlns:a16="http://schemas.microsoft.com/office/drawing/2014/main" xmlns="" val="20000"/>
+                      <a16:colId xmlns="" xmlns:a16="http://schemas.microsoft.com/office/drawing/2014/main" val="20000"/>
                     </a:ext>
                   </a:extLst>
                 </a:gridCol>
@@ -10011,7 +6169,7 @@
                 </a:tc>
                 <a:extLst>
                   <a:ext uri="{0D108BD9-81ED-4DB2-BD59-A6C34878D82A}">
-                    <a16:rowId xmlns:a16="http://schemas.microsoft.com/office/drawing/2014/main" xmlns="" val="10000"/>
+                    <a16:rowId xmlns="" xmlns:a16="http://schemas.microsoft.com/office/drawing/2014/main" val="10000"/>
                   </a:ext>
                 </a:extLst>
               </a:tr>
@@ -10152,7 +6310,7 @@
           <p:nvPr>
             <p:extLst>
               <p:ext uri="{D42A27DB-BD31-4B8C-83A1-F6EECF244321}">
-                <p14:modId xmlns:p14="http://schemas.microsoft.com/office/powerpoint/2010/main" xmlns="" val="1790057861"/>
+                <p14:modId xmlns:p14="http://schemas.microsoft.com/office/powerpoint/2010/main" val="1790057861"/>
               </p:ext>
             </p:extLst>
           </p:nvPr>
@@ -10171,42 +6329,42 @@
                 <a:gridCol w="1380432">
                   <a:extLst>
                     <a:ext uri="{9D8B030D-6E8A-4147-A177-3AD203B41FA5}">
-                      <a16:colId xmlns:a16="http://schemas.microsoft.com/office/drawing/2014/main" xmlns="" val="20000"/>
+                      <a16:colId xmlns="" xmlns:a16="http://schemas.microsoft.com/office/drawing/2014/main" val="20000"/>
                     </a:ext>
                   </a:extLst>
                 </a:gridCol>
                 <a:gridCol w="2195892">
                   <a:extLst>
                     <a:ext uri="{9D8B030D-6E8A-4147-A177-3AD203B41FA5}">
-                      <a16:colId xmlns:a16="http://schemas.microsoft.com/office/drawing/2014/main" xmlns="" val="20001"/>
+                      <a16:colId xmlns="" xmlns:a16="http://schemas.microsoft.com/office/drawing/2014/main" val="20001"/>
                     </a:ext>
                   </a:extLst>
                 </a:gridCol>
                 <a:gridCol w="1086007">
                   <a:extLst>
                     <a:ext uri="{9D8B030D-6E8A-4147-A177-3AD203B41FA5}">
-                      <a16:colId xmlns:a16="http://schemas.microsoft.com/office/drawing/2014/main" xmlns="" val="20002"/>
+                      <a16:colId xmlns="" xmlns:a16="http://schemas.microsoft.com/office/drawing/2014/main" val="20002"/>
                     </a:ext>
                   </a:extLst>
                 </a:gridCol>
                 <a:gridCol w="1927970">
                   <a:extLst>
                     <a:ext uri="{9D8B030D-6E8A-4147-A177-3AD203B41FA5}">
-                      <a16:colId xmlns:a16="http://schemas.microsoft.com/office/drawing/2014/main" xmlns="" val="20003"/>
+                      <a16:colId xmlns="" xmlns:a16="http://schemas.microsoft.com/office/drawing/2014/main" val="20003"/>
                     </a:ext>
                   </a:extLst>
                 </a:gridCol>
                 <a:gridCol w="1233488">
                   <a:extLst>
                     <a:ext uri="{9D8B030D-6E8A-4147-A177-3AD203B41FA5}">
-                      <a16:colId xmlns:a16="http://schemas.microsoft.com/office/drawing/2014/main" xmlns="" val="20004"/>
+                      <a16:colId xmlns="" xmlns:a16="http://schemas.microsoft.com/office/drawing/2014/main" val="20004"/>
                     </a:ext>
                   </a:extLst>
                 </a:gridCol>
                 <a:gridCol w="971549">
                   <a:extLst>
                     <a:ext uri="{9D8B030D-6E8A-4147-A177-3AD203B41FA5}">
-                      <a16:colId xmlns:a16="http://schemas.microsoft.com/office/drawing/2014/main" xmlns="" val="20006"/>
+                      <a16:colId xmlns="" xmlns:a16="http://schemas.microsoft.com/office/drawing/2014/main" val="20006"/>
                     </a:ext>
                   </a:extLst>
                 </a:gridCol>
@@ -10637,7 +6795,7 @@
                 </a:tc>
                 <a:extLst>
                   <a:ext uri="{0D108BD9-81ED-4DB2-BD59-A6C34878D82A}">
-                    <a16:rowId xmlns:a16="http://schemas.microsoft.com/office/drawing/2014/main" xmlns="" val="10000"/>
+                    <a16:rowId xmlns="" xmlns:a16="http://schemas.microsoft.com/office/drawing/2014/main" val="10000"/>
                   </a:ext>
                 </a:extLst>
               </a:tr>
@@ -10654,7 +6812,7 @@
           <p:nvPr>
             <p:extLst>
               <p:ext uri="{D42A27DB-BD31-4B8C-83A1-F6EECF244321}">
-                <p14:modId xmlns:p14="http://schemas.microsoft.com/office/powerpoint/2010/main" xmlns="" val="101464881"/>
+                <p14:modId xmlns:p14="http://schemas.microsoft.com/office/powerpoint/2010/main" val="101464881"/>
               </p:ext>
             </p:extLst>
           </p:nvPr>
@@ -10842,7 +7000,7 @@
           <a:blip r:embed="rId2">
             <a:extLst>
               <a:ext uri="{28A0092B-C50C-407E-A947-70E740481C1C}">
-                <a14:useLocalDpi xmlns:a14="http://schemas.microsoft.com/office/drawing/2010/main" xmlns="" val="0"/>
+                <a14:useLocalDpi xmlns:a14="http://schemas.microsoft.com/office/drawing/2010/main" val="0"/>
               </a:ext>
             </a:extLst>
           </a:blip>
@@ -10866,14 +7024,14 @@
           <a:effectLst/>
           <a:extLst>
             <a:ext uri="{909E8E84-426E-40DD-AFC4-6F175D3DCCD1}">
-              <a14:hiddenFill xmlns:a14="http://schemas.microsoft.com/office/drawing/2010/main" xmlns="">
+              <a14:hiddenFill xmlns:a14="http://schemas.microsoft.com/office/drawing/2010/main">
                 <a:solidFill>
                   <a:schemeClr val="accent1"/>
                 </a:solidFill>
               </a14:hiddenFill>
             </a:ext>
             <a:ext uri="{91240B29-F687-4F45-9708-019B960494DF}">
-              <a14:hiddenLine xmlns:a14="http://schemas.microsoft.com/office/drawing/2010/main" xmlns="" w="9525">
+              <a14:hiddenLine xmlns:a14="http://schemas.microsoft.com/office/drawing/2010/main" w="9525">
                 <a:solidFill>
                   <a:schemeClr val="tx1"/>
                 </a:solidFill>
@@ -10883,7 +7041,7 @@
               </a14:hiddenLine>
             </a:ext>
             <a:ext uri="{AF507438-7753-43E0-B8FC-AC1667EBCBE1}">
-              <a14:hiddenEffects xmlns:a14="http://schemas.microsoft.com/office/drawing/2010/main" xmlns="">
+              <a14:hiddenEffects xmlns:a14="http://schemas.microsoft.com/office/drawing/2010/main">
                 <a:effectLst>
                   <a:outerShdw dist="35921" dir="2700000" algn="ctr" rotWithShape="0">
                     <a:schemeClr val="bg2"/>
@@ -11117,7 +7275,7 @@
     </p:spTree>
     <p:extLst>
       <p:ext uri="{BB962C8B-B14F-4D97-AF65-F5344CB8AC3E}">
-        <p14:creationId xmlns:p14="http://schemas.microsoft.com/office/powerpoint/2010/main" xmlns="" val="789187421"/>
+        <p14:creationId xmlns:p14="http://schemas.microsoft.com/office/powerpoint/2010/main" val="789187421"/>
       </p:ext>
     </p:extLst>
   </p:cSld>
@@ -11135,7 +7293,7 @@
 </p:sld>
 </file>
 
-<file path=ppt/slides/slide5.xml><?xml version="1.0" encoding="utf-8"?>
+<file path=ppt/slides/slide3.xml><?xml version="1.0" encoding="utf-8"?>
 <p:sld xmlns:a="http://schemas.openxmlformats.org/drawingml/2006/main" xmlns:r="http://schemas.openxmlformats.org/officeDocument/2006/relationships" xmlns:p="http://schemas.openxmlformats.org/presentationml/2006/main">
   <p:cSld>
     <p:spTree>
@@ -11161,7 +7319,7 @@
           <p:nvPr>
             <p:extLst>
               <p:ext uri="{D42A27DB-BD31-4B8C-83A1-F6EECF244321}">
-                <p14:modId xmlns:p14="http://schemas.microsoft.com/office/powerpoint/2010/main" xmlns="" val="2445248753"/>
+                <p14:modId xmlns:p14="http://schemas.microsoft.com/office/powerpoint/2010/main" val="2445248753"/>
               </p:ext>
             </p:extLst>
           </p:nvPr>
@@ -11180,7 +7338,7 @@
                 <a:gridCol w="6587921">
                   <a:extLst>
                     <a:ext uri="{9D8B030D-6E8A-4147-A177-3AD203B41FA5}">
-                      <a16:colId xmlns:a16="http://schemas.microsoft.com/office/drawing/2014/main" xmlns="" val="20000"/>
+                      <a16:colId xmlns="" xmlns:a16="http://schemas.microsoft.com/office/drawing/2014/main" val="20000"/>
                     </a:ext>
                   </a:extLst>
                 </a:gridCol>
@@ -11337,7 +7495,7 @@
                 </a:tc>
                 <a:extLst>
                   <a:ext uri="{0D108BD9-81ED-4DB2-BD59-A6C34878D82A}">
-                    <a16:rowId xmlns:a16="http://schemas.microsoft.com/office/drawing/2014/main" xmlns="" val="10000"/>
+                    <a16:rowId xmlns="" xmlns:a16="http://schemas.microsoft.com/office/drawing/2014/main" val="10000"/>
                   </a:ext>
                 </a:extLst>
               </a:tr>
@@ -11478,7 +7636,7 @@
           <p:nvPr>
             <p:extLst>
               <p:ext uri="{D42A27DB-BD31-4B8C-83A1-F6EECF244321}">
-                <p14:modId xmlns:p14="http://schemas.microsoft.com/office/powerpoint/2010/main" xmlns="" val="1790057861"/>
+                <p14:modId xmlns:p14="http://schemas.microsoft.com/office/powerpoint/2010/main" val="1790057861"/>
               </p:ext>
             </p:extLst>
           </p:nvPr>
@@ -11497,42 +7655,42 @@
                 <a:gridCol w="1380432">
                   <a:extLst>
                     <a:ext uri="{9D8B030D-6E8A-4147-A177-3AD203B41FA5}">
-                      <a16:colId xmlns:a16="http://schemas.microsoft.com/office/drawing/2014/main" xmlns="" val="20000"/>
+                      <a16:colId xmlns="" xmlns:a16="http://schemas.microsoft.com/office/drawing/2014/main" val="20000"/>
                     </a:ext>
                   </a:extLst>
                 </a:gridCol>
                 <a:gridCol w="2195892">
                   <a:extLst>
                     <a:ext uri="{9D8B030D-6E8A-4147-A177-3AD203B41FA5}">
-                      <a16:colId xmlns:a16="http://schemas.microsoft.com/office/drawing/2014/main" xmlns="" val="20001"/>
+                      <a16:colId xmlns="" xmlns:a16="http://schemas.microsoft.com/office/drawing/2014/main" val="20001"/>
                     </a:ext>
                   </a:extLst>
                 </a:gridCol>
                 <a:gridCol w="1086007">
                   <a:extLst>
                     <a:ext uri="{9D8B030D-6E8A-4147-A177-3AD203B41FA5}">
-                      <a16:colId xmlns:a16="http://schemas.microsoft.com/office/drawing/2014/main" xmlns="" val="20002"/>
+                      <a16:colId xmlns="" xmlns:a16="http://schemas.microsoft.com/office/drawing/2014/main" val="20002"/>
                     </a:ext>
                   </a:extLst>
                 </a:gridCol>
                 <a:gridCol w="1927970">
                   <a:extLst>
                     <a:ext uri="{9D8B030D-6E8A-4147-A177-3AD203B41FA5}">
-                      <a16:colId xmlns:a16="http://schemas.microsoft.com/office/drawing/2014/main" xmlns="" val="20003"/>
+                      <a16:colId xmlns="" xmlns:a16="http://schemas.microsoft.com/office/drawing/2014/main" val="20003"/>
                     </a:ext>
                   </a:extLst>
                 </a:gridCol>
                 <a:gridCol w="1233488">
                   <a:extLst>
                     <a:ext uri="{9D8B030D-6E8A-4147-A177-3AD203B41FA5}">
-                      <a16:colId xmlns:a16="http://schemas.microsoft.com/office/drawing/2014/main" xmlns="" val="20004"/>
+                      <a16:colId xmlns="" xmlns:a16="http://schemas.microsoft.com/office/drawing/2014/main" val="20004"/>
                     </a:ext>
                   </a:extLst>
                 </a:gridCol>
                 <a:gridCol w="971549">
                   <a:extLst>
                     <a:ext uri="{9D8B030D-6E8A-4147-A177-3AD203B41FA5}">
-                      <a16:colId xmlns:a16="http://schemas.microsoft.com/office/drawing/2014/main" xmlns="" val="20006"/>
+                      <a16:colId xmlns="" xmlns:a16="http://schemas.microsoft.com/office/drawing/2014/main" val="20006"/>
                     </a:ext>
                   </a:extLst>
                 </a:gridCol>
@@ -11963,7 +8121,7 @@
                 </a:tc>
                 <a:extLst>
                   <a:ext uri="{0D108BD9-81ED-4DB2-BD59-A6C34878D82A}">
-                    <a16:rowId xmlns:a16="http://schemas.microsoft.com/office/drawing/2014/main" xmlns="" val="10000"/>
+                    <a16:rowId xmlns="" xmlns:a16="http://schemas.microsoft.com/office/drawing/2014/main" val="10000"/>
                   </a:ext>
                 </a:extLst>
               </a:tr>
@@ -11980,7 +8138,7 @@
           <p:nvPr>
             <p:extLst>
               <p:ext uri="{D42A27DB-BD31-4B8C-83A1-F6EECF244321}">
-                <p14:modId xmlns:p14="http://schemas.microsoft.com/office/powerpoint/2010/main" xmlns="" val="101464881"/>
+                <p14:modId xmlns:p14="http://schemas.microsoft.com/office/powerpoint/2010/main" val="101464881"/>
               </p:ext>
             </p:extLst>
           </p:nvPr>
@@ -12164,7 +8322,7 @@
           <a:blip r:embed="rId2">
             <a:extLst>
               <a:ext uri="{28A0092B-C50C-407E-A947-70E740481C1C}">
-                <a14:useLocalDpi xmlns:a14="http://schemas.microsoft.com/office/drawing/2010/main" xmlns="" val="0"/>
+                <a14:useLocalDpi xmlns:a14="http://schemas.microsoft.com/office/drawing/2010/main" val="0"/>
               </a:ext>
             </a:extLst>
           </a:blip>
@@ -12188,14 +8346,14 @@
           <a:effectLst/>
           <a:extLst>
             <a:ext uri="{909E8E84-426E-40DD-AFC4-6F175D3DCCD1}">
-              <a14:hiddenFill xmlns:a14="http://schemas.microsoft.com/office/drawing/2010/main" xmlns="">
+              <a14:hiddenFill xmlns:a14="http://schemas.microsoft.com/office/drawing/2010/main">
                 <a:solidFill>
                   <a:schemeClr val="accent1"/>
                 </a:solidFill>
               </a14:hiddenFill>
             </a:ext>
             <a:ext uri="{91240B29-F687-4F45-9708-019B960494DF}">
-              <a14:hiddenLine xmlns:a14="http://schemas.microsoft.com/office/drawing/2010/main" xmlns="" w="9525">
+              <a14:hiddenLine xmlns:a14="http://schemas.microsoft.com/office/drawing/2010/main" w="9525">
                 <a:solidFill>
                   <a:schemeClr val="tx1"/>
                 </a:solidFill>
@@ -12205,7 +8363,7 @@
               </a14:hiddenLine>
             </a:ext>
             <a:ext uri="{AF507438-7753-43E0-B8FC-AC1667EBCBE1}">
-              <a14:hiddenEffects xmlns:a14="http://schemas.microsoft.com/office/drawing/2010/main" xmlns="">
+              <a14:hiddenEffects xmlns:a14="http://schemas.microsoft.com/office/drawing/2010/main">
                 <a:effectLst>
                   <a:outerShdw dist="35921" dir="2700000" algn="ctr" rotWithShape="0">
                     <a:schemeClr val="bg2"/>
@@ -12225,7 +8383,7 @@
         <p:spPr>
           <a:xfrm>
             <a:off x="6749508" y="928671"/>
-            <a:ext cx="2237330" cy="2031325"/>
+            <a:ext cx="2237330" cy="2446824"/>
           </a:xfrm>
           <a:prstGeom prst="rect">
             <a:avLst/>
@@ -12354,6 +8512,41 @@
             <a:r>
               <a:rPr lang="ko-KR" altLang="en-US" sz="900" dirty="0" smtClean="0"/>
               <a:t>이동한다</a:t>
+            </a:r>
+            <a:endParaRPr lang="en-US" altLang="ko-KR" sz="900" dirty="0"/>
+          </a:p>
+          <a:p>
+            <a:pPr marL="228600" indent="-228600"/>
+            <a:r>
+              <a:rPr lang="en-US" altLang="ko-KR" sz="900" dirty="0" smtClean="0"/>
+              <a:t>2-A. </a:t>
+            </a:r>
+            <a:r>
+              <a:rPr lang="ko-KR" altLang="en-US" sz="900" dirty="0" smtClean="0"/>
+              <a:t>불일치 시 </a:t>
+            </a:r>
+            <a:r>
+              <a:rPr lang="en-US" altLang="ko-KR" sz="900" dirty="0" smtClean="0"/>
+              <a:t/>
+            </a:r>
+            <a:br>
+              <a:rPr lang="en-US" altLang="ko-KR" sz="900" dirty="0" smtClean="0"/>
+            </a:br>
+            <a:r>
+              <a:rPr lang="en-US" altLang="ko-KR" sz="900" dirty="0" smtClean="0"/>
+              <a:t>“</a:t>
+            </a:r>
+            <a:r>
+              <a:rPr lang="ko-KR" altLang="en-US" sz="900" dirty="0" smtClean="0"/>
+              <a:t>아이디와 비밀번호가 일치하지 않습니다</a:t>
+            </a:r>
+            <a:r>
+              <a:rPr lang="en-US" altLang="ko-KR" sz="900" dirty="0" smtClean="0"/>
+              <a:t>” </a:t>
+            </a:r>
+            <a:r>
+              <a:rPr lang="ko-KR" altLang="en-US" sz="900" dirty="0" smtClean="0"/>
+              <a:t>라는 메시지를 띄운다</a:t>
             </a:r>
             <a:endParaRPr lang="en-US" altLang="ko-KR" sz="900" dirty="0" smtClean="0"/>
           </a:p>
@@ -13298,10 +9491,213 @@
           </a:fontRef>
         </p:style>
       </p:cxnSp>
+      <p:grpSp>
+        <p:nvGrpSpPr>
+          <p:cNvPr id="21" name="그룹 20"/>
+          <p:cNvGrpSpPr/>
+          <p:nvPr/>
+        </p:nvGrpSpPr>
+        <p:grpSpPr>
+          <a:xfrm>
+            <a:off x="281619" y="1870483"/>
+            <a:ext cx="1714512" cy="1323377"/>
+            <a:chOff x="285720" y="3000372"/>
+            <a:chExt cx="1714512" cy="1323377"/>
+          </a:xfrm>
+        </p:grpSpPr>
+        <p:grpSp>
+          <p:nvGrpSpPr>
+            <p:cNvPr id="25" name="그룹 24"/>
+            <p:cNvGrpSpPr/>
+            <p:nvPr/>
+          </p:nvGrpSpPr>
+          <p:grpSpPr>
+            <a:xfrm>
+              <a:off x="428596" y="3357562"/>
+              <a:ext cx="1514700" cy="966187"/>
+              <a:chOff x="428596" y="3357562"/>
+              <a:chExt cx="1514700" cy="966187"/>
+            </a:xfrm>
+          </p:grpSpPr>
+          <p:pic>
+            <p:nvPicPr>
+              <p:cNvPr id="29" name="Picture 7"/>
+              <p:cNvPicPr>
+                <a:picLocks noChangeAspect="1" noChangeArrowheads="1"/>
+              </p:cNvPicPr>
+              <p:nvPr/>
+            </p:nvPicPr>
+            <p:blipFill>
+              <a:blip r:embed="rId3" cstate="print"/>
+              <a:srcRect/>
+              <a:stretch>
+                <a:fillRect/>
+              </a:stretch>
+            </p:blipFill>
+            <p:spPr bwMode="auto">
+              <a:xfrm>
+                <a:off x="428596" y="3357562"/>
+                <a:ext cx="1514700" cy="966187"/>
+              </a:xfrm>
+              <a:prstGeom prst="rect">
+                <a:avLst/>
+              </a:prstGeom>
+              <a:noFill/>
+              <a:ln w="9525">
+                <a:solidFill>
+                  <a:schemeClr val="tx1"/>
+                </a:solidFill>
+                <a:miter lim="800000"/>
+                <a:headEnd/>
+                <a:tailEnd/>
+              </a:ln>
+              <a:effectLst/>
+            </p:spPr>
+          </p:pic>
+          <p:sp>
+            <p:nvSpPr>
+              <p:cNvPr id="30" name="직사각형 29"/>
+              <p:cNvSpPr/>
+              <p:nvPr/>
+            </p:nvSpPr>
+            <p:spPr>
+              <a:xfrm>
+                <a:off x="500034" y="3643314"/>
+                <a:ext cx="1357322" cy="214314"/>
+              </a:xfrm>
+              <a:prstGeom prst="rect">
+                <a:avLst/>
+              </a:prstGeom>
+              <a:solidFill>
+                <a:schemeClr val="bg1">
+                  <a:lumMod val="95000"/>
+                </a:schemeClr>
+              </a:solidFill>
+              <a:ln>
+                <a:noFill/>
+              </a:ln>
+            </p:spPr>
+            <p:style>
+              <a:lnRef idx="2">
+                <a:schemeClr val="accent1">
+                  <a:shade val="50000"/>
+                </a:schemeClr>
+              </a:lnRef>
+              <a:fillRef idx="1">
+                <a:schemeClr val="accent1"/>
+              </a:fillRef>
+              <a:effectRef idx="0">
+                <a:schemeClr val="accent1"/>
+              </a:effectRef>
+              <a:fontRef idx="minor">
+                <a:schemeClr val="lt1"/>
+              </a:fontRef>
+            </p:style>
+            <p:txBody>
+              <a:bodyPr rtlCol="0" anchor="ctr"/>
+              <a:lstStyle/>
+              <a:p>
+                <a:pPr algn="ctr"/>
+                <a:endParaRPr lang="ko-KR" altLang="en-US"/>
+              </a:p>
+            </p:txBody>
+          </p:sp>
+        </p:grpSp>
+        <p:sp>
+          <p:nvSpPr>
+            <p:cNvPr id="27" name="타원 26"/>
+            <p:cNvSpPr/>
+            <p:nvPr/>
+          </p:nvSpPr>
+          <p:spPr>
+            <a:xfrm>
+              <a:off x="285720" y="3000372"/>
+              <a:ext cx="339812" cy="453082"/>
+            </a:xfrm>
+            <a:prstGeom prst="ellipse">
+              <a:avLst/>
+            </a:prstGeom>
+          </p:spPr>
+          <p:style>
+            <a:lnRef idx="2">
+              <a:schemeClr val="accent5">
+                <a:shade val="50000"/>
+              </a:schemeClr>
+            </a:lnRef>
+            <a:fillRef idx="1">
+              <a:schemeClr val="accent5"/>
+            </a:fillRef>
+            <a:effectRef idx="0">
+              <a:schemeClr val="accent5"/>
+            </a:effectRef>
+            <a:fontRef idx="minor">
+              <a:schemeClr val="lt1"/>
+            </a:fontRef>
+          </p:style>
+          <p:txBody>
+            <a:bodyPr rtlCol="0" anchor="ctr"/>
+            <a:lstStyle/>
+            <a:p>
+              <a:pPr algn="ctr"/>
+              <a:r>
+                <a:rPr lang="en-US" altLang="ko-KR" dirty="0" smtClean="0"/>
+                <a:t>A</a:t>
+              </a:r>
+              <a:endParaRPr lang="ko-KR" altLang="en-US" dirty="0"/>
+            </a:p>
+          </p:txBody>
+        </p:sp>
+        <p:sp>
+          <p:nvSpPr>
+            <p:cNvPr id="28" name="TextBox 27"/>
+            <p:cNvSpPr txBox="1"/>
+            <p:nvPr/>
+          </p:nvSpPr>
+          <p:spPr>
+            <a:xfrm>
+              <a:off x="409732" y="3611407"/>
+              <a:ext cx="1590500" cy="246221"/>
+            </a:xfrm>
+            <a:prstGeom prst="rect">
+              <a:avLst/>
+            </a:prstGeom>
+            <a:noFill/>
+          </p:spPr>
+          <p:txBody>
+            <a:bodyPr wrap="none" rtlCol="0">
+              <a:spAutoFit/>
+            </a:bodyPr>
+            <a:lstStyle/>
+            <a:p>
+              <a:r>
+                <a:rPr lang="en-US" altLang="ko-KR" sz="1000" dirty="0" smtClean="0"/>
+                <a:t>“</a:t>
+              </a:r>
+              <a:r>
+                <a:rPr lang="ko-KR" altLang="en-US" sz="1000" dirty="0" smtClean="0"/>
+                <a:t>메시지 </a:t>
+              </a:r>
+              <a:r>
+                <a:rPr lang="en-US" altLang="ko-KR" sz="1000" dirty="0" smtClean="0"/>
+                <a:t>–</a:t>
+              </a:r>
+              <a:r>
+                <a:rPr lang="ko-KR" altLang="en-US" sz="1000" dirty="0" smtClean="0"/>
+                <a:t>화면설명 참조</a:t>
+              </a:r>
+              <a:r>
+                <a:rPr lang="en-US" altLang="ko-KR" sz="1000" dirty="0" smtClean="0"/>
+                <a:t>”</a:t>
+              </a:r>
+              <a:endParaRPr lang="ko-KR" altLang="en-US" sz="1000" dirty="0"/>
+            </a:p>
+          </p:txBody>
+        </p:sp>
+      </p:grpSp>
     </p:spTree>
     <p:extLst>
       <p:ext uri="{BB962C8B-B14F-4D97-AF65-F5344CB8AC3E}">
-        <p14:creationId xmlns:p14="http://schemas.microsoft.com/office/powerpoint/2010/main" xmlns="" val="789187421"/>
+        <p14:creationId xmlns:p14="http://schemas.microsoft.com/office/powerpoint/2010/main" val="789187421"/>
       </p:ext>
     </p:extLst>
   </p:cSld>
@@ -13319,7 +9715,7 @@
 </p:sld>
 </file>
 
-<file path=ppt/slides/slide6.xml><?xml version="1.0" encoding="utf-8"?>
+<file path=ppt/slides/slide4.xml><?xml version="1.0" encoding="utf-8"?>
 <p:sld xmlns:a="http://schemas.openxmlformats.org/drawingml/2006/main" xmlns:r="http://schemas.openxmlformats.org/officeDocument/2006/relationships" xmlns:p="http://schemas.openxmlformats.org/presentationml/2006/main">
   <p:cSld>
     <p:spTree>
@@ -13345,7 +9741,7 @@
           <p:nvPr>
             <p:extLst>
               <p:ext uri="{D42A27DB-BD31-4B8C-83A1-F6EECF244321}">
-                <p14:modId xmlns:p14="http://schemas.microsoft.com/office/powerpoint/2010/main" xmlns="" val="2445248753"/>
+                <p14:modId xmlns:p14="http://schemas.microsoft.com/office/powerpoint/2010/main" val="2445248753"/>
               </p:ext>
             </p:extLst>
           </p:nvPr>
@@ -13364,7 +9760,7 @@
                 <a:gridCol w="6587921">
                   <a:extLst>
                     <a:ext uri="{9D8B030D-6E8A-4147-A177-3AD203B41FA5}">
-                      <a16:colId xmlns:a16="http://schemas.microsoft.com/office/drawing/2014/main" xmlns="" val="20000"/>
+                      <a16:colId xmlns="" xmlns:a16="http://schemas.microsoft.com/office/drawing/2014/main" val="20000"/>
                     </a:ext>
                   </a:extLst>
                 </a:gridCol>
@@ -13521,7 +9917,7 @@
                 </a:tc>
                 <a:extLst>
                   <a:ext uri="{0D108BD9-81ED-4DB2-BD59-A6C34878D82A}">
-                    <a16:rowId xmlns:a16="http://schemas.microsoft.com/office/drawing/2014/main" xmlns="" val="10000"/>
+                    <a16:rowId xmlns="" xmlns:a16="http://schemas.microsoft.com/office/drawing/2014/main" val="10000"/>
                   </a:ext>
                 </a:extLst>
               </a:tr>
@@ -13662,7 +10058,7 @@
           <p:nvPr>
             <p:extLst>
               <p:ext uri="{D42A27DB-BD31-4B8C-83A1-F6EECF244321}">
-                <p14:modId xmlns:p14="http://schemas.microsoft.com/office/powerpoint/2010/main" xmlns="" val="1790057861"/>
+                <p14:modId xmlns:p14="http://schemas.microsoft.com/office/powerpoint/2010/main" val="1790057861"/>
               </p:ext>
             </p:extLst>
           </p:nvPr>
@@ -13681,42 +10077,42 @@
                 <a:gridCol w="1380432">
                   <a:extLst>
                     <a:ext uri="{9D8B030D-6E8A-4147-A177-3AD203B41FA5}">
-                      <a16:colId xmlns:a16="http://schemas.microsoft.com/office/drawing/2014/main" xmlns="" val="20000"/>
+                      <a16:colId xmlns="" xmlns:a16="http://schemas.microsoft.com/office/drawing/2014/main" val="20000"/>
                     </a:ext>
                   </a:extLst>
                 </a:gridCol>
                 <a:gridCol w="2195892">
                   <a:extLst>
                     <a:ext uri="{9D8B030D-6E8A-4147-A177-3AD203B41FA5}">
-                      <a16:colId xmlns:a16="http://schemas.microsoft.com/office/drawing/2014/main" xmlns="" val="20001"/>
+                      <a16:colId xmlns="" xmlns:a16="http://schemas.microsoft.com/office/drawing/2014/main" val="20001"/>
                     </a:ext>
                   </a:extLst>
                 </a:gridCol>
                 <a:gridCol w="1086007">
                   <a:extLst>
                     <a:ext uri="{9D8B030D-6E8A-4147-A177-3AD203B41FA5}">
-                      <a16:colId xmlns:a16="http://schemas.microsoft.com/office/drawing/2014/main" xmlns="" val="20002"/>
+                      <a16:colId xmlns="" xmlns:a16="http://schemas.microsoft.com/office/drawing/2014/main" val="20002"/>
                     </a:ext>
                   </a:extLst>
                 </a:gridCol>
                 <a:gridCol w="1927970">
                   <a:extLst>
                     <a:ext uri="{9D8B030D-6E8A-4147-A177-3AD203B41FA5}">
-                      <a16:colId xmlns:a16="http://schemas.microsoft.com/office/drawing/2014/main" xmlns="" val="20003"/>
+                      <a16:colId xmlns="" xmlns:a16="http://schemas.microsoft.com/office/drawing/2014/main" val="20003"/>
                     </a:ext>
                   </a:extLst>
                 </a:gridCol>
                 <a:gridCol w="1233488">
                   <a:extLst>
                     <a:ext uri="{9D8B030D-6E8A-4147-A177-3AD203B41FA5}">
-                      <a16:colId xmlns:a16="http://schemas.microsoft.com/office/drawing/2014/main" xmlns="" val="20004"/>
+                      <a16:colId xmlns="" xmlns:a16="http://schemas.microsoft.com/office/drawing/2014/main" val="20004"/>
                     </a:ext>
                   </a:extLst>
                 </a:gridCol>
                 <a:gridCol w="971549">
                   <a:extLst>
                     <a:ext uri="{9D8B030D-6E8A-4147-A177-3AD203B41FA5}">
-                      <a16:colId xmlns:a16="http://schemas.microsoft.com/office/drawing/2014/main" xmlns="" val="20006"/>
+                      <a16:colId xmlns="" xmlns:a16="http://schemas.microsoft.com/office/drawing/2014/main" val="20006"/>
                     </a:ext>
                   </a:extLst>
                 </a:gridCol>
@@ -14147,7 +10543,7 @@
                 </a:tc>
                 <a:extLst>
                   <a:ext uri="{0D108BD9-81ED-4DB2-BD59-A6C34878D82A}">
-                    <a16:rowId xmlns:a16="http://schemas.microsoft.com/office/drawing/2014/main" xmlns="" val="10000"/>
+                    <a16:rowId xmlns="" xmlns:a16="http://schemas.microsoft.com/office/drawing/2014/main" val="10000"/>
                   </a:ext>
                 </a:extLst>
               </a:tr>
@@ -14164,7 +10560,7 @@
           <p:nvPr>
             <p:extLst>
               <p:ext uri="{D42A27DB-BD31-4B8C-83A1-F6EECF244321}">
-                <p14:modId xmlns:p14="http://schemas.microsoft.com/office/powerpoint/2010/main" xmlns="" val="101464881"/>
+                <p14:modId xmlns:p14="http://schemas.microsoft.com/office/powerpoint/2010/main" val="101464881"/>
               </p:ext>
             </p:extLst>
           </p:nvPr>
@@ -14384,7 +10780,7 @@
           <a:blip r:embed="rId2">
             <a:extLst>
               <a:ext uri="{28A0092B-C50C-407E-A947-70E740481C1C}">
-                <a14:useLocalDpi xmlns:a14="http://schemas.microsoft.com/office/drawing/2010/main" xmlns="" val="0"/>
+                <a14:useLocalDpi xmlns:a14="http://schemas.microsoft.com/office/drawing/2010/main" val="0"/>
               </a:ext>
             </a:extLst>
           </a:blip>
@@ -14408,14 +10804,14 @@
           <a:effectLst/>
           <a:extLst>
             <a:ext uri="{909E8E84-426E-40DD-AFC4-6F175D3DCCD1}">
-              <a14:hiddenFill xmlns:a14="http://schemas.microsoft.com/office/drawing/2010/main" xmlns="">
+              <a14:hiddenFill xmlns:a14="http://schemas.microsoft.com/office/drawing/2010/main">
                 <a:solidFill>
                   <a:schemeClr val="accent1"/>
                 </a:solidFill>
               </a14:hiddenFill>
             </a:ext>
             <a:ext uri="{91240B29-F687-4F45-9708-019B960494DF}">
-              <a14:hiddenLine xmlns:a14="http://schemas.microsoft.com/office/drawing/2010/main" xmlns="" w="9525">
+              <a14:hiddenLine xmlns:a14="http://schemas.microsoft.com/office/drawing/2010/main" w="9525">
                 <a:solidFill>
                   <a:schemeClr val="tx1"/>
                 </a:solidFill>
@@ -14425,7 +10821,7 @@
               </a14:hiddenLine>
             </a:ext>
             <a:ext uri="{AF507438-7753-43E0-B8FC-AC1667EBCBE1}">
-              <a14:hiddenEffects xmlns:a14="http://schemas.microsoft.com/office/drawing/2010/main" xmlns="">
+              <a14:hiddenEffects xmlns:a14="http://schemas.microsoft.com/office/drawing/2010/main">
                 <a:effectLst>
                   <a:outerShdw dist="35921" dir="2700000" algn="ctr" rotWithShape="0">
                     <a:schemeClr val="bg2"/>
@@ -15683,7 +12079,7 @@
     </p:spTree>
     <p:extLst>
       <p:ext uri="{BB962C8B-B14F-4D97-AF65-F5344CB8AC3E}">
-        <p14:creationId xmlns:p14="http://schemas.microsoft.com/office/powerpoint/2010/main" xmlns="" val="789187421"/>
+        <p14:creationId xmlns:p14="http://schemas.microsoft.com/office/powerpoint/2010/main" val="789187421"/>
       </p:ext>
     </p:extLst>
   </p:cSld>
@@ -15701,7 +12097,7 @@
 </p:sld>
 </file>
 
-<file path=ppt/slides/slide7.xml><?xml version="1.0" encoding="utf-8"?>
+<file path=ppt/slides/slide5.xml><?xml version="1.0" encoding="utf-8"?>
 <p:sld xmlns:a="http://schemas.openxmlformats.org/drawingml/2006/main" xmlns:r="http://schemas.openxmlformats.org/officeDocument/2006/relationships" xmlns:p="http://schemas.openxmlformats.org/presentationml/2006/main">
   <p:cSld>
     <p:spTree>
@@ -15727,7 +12123,7 @@
           <p:nvPr>
             <p:extLst>
               <p:ext uri="{D42A27DB-BD31-4B8C-83A1-F6EECF244321}">
-                <p14:modId xmlns:p14="http://schemas.microsoft.com/office/powerpoint/2010/main" xmlns="" val="2445248753"/>
+                <p14:modId xmlns:p14="http://schemas.microsoft.com/office/powerpoint/2010/main" val="2445248753"/>
               </p:ext>
             </p:extLst>
           </p:nvPr>
@@ -15746,7 +12142,7 @@
                 <a:gridCol w="6587921">
                   <a:extLst>
                     <a:ext uri="{9D8B030D-6E8A-4147-A177-3AD203B41FA5}">
-                      <a16:colId xmlns:a16="http://schemas.microsoft.com/office/drawing/2014/main" xmlns="" val="20000"/>
+                      <a16:colId xmlns="" xmlns:a16="http://schemas.microsoft.com/office/drawing/2014/main" val="20000"/>
                     </a:ext>
                   </a:extLst>
                 </a:gridCol>
@@ -15903,7 +12299,7 @@
                 </a:tc>
                 <a:extLst>
                   <a:ext uri="{0D108BD9-81ED-4DB2-BD59-A6C34878D82A}">
-                    <a16:rowId xmlns:a16="http://schemas.microsoft.com/office/drawing/2014/main" xmlns="" val="10000"/>
+                    <a16:rowId xmlns="" xmlns:a16="http://schemas.microsoft.com/office/drawing/2014/main" val="10000"/>
                   </a:ext>
                 </a:extLst>
               </a:tr>
@@ -16044,7 +12440,7 @@
           <p:nvPr>
             <p:extLst>
               <p:ext uri="{D42A27DB-BD31-4B8C-83A1-F6EECF244321}">
-                <p14:modId xmlns:p14="http://schemas.microsoft.com/office/powerpoint/2010/main" xmlns="" val="1790057861"/>
+                <p14:modId xmlns:p14="http://schemas.microsoft.com/office/powerpoint/2010/main" val="1790057861"/>
               </p:ext>
             </p:extLst>
           </p:nvPr>
@@ -16063,42 +12459,42 @@
                 <a:gridCol w="1380432">
                   <a:extLst>
                     <a:ext uri="{9D8B030D-6E8A-4147-A177-3AD203B41FA5}">
-                      <a16:colId xmlns:a16="http://schemas.microsoft.com/office/drawing/2014/main" xmlns="" val="20000"/>
+                      <a16:colId xmlns="" xmlns:a16="http://schemas.microsoft.com/office/drawing/2014/main" val="20000"/>
                     </a:ext>
                   </a:extLst>
                 </a:gridCol>
                 <a:gridCol w="2195892">
                   <a:extLst>
                     <a:ext uri="{9D8B030D-6E8A-4147-A177-3AD203B41FA5}">
-                      <a16:colId xmlns:a16="http://schemas.microsoft.com/office/drawing/2014/main" xmlns="" val="20001"/>
+                      <a16:colId xmlns="" xmlns:a16="http://schemas.microsoft.com/office/drawing/2014/main" val="20001"/>
                     </a:ext>
                   </a:extLst>
                 </a:gridCol>
                 <a:gridCol w="1086007">
                   <a:extLst>
                     <a:ext uri="{9D8B030D-6E8A-4147-A177-3AD203B41FA5}">
-                      <a16:colId xmlns:a16="http://schemas.microsoft.com/office/drawing/2014/main" xmlns="" val="20002"/>
+                      <a16:colId xmlns="" xmlns:a16="http://schemas.microsoft.com/office/drawing/2014/main" val="20002"/>
                     </a:ext>
                   </a:extLst>
                 </a:gridCol>
                 <a:gridCol w="1927970">
                   <a:extLst>
                     <a:ext uri="{9D8B030D-6E8A-4147-A177-3AD203B41FA5}">
-                      <a16:colId xmlns:a16="http://schemas.microsoft.com/office/drawing/2014/main" xmlns="" val="20003"/>
+                      <a16:colId xmlns="" xmlns:a16="http://schemas.microsoft.com/office/drawing/2014/main" val="20003"/>
                     </a:ext>
                   </a:extLst>
                 </a:gridCol>
                 <a:gridCol w="1233488">
                   <a:extLst>
                     <a:ext uri="{9D8B030D-6E8A-4147-A177-3AD203B41FA5}">
-                      <a16:colId xmlns:a16="http://schemas.microsoft.com/office/drawing/2014/main" xmlns="" val="20004"/>
+                      <a16:colId xmlns="" xmlns:a16="http://schemas.microsoft.com/office/drawing/2014/main" val="20004"/>
                     </a:ext>
                   </a:extLst>
                 </a:gridCol>
                 <a:gridCol w="971549">
                   <a:extLst>
                     <a:ext uri="{9D8B030D-6E8A-4147-A177-3AD203B41FA5}">
-                      <a16:colId xmlns:a16="http://schemas.microsoft.com/office/drawing/2014/main" xmlns="" val="20006"/>
+                      <a16:colId xmlns="" xmlns:a16="http://schemas.microsoft.com/office/drawing/2014/main" val="20006"/>
                     </a:ext>
                   </a:extLst>
                 </a:gridCol>
@@ -16529,7 +12925,7 @@
                 </a:tc>
                 <a:extLst>
                   <a:ext uri="{0D108BD9-81ED-4DB2-BD59-A6C34878D82A}">
-                    <a16:rowId xmlns:a16="http://schemas.microsoft.com/office/drawing/2014/main" xmlns="" val="10000"/>
+                    <a16:rowId xmlns="" xmlns:a16="http://schemas.microsoft.com/office/drawing/2014/main" val="10000"/>
                   </a:ext>
                 </a:extLst>
               </a:tr>
@@ -16546,7 +12942,7 @@
           <p:nvPr>
             <p:extLst>
               <p:ext uri="{D42A27DB-BD31-4B8C-83A1-F6EECF244321}">
-                <p14:modId xmlns:p14="http://schemas.microsoft.com/office/powerpoint/2010/main" xmlns="" val="101464881"/>
+                <p14:modId xmlns:p14="http://schemas.microsoft.com/office/powerpoint/2010/main" val="101464881"/>
               </p:ext>
             </p:extLst>
           </p:nvPr>
@@ -16739,7 +13135,7 @@
           <a:blip r:embed="rId2">
             <a:extLst>
               <a:ext uri="{28A0092B-C50C-407E-A947-70E740481C1C}">
-                <a14:useLocalDpi xmlns:a14="http://schemas.microsoft.com/office/drawing/2010/main" xmlns="" val="0"/>
+                <a14:useLocalDpi xmlns:a14="http://schemas.microsoft.com/office/drawing/2010/main" val="0"/>
               </a:ext>
             </a:extLst>
           </a:blip>
@@ -16763,14 +13159,14 @@
           <a:effectLst/>
           <a:extLst>
             <a:ext uri="{909E8E84-426E-40DD-AFC4-6F175D3DCCD1}">
-              <a14:hiddenFill xmlns:a14="http://schemas.microsoft.com/office/drawing/2010/main" xmlns="">
+              <a14:hiddenFill xmlns:a14="http://schemas.microsoft.com/office/drawing/2010/main">
                 <a:solidFill>
                   <a:schemeClr val="accent1"/>
                 </a:solidFill>
               </a14:hiddenFill>
             </a:ext>
             <a:ext uri="{91240B29-F687-4F45-9708-019B960494DF}">
-              <a14:hiddenLine xmlns:a14="http://schemas.microsoft.com/office/drawing/2010/main" xmlns="" w="9525">
+              <a14:hiddenLine xmlns:a14="http://schemas.microsoft.com/office/drawing/2010/main" w="9525">
                 <a:solidFill>
                   <a:schemeClr val="tx1"/>
                 </a:solidFill>
@@ -16780,7 +13176,7 @@
               </a14:hiddenLine>
             </a:ext>
             <a:ext uri="{AF507438-7753-43E0-B8FC-AC1667EBCBE1}">
-              <a14:hiddenEffects xmlns:a14="http://schemas.microsoft.com/office/drawing/2010/main" xmlns="">
+              <a14:hiddenEffects xmlns:a14="http://schemas.microsoft.com/office/drawing/2010/main">
                 <a:effectLst>
                   <a:outerShdw dist="35921" dir="2700000" algn="ctr" rotWithShape="0">
                     <a:schemeClr val="bg2"/>
@@ -17262,7 +13658,7 @@
     </p:spTree>
     <p:extLst>
       <p:ext uri="{BB962C8B-B14F-4D97-AF65-F5344CB8AC3E}">
-        <p14:creationId xmlns:p14="http://schemas.microsoft.com/office/powerpoint/2010/main" xmlns="" val="789187421"/>
+        <p14:creationId xmlns:p14="http://schemas.microsoft.com/office/powerpoint/2010/main" val="789187421"/>
       </p:ext>
     </p:extLst>
   </p:cSld>
@@ -17280,7 +13676,7 @@
 </p:sld>
 </file>
 
-<file path=ppt/slides/slide8.xml><?xml version="1.0" encoding="utf-8"?>
+<file path=ppt/slides/slide6.xml><?xml version="1.0" encoding="utf-8"?>
 <p:sld xmlns:a="http://schemas.openxmlformats.org/drawingml/2006/main" xmlns:r="http://schemas.openxmlformats.org/officeDocument/2006/relationships" xmlns:p="http://schemas.openxmlformats.org/presentationml/2006/main">
   <p:cSld>
     <p:spTree>
@@ -17306,7 +13702,7 @@
           <p:nvPr>
             <p:extLst>
               <p:ext uri="{D42A27DB-BD31-4B8C-83A1-F6EECF244321}">
-                <p14:modId xmlns:p14="http://schemas.microsoft.com/office/powerpoint/2010/main" xmlns="" val="2445248753"/>
+                <p14:modId xmlns:p14="http://schemas.microsoft.com/office/powerpoint/2010/main" val="2445248753"/>
               </p:ext>
             </p:extLst>
           </p:nvPr>
@@ -17325,7 +13721,7 @@
                 <a:gridCol w="6587921">
                   <a:extLst>
                     <a:ext uri="{9D8B030D-6E8A-4147-A177-3AD203B41FA5}">
-                      <a16:colId xmlns:a16="http://schemas.microsoft.com/office/drawing/2014/main" xmlns="" val="20000"/>
+                      <a16:colId xmlns="" xmlns:a16="http://schemas.microsoft.com/office/drawing/2014/main" val="20000"/>
                     </a:ext>
                   </a:extLst>
                 </a:gridCol>
@@ -17482,7 +13878,7 @@
                 </a:tc>
                 <a:extLst>
                   <a:ext uri="{0D108BD9-81ED-4DB2-BD59-A6C34878D82A}">
-                    <a16:rowId xmlns:a16="http://schemas.microsoft.com/office/drawing/2014/main" xmlns="" val="10000"/>
+                    <a16:rowId xmlns="" xmlns:a16="http://schemas.microsoft.com/office/drawing/2014/main" val="10000"/>
                   </a:ext>
                 </a:extLst>
               </a:tr>
@@ -17623,7 +14019,7 @@
           <p:nvPr>
             <p:extLst>
               <p:ext uri="{D42A27DB-BD31-4B8C-83A1-F6EECF244321}">
-                <p14:modId xmlns:p14="http://schemas.microsoft.com/office/powerpoint/2010/main" xmlns="" val="1790057861"/>
+                <p14:modId xmlns:p14="http://schemas.microsoft.com/office/powerpoint/2010/main" val="1790057861"/>
               </p:ext>
             </p:extLst>
           </p:nvPr>
@@ -17642,42 +14038,42 @@
                 <a:gridCol w="1380432">
                   <a:extLst>
                     <a:ext uri="{9D8B030D-6E8A-4147-A177-3AD203B41FA5}">
-                      <a16:colId xmlns:a16="http://schemas.microsoft.com/office/drawing/2014/main" xmlns="" val="20000"/>
+                      <a16:colId xmlns="" xmlns:a16="http://schemas.microsoft.com/office/drawing/2014/main" val="20000"/>
                     </a:ext>
                   </a:extLst>
                 </a:gridCol>
                 <a:gridCol w="2195892">
                   <a:extLst>
                     <a:ext uri="{9D8B030D-6E8A-4147-A177-3AD203B41FA5}">
-                      <a16:colId xmlns:a16="http://schemas.microsoft.com/office/drawing/2014/main" xmlns="" val="20001"/>
+                      <a16:colId xmlns="" xmlns:a16="http://schemas.microsoft.com/office/drawing/2014/main" val="20001"/>
                     </a:ext>
                   </a:extLst>
                 </a:gridCol>
                 <a:gridCol w="1086007">
                   <a:extLst>
                     <a:ext uri="{9D8B030D-6E8A-4147-A177-3AD203B41FA5}">
-                      <a16:colId xmlns:a16="http://schemas.microsoft.com/office/drawing/2014/main" xmlns="" val="20002"/>
+                      <a16:colId xmlns="" xmlns:a16="http://schemas.microsoft.com/office/drawing/2014/main" val="20002"/>
                     </a:ext>
                   </a:extLst>
                 </a:gridCol>
                 <a:gridCol w="1927970">
                   <a:extLst>
                     <a:ext uri="{9D8B030D-6E8A-4147-A177-3AD203B41FA5}">
-                      <a16:colId xmlns:a16="http://schemas.microsoft.com/office/drawing/2014/main" xmlns="" val="20003"/>
+                      <a16:colId xmlns="" xmlns:a16="http://schemas.microsoft.com/office/drawing/2014/main" val="20003"/>
                     </a:ext>
                   </a:extLst>
                 </a:gridCol>
                 <a:gridCol w="1233488">
                   <a:extLst>
                     <a:ext uri="{9D8B030D-6E8A-4147-A177-3AD203B41FA5}">
-                      <a16:colId xmlns:a16="http://schemas.microsoft.com/office/drawing/2014/main" xmlns="" val="20004"/>
+                      <a16:colId xmlns="" xmlns:a16="http://schemas.microsoft.com/office/drawing/2014/main" val="20004"/>
                     </a:ext>
                   </a:extLst>
                 </a:gridCol>
                 <a:gridCol w="971549">
                   <a:extLst>
                     <a:ext uri="{9D8B030D-6E8A-4147-A177-3AD203B41FA5}">
-                      <a16:colId xmlns:a16="http://schemas.microsoft.com/office/drawing/2014/main" xmlns="" val="20006"/>
+                      <a16:colId xmlns="" xmlns:a16="http://schemas.microsoft.com/office/drawing/2014/main" val="20006"/>
                     </a:ext>
                   </a:extLst>
                 </a:gridCol>
@@ -18108,7 +14504,7 @@
                 </a:tc>
                 <a:extLst>
                   <a:ext uri="{0D108BD9-81ED-4DB2-BD59-A6C34878D82A}">
-                    <a16:rowId xmlns:a16="http://schemas.microsoft.com/office/drawing/2014/main" xmlns="" val="10000"/>
+                    <a16:rowId xmlns="" xmlns:a16="http://schemas.microsoft.com/office/drawing/2014/main" val="10000"/>
                   </a:ext>
                 </a:extLst>
               </a:tr>
@@ -18125,7 +14521,7 @@
           <p:nvPr>
             <p:extLst>
               <p:ext uri="{D42A27DB-BD31-4B8C-83A1-F6EECF244321}">
-                <p14:modId xmlns:p14="http://schemas.microsoft.com/office/powerpoint/2010/main" xmlns="" val="101464881"/>
+                <p14:modId xmlns:p14="http://schemas.microsoft.com/office/powerpoint/2010/main" val="101464881"/>
               </p:ext>
             </p:extLst>
           </p:nvPr>
@@ -18345,7 +14741,7 @@
           <a:blip r:embed="rId2">
             <a:extLst>
               <a:ext uri="{28A0092B-C50C-407E-A947-70E740481C1C}">
-                <a14:useLocalDpi xmlns:a14="http://schemas.microsoft.com/office/drawing/2010/main" xmlns="" val="0"/>
+                <a14:useLocalDpi xmlns:a14="http://schemas.microsoft.com/office/drawing/2010/main" val="0"/>
               </a:ext>
             </a:extLst>
           </a:blip>
@@ -18369,14 +14765,14 @@
           <a:effectLst/>
           <a:extLst>
             <a:ext uri="{909E8E84-426E-40DD-AFC4-6F175D3DCCD1}">
-              <a14:hiddenFill xmlns:a14="http://schemas.microsoft.com/office/drawing/2010/main" xmlns="">
+              <a14:hiddenFill xmlns:a14="http://schemas.microsoft.com/office/drawing/2010/main">
                 <a:solidFill>
                   <a:schemeClr val="accent1"/>
                 </a:solidFill>
               </a14:hiddenFill>
             </a:ext>
             <a:ext uri="{91240B29-F687-4F45-9708-019B960494DF}">
-              <a14:hiddenLine xmlns:a14="http://schemas.microsoft.com/office/drawing/2010/main" xmlns="" w="9525">
+              <a14:hiddenLine xmlns:a14="http://schemas.microsoft.com/office/drawing/2010/main" w="9525">
                 <a:solidFill>
                   <a:schemeClr val="tx1"/>
                 </a:solidFill>
@@ -18386,7 +14782,7 @@
               </a14:hiddenLine>
             </a:ext>
             <a:ext uri="{AF507438-7753-43E0-B8FC-AC1667EBCBE1}">
-              <a14:hiddenEffects xmlns:a14="http://schemas.microsoft.com/office/drawing/2010/main" xmlns="">
+              <a14:hiddenEffects xmlns:a14="http://schemas.microsoft.com/office/drawing/2010/main">
                 <a:effectLst>
                   <a:outerShdw dist="35921" dir="2700000" algn="ctr" rotWithShape="0">
                     <a:schemeClr val="bg2"/>
@@ -19610,7 +16006,7 @@
     </p:spTree>
     <p:extLst>
       <p:ext uri="{BB962C8B-B14F-4D97-AF65-F5344CB8AC3E}">
-        <p14:creationId xmlns:p14="http://schemas.microsoft.com/office/powerpoint/2010/main" xmlns="" val="789187421"/>
+        <p14:creationId xmlns:p14="http://schemas.microsoft.com/office/powerpoint/2010/main" val="789187421"/>
       </p:ext>
     </p:extLst>
   </p:cSld>
@@ -19628,7 +16024,7 @@
 </p:sld>
 </file>
 
-<file path=ppt/slides/slide9.xml><?xml version="1.0" encoding="utf-8"?>
+<file path=ppt/slides/slide7.xml><?xml version="1.0" encoding="utf-8"?>
 <p:sld xmlns:a="http://schemas.openxmlformats.org/drawingml/2006/main" xmlns:r="http://schemas.openxmlformats.org/officeDocument/2006/relationships" xmlns:p="http://schemas.openxmlformats.org/presentationml/2006/main">
   <p:cSld>
     <p:spTree>
@@ -19654,7 +16050,7 @@
           <p:nvPr>
             <p:extLst>
               <p:ext uri="{D42A27DB-BD31-4B8C-83A1-F6EECF244321}">
-                <p14:modId xmlns:p14="http://schemas.microsoft.com/office/powerpoint/2010/main" xmlns="" val="2445248753"/>
+                <p14:modId xmlns:p14="http://schemas.microsoft.com/office/powerpoint/2010/main" val="2445248753"/>
               </p:ext>
             </p:extLst>
           </p:nvPr>
@@ -19673,7 +16069,7 @@
                 <a:gridCol w="6587921">
                   <a:extLst>
                     <a:ext uri="{9D8B030D-6E8A-4147-A177-3AD203B41FA5}">
-                      <a16:colId xmlns:a16="http://schemas.microsoft.com/office/drawing/2014/main" xmlns="" val="20000"/>
+                      <a16:colId xmlns="" xmlns:a16="http://schemas.microsoft.com/office/drawing/2014/main" val="20000"/>
                     </a:ext>
                   </a:extLst>
                 </a:gridCol>
@@ -19830,7 +16226,7 @@
                 </a:tc>
                 <a:extLst>
                   <a:ext uri="{0D108BD9-81ED-4DB2-BD59-A6C34878D82A}">
-                    <a16:rowId xmlns:a16="http://schemas.microsoft.com/office/drawing/2014/main" xmlns="" val="10000"/>
+                    <a16:rowId xmlns="" xmlns:a16="http://schemas.microsoft.com/office/drawing/2014/main" val="10000"/>
                   </a:ext>
                 </a:extLst>
               </a:tr>
@@ -19971,7 +16367,7 @@
           <p:nvPr>
             <p:extLst>
               <p:ext uri="{D42A27DB-BD31-4B8C-83A1-F6EECF244321}">
-                <p14:modId xmlns:p14="http://schemas.microsoft.com/office/powerpoint/2010/main" xmlns="" val="1790057861"/>
+                <p14:modId xmlns:p14="http://schemas.microsoft.com/office/powerpoint/2010/main" val="2239327909"/>
               </p:ext>
             </p:extLst>
           </p:nvPr>
@@ -19990,42 +16386,42 @@
                 <a:gridCol w="1380432">
                   <a:extLst>
                     <a:ext uri="{9D8B030D-6E8A-4147-A177-3AD203B41FA5}">
-                      <a16:colId xmlns:a16="http://schemas.microsoft.com/office/drawing/2014/main" xmlns="" val="20000"/>
+                      <a16:colId xmlns="" xmlns:a16="http://schemas.microsoft.com/office/drawing/2014/main" val="20000"/>
                     </a:ext>
                   </a:extLst>
                 </a:gridCol>
                 <a:gridCol w="2195892">
                   <a:extLst>
                     <a:ext uri="{9D8B030D-6E8A-4147-A177-3AD203B41FA5}">
-                      <a16:colId xmlns:a16="http://schemas.microsoft.com/office/drawing/2014/main" xmlns="" val="20001"/>
+                      <a16:colId xmlns="" xmlns:a16="http://schemas.microsoft.com/office/drawing/2014/main" val="20001"/>
                     </a:ext>
                   </a:extLst>
                 </a:gridCol>
                 <a:gridCol w="1086007">
                   <a:extLst>
                     <a:ext uri="{9D8B030D-6E8A-4147-A177-3AD203B41FA5}">
-                      <a16:colId xmlns:a16="http://schemas.microsoft.com/office/drawing/2014/main" xmlns="" val="20002"/>
+                      <a16:colId xmlns="" xmlns:a16="http://schemas.microsoft.com/office/drawing/2014/main" val="20002"/>
                     </a:ext>
                   </a:extLst>
                 </a:gridCol>
                 <a:gridCol w="1927970">
                   <a:extLst>
                     <a:ext uri="{9D8B030D-6E8A-4147-A177-3AD203B41FA5}">
-                      <a16:colId xmlns:a16="http://schemas.microsoft.com/office/drawing/2014/main" xmlns="" val="20003"/>
+                      <a16:colId xmlns="" xmlns:a16="http://schemas.microsoft.com/office/drawing/2014/main" val="20003"/>
                     </a:ext>
                   </a:extLst>
                 </a:gridCol>
                 <a:gridCol w="1233488">
                   <a:extLst>
                     <a:ext uri="{9D8B030D-6E8A-4147-A177-3AD203B41FA5}">
-                      <a16:colId xmlns:a16="http://schemas.microsoft.com/office/drawing/2014/main" xmlns="" val="20004"/>
+                      <a16:colId xmlns="" xmlns:a16="http://schemas.microsoft.com/office/drawing/2014/main" val="20004"/>
                     </a:ext>
                   </a:extLst>
                 </a:gridCol>
                 <a:gridCol w="971549">
                   <a:extLst>
                     <a:ext uri="{9D8B030D-6E8A-4147-A177-3AD203B41FA5}">
-                      <a16:colId xmlns:a16="http://schemas.microsoft.com/office/drawing/2014/main" xmlns="" val="20006"/>
+                      <a16:colId xmlns="" xmlns:a16="http://schemas.microsoft.com/office/drawing/2014/main" val="20006"/>
                     </a:ext>
                   </a:extLst>
                 </a:gridCol>
@@ -20386,6 +16782,16 @@
                       <a:pPr latinLnBrk="1">
                         <a:defRPr lang="ko-KR" altLang="en-US"/>
                       </a:pPr>
+                      <a:r>
+                        <a:rPr lang="ko-KR" altLang="en-US" sz="1000" b="0" dirty="0" err="1" smtClean="0">
+                          <a:solidFill>
+                            <a:schemeClr val="tx1"/>
+                          </a:solidFill>
+                          <a:latin typeface="+mn-ea"/>
+                          <a:ea typeface="+mn-ea"/>
+                        </a:rPr>
+                        <a:t>김아리</a:t>
+                      </a:r>
                       <a:endParaRPr lang="ko-KR" altLang="en-US" sz="1000" b="0" dirty="0">
                         <a:solidFill>
                           <a:schemeClr val="tx1"/>
@@ -20439,7 +16845,7 @@
                 </a:tc>
                 <a:extLst>
                   <a:ext uri="{0D108BD9-81ED-4DB2-BD59-A6C34878D82A}">
-                    <a16:rowId xmlns:a16="http://schemas.microsoft.com/office/drawing/2014/main" xmlns="" val="10000"/>
+                    <a16:rowId xmlns="" xmlns:a16="http://schemas.microsoft.com/office/drawing/2014/main" val="10000"/>
                   </a:ext>
                 </a:extLst>
               </a:tr>
@@ -20456,7 +16862,7 @@
           <p:nvPr>
             <p:extLst>
               <p:ext uri="{D42A27DB-BD31-4B8C-83A1-F6EECF244321}">
-                <p14:modId xmlns:p14="http://schemas.microsoft.com/office/powerpoint/2010/main" xmlns="" val="101464881"/>
+                <p14:modId xmlns:p14="http://schemas.microsoft.com/office/powerpoint/2010/main" val="101464881"/>
               </p:ext>
             </p:extLst>
           </p:nvPr>
@@ -20734,11 +17140,7 @@
             <a:pPr marL="228600" indent="-228600"/>
             <a:r>
               <a:rPr lang="ko-KR" altLang="en-US" sz="900" dirty="0" smtClean="0"/>
-              <a:t>      두 </a:t>
-            </a:r>
-            <a:r>
-              <a:rPr lang="ko-KR" altLang="en-US" sz="900" dirty="0" smtClean="0"/>
-              <a:t>정보가 일치하지 않으면 </a:t>
+              <a:t>      두 정보가 일치하지 않으면 </a:t>
             </a:r>
             <a:endParaRPr lang="en-US" altLang="ko-KR" sz="900" dirty="0" smtClean="0"/>
           </a:p>
@@ -20765,19 +17167,7 @@
             </a:r>
             <a:r>
               <a:rPr lang="ko-KR" altLang="en-US" sz="900" dirty="0" smtClean="0"/>
-              <a:t>라는 메세지가 </a:t>
-            </a:r>
-            <a:r>
-              <a:rPr lang="ko-KR" altLang="en-US" sz="900" dirty="0" smtClean="0"/>
-              <a:t> </a:t>
-            </a:r>
-            <a:r>
-              <a:rPr lang="ko-KR" altLang="en-US" sz="900" dirty="0" smtClean="0"/>
-              <a:t>옆에 </a:t>
-            </a:r>
-            <a:r>
-              <a:rPr lang="ko-KR" altLang="en-US" sz="900" dirty="0" smtClean="0"/>
-              <a:t>뜬다</a:t>
+              <a:t>라는 메세지가  옆에 뜬다</a:t>
             </a:r>
             <a:endParaRPr lang="en-US" altLang="ko-KR" sz="900" dirty="0" smtClean="0"/>
           </a:p>
@@ -20824,7 +17214,7 @@
           <a:blip r:embed="rId2">
             <a:extLst>
               <a:ext uri="{28A0092B-C50C-407E-A947-70E740481C1C}">
-                <a14:useLocalDpi xmlns:a14="http://schemas.microsoft.com/office/drawing/2010/main" xmlns="" val="0"/>
+                <a14:useLocalDpi xmlns:a14="http://schemas.microsoft.com/office/drawing/2010/main" val="0"/>
               </a:ext>
             </a:extLst>
           </a:blip>
@@ -20848,14 +17238,14 @@
           <a:effectLst/>
           <a:extLst>
             <a:ext uri="{909E8E84-426E-40DD-AFC4-6F175D3DCCD1}">
-              <a14:hiddenFill xmlns:a14="http://schemas.microsoft.com/office/drawing/2010/main" xmlns="">
+              <a14:hiddenFill xmlns:a14="http://schemas.microsoft.com/office/drawing/2010/main">
                 <a:solidFill>
                   <a:schemeClr val="accent1"/>
                 </a:solidFill>
               </a14:hiddenFill>
             </a:ext>
             <a:ext uri="{91240B29-F687-4F45-9708-019B960494DF}">
-              <a14:hiddenLine xmlns:a14="http://schemas.microsoft.com/office/drawing/2010/main" xmlns="" w="9525">
+              <a14:hiddenLine xmlns:a14="http://schemas.microsoft.com/office/drawing/2010/main" w="9525">
                 <a:solidFill>
                   <a:schemeClr val="tx1"/>
                 </a:solidFill>
@@ -20865,7 +17255,7 @@
               </a14:hiddenLine>
             </a:ext>
             <a:ext uri="{AF507438-7753-43E0-B8FC-AC1667EBCBE1}">
-              <a14:hiddenEffects xmlns:a14="http://schemas.microsoft.com/office/drawing/2010/main" xmlns="">
+              <a14:hiddenEffects xmlns:a14="http://schemas.microsoft.com/office/drawing/2010/main">
                 <a:effectLst>
                   <a:outerShdw dist="35921" dir="2700000" algn="ctr" rotWithShape="0">
                     <a:schemeClr val="bg2"/>
@@ -21242,7 +17632,1531 @@
     </p:spTree>
     <p:extLst>
       <p:ext uri="{BB962C8B-B14F-4D97-AF65-F5344CB8AC3E}">
-        <p14:creationId xmlns:p14="http://schemas.microsoft.com/office/powerpoint/2010/main" xmlns="" val="789187421"/>
+        <p14:creationId xmlns:p14="http://schemas.microsoft.com/office/powerpoint/2010/main" val="789187421"/>
+      </p:ext>
+    </p:extLst>
+  </p:cSld>
+  <p:clrMapOvr>
+    <a:masterClrMapping/>
+  </p:clrMapOvr>
+  <p:transition/>
+  <p:timing>
+    <p:tnLst>
+      <p:par>
+        <p:cTn id="1" dur="indefinite" restart="never" nodeType="tmRoot"/>
+      </p:par>
+    </p:tnLst>
+  </p:timing>
+</p:sld>
+</file>
+
+<file path=ppt/slides/slide8.xml><?xml version="1.0" encoding="utf-8"?>
+<p:sld xmlns:a="http://schemas.openxmlformats.org/drawingml/2006/main" xmlns:r="http://schemas.openxmlformats.org/officeDocument/2006/relationships" xmlns:p="http://schemas.openxmlformats.org/presentationml/2006/main">
+  <p:cSld>
+    <p:spTree>
+      <p:nvGrpSpPr>
+        <p:cNvPr id="1" name=""/>
+        <p:cNvGrpSpPr/>
+        <p:nvPr/>
+      </p:nvGrpSpPr>
+      <p:grpSpPr>
+        <a:xfrm>
+          <a:off x="0" y="0"/>
+          <a:ext cx="0" cy="0"/>
+          <a:chOff x="0" y="0"/>
+          <a:chExt cx="0" cy="0"/>
+        </a:xfrm>
+      </p:grpSpPr>
+      <p:graphicFrame>
+        <p:nvGraphicFramePr>
+          <p:cNvPr id="34" name="표 33"/>
+          <p:cNvGraphicFramePr>
+            <a:graphicFrameLocks noGrp="1"/>
+          </p:cNvGraphicFramePr>
+          <p:nvPr>
+            <p:extLst>
+              <p:ext uri="{D42A27DB-BD31-4B8C-83A1-F6EECF244321}">
+                <p14:modId xmlns:p14="http://schemas.microsoft.com/office/powerpoint/2010/main" val="2445248753"/>
+              </p:ext>
+            </p:extLst>
+          </p:nvPr>
+        </p:nvGraphicFramePr>
+        <p:xfrm>
+          <a:off x="177211" y="590532"/>
+          <a:ext cx="8795341" cy="6038869"/>
+        </p:xfrm>
+        <a:graphic>
+          <a:graphicData uri="http://schemas.openxmlformats.org/drawingml/2006/table">
+            <a:tbl>
+              <a:tblPr firstRow="1" bandRow="1">
+                <a:tableStyleId>{5C22544A-7EE6-4342-B048-85BDC9FD1C3A}</a:tableStyleId>
+              </a:tblPr>
+              <a:tblGrid>
+                <a:gridCol w="6587921">
+                  <a:extLst>
+                    <a:ext uri="{9D8B030D-6E8A-4147-A177-3AD203B41FA5}">
+                      <a16:colId xmlns="" xmlns:a16="http://schemas.microsoft.com/office/drawing/2014/main" val="20000"/>
+                    </a:ext>
+                  </a:extLst>
+                </a:gridCol>
+                <a:gridCol w="2207420"/>
+              </a:tblGrid>
+              <a:tr h="339580">
+                <a:tc>
+                  <a:txBody>
+                    <a:bodyPr/>
+                    <a:lstStyle/>
+                    <a:p>
+                      <a:pPr algn="ctr" latinLnBrk="1">
+                        <a:defRPr lang="ko-KR" altLang="en-US"/>
+                      </a:pPr>
+                      <a:r>
+                        <a:rPr lang="ko-KR" altLang="en-US" sz="1000" b="0" dirty="0" smtClean="0">
+                          <a:solidFill>
+                            <a:schemeClr val="tx1"/>
+                          </a:solidFill>
+                          <a:latin typeface="+mn-ea"/>
+                          <a:ea typeface="+mn-ea"/>
+                        </a:rPr>
+                        <a:t>화면 구성</a:t>
+                      </a:r>
+                      <a:endParaRPr lang="ko-KR" altLang="en-US" sz="1000" b="0" dirty="0">
+                        <a:solidFill>
+                          <a:schemeClr val="tx1"/>
+                        </a:solidFill>
+                        <a:latin typeface="+mn-ea"/>
+                        <a:ea typeface="+mn-ea"/>
+                      </a:endParaRPr>
+                    </a:p>
+                  </a:txBody>
+                  <a:tcPr anchor="ctr">
+                    <a:lnL w="12700" cap="flat" cmpd="sng" algn="ctr">
+                      <a:solidFill>
+                        <a:schemeClr val="bg1">
+                          <a:lumMod val="65000"/>
+                        </a:schemeClr>
+                      </a:solidFill>
+                      <a:prstDash val="solid"/>
+                      <a:round/>
+                    </a:lnL>
+                    <a:lnR w="12700" cap="flat" cmpd="sng" algn="ctr">
+                      <a:solidFill>
+                        <a:schemeClr val="bg1">
+                          <a:lumMod val="65000"/>
+                        </a:schemeClr>
+                      </a:solidFill>
+                      <a:prstDash val="solid"/>
+                      <a:round/>
+                      <a:headEnd type="none" w="med" len="med"/>
+                      <a:tailEnd type="none" w="med" len="med"/>
+                    </a:lnR>
+                    <a:lnT w="12700" cap="flat" cmpd="sng" algn="ctr">
+                      <a:solidFill>
+                        <a:schemeClr val="bg1">
+                          <a:lumMod val="65000"/>
+                        </a:schemeClr>
+                      </a:solidFill>
+                      <a:prstDash val="solid"/>
+                      <a:round/>
+                    </a:lnT>
+                    <a:lnB w="12700" cap="flat" cmpd="sng" algn="ctr">
+                      <a:solidFill>
+                        <a:schemeClr val="bg1">
+                          <a:lumMod val="65000"/>
+                        </a:schemeClr>
+                      </a:solidFill>
+                      <a:prstDash val="solid"/>
+                      <a:round/>
+                      <a:headEnd type="none" w="med" len="med"/>
+                      <a:tailEnd type="none" w="med" len="med"/>
+                    </a:lnB>
+                    <a:solidFill>
+                      <a:schemeClr val="bg1">
+                        <a:lumMod val="85000"/>
+                      </a:schemeClr>
+                    </a:solidFill>
+                  </a:tcPr>
+                </a:tc>
+                <a:tc>
+                  <a:txBody>
+                    <a:bodyPr/>
+                    <a:lstStyle/>
+                    <a:p>
+                      <a:pPr algn="ctr" latinLnBrk="1">
+                        <a:defRPr lang="ko-KR" altLang="en-US"/>
+                      </a:pPr>
+                      <a:r>
+                        <a:rPr lang="ko-KR" altLang="en-US" sz="1000" b="0" dirty="0" smtClean="0">
+                          <a:solidFill>
+                            <a:schemeClr val="tx1"/>
+                          </a:solidFill>
+                          <a:latin typeface="+mn-ea"/>
+                          <a:ea typeface="+mn-ea"/>
+                        </a:rPr>
+                        <a:t>화면 설명</a:t>
+                      </a:r>
+                      <a:endParaRPr lang="ko-KR" altLang="en-US" sz="1000" b="0" dirty="0">
+                        <a:solidFill>
+                          <a:schemeClr val="tx1"/>
+                        </a:solidFill>
+                        <a:latin typeface="+mn-ea"/>
+                        <a:ea typeface="+mn-ea"/>
+                      </a:endParaRPr>
+                    </a:p>
+                  </a:txBody>
+                  <a:tcPr anchor="ctr">
+                    <a:lnL w="12700" cap="flat" cmpd="sng" algn="ctr">
+                      <a:solidFill>
+                        <a:schemeClr val="bg1">
+                          <a:lumMod val="65000"/>
+                        </a:schemeClr>
+                      </a:solidFill>
+                      <a:prstDash val="solid"/>
+                      <a:round/>
+                    </a:lnL>
+                    <a:lnR w="12700" cap="flat" cmpd="sng" algn="ctr">
+                      <a:solidFill>
+                        <a:schemeClr val="bg1">
+                          <a:lumMod val="65000"/>
+                        </a:schemeClr>
+                      </a:solidFill>
+                      <a:prstDash val="solid"/>
+                      <a:round/>
+                    </a:lnR>
+                    <a:lnT w="12700" cap="flat" cmpd="sng" algn="ctr">
+                      <a:solidFill>
+                        <a:schemeClr val="bg1">
+                          <a:lumMod val="65000"/>
+                        </a:schemeClr>
+                      </a:solidFill>
+                      <a:prstDash val="solid"/>
+                      <a:round/>
+                    </a:lnT>
+                    <a:lnB w="12700" cap="flat" cmpd="sng" algn="ctr">
+                      <a:solidFill>
+                        <a:schemeClr val="bg1">
+                          <a:lumMod val="65000"/>
+                        </a:schemeClr>
+                      </a:solidFill>
+                      <a:prstDash val="solid"/>
+                      <a:round/>
+                      <a:headEnd type="none" w="med" len="med"/>
+                      <a:tailEnd type="none" w="med" len="med"/>
+                    </a:lnB>
+                    <a:solidFill>
+                      <a:schemeClr val="bg1">
+                        <a:lumMod val="85000"/>
+                      </a:schemeClr>
+                    </a:solidFill>
+                  </a:tcPr>
+                </a:tc>
+                <a:extLst>
+                  <a:ext uri="{0D108BD9-81ED-4DB2-BD59-A6C34878D82A}">
+                    <a16:rowId xmlns="" xmlns:a16="http://schemas.microsoft.com/office/drawing/2014/main" val="10000"/>
+                  </a:ext>
+                </a:extLst>
+              </a:tr>
+              <a:tr h="5699289">
+                <a:tc>
+                  <a:txBody>
+                    <a:bodyPr/>
+                    <a:lstStyle/>
+                    <a:p>
+                      <a:pPr algn="ctr" latinLnBrk="1">
+                        <a:defRPr lang="ko-KR" altLang="en-US"/>
+                      </a:pPr>
+                      <a:endParaRPr lang="ko-KR" altLang="en-US" sz="1000" b="0" dirty="0">
+                        <a:solidFill>
+                          <a:schemeClr val="tx1"/>
+                        </a:solidFill>
+                        <a:latin typeface="+mn-ea"/>
+                        <a:ea typeface="+mn-ea"/>
+                      </a:endParaRPr>
+                    </a:p>
+                  </a:txBody>
+                  <a:tcPr anchor="ctr">
+                    <a:lnL w="12700" cap="flat" cmpd="sng" algn="ctr">
+                      <a:solidFill>
+                        <a:schemeClr val="bg1">
+                          <a:lumMod val="65000"/>
+                        </a:schemeClr>
+                      </a:solidFill>
+                      <a:prstDash val="solid"/>
+                      <a:round/>
+                    </a:lnL>
+                    <a:lnR w="12700" cap="flat" cmpd="sng" algn="ctr">
+                      <a:solidFill>
+                        <a:schemeClr val="bg1">
+                          <a:lumMod val="65000"/>
+                        </a:schemeClr>
+                      </a:solidFill>
+                      <a:prstDash val="solid"/>
+                      <a:round/>
+                      <a:headEnd type="none" w="med" len="med"/>
+                      <a:tailEnd type="none" w="med" len="med"/>
+                    </a:lnR>
+                    <a:lnT w="12700" cap="flat" cmpd="sng" algn="ctr">
+                      <a:solidFill>
+                        <a:schemeClr val="bg1">
+                          <a:lumMod val="65000"/>
+                        </a:schemeClr>
+                      </a:solidFill>
+                      <a:prstDash val="solid"/>
+                      <a:round/>
+                    </a:lnT>
+                    <a:lnB w="12700" cap="flat" cmpd="sng" algn="ctr">
+                      <a:solidFill>
+                        <a:schemeClr val="bg1">
+                          <a:lumMod val="65000"/>
+                        </a:schemeClr>
+                      </a:solidFill>
+                      <a:prstDash val="solid"/>
+                      <a:round/>
+                      <a:headEnd type="none" w="med" len="med"/>
+                      <a:tailEnd type="none" w="med" len="med"/>
+                    </a:lnB>
+                    <a:noFill/>
+                  </a:tcPr>
+                </a:tc>
+                <a:tc>
+                  <a:txBody>
+                    <a:bodyPr/>
+                    <a:lstStyle/>
+                    <a:p>
+                      <a:pPr algn="ctr" latinLnBrk="1">
+                        <a:defRPr lang="ko-KR" altLang="en-US"/>
+                      </a:pPr>
+                      <a:endParaRPr lang="ko-KR" altLang="en-US" sz="1000" b="0" dirty="0">
+                        <a:solidFill>
+                          <a:schemeClr val="tx1"/>
+                        </a:solidFill>
+                        <a:latin typeface="+mn-ea"/>
+                        <a:ea typeface="+mn-ea"/>
+                      </a:endParaRPr>
+                    </a:p>
+                  </a:txBody>
+                  <a:tcPr anchor="ctr">
+                    <a:lnL w="12700" cap="flat" cmpd="sng" algn="ctr">
+                      <a:solidFill>
+                        <a:schemeClr val="bg1">
+                          <a:lumMod val="65000"/>
+                        </a:schemeClr>
+                      </a:solidFill>
+                      <a:prstDash val="solid"/>
+                      <a:round/>
+                      <a:headEnd type="none" w="med" len="med"/>
+                      <a:tailEnd type="none" w="med" len="med"/>
+                    </a:lnL>
+                    <a:lnR w="12700" cap="flat" cmpd="sng" algn="ctr">
+                      <a:solidFill>
+                        <a:schemeClr val="bg1">
+                          <a:lumMod val="65000"/>
+                        </a:schemeClr>
+                      </a:solidFill>
+                      <a:prstDash val="solid"/>
+                      <a:round/>
+                    </a:lnR>
+                    <a:lnT w="12700" cap="flat" cmpd="sng" algn="ctr">
+                      <a:solidFill>
+                        <a:schemeClr val="bg1">
+                          <a:lumMod val="65000"/>
+                        </a:schemeClr>
+                      </a:solidFill>
+                      <a:prstDash val="solid"/>
+                      <a:round/>
+                    </a:lnT>
+                    <a:lnB w="12700" cap="flat" cmpd="sng" algn="ctr">
+                      <a:solidFill>
+                        <a:schemeClr val="bg1">
+                          <a:lumMod val="65000"/>
+                        </a:schemeClr>
+                      </a:solidFill>
+                      <a:prstDash val="solid"/>
+                      <a:round/>
+                      <a:headEnd type="none" w="med" len="med"/>
+                      <a:tailEnd type="none" w="med" len="med"/>
+                    </a:lnB>
+                    <a:noFill/>
+                  </a:tcPr>
+                </a:tc>
+              </a:tr>
+            </a:tbl>
+          </a:graphicData>
+        </a:graphic>
+      </p:graphicFrame>
+      <p:graphicFrame>
+        <p:nvGraphicFramePr>
+          <p:cNvPr id="26" name="표 25"/>
+          <p:cNvGraphicFramePr>
+            <a:graphicFrameLocks noGrp="1"/>
+          </p:cNvGraphicFramePr>
+          <p:nvPr>
+            <p:extLst>
+              <p:ext uri="{D42A27DB-BD31-4B8C-83A1-F6EECF244321}">
+                <p14:modId xmlns:p14="http://schemas.microsoft.com/office/powerpoint/2010/main" val="3641554106"/>
+              </p:ext>
+            </p:extLst>
+          </p:nvPr>
+        </p:nvGraphicFramePr>
+        <p:xfrm>
+          <a:off x="177212" y="214290"/>
+          <a:ext cx="8795338" cy="370840"/>
+        </p:xfrm>
+        <a:graphic>
+          <a:graphicData uri="http://schemas.openxmlformats.org/drawingml/2006/table">
+            <a:tbl>
+              <a:tblPr firstRow="1" bandRow="1">
+                <a:tableStyleId>{5C22544A-7EE6-4342-B048-85BDC9FD1C3A}</a:tableStyleId>
+              </a:tblPr>
+              <a:tblGrid>
+                <a:gridCol w="1380432">
+                  <a:extLst>
+                    <a:ext uri="{9D8B030D-6E8A-4147-A177-3AD203B41FA5}">
+                      <a16:colId xmlns="" xmlns:a16="http://schemas.microsoft.com/office/drawing/2014/main" val="20000"/>
+                    </a:ext>
+                  </a:extLst>
+                </a:gridCol>
+                <a:gridCol w="2195892">
+                  <a:extLst>
+                    <a:ext uri="{9D8B030D-6E8A-4147-A177-3AD203B41FA5}">
+                      <a16:colId xmlns="" xmlns:a16="http://schemas.microsoft.com/office/drawing/2014/main" val="20001"/>
+                    </a:ext>
+                  </a:extLst>
+                </a:gridCol>
+                <a:gridCol w="1086007">
+                  <a:extLst>
+                    <a:ext uri="{9D8B030D-6E8A-4147-A177-3AD203B41FA5}">
+                      <a16:colId xmlns="" xmlns:a16="http://schemas.microsoft.com/office/drawing/2014/main" val="20002"/>
+                    </a:ext>
+                  </a:extLst>
+                </a:gridCol>
+                <a:gridCol w="1927970">
+                  <a:extLst>
+                    <a:ext uri="{9D8B030D-6E8A-4147-A177-3AD203B41FA5}">
+                      <a16:colId xmlns="" xmlns:a16="http://schemas.microsoft.com/office/drawing/2014/main" val="20003"/>
+                    </a:ext>
+                  </a:extLst>
+                </a:gridCol>
+                <a:gridCol w="1233488">
+                  <a:extLst>
+                    <a:ext uri="{9D8B030D-6E8A-4147-A177-3AD203B41FA5}">
+                      <a16:colId xmlns="" xmlns:a16="http://schemas.microsoft.com/office/drawing/2014/main" val="20004"/>
+                    </a:ext>
+                  </a:extLst>
+                </a:gridCol>
+                <a:gridCol w="971549">
+                  <a:extLst>
+                    <a:ext uri="{9D8B030D-6E8A-4147-A177-3AD203B41FA5}">
+                      <a16:colId xmlns="" xmlns:a16="http://schemas.microsoft.com/office/drawing/2014/main" val="20006"/>
+                    </a:ext>
+                  </a:extLst>
+                </a:gridCol>
+              </a:tblGrid>
+              <a:tr h="370840">
+                <a:tc>
+                  <a:txBody>
+                    <a:bodyPr/>
+                    <a:lstStyle/>
+                    <a:p>
+                      <a:pPr algn="ctr" latinLnBrk="1">
+                        <a:defRPr lang="ko-KR" altLang="en-US"/>
+                      </a:pPr>
+                      <a:r>
+                        <a:rPr lang="ko-KR" altLang="en-US" sz="1000" b="0" dirty="0" smtClean="0">
+                          <a:solidFill>
+                            <a:schemeClr val="tx1"/>
+                          </a:solidFill>
+                          <a:latin typeface="+mn-ea"/>
+                          <a:ea typeface="+mn-ea"/>
+                        </a:rPr>
+                        <a:t>프로젝트 명 </a:t>
+                      </a:r>
+                      <a:endParaRPr lang="ko-KR" altLang="en-US" sz="1000" b="0" dirty="0">
+                        <a:solidFill>
+                          <a:schemeClr val="tx1"/>
+                        </a:solidFill>
+                        <a:latin typeface="+mn-ea"/>
+                        <a:ea typeface="+mn-ea"/>
+                      </a:endParaRPr>
+                    </a:p>
+                  </a:txBody>
+                  <a:tcPr anchor="ctr">
+                    <a:lnL w="12700" cap="flat" cmpd="sng" algn="ctr">
+                      <a:solidFill>
+                        <a:schemeClr val="bg1">
+                          <a:lumMod val="65000"/>
+                        </a:schemeClr>
+                      </a:solidFill>
+                      <a:prstDash val="solid"/>
+                      <a:round/>
+                    </a:lnL>
+                    <a:lnR w="12700" cap="flat" cmpd="sng" algn="ctr">
+                      <a:solidFill>
+                        <a:schemeClr val="bg1">
+                          <a:lumMod val="65000"/>
+                        </a:schemeClr>
+                      </a:solidFill>
+                      <a:prstDash val="solid"/>
+                      <a:round/>
+                    </a:lnR>
+                    <a:lnT w="12700" cap="flat" cmpd="sng" algn="ctr">
+                      <a:solidFill>
+                        <a:schemeClr val="bg1">
+                          <a:lumMod val="65000"/>
+                        </a:schemeClr>
+                      </a:solidFill>
+                      <a:prstDash val="solid"/>
+                      <a:round/>
+                    </a:lnT>
+                    <a:lnB w="12700" cap="flat" cmpd="sng" algn="ctr">
+                      <a:solidFill>
+                        <a:schemeClr val="bg1">
+                          <a:lumMod val="65000"/>
+                        </a:schemeClr>
+                      </a:solidFill>
+                      <a:prstDash val="solid"/>
+                      <a:round/>
+                    </a:lnB>
+                    <a:solidFill>
+                      <a:schemeClr val="bg1">
+                        <a:lumMod val="85000"/>
+                      </a:schemeClr>
+                    </a:solidFill>
+                  </a:tcPr>
+                </a:tc>
+                <a:tc>
+                  <a:txBody>
+                    <a:bodyPr/>
+                    <a:lstStyle/>
+                    <a:p>
+                      <a:pPr latinLnBrk="1">
+                        <a:defRPr lang="ko-KR" altLang="en-US"/>
+                      </a:pPr>
+                      <a:r>
+                        <a:rPr lang="en-US" altLang="ko-KR" sz="1000" b="0" dirty="0" smtClean="0">
+                          <a:solidFill>
+                            <a:schemeClr val="tx1"/>
+                          </a:solidFill>
+                          <a:latin typeface="+mn-ea"/>
+                          <a:ea typeface="+mn-ea"/>
+                        </a:rPr>
+                        <a:t>99s</a:t>
+                      </a:r>
+                      <a:endParaRPr lang="ko-KR" altLang="en-US" sz="1000" b="0" dirty="0">
+                        <a:solidFill>
+                          <a:schemeClr val="tx1"/>
+                        </a:solidFill>
+                        <a:latin typeface="+mn-ea"/>
+                        <a:ea typeface="+mn-ea"/>
+                      </a:endParaRPr>
+                    </a:p>
+                  </a:txBody>
+                  <a:tcPr anchor="ctr">
+                    <a:lnL w="12700" cap="flat" cmpd="sng" algn="ctr">
+                      <a:solidFill>
+                        <a:schemeClr val="bg1">
+                          <a:lumMod val="65000"/>
+                        </a:schemeClr>
+                      </a:solidFill>
+                      <a:prstDash val="solid"/>
+                      <a:round/>
+                    </a:lnL>
+                    <a:lnR w="12700" cap="flat" cmpd="sng" algn="ctr">
+                      <a:solidFill>
+                        <a:schemeClr val="bg1">
+                          <a:lumMod val="65000"/>
+                        </a:schemeClr>
+                      </a:solidFill>
+                      <a:prstDash val="solid"/>
+                      <a:round/>
+                    </a:lnR>
+                    <a:lnT w="12700" cap="flat" cmpd="sng" algn="ctr">
+                      <a:solidFill>
+                        <a:schemeClr val="bg1">
+                          <a:lumMod val="65000"/>
+                        </a:schemeClr>
+                      </a:solidFill>
+                      <a:prstDash val="solid"/>
+                      <a:round/>
+                    </a:lnT>
+                    <a:lnB w="12700" cap="flat" cmpd="sng" algn="ctr">
+                      <a:solidFill>
+                        <a:schemeClr val="bg1">
+                          <a:lumMod val="65000"/>
+                        </a:schemeClr>
+                      </a:solidFill>
+                      <a:prstDash val="solid"/>
+                      <a:round/>
+                    </a:lnB>
+                    <a:noFill/>
+                  </a:tcPr>
+                </a:tc>
+                <a:tc>
+                  <a:txBody>
+                    <a:bodyPr/>
+                    <a:lstStyle/>
+                    <a:p>
+                      <a:pPr algn="ctr" latinLnBrk="1">
+                        <a:defRPr lang="ko-KR" altLang="en-US"/>
+                      </a:pPr>
+                      <a:r>
+                        <a:rPr lang="ko-KR" altLang="en-US" sz="1000" b="0" dirty="0" smtClean="0">
+                          <a:solidFill>
+                            <a:schemeClr val="tx1"/>
+                          </a:solidFill>
+                          <a:latin typeface="+mn-ea"/>
+                          <a:ea typeface="+mn-ea"/>
+                        </a:rPr>
+                        <a:t>페이지 명</a:t>
+                      </a:r>
+                      <a:endParaRPr lang="ko-KR" altLang="en-US" sz="1000" b="0" dirty="0">
+                        <a:solidFill>
+                          <a:schemeClr val="tx1"/>
+                        </a:solidFill>
+                        <a:latin typeface="+mn-ea"/>
+                        <a:ea typeface="+mn-ea"/>
+                      </a:endParaRPr>
+                    </a:p>
+                  </a:txBody>
+                  <a:tcPr anchor="ctr">
+                    <a:lnL w="12700" cap="flat" cmpd="sng" algn="ctr">
+                      <a:solidFill>
+                        <a:schemeClr val="bg1">
+                          <a:lumMod val="65000"/>
+                        </a:schemeClr>
+                      </a:solidFill>
+                      <a:prstDash val="solid"/>
+                      <a:round/>
+                    </a:lnL>
+                    <a:lnR w="12700" cap="flat" cmpd="sng" algn="ctr">
+                      <a:solidFill>
+                        <a:schemeClr val="bg1">
+                          <a:lumMod val="65000"/>
+                        </a:schemeClr>
+                      </a:solidFill>
+                      <a:prstDash val="solid"/>
+                      <a:round/>
+                    </a:lnR>
+                    <a:lnT w="12700" cap="flat" cmpd="sng" algn="ctr">
+                      <a:solidFill>
+                        <a:schemeClr val="bg1">
+                          <a:lumMod val="65000"/>
+                        </a:schemeClr>
+                      </a:solidFill>
+                      <a:prstDash val="solid"/>
+                      <a:round/>
+                    </a:lnT>
+                    <a:lnB w="12700" cap="flat" cmpd="sng" algn="ctr">
+                      <a:solidFill>
+                        <a:schemeClr val="bg1">
+                          <a:lumMod val="65000"/>
+                        </a:schemeClr>
+                      </a:solidFill>
+                      <a:prstDash val="solid"/>
+                      <a:round/>
+                    </a:lnB>
+                    <a:solidFill>
+                      <a:schemeClr val="bg1">
+                        <a:lumMod val="85000"/>
+                      </a:schemeClr>
+                    </a:solidFill>
+                  </a:tcPr>
+                </a:tc>
+                <a:tc>
+                  <a:txBody>
+                    <a:bodyPr/>
+                    <a:lstStyle/>
+                    <a:p>
+                      <a:pPr latinLnBrk="1">
+                        <a:defRPr lang="ko-KR" altLang="en-US"/>
+                      </a:pPr>
+                      <a:r>
+                        <a:rPr lang="ko-KR" altLang="en-US" sz="1000" b="0" dirty="0" smtClean="0">
+                          <a:solidFill>
+                            <a:schemeClr val="tx1"/>
+                          </a:solidFill>
+                          <a:latin typeface="+mn-ea"/>
+                          <a:ea typeface="+mn-ea"/>
+                        </a:rPr>
+                        <a:t>비밀번호 변경 성공</a:t>
+                      </a:r>
+                      <a:endParaRPr lang="ko-KR" altLang="en-US" sz="1000" b="0" dirty="0">
+                        <a:solidFill>
+                          <a:schemeClr val="tx1"/>
+                        </a:solidFill>
+                        <a:latin typeface="+mn-ea"/>
+                        <a:ea typeface="+mn-ea"/>
+                      </a:endParaRPr>
+                    </a:p>
+                  </a:txBody>
+                  <a:tcPr anchor="ctr">
+                    <a:lnL w="12700" cap="flat" cmpd="sng" algn="ctr">
+                      <a:solidFill>
+                        <a:schemeClr val="bg1">
+                          <a:lumMod val="65000"/>
+                        </a:schemeClr>
+                      </a:solidFill>
+                      <a:prstDash val="solid"/>
+                      <a:round/>
+                    </a:lnL>
+                    <a:lnR w="12700" cap="flat" cmpd="sng" algn="ctr">
+                      <a:solidFill>
+                        <a:schemeClr val="bg1">
+                          <a:lumMod val="65000"/>
+                        </a:schemeClr>
+                      </a:solidFill>
+                      <a:prstDash val="solid"/>
+                      <a:round/>
+                    </a:lnR>
+                    <a:lnT w="12700" cap="flat" cmpd="sng" algn="ctr">
+                      <a:solidFill>
+                        <a:schemeClr val="bg1">
+                          <a:lumMod val="65000"/>
+                        </a:schemeClr>
+                      </a:solidFill>
+                      <a:prstDash val="solid"/>
+                      <a:round/>
+                    </a:lnT>
+                    <a:lnB w="12700" cap="flat" cmpd="sng" algn="ctr">
+                      <a:solidFill>
+                        <a:schemeClr val="bg1">
+                          <a:lumMod val="65000"/>
+                        </a:schemeClr>
+                      </a:solidFill>
+                      <a:prstDash val="solid"/>
+                      <a:round/>
+                    </a:lnB>
+                    <a:noFill/>
+                  </a:tcPr>
+                </a:tc>
+                <a:tc>
+                  <a:txBody>
+                    <a:bodyPr/>
+                    <a:lstStyle/>
+                    <a:p>
+                      <a:pPr algn="ctr" latinLnBrk="1">
+                        <a:defRPr lang="ko-KR" altLang="en-US"/>
+                      </a:pPr>
+                      <a:r>
+                        <a:rPr lang="ko-KR" altLang="en-US" sz="1000" b="0" dirty="0" smtClean="0">
+                          <a:solidFill>
+                            <a:schemeClr val="tx1"/>
+                          </a:solidFill>
+                          <a:latin typeface="+mn-ea"/>
+                          <a:ea typeface="+mn-ea"/>
+                        </a:rPr>
+                        <a:t>작성자</a:t>
+                      </a:r>
+                      <a:endParaRPr lang="ko-KR" altLang="en-US" sz="1000" b="0" dirty="0">
+                        <a:solidFill>
+                          <a:schemeClr val="tx1"/>
+                        </a:solidFill>
+                        <a:latin typeface="+mn-ea"/>
+                        <a:ea typeface="+mn-ea"/>
+                      </a:endParaRPr>
+                    </a:p>
+                  </a:txBody>
+                  <a:tcPr anchor="ctr">
+                    <a:lnL w="12700" cap="flat" cmpd="sng" algn="ctr">
+                      <a:solidFill>
+                        <a:schemeClr val="bg1">
+                          <a:lumMod val="65000"/>
+                        </a:schemeClr>
+                      </a:solidFill>
+                      <a:prstDash val="solid"/>
+                      <a:round/>
+                    </a:lnL>
+                    <a:lnR w="12700" cap="flat" cmpd="sng" algn="ctr">
+                      <a:solidFill>
+                        <a:schemeClr val="bg1">
+                          <a:lumMod val="65000"/>
+                        </a:schemeClr>
+                      </a:solidFill>
+                      <a:prstDash val="solid"/>
+                      <a:round/>
+                    </a:lnR>
+                    <a:lnT w="12700" cap="flat" cmpd="sng" algn="ctr">
+                      <a:solidFill>
+                        <a:schemeClr val="bg1">
+                          <a:lumMod val="65000"/>
+                        </a:schemeClr>
+                      </a:solidFill>
+                      <a:prstDash val="solid"/>
+                      <a:round/>
+                    </a:lnT>
+                    <a:lnB w="12700" cap="flat" cmpd="sng" algn="ctr">
+                      <a:solidFill>
+                        <a:schemeClr val="bg1">
+                          <a:lumMod val="65000"/>
+                        </a:schemeClr>
+                      </a:solidFill>
+                      <a:prstDash val="solid"/>
+                      <a:round/>
+                    </a:lnB>
+                    <a:solidFill>
+                      <a:schemeClr val="bg1">
+                        <a:lumMod val="85000"/>
+                      </a:schemeClr>
+                    </a:solidFill>
+                  </a:tcPr>
+                </a:tc>
+                <a:tc>
+                  <a:txBody>
+                    <a:bodyPr/>
+                    <a:lstStyle/>
+                    <a:p>
+                      <a:pPr latinLnBrk="1">
+                        <a:defRPr lang="ko-KR" altLang="en-US"/>
+                      </a:pPr>
+                      <a:r>
+                        <a:rPr lang="ko-KR" altLang="en-US" sz="1000" b="0" dirty="0" err="1" smtClean="0">
+                          <a:solidFill>
+                            <a:schemeClr val="tx1"/>
+                          </a:solidFill>
+                          <a:latin typeface="+mn-ea"/>
+                          <a:ea typeface="+mn-ea"/>
+                        </a:rPr>
+                        <a:t>김아리</a:t>
+                      </a:r>
+                      <a:endParaRPr lang="ko-KR" altLang="en-US" sz="1000" b="0" dirty="0">
+                        <a:solidFill>
+                          <a:schemeClr val="tx1"/>
+                        </a:solidFill>
+                        <a:latin typeface="+mn-ea"/>
+                        <a:ea typeface="+mn-ea"/>
+                      </a:endParaRPr>
+                    </a:p>
+                  </a:txBody>
+                  <a:tcPr anchor="ctr">
+                    <a:lnL w="12700" cap="flat" cmpd="sng" algn="ctr">
+                      <a:solidFill>
+                        <a:schemeClr val="bg1">
+                          <a:lumMod val="65000"/>
+                        </a:schemeClr>
+                      </a:solidFill>
+                      <a:prstDash val="solid"/>
+                      <a:round/>
+                      <a:headEnd type="none" w="med" len="med"/>
+                      <a:tailEnd type="none" w="med" len="med"/>
+                    </a:lnL>
+                    <a:lnR w="12700" cap="flat" cmpd="sng" algn="ctr">
+                      <a:solidFill>
+                        <a:schemeClr val="bg1">
+                          <a:lumMod val="65000"/>
+                        </a:schemeClr>
+                      </a:solidFill>
+                      <a:prstDash val="solid"/>
+                      <a:round/>
+                    </a:lnR>
+                    <a:lnT w="12700" cap="flat" cmpd="sng" algn="ctr">
+                      <a:solidFill>
+                        <a:schemeClr val="bg1">
+                          <a:lumMod val="65000"/>
+                        </a:schemeClr>
+                      </a:solidFill>
+                      <a:prstDash val="solid"/>
+                      <a:round/>
+                    </a:lnT>
+                    <a:lnB w="12700" cap="flat" cmpd="sng" algn="ctr">
+                      <a:solidFill>
+                        <a:schemeClr val="bg1">
+                          <a:lumMod val="65000"/>
+                        </a:schemeClr>
+                      </a:solidFill>
+                      <a:prstDash val="solid"/>
+                      <a:round/>
+                    </a:lnB>
+                    <a:noFill/>
+                  </a:tcPr>
+                </a:tc>
+                <a:extLst>
+                  <a:ext uri="{0D108BD9-81ED-4DB2-BD59-A6C34878D82A}">
+                    <a16:rowId xmlns="" xmlns:a16="http://schemas.microsoft.com/office/drawing/2014/main" val="10000"/>
+                  </a:ext>
+                </a:extLst>
+              </a:tr>
+            </a:tbl>
+          </a:graphicData>
+        </a:graphic>
+      </p:graphicFrame>
+      <p:graphicFrame>
+        <p:nvGraphicFramePr>
+          <p:cNvPr id="23" name="표 22"/>
+          <p:cNvGraphicFramePr>
+            <a:graphicFrameLocks noGrp="1"/>
+          </p:cNvGraphicFramePr>
+          <p:nvPr>
+            <p:extLst>
+              <p:ext uri="{D42A27DB-BD31-4B8C-83A1-F6EECF244321}">
+                <p14:modId xmlns:p14="http://schemas.microsoft.com/office/powerpoint/2010/main" val="101464881"/>
+              </p:ext>
+            </p:extLst>
+          </p:nvPr>
+        </p:nvGraphicFramePr>
+        <p:xfrm>
+          <a:off x="6781801" y="4845390"/>
+          <a:ext cx="2158313" cy="1798320"/>
+        </p:xfrm>
+        <a:graphic>
+          <a:graphicData uri="http://schemas.openxmlformats.org/drawingml/2006/table">
+            <a:tbl>
+              <a:tblPr firstRow="1" bandRow="1">
+                <a:tableStyleId>{F5AB1C69-6EDB-4FF4-983F-18BD219EF322}</a:tableStyleId>
+              </a:tblPr>
+              <a:tblGrid>
+                <a:gridCol w="2158313"/>
+              </a:tblGrid>
+              <a:tr h="170543">
+                <a:tc>
+                  <a:txBody>
+                    <a:bodyPr/>
+                    <a:lstStyle/>
+                    <a:p>
+                      <a:pPr algn="ctr" latinLnBrk="1"/>
+                      <a:r>
+                        <a:rPr lang="ko-KR" altLang="en-US" sz="1200" dirty="0" smtClean="0"/>
+                        <a:t>경로</a:t>
+                      </a:r>
+                      <a:endParaRPr lang="ko-KR" altLang="en-US" sz="1200" dirty="0"/>
+                    </a:p>
+                  </a:txBody>
+                  <a:tcPr marL="68580" marR="68580"/>
+                </a:tc>
+              </a:tr>
+              <a:tr h="170543">
+                <a:tc>
+                  <a:txBody>
+                    <a:bodyPr/>
+                    <a:lstStyle/>
+                    <a:p>
+                      <a:pPr latinLnBrk="1"/>
+                      <a:r>
+                        <a:rPr lang="en-US" altLang="ko-KR" sz="1200" dirty="0" smtClean="0"/>
+                        <a:t>Request</a:t>
+                      </a:r>
+                      <a:endParaRPr lang="ko-KR" altLang="en-US" sz="1200" dirty="0"/>
+                    </a:p>
+                  </a:txBody>
+                  <a:tcPr marL="68580" marR="68580"/>
+                </a:tc>
+              </a:tr>
+              <a:tr h="170543">
+                <a:tc>
+                  <a:txBody>
+                    <a:bodyPr/>
+                    <a:lstStyle/>
+                    <a:p>
+                      <a:pPr marL="0" marR="0" indent="0" algn="l" defTabSz="914400" rtl="0" eaLnBrk="1" fontAlgn="auto" latinLnBrk="1" hangingPunct="1">
+                        <a:lnSpc>
+                          <a:spcPct val="100000"/>
+                        </a:lnSpc>
+                        <a:spcBef>
+                          <a:spcPts val="0"/>
+                        </a:spcBef>
+                        <a:spcAft>
+                          <a:spcPts val="0"/>
+                        </a:spcAft>
+                        <a:buClrTx/>
+                        <a:buSzTx/>
+                        <a:buFontTx/>
+                        <a:buNone/>
+                        <a:tabLst/>
+                        <a:defRPr/>
+                      </a:pPr>
+                      <a:r>
+                        <a:rPr lang="en-US" altLang="ko-KR" sz="1000" dirty="0" smtClean="0"/>
+                        <a:t>/</a:t>
+                      </a:r>
+                      <a:r>
+                        <a:rPr lang="en-US" altLang="ko-KR" sz="1000" dirty="0" smtClean="0">
+                          <a:solidFill>
+                            <a:schemeClr val="tx1"/>
+                          </a:solidFill>
+                        </a:rPr>
+                        <a:t>pwSuccess</a:t>
+                      </a:r>
+                      <a:endParaRPr lang="ko-KR" altLang="en-US" sz="1000" dirty="0"/>
+                    </a:p>
+                  </a:txBody>
+                  <a:tcPr marL="68580" marR="68580"/>
+                </a:tc>
+              </a:tr>
+              <a:tr h="170543">
+                <a:tc>
+                  <a:txBody>
+                    <a:bodyPr/>
+                    <a:lstStyle/>
+                    <a:p>
+                      <a:pPr latinLnBrk="1"/>
+                      <a:r>
+                        <a:rPr lang="en-US" altLang="ko-KR" sz="1200" dirty="0" smtClean="0"/>
+                        <a:t>Controller</a:t>
+                      </a:r>
+                      <a:endParaRPr lang="ko-KR" altLang="en-US" sz="1200" dirty="0"/>
+                    </a:p>
+                  </a:txBody>
+                  <a:tcPr marL="68580" marR="68580"/>
+                </a:tc>
+              </a:tr>
+              <a:tr h="170543">
+                <a:tc>
+                  <a:txBody>
+                    <a:bodyPr/>
+                    <a:lstStyle/>
+                    <a:p>
+                      <a:pPr marL="0" marR="0" indent="0" algn="l" defTabSz="914400" rtl="0" eaLnBrk="1" fontAlgn="auto" latinLnBrk="1" hangingPunct="1">
+                        <a:lnSpc>
+                          <a:spcPct val="100000"/>
+                        </a:lnSpc>
+                        <a:spcBef>
+                          <a:spcPts val="0"/>
+                        </a:spcBef>
+                        <a:spcAft>
+                          <a:spcPts val="0"/>
+                        </a:spcAft>
+                        <a:buClrTx/>
+                        <a:buSzTx/>
+                        <a:buFontTx/>
+                        <a:buNone/>
+                        <a:tabLst/>
+                        <a:defRPr/>
+                      </a:pPr>
+                      <a:r>
+                        <a:rPr lang="en-US" altLang="ko-KR" sz="1000" dirty="0" smtClean="0"/>
+                        <a:t>loginController</a:t>
+                      </a:r>
+                      <a:endParaRPr lang="ko-KR" altLang="en-US" sz="1000" dirty="0" smtClean="0"/>
+                    </a:p>
+                  </a:txBody>
+                  <a:tcPr marL="68580" marR="68580"/>
+                </a:tc>
+              </a:tr>
+              <a:tr h="170543">
+                <a:tc>
+                  <a:txBody>
+                    <a:bodyPr/>
+                    <a:lstStyle/>
+                    <a:p>
+                      <a:pPr latinLnBrk="1"/>
+                      <a:r>
+                        <a:rPr lang="en-US" altLang="ko-KR" sz="1000" dirty="0" smtClean="0"/>
+                        <a:t>View</a:t>
+                      </a:r>
+                      <a:endParaRPr lang="ko-KR" altLang="en-US" sz="1000" dirty="0"/>
+                    </a:p>
+                  </a:txBody>
+                  <a:tcPr marL="68580" marR="68580"/>
+                </a:tc>
+              </a:tr>
+              <a:tr h="170543">
+                <a:tc>
+                  <a:txBody>
+                    <a:bodyPr/>
+                    <a:lstStyle/>
+                    <a:p>
+                      <a:pPr latinLnBrk="1"/>
+                      <a:r>
+                        <a:rPr lang="en-US" altLang="ko-KR" sz="1000" dirty="0" smtClean="0">
+                          <a:solidFill>
+                            <a:schemeClr val="tx1"/>
+                          </a:solidFill>
+                        </a:rPr>
+                        <a:t>pwSuccess.jsp</a:t>
+                      </a:r>
+                      <a:endParaRPr lang="ko-KR" altLang="en-US" sz="1000" dirty="0"/>
+                    </a:p>
+                  </a:txBody>
+                  <a:tcPr marL="68580" marR="68580"/>
+                </a:tc>
+              </a:tr>
+            </a:tbl>
+          </a:graphicData>
+        </a:graphic>
+      </p:graphicFrame>
+      <p:pic>
+        <p:nvPicPr>
+          <p:cNvPr id="5" name="Picture 2"/>
+          <p:cNvPicPr preferRelativeResize="0">
+            <a:picLocks noChangeArrowheads="1"/>
+          </p:cNvPicPr>
+          <p:nvPr/>
+        </p:nvPicPr>
+        <p:blipFill>
+          <a:blip r:embed="rId2">
+            <a:extLst>
+              <a:ext uri="{28A0092B-C50C-407E-A947-70E740481C1C}">
+                <a14:useLocalDpi xmlns:a14="http://schemas.microsoft.com/office/drawing/2010/main" val="0"/>
+              </a:ext>
+            </a:extLst>
+          </a:blip>
+          <a:srcRect/>
+          <a:stretch>
+            <a:fillRect/>
+          </a:stretch>
+        </p:blipFill>
+        <p:spPr bwMode="auto">
+          <a:xfrm>
+            <a:off x="500400" y="1918800"/>
+            <a:ext cx="5878800" cy="3600000"/>
+          </a:xfrm>
+          <a:prstGeom prst="rect">
+            <a:avLst/>
+          </a:prstGeom>
+          <a:noFill/>
+          <a:ln>
+            <a:noFill/>
+          </a:ln>
+          <a:effectLst/>
+          <a:extLst>
+            <a:ext uri="{909E8E84-426E-40DD-AFC4-6F175D3DCCD1}">
+              <a14:hiddenFill xmlns:a14="http://schemas.microsoft.com/office/drawing/2010/main">
+                <a:solidFill>
+                  <a:schemeClr val="accent1"/>
+                </a:solidFill>
+              </a14:hiddenFill>
+            </a:ext>
+            <a:ext uri="{91240B29-F687-4F45-9708-019B960494DF}">
+              <a14:hiddenLine xmlns:a14="http://schemas.microsoft.com/office/drawing/2010/main" w="9525">
+                <a:solidFill>
+                  <a:schemeClr val="tx1"/>
+                </a:solidFill>
+                <a:miter lim="800000"/>
+                <a:headEnd/>
+                <a:tailEnd/>
+              </a14:hiddenLine>
+            </a:ext>
+            <a:ext uri="{AF507438-7753-43E0-B8FC-AC1667EBCBE1}">
+              <a14:hiddenEffects xmlns:a14="http://schemas.microsoft.com/office/drawing/2010/main">
+                <a:effectLst>
+                  <a:outerShdw dist="35921" dir="2700000" algn="ctr" rotWithShape="0">
+                    <a:schemeClr val="bg2"/>
+                  </a:outerShdw>
+                </a:effectLst>
+              </a14:hiddenEffects>
+            </a:ext>
+          </a:extLst>
+        </p:spPr>
+      </p:pic>
+      <p:sp>
+        <p:nvSpPr>
+          <p:cNvPr id="6" name="TextBox 5"/>
+          <p:cNvSpPr txBox="1"/>
+          <p:nvPr/>
+        </p:nvSpPr>
+        <p:spPr>
+          <a:xfrm>
+            <a:off x="6749508" y="928671"/>
+            <a:ext cx="2237330" cy="1200329"/>
+          </a:xfrm>
+          <a:prstGeom prst="rect">
+            <a:avLst/>
+          </a:prstGeom>
+        </p:spPr>
+        <p:txBody>
+          <a:bodyPr wrap="square" rtlCol="0">
+            <a:spAutoFit/>
+          </a:bodyPr>
+          <a:lstStyle/>
+          <a:p>
+            <a:pPr marL="228600" indent="-228600"/>
+            <a:r>
+              <a:rPr lang="ko-KR" altLang="en-US" sz="900" dirty="0" smtClean="0"/>
+              <a:t>비밀번호 완료 후 보여주는 페이지</a:t>
+            </a:r>
+            <a:endParaRPr lang="en-US" altLang="ko-KR" sz="900" dirty="0" smtClean="0"/>
+          </a:p>
+          <a:p>
+            <a:pPr marL="228600" indent="-228600"/>
+            <a:endParaRPr lang="en-US" altLang="ko-KR" sz="900" dirty="0" smtClean="0"/>
+          </a:p>
+          <a:p>
+            <a:pPr marL="228600" indent="-228600">
+              <a:buAutoNum type="arabicPeriod"/>
+            </a:pPr>
+            <a:r>
+              <a:rPr lang="ko-KR" altLang="en-US" sz="900" dirty="0" smtClean="0"/>
+              <a:t>버튼을 누르면 로그인 페이지로 이동</a:t>
+            </a:r>
+            <a:endParaRPr lang="en-US" altLang="ko-KR" sz="900" dirty="0" smtClean="0"/>
+          </a:p>
+          <a:p>
+            <a:pPr marL="228600" indent="-228600">
+              <a:buAutoNum type="arabicPeriod"/>
+            </a:pPr>
+            <a:r>
+              <a:rPr lang="ko-KR" altLang="en-US" sz="900" dirty="0" smtClean="0"/>
+              <a:t>버튼을 누르면 아이디 찾기 페이지로 이동</a:t>
+            </a:r>
+            <a:endParaRPr lang="en-US" altLang="ko-KR" sz="900" dirty="0" smtClean="0"/>
+          </a:p>
+          <a:p>
+            <a:pPr marL="228600" indent="-228600"/>
+            <a:r>
+              <a:rPr lang="en-US" altLang="ko-KR" sz="900" dirty="0" smtClean="0"/>
+              <a:t>		</a:t>
+            </a:r>
+            <a:endParaRPr lang="ko-KR" altLang="en-US" sz="900" dirty="0" smtClean="0"/>
+          </a:p>
+          <a:p>
+            <a:endParaRPr lang="ko-KR" altLang="en-US" sz="900" dirty="0"/>
+          </a:p>
+        </p:txBody>
+      </p:sp>
+      <p:sp>
+        <p:nvSpPr>
+          <p:cNvPr id="7" name="직사각형 6"/>
+          <p:cNvSpPr/>
+          <p:nvPr/>
+        </p:nvSpPr>
+        <p:spPr>
+          <a:xfrm>
+            <a:off x="714347" y="3786190"/>
+            <a:ext cx="1428760" cy="1214446"/>
+          </a:xfrm>
+          <a:prstGeom prst="rect">
+            <a:avLst/>
+          </a:prstGeom>
+          <a:solidFill>
+            <a:schemeClr val="bg1"/>
+          </a:solidFill>
+          <a:ln>
+            <a:solidFill>
+              <a:schemeClr val="tx2">
+                <a:lumMod val="60000"/>
+                <a:lumOff val="40000"/>
+              </a:schemeClr>
+            </a:solidFill>
+          </a:ln>
+        </p:spPr>
+        <p:style>
+          <a:lnRef idx="2">
+            <a:schemeClr val="accent1">
+              <a:shade val="50000"/>
+            </a:schemeClr>
+          </a:lnRef>
+          <a:fillRef idx="1">
+            <a:schemeClr val="accent1"/>
+          </a:fillRef>
+          <a:effectRef idx="0">
+            <a:schemeClr val="accent1"/>
+          </a:effectRef>
+          <a:fontRef idx="minor">
+            <a:schemeClr val="lt1"/>
+          </a:fontRef>
+        </p:style>
+        <p:txBody>
+          <a:bodyPr rtlCol="0" anchor="ctr"/>
+          <a:lstStyle/>
+          <a:p>
+            <a:r>
+              <a:rPr lang="en-US" altLang="ko-KR" sz="1000" dirty="0" smtClean="0">
+                <a:solidFill>
+                  <a:schemeClr val="tx1"/>
+                </a:solidFill>
+              </a:rPr>
+              <a:t>1.</a:t>
+            </a:r>
+            <a:r>
+              <a:rPr lang="ko-KR" altLang="en-US" sz="1000" dirty="0" smtClean="0">
+                <a:solidFill>
+                  <a:schemeClr val="tx1"/>
+                </a:solidFill>
+              </a:rPr>
+              <a:t>요청</a:t>
+            </a:r>
+            <a:r>
+              <a:rPr lang="en-US" altLang="ko-KR" sz="1000" dirty="0" smtClean="0">
+                <a:solidFill>
+                  <a:schemeClr val="tx1"/>
+                </a:solidFill>
+              </a:rPr>
+              <a:t>: /loginFrm</a:t>
+            </a:r>
+          </a:p>
+          <a:p>
+            <a:r>
+              <a:rPr lang="en-US" altLang="ko-KR" sz="1000" dirty="0" smtClean="0">
+                <a:solidFill>
+                  <a:schemeClr val="tx1"/>
+                </a:solidFill>
+              </a:rPr>
+              <a:t>2.View: loginFrm.jsp</a:t>
+            </a:r>
+          </a:p>
+        </p:txBody>
+      </p:sp>
+      <p:cxnSp>
+        <p:nvCxnSpPr>
+          <p:cNvPr id="8" name="직선 화살표 연결선 7"/>
+          <p:cNvCxnSpPr>
+            <a:stCxn id="7" idx="0"/>
+          </p:cNvCxnSpPr>
+          <p:nvPr/>
+        </p:nvCxnSpPr>
+        <p:spPr>
+          <a:xfrm rot="5400000" flipH="1" flipV="1">
+            <a:off x="1863469" y="3220800"/>
+            <a:ext cx="130648" cy="1000133"/>
+          </a:xfrm>
+          <a:prstGeom prst="straightConnector1">
+            <a:avLst/>
+          </a:prstGeom>
+          <a:ln>
+            <a:tailEnd type="arrow"/>
+          </a:ln>
+        </p:spPr>
+        <p:style>
+          <a:lnRef idx="1">
+            <a:schemeClr val="accent1"/>
+          </a:lnRef>
+          <a:fillRef idx="0">
+            <a:schemeClr val="accent1"/>
+          </a:fillRef>
+          <a:effectRef idx="0">
+            <a:schemeClr val="accent1"/>
+          </a:effectRef>
+          <a:fontRef idx="minor">
+            <a:schemeClr val="tx1"/>
+          </a:fontRef>
+        </p:style>
+      </p:cxnSp>
+      <p:sp>
+        <p:nvSpPr>
+          <p:cNvPr id="9" name="타원 8"/>
+          <p:cNvSpPr/>
+          <p:nvPr/>
+        </p:nvSpPr>
+        <p:spPr>
+          <a:xfrm>
+            <a:off x="2428860" y="3429000"/>
+            <a:ext cx="339812" cy="453082"/>
+          </a:xfrm>
+          <a:prstGeom prst="ellipse">
+            <a:avLst/>
+          </a:prstGeom>
+        </p:spPr>
+        <p:style>
+          <a:lnRef idx="2">
+            <a:schemeClr val="accent5">
+              <a:shade val="50000"/>
+            </a:schemeClr>
+          </a:lnRef>
+          <a:fillRef idx="1">
+            <a:schemeClr val="accent5"/>
+          </a:fillRef>
+          <a:effectRef idx="0">
+            <a:schemeClr val="accent5"/>
+          </a:effectRef>
+          <a:fontRef idx="minor">
+            <a:schemeClr val="lt1"/>
+          </a:fontRef>
+        </p:style>
+        <p:txBody>
+          <a:bodyPr rtlCol="0" anchor="ctr"/>
+          <a:lstStyle/>
+          <a:p>
+            <a:pPr algn="ctr"/>
+            <a:r>
+              <a:rPr lang="en-US" altLang="ko-KR" dirty="0" smtClean="0"/>
+              <a:t>1</a:t>
+            </a:r>
+            <a:endParaRPr lang="ko-KR" altLang="en-US" dirty="0"/>
+          </a:p>
+        </p:txBody>
+      </p:sp>
+      <p:sp>
+        <p:nvSpPr>
+          <p:cNvPr id="10" name="직사각형 9"/>
+          <p:cNvSpPr/>
+          <p:nvPr/>
+        </p:nvSpPr>
+        <p:spPr>
+          <a:xfrm>
+            <a:off x="714347" y="5286388"/>
+            <a:ext cx="1428760" cy="1214446"/>
+          </a:xfrm>
+          <a:prstGeom prst="rect">
+            <a:avLst/>
+          </a:prstGeom>
+          <a:solidFill>
+            <a:schemeClr val="bg1"/>
+          </a:solidFill>
+          <a:ln>
+            <a:solidFill>
+              <a:schemeClr val="tx2">
+                <a:lumMod val="60000"/>
+                <a:lumOff val="40000"/>
+              </a:schemeClr>
+            </a:solidFill>
+          </a:ln>
+        </p:spPr>
+        <p:style>
+          <a:lnRef idx="2">
+            <a:schemeClr val="accent1">
+              <a:shade val="50000"/>
+            </a:schemeClr>
+          </a:lnRef>
+          <a:fillRef idx="1">
+            <a:schemeClr val="accent1"/>
+          </a:fillRef>
+          <a:effectRef idx="0">
+            <a:schemeClr val="accent1"/>
+          </a:effectRef>
+          <a:fontRef idx="minor">
+            <a:schemeClr val="lt1"/>
+          </a:fontRef>
+        </p:style>
+        <p:txBody>
+          <a:bodyPr rtlCol="0" anchor="ctr"/>
+          <a:lstStyle/>
+          <a:p>
+            <a:r>
+              <a:rPr lang="en-US" altLang="ko-KR" sz="1000" dirty="0" smtClean="0">
+                <a:solidFill>
+                  <a:schemeClr val="tx1"/>
+                </a:solidFill>
+              </a:rPr>
+              <a:t>1.</a:t>
+            </a:r>
+            <a:r>
+              <a:rPr lang="ko-KR" altLang="en-US" sz="1000" dirty="0" smtClean="0">
+                <a:solidFill>
+                  <a:schemeClr val="tx1"/>
+                </a:solidFill>
+              </a:rPr>
+              <a:t>요청</a:t>
+            </a:r>
+            <a:r>
+              <a:rPr lang="en-US" altLang="ko-KR" sz="1000" dirty="0" smtClean="0">
+                <a:solidFill>
+                  <a:schemeClr val="tx1"/>
+                </a:solidFill>
+              </a:rPr>
+              <a:t>: /idFindFrm</a:t>
+            </a:r>
+          </a:p>
+          <a:p>
+            <a:r>
+              <a:rPr lang="en-US" altLang="ko-KR" sz="1000" dirty="0" smtClean="0">
+                <a:solidFill>
+                  <a:schemeClr val="tx1"/>
+                </a:solidFill>
+              </a:rPr>
+              <a:t>2.View: idFindFrm.jsp</a:t>
+            </a:r>
+          </a:p>
+          <a:p>
+            <a:r>
+              <a:rPr lang="en-US" altLang="ko-KR" sz="1000" dirty="0" smtClean="0">
+                <a:solidFill>
+                  <a:schemeClr val="tx1"/>
+                </a:solidFill>
+              </a:rPr>
+              <a:t>(</a:t>
+            </a:r>
+            <a:r>
+              <a:rPr lang="ko-KR" altLang="en-US" sz="1000" dirty="0" smtClean="0">
+                <a:solidFill>
+                  <a:schemeClr val="tx1"/>
+                </a:solidFill>
+              </a:rPr>
+              <a:t>새창으로 열기</a:t>
+            </a:r>
+            <a:r>
+              <a:rPr lang="en-US" altLang="ko-KR" sz="1000" dirty="0" smtClean="0">
+                <a:solidFill>
+                  <a:schemeClr val="tx1"/>
+                </a:solidFill>
+              </a:rPr>
+              <a:t>)</a:t>
+            </a:r>
+          </a:p>
+        </p:txBody>
+      </p:sp>
+      <p:cxnSp>
+        <p:nvCxnSpPr>
+          <p:cNvPr id="11" name="직선 화살표 연결선 10"/>
+          <p:cNvCxnSpPr>
+            <a:stCxn id="10" idx="0"/>
+            <a:endCxn id="12" idx="4"/>
+          </p:cNvCxnSpPr>
+          <p:nvPr/>
+        </p:nvCxnSpPr>
+        <p:spPr>
+          <a:xfrm rot="5400000" flipH="1" flipV="1">
+            <a:off x="1561626" y="4249249"/>
+            <a:ext cx="904240" cy="1170039"/>
+          </a:xfrm>
+          <a:prstGeom prst="straightConnector1">
+            <a:avLst/>
+          </a:prstGeom>
+          <a:ln>
+            <a:tailEnd type="arrow"/>
+          </a:ln>
+        </p:spPr>
+        <p:style>
+          <a:lnRef idx="1">
+            <a:schemeClr val="accent1"/>
+          </a:lnRef>
+          <a:fillRef idx="0">
+            <a:schemeClr val="accent1"/>
+          </a:fillRef>
+          <a:effectRef idx="0">
+            <a:schemeClr val="accent1"/>
+          </a:effectRef>
+          <a:fontRef idx="minor">
+            <a:schemeClr val="tx1"/>
+          </a:fontRef>
+        </p:style>
+      </p:cxnSp>
+      <p:sp>
+        <p:nvSpPr>
+          <p:cNvPr id="12" name="타원 11"/>
+          <p:cNvSpPr/>
+          <p:nvPr/>
+        </p:nvSpPr>
+        <p:spPr>
+          <a:xfrm>
+            <a:off x="2428860" y="3929066"/>
+            <a:ext cx="339812" cy="453082"/>
+          </a:xfrm>
+          <a:prstGeom prst="ellipse">
+            <a:avLst/>
+          </a:prstGeom>
+        </p:spPr>
+        <p:style>
+          <a:lnRef idx="2">
+            <a:schemeClr val="accent5">
+              <a:shade val="50000"/>
+            </a:schemeClr>
+          </a:lnRef>
+          <a:fillRef idx="1">
+            <a:schemeClr val="accent5"/>
+          </a:fillRef>
+          <a:effectRef idx="0">
+            <a:schemeClr val="accent5"/>
+          </a:effectRef>
+          <a:fontRef idx="minor">
+            <a:schemeClr val="lt1"/>
+          </a:fontRef>
+        </p:style>
+        <p:txBody>
+          <a:bodyPr rtlCol="0" anchor="ctr"/>
+          <a:lstStyle/>
+          <a:p>
+            <a:pPr algn="ctr"/>
+            <a:r>
+              <a:rPr lang="en-US" altLang="ko-KR" dirty="0" smtClean="0"/>
+              <a:t>2</a:t>
+            </a:r>
+            <a:endParaRPr lang="ko-KR" altLang="en-US" dirty="0"/>
+          </a:p>
+        </p:txBody>
+      </p:sp>
+    </p:spTree>
+    <p:extLst>
+      <p:ext uri="{BB962C8B-B14F-4D97-AF65-F5344CB8AC3E}">
+        <p14:creationId xmlns:p14="http://schemas.microsoft.com/office/powerpoint/2010/main" val="789187421"/>
       </p:ext>
     </p:extLst>
   </p:cSld>
